--- a/P7_Support.pptx
+++ b/P7_Support.pptx
@@ -7,6 +7,17 @@
   <p:sldIdLst>
     <p:sldId id="256" r:id="rId2"/>
     <p:sldId id="257" r:id="rId3"/>
+    <p:sldId id="261" r:id="rId4"/>
+    <p:sldId id="259" r:id="rId5"/>
+    <p:sldId id="258" r:id="rId6"/>
+    <p:sldId id="260" r:id="rId7"/>
+    <p:sldId id="262" r:id="rId8"/>
+    <p:sldId id="263" r:id="rId9"/>
+    <p:sldId id="264" r:id="rId10"/>
+    <p:sldId id="265" r:id="rId11"/>
+    <p:sldId id="266" r:id="rId12"/>
+    <p:sldId id="267" r:id="rId13"/>
+    <p:sldId id="268" r:id="rId14"/>
   </p:sldIdLst>
   <p:sldSz cx="12192000" cy="6858000"/>
   <p:notesSz cx="6858000" cy="9144000"/>
@@ -105,6 +116,11 @@
       </a:defRPr>
     </a:lvl9pPr>
   </p:defaultTextStyle>
+  <p:extLst>
+    <p:ext uri="{EFAFB233-063F-42B5-8137-9DF3F51BA10A}">
+      <p15:sldGuideLst xmlns:p15="http://schemas.microsoft.com/office/powerpoint/2012/main"/>
+    </p:ext>
+  </p:extLst>
 </p:presentation>
 </file>
 
@@ -396,7 +412,7 @@
             <a:fld id="{08B9EBBA-996F-894A-B54A-D6246ED52CEA}" type="datetimeFigureOut">
               <a:rPr lang="en-US" dirty="0"/>
               <a:pPr/>
-              <a:t>11/2/2020</a:t>
+              <a:t>11/4/2020</a:t>
             </a:fld>
             <a:endParaRPr lang="en-US" dirty="0"/>
           </a:p>
@@ -711,7 +727,7 @@
             <a:fld id="{18C79C5D-2A6F-F04D-97DA-BEF2467B64E4}" type="datetimeFigureOut">
               <a:rPr lang="en-US" dirty="0"/>
               <a:pPr/>
-              <a:t>11/2/2020</a:t>
+              <a:t>11/4/2020</a:t>
             </a:fld>
             <a:endParaRPr lang="en-US" dirty="0"/>
           </a:p>
@@ -1196,7 +1212,7 @@
             <a:fld id="{8DFA1846-DA80-1C48-A609-854EA85C59AD}" type="datetimeFigureOut">
               <a:rPr lang="en-US" dirty="0"/>
               <a:pPr/>
-              <a:t>11/2/2020</a:t>
+              <a:t>11/4/2020</a:t>
             </a:fld>
             <a:endParaRPr lang="en-US" dirty="0"/>
           </a:p>
@@ -1562,7 +1578,7 @@
             <a:fld id="{FBF54567-0DE4-3F47-BF90-CB84690072F9}" type="datetimeFigureOut">
               <a:rPr lang="en-US" dirty="0"/>
               <a:pPr/>
-              <a:t>11/2/2020</a:t>
+              <a:t>11/4/2020</a:t>
             </a:fld>
             <a:endParaRPr lang="en-US" dirty="0"/>
           </a:p>
@@ -1832,7 +1848,7 @@
             <a:fld id="{C6C52C72-DE31-F449-A4ED-4C594FD91407}" type="datetimeFigureOut">
               <a:rPr lang="en-US" dirty="0"/>
               <a:pPr/>
-              <a:t>11/2/2020</a:t>
+              <a:t>11/4/2020</a:t>
             </a:fld>
             <a:endParaRPr lang="en-US" dirty="0"/>
           </a:p>
@@ -2114,7 +2130,7 @@
             <a:fld id="{ED62726E-379B-B349-9EED-81ED093FA806}" type="datetimeFigureOut">
               <a:rPr lang="en-US" dirty="0"/>
               <a:pPr/>
-              <a:t>11/2/2020</a:t>
+              <a:t>11/4/2020</a:t>
             </a:fld>
             <a:endParaRPr lang="en-US" dirty="0"/>
           </a:p>
@@ -2394,7 +2410,7 @@
             <a:fld id="{9B3A1323-8D79-1946-B0D7-40001CF92E9D}" type="datetimeFigureOut">
               <a:rPr lang="en-US" dirty="0"/>
               <a:pPr/>
-              <a:t>11/2/2020</a:t>
+              <a:t>11/4/2020</a:t>
             </a:fld>
             <a:endParaRPr lang="en-US" dirty="0"/>
           </a:p>
@@ -2734,7 +2750,7 @@
             <a:fld id="{8DFA1846-DA80-1C48-A609-854EA85C59AD}" type="datetimeFigureOut">
               <a:rPr lang="en-US" dirty="0"/>
               <a:pPr/>
-              <a:t>11/2/2020</a:t>
+              <a:t>11/4/2020</a:t>
             </a:fld>
             <a:endParaRPr lang="en-US" dirty="0"/>
           </a:p>
@@ -3070,7 +3086,7 @@
             <a:fld id="{57302355-E14B-8545-A8F8-0FE83CC9D524}" type="datetimeFigureOut">
               <a:rPr lang="en-US" dirty="0"/>
               <a:pPr/>
-              <a:t>11/2/2020</a:t>
+              <a:t>11/4/2020</a:t>
             </a:fld>
             <a:endParaRPr lang="en-US" dirty="0"/>
           </a:p>
@@ -3544,7 +3560,7 @@
             <a:fld id="{02640F58-564D-2B4F-AE67-E407BA4FCF45}" type="datetimeFigureOut">
               <a:rPr lang="en-US" dirty="0"/>
               <a:pPr/>
-              <a:t>11/2/2020</a:t>
+              <a:t>11/4/2020</a:t>
             </a:fld>
             <a:endParaRPr lang="en-US" dirty="0"/>
           </a:p>
@@ -3762,7 +3778,7 @@
             <a:fld id="{F13A34C8-038E-2045-AF43-DF7DBB8E0E9E}" type="datetimeFigureOut">
               <a:rPr lang="en-US" dirty="0"/>
               <a:pPr/>
-              <a:t>11/2/2020</a:t>
+              <a:t>11/4/2020</a:t>
             </a:fld>
             <a:endParaRPr lang="en-US" dirty="0"/>
           </a:p>
@@ -3854,7 +3870,7 @@
             <a:fld id="{8818C68F-D26B-8F47-958C-23B49CF8A634}" type="datetimeFigureOut">
               <a:rPr lang="en-US" dirty="0"/>
               <a:pPr/>
-              <a:t>11/2/2020</a:t>
+              <a:t>11/4/2020</a:t>
             </a:fld>
             <a:endParaRPr lang="en-US" dirty="0"/>
           </a:p>
@@ -4318,7 +4334,7 @@
             <a:fld id="{D0DF5E60-9974-AC48-9591-99C2BB44B7CF}" type="datetimeFigureOut">
               <a:rPr lang="en-US" dirty="0"/>
               <a:pPr/>
-              <a:t>11/2/2020</a:t>
+              <a:t>11/4/2020</a:t>
             </a:fld>
             <a:endParaRPr lang="en-US" dirty="0"/>
           </a:p>
@@ -4628,7 +4644,7 @@
             <a:fld id="{18C79C5D-2A6F-F04D-97DA-BEF2467B64E4}" type="datetimeFigureOut">
               <a:rPr lang="en-US" dirty="0"/>
               <a:pPr/>
-              <a:t>11/2/2020</a:t>
+              <a:t>11/4/2020</a:t>
             </a:fld>
             <a:endParaRPr lang="en-US" dirty="0"/>
           </a:p>
@@ -4895,7 +4911,7 @@
             <a:fld id="{09B482E8-6E0E-1B4F-B1FD-C69DB9E858D9}" type="datetimeFigureOut">
               <a:rPr lang="en-US" dirty="0"/>
               <a:pPr/>
-              <a:t>11/2/2020</a:t>
+              <a:t>11/4/2020</a:t>
             </a:fld>
             <a:endParaRPr lang="en-US" dirty="0"/>
           </a:p>
@@ -5568,6 +5584,942 @@
 </p:sld>
 </file>
 
+<file path=ppt/slides/slide10.xml><?xml version="1.0" encoding="utf-8"?>
+<p:sld xmlns:a="http://schemas.openxmlformats.org/drawingml/2006/main" xmlns:r="http://schemas.openxmlformats.org/officeDocument/2006/relationships" xmlns:p="http://schemas.openxmlformats.org/presentationml/2006/main">
+  <p:cSld>
+    <p:spTree>
+      <p:nvGrpSpPr>
+        <p:cNvPr id="1" name=""/>
+        <p:cNvGrpSpPr/>
+        <p:nvPr/>
+      </p:nvGrpSpPr>
+      <p:grpSpPr>
+        <a:xfrm>
+          <a:off x="0" y="0"/>
+          <a:ext cx="0" cy="0"/>
+          <a:chOff x="0" y="0"/>
+          <a:chExt cx="0" cy="0"/>
+        </a:xfrm>
+      </p:grpSpPr>
+      <p:sp>
+        <p:nvSpPr>
+          <p:cNvPr id="2" name="Titre 1">
+            <a:extLst>
+              <a:ext uri="{FF2B5EF4-FFF2-40B4-BE49-F238E27FC236}">
+                <a16:creationId xmlns:a16="http://schemas.microsoft.com/office/drawing/2014/main" id="{A75B00C4-A8DA-4513-88C8-E3E14E3375AD}"/>
+              </a:ext>
+            </a:extLst>
+          </p:cNvPr>
+          <p:cNvSpPr>
+            <a:spLocks noGrp="1"/>
+          </p:cNvSpPr>
+          <p:nvPr>
+            <p:ph type="title"/>
+          </p:nvPr>
+        </p:nvSpPr>
+        <p:spPr/>
+        <p:txBody>
+          <a:bodyPr/>
+          <a:lstStyle/>
+          <a:p>
+            <a:r>
+              <a:rPr lang="en-US" dirty="0"/>
+              <a:t>Interest Rate Features / previous</a:t>
+            </a:r>
+          </a:p>
+        </p:txBody>
+      </p:sp>
+      <p:sp>
+        <p:nvSpPr>
+          <p:cNvPr id="3" name="Espace réservé du contenu 2">
+            <a:extLst>
+              <a:ext uri="{FF2B5EF4-FFF2-40B4-BE49-F238E27FC236}">
+                <a16:creationId xmlns:a16="http://schemas.microsoft.com/office/drawing/2014/main" id="{C03D6D08-2E39-4725-B9CF-E3FC47B14129}"/>
+              </a:ext>
+            </a:extLst>
+          </p:cNvPr>
+          <p:cNvSpPr>
+            <a:spLocks noGrp="1"/>
+          </p:cNvSpPr>
+          <p:nvPr>
+            <p:ph idx="1"/>
+          </p:nvPr>
+        </p:nvSpPr>
+        <p:spPr/>
+        <p:txBody>
+          <a:bodyPr>
+            <a:normAutofit fontScale="85000" lnSpcReduction="10000"/>
+          </a:bodyPr>
+          <a:lstStyle/>
+          <a:p>
+            <a:r>
+              <a:rPr lang="en-US" dirty="0"/>
+              <a:t>Interest rate seems to be an important feature in predicting loan default.(You can see this from the lending club dataset) We were not given interest rate directly in either Main Application data or Previous Application data but we could approximate it:</a:t>
+            </a:r>
+          </a:p>
+          <a:p>
+            <a:endParaRPr lang="en-US" dirty="0"/>
+          </a:p>
+          <a:p>
+            <a:r>
+              <a:rPr lang="en-US" dirty="0"/>
+              <a:t>Previous Application - The key thing here is that AMT_ANNUITY includes interest. Based on AMT_CREDIT, AMT_ANNUITY, and CNT_PAYMENT we can derive interest rate.</a:t>
+            </a:r>
+          </a:p>
+          <a:p>
+            <a:endParaRPr lang="en-US" dirty="0"/>
+          </a:p>
+          <a:p>
+            <a:r>
+              <a:rPr lang="en-US" dirty="0" err="1"/>
+              <a:t>prev_app</a:t>
+            </a:r>
+            <a:r>
+              <a:rPr lang="en-US" dirty="0"/>
+              <a:t>['INTEREST'] = </a:t>
+            </a:r>
+            <a:r>
+              <a:rPr lang="en-US" dirty="0" err="1"/>
+              <a:t>prev_app</a:t>
+            </a:r>
+            <a:r>
+              <a:rPr lang="en-US" dirty="0"/>
+              <a:t>['CNT_PAYMENT']*</a:t>
+            </a:r>
+            <a:r>
+              <a:rPr lang="en-US" dirty="0" err="1"/>
+              <a:t>prev_app</a:t>
+            </a:r>
+            <a:r>
+              <a:rPr lang="en-US" dirty="0"/>
+              <a:t>['AMT_ANNUITY'] - </a:t>
+            </a:r>
+            <a:r>
+              <a:rPr lang="en-US" dirty="0" err="1"/>
+              <a:t>prev_app</a:t>
+            </a:r>
+            <a:r>
+              <a:rPr lang="en-US" dirty="0"/>
+              <a:t>['AMT_CREDIT']</a:t>
+            </a:r>
+          </a:p>
+          <a:p>
+            <a:r>
+              <a:rPr lang="en-US" dirty="0" err="1"/>
+              <a:t>prev_app</a:t>
+            </a:r>
+            <a:r>
+              <a:rPr lang="en-US" dirty="0"/>
+              <a:t>['INTEREST_RATE'] = 2*12*</a:t>
+            </a:r>
+            <a:r>
+              <a:rPr lang="en-US" dirty="0" err="1"/>
+              <a:t>prev_app</a:t>
+            </a:r>
+            <a:r>
+              <a:rPr lang="en-US" dirty="0"/>
+              <a:t>['INTEREST']/(</a:t>
+            </a:r>
+            <a:r>
+              <a:rPr lang="en-US" dirty="0" err="1"/>
+              <a:t>prev_app</a:t>
+            </a:r>
+            <a:r>
+              <a:rPr lang="en-US" dirty="0"/>
+              <a:t>['AMT_CREDIT']*(</a:t>
+            </a:r>
+            <a:r>
+              <a:rPr lang="en-US" dirty="0" err="1"/>
+              <a:t>prev_app</a:t>
+            </a:r>
+            <a:r>
+              <a:rPr lang="en-US" dirty="0"/>
+              <a:t>['CNT_PAYMENT']+1))</a:t>
+            </a:r>
+          </a:p>
+          <a:p>
+            <a:r>
+              <a:rPr lang="en-US" dirty="0" err="1"/>
+              <a:t>prev_app</a:t>
+            </a:r>
+            <a:r>
+              <a:rPr lang="en-US" dirty="0"/>
+              <a:t>['INTEREST_SHARE'] = </a:t>
+            </a:r>
+            <a:r>
+              <a:rPr lang="en-US" dirty="0" err="1"/>
+              <a:t>prev_app</a:t>
+            </a:r>
+            <a:r>
+              <a:rPr lang="en-US" dirty="0"/>
+              <a:t>['INTEREST']/</a:t>
+            </a:r>
+            <a:r>
+              <a:rPr lang="en-US" dirty="0" err="1"/>
+              <a:t>prev_app</a:t>
+            </a:r>
+            <a:r>
+              <a:rPr lang="en-US" dirty="0"/>
+              <a:t>['AMT_CREDIT']</a:t>
+            </a:r>
+          </a:p>
+          <a:p>
+            <a:r>
+              <a:rPr lang="en-US" dirty="0"/>
+              <a:t>Then by calculating max, min, mean of features above for each customer, I got several top features for Previous Application table.</a:t>
+            </a:r>
+          </a:p>
+        </p:txBody>
+      </p:sp>
+    </p:spTree>
+    <p:extLst>
+      <p:ext uri="{BB962C8B-B14F-4D97-AF65-F5344CB8AC3E}">
+        <p14:creationId xmlns:p14="http://schemas.microsoft.com/office/powerpoint/2010/main" val="2092429938"/>
+      </p:ext>
+    </p:extLst>
+  </p:cSld>
+  <p:clrMapOvr>
+    <a:masterClrMapping/>
+  </p:clrMapOvr>
+</p:sld>
+</file>
+
+<file path=ppt/slides/slide11.xml><?xml version="1.0" encoding="utf-8"?>
+<p:sld xmlns:a="http://schemas.openxmlformats.org/drawingml/2006/main" xmlns:r="http://schemas.openxmlformats.org/officeDocument/2006/relationships" xmlns:p="http://schemas.openxmlformats.org/presentationml/2006/main">
+  <p:cSld>
+    <p:spTree>
+      <p:nvGrpSpPr>
+        <p:cNvPr id="1" name=""/>
+        <p:cNvGrpSpPr/>
+        <p:nvPr/>
+      </p:nvGrpSpPr>
+      <p:grpSpPr>
+        <a:xfrm>
+          <a:off x="0" y="0"/>
+          <a:ext cx="0" cy="0"/>
+          <a:chOff x="0" y="0"/>
+          <a:chExt cx="0" cy="0"/>
+        </a:xfrm>
+      </p:grpSpPr>
+      <p:sp>
+        <p:nvSpPr>
+          <p:cNvPr id="2" name="Titre 1">
+            <a:extLst>
+              <a:ext uri="{FF2B5EF4-FFF2-40B4-BE49-F238E27FC236}">
+                <a16:creationId xmlns:a16="http://schemas.microsoft.com/office/drawing/2014/main" id="{89E3F334-3E8C-45FA-85D5-B05F4AF2FED7}"/>
+              </a:ext>
+            </a:extLst>
+          </p:cNvPr>
+          <p:cNvSpPr>
+            <a:spLocks noGrp="1"/>
+          </p:cNvSpPr>
+          <p:nvPr>
+            <p:ph type="title"/>
+          </p:nvPr>
+        </p:nvSpPr>
+        <p:spPr/>
+        <p:txBody>
+          <a:bodyPr/>
+          <a:lstStyle/>
+          <a:p>
+            <a:r>
+              <a:rPr lang="en-US" dirty="0"/>
+              <a:t>Interest Rate Features / application</a:t>
+            </a:r>
+          </a:p>
+        </p:txBody>
+      </p:sp>
+      <p:sp>
+        <p:nvSpPr>
+          <p:cNvPr id="3" name="Espace réservé du contenu 2">
+            <a:extLst>
+              <a:ext uri="{FF2B5EF4-FFF2-40B4-BE49-F238E27FC236}">
+                <a16:creationId xmlns:a16="http://schemas.microsoft.com/office/drawing/2014/main" id="{A9A06234-8285-4FA7-86D9-57F91633B493}"/>
+              </a:ext>
+            </a:extLst>
+          </p:cNvPr>
+          <p:cNvSpPr>
+            <a:spLocks noGrp="1"/>
+          </p:cNvSpPr>
+          <p:nvPr>
+            <p:ph idx="1"/>
+          </p:nvPr>
+        </p:nvSpPr>
+        <p:spPr/>
+        <p:txBody>
+          <a:bodyPr>
+            <a:normAutofit fontScale="85000" lnSpcReduction="10000"/>
+          </a:bodyPr>
+          <a:lstStyle/>
+          <a:p>
+            <a:r>
+              <a:rPr lang="en-US" dirty="0"/>
+              <a:t>We were not given CNT_PAYMENT in Main Application data and but we could predict it from Previous Application table. I built a </a:t>
+            </a:r>
+            <a:r>
+              <a:rPr lang="en-US" dirty="0" err="1"/>
+              <a:t>lightgbm</a:t>
+            </a:r>
+            <a:r>
+              <a:rPr lang="en-US" dirty="0"/>
+              <a:t> from Previous Application table by using AMT_CREDIT, AMT_ANNUITY, AMT_CREDIT/AMT_ANNUITY to predict CNT_PAYMENT. The model got a RMSE ~2.78. After applying the model on Main Application table, I got predicted CNT_PAYMENT(EXP_TERM) for each record and then I created exact same features as I did for previous app table. After applying the model on Main Application table, I got predicted CNT_PAYMENT(EXP_TERM) for each record and then I created exact same features as I did for previous app table.</a:t>
+            </a:r>
+          </a:p>
+          <a:p>
+            <a:endParaRPr lang="en-US" dirty="0"/>
+          </a:p>
+          <a:p>
+            <a:r>
+              <a:rPr lang="en-US" dirty="0" err="1"/>
+              <a:t>main_app</a:t>
+            </a:r>
+            <a:r>
+              <a:rPr lang="en-US" dirty="0"/>
+              <a:t>['INTEREST'] = </a:t>
+            </a:r>
+            <a:r>
+              <a:rPr lang="en-US" dirty="0" err="1"/>
+              <a:t>main_app</a:t>
+            </a:r>
+            <a:r>
+              <a:rPr lang="en-US" dirty="0"/>
+              <a:t>['EXP_TERM']*</a:t>
+            </a:r>
+            <a:r>
+              <a:rPr lang="en-US" dirty="0" err="1"/>
+              <a:t>main_app</a:t>
+            </a:r>
+            <a:r>
+              <a:rPr lang="en-US" dirty="0"/>
+              <a:t>['AMT_ANNUITY'] - </a:t>
+            </a:r>
+            <a:r>
+              <a:rPr lang="en-US" dirty="0" err="1"/>
+              <a:t>main_app</a:t>
+            </a:r>
+            <a:r>
+              <a:rPr lang="en-US" dirty="0"/>
+              <a:t>['AMT_CREDIT']</a:t>
+            </a:r>
+          </a:p>
+          <a:p>
+            <a:r>
+              <a:rPr lang="en-US" dirty="0" err="1"/>
+              <a:t>main_app</a:t>
+            </a:r>
+            <a:r>
+              <a:rPr lang="en-US" dirty="0"/>
+              <a:t>['INTEREST_RATE'] = 24*</a:t>
+            </a:r>
+            <a:r>
+              <a:rPr lang="en-US" dirty="0" err="1"/>
+              <a:t>main_app</a:t>
+            </a:r>
+            <a:r>
+              <a:rPr lang="en-US" dirty="0"/>
+              <a:t>['INTEREST']/(</a:t>
+            </a:r>
+            <a:r>
+              <a:rPr lang="en-US" dirty="0" err="1"/>
+              <a:t>main_app</a:t>
+            </a:r>
+            <a:r>
+              <a:rPr lang="en-US" dirty="0"/>
+              <a:t>['AMT_CREDIT']*(</a:t>
+            </a:r>
+            <a:r>
+              <a:rPr lang="en-US" dirty="0" err="1"/>
+              <a:t>main_app</a:t>
+            </a:r>
+            <a:r>
+              <a:rPr lang="en-US" dirty="0"/>
+              <a:t>['EXP_TERM']+1))</a:t>
+            </a:r>
+          </a:p>
+          <a:p>
+            <a:r>
+              <a:rPr lang="en-US" dirty="0" err="1"/>
+              <a:t>main_app</a:t>
+            </a:r>
+            <a:r>
+              <a:rPr lang="en-US" dirty="0"/>
+              <a:t>['INTEREST_SHARE'] = </a:t>
+            </a:r>
+            <a:r>
+              <a:rPr lang="en-US" dirty="0" err="1"/>
+              <a:t>main_app</a:t>
+            </a:r>
+            <a:r>
+              <a:rPr lang="en-US" dirty="0"/>
+              <a:t>['INTEREST']/</a:t>
+            </a:r>
+            <a:r>
+              <a:rPr lang="en-US" dirty="0" err="1"/>
+              <a:t>main_app</a:t>
+            </a:r>
+            <a:r>
+              <a:rPr lang="en-US" dirty="0"/>
+              <a:t>['AMT_CREDIT']</a:t>
+            </a:r>
+          </a:p>
+          <a:p>
+            <a:r>
+              <a:rPr lang="en-US" dirty="0"/>
+              <a:t>Overall, several of these interest rate related features joined my top 10 </a:t>
+            </a:r>
+            <a:r>
+              <a:rPr lang="en-US" dirty="0" err="1"/>
+              <a:t>lgb</a:t>
+            </a:r>
+            <a:r>
+              <a:rPr lang="en-US" dirty="0"/>
+              <a:t> features and gave ~0.0006 boost in CV.</a:t>
+            </a:r>
+          </a:p>
+        </p:txBody>
+      </p:sp>
+    </p:spTree>
+    <p:extLst>
+      <p:ext uri="{BB962C8B-B14F-4D97-AF65-F5344CB8AC3E}">
+        <p14:creationId xmlns:p14="http://schemas.microsoft.com/office/powerpoint/2010/main" val="2120134826"/>
+      </p:ext>
+    </p:extLst>
+  </p:cSld>
+  <p:clrMapOvr>
+    <a:masterClrMapping/>
+  </p:clrMapOvr>
+</p:sld>
+</file>
+
+<file path=ppt/slides/slide12.xml><?xml version="1.0" encoding="utf-8"?>
+<p:sld xmlns:a="http://schemas.openxmlformats.org/drawingml/2006/main" xmlns:r="http://schemas.openxmlformats.org/officeDocument/2006/relationships" xmlns:p="http://schemas.openxmlformats.org/presentationml/2006/main">
+  <p:cSld>
+    <p:spTree>
+      <p:nvGrpSpPr>
+        <p:cNvPr id="1" name=""/>
+        <p:cNvGrpSpPr/>
+        <p:nvPr/>
+      </p:nvGrpSpPr>
+      <p:grpSpPr>
+        <a:xfrm>
+          <a:off x="0" y="0"/>
+          <a:ext cx="0" cy="0"/>
+          <a:chOff x="0" y="0"/>
+          <a:chExt cx="0" cy="0"/>
+        </a:xfrm>
+      </p:grpSpPr>
+      <p:sp>
+        <p:nvSpPr>
+          <p:cNvPr id="2" name="Titre 1">
+            <a:extLst>
+              <a:ext uri="{FF2B5EF4-FFF2-40B4-BE49-F238E27FC236}">
+                <a16:creationId xmlns:a16="http://schemas.microsoft.com/office/drawing/2014/main" id="{7B922E7B-0EB1-4ED1-96B2-DFC42B11C5B7}"/>
+              </a:ext>
+            </a:extLst>
+          </p:cNvPr>
+          <p:cNvSpPr>
+            <a:spLocks noGrp="1"/>
+          </p:cNvSpPr>
+          <p:nvPr>
+            <p:ph type="title"/>
+          </p:nvPr>
+        </p:nvSpPr>
+        <p:spPr/>
+        <p:txBody>
+          <a:bodyPr/>
+          <a:lstStyle/>
+          <a:p>
+            <a:r>
+              <a:rPr lang="en-US" dirty="0"/>
+              <a:t>Filtering Previous application data by NAME_CONTRACT_STATUS column </a:t>
+            </a:r>
+          </a:p>
+        </p:txBody>
+      </p:sp>
+      <p:sp>
+        <p:nvSpPr>
+          <p:cNvPr id="3" name="Espace réservé du contenu 2">
+            <a:extLst>
+              <a:ext uri="{FF2B5EF4-FFF2-40B4-BE49-F238E27FC236}">
+                <a16:creationId xmlns:a16="http://schemas.microsoft.com/office/drawing/2014/main" id="{54F49E57-6048-485B-ACAB-BF60C4DA4EB4}"/>
+              </a:ext>
+            </a:extLst>
+          </p:cNvPr>
+          <p:cNvSpPr>
+            <a:spLocks noGrp="1"/>
+          </p:cNvSpPr>
+          <p:nvPr>
+            <p:ph idx="1"/>
+          </p:nvPr>
+        </p:nvSpPr>
+        <p:spPr/>
+        <p:txBody>
+          <a:bodyPr>
+            <a:normAutofit fontScale="92500" lnSpcReduction="20000"/>
+          </a:bodyPr>
+          <a:lstStyle/>
+          <a:p>
+            <a:r>
+              <a:rPr lang="en-US" dirty="0"/>
+              <a:t>for value in </a:t>
+            </a:r>
+            <a:r>
+              <a:rPr lang="en-US" dirty="0" err="1"/>
+              <a:t>prev.NAME_PRODUCT_TYPE.unique</a:t>
+            </a:r>
+            <a:r>
+              <a:rPr lang="en-US" dirty="0"/>
+              <a:t>(): #prev is the previous application data</a:t>
+            </a:r>
+          </a:p>
+          <a:p>
+            <a:r>
+              <a:rPr lang="en-US" dirty="0"/>
+              <a:t>    </a:t>
+            </a:r>
+            <a:r>
+              <a:rPr lang="en-US" dirty="0" err="1"/>
+              <a:t>prev_approved</a:t>
+            </a:r>
+            <a:r>
+              <a:rPr lang="en-US" dirty="0"/>
+              <a:t> = </a:t>
+            </a:r>
+            <a:r>
+              <a:rPr lang="en-US" dirty="0" err="1"/>
+              <a:t>prev</a:t>
+            </a:r>
+            <a:r>
+              <a:rPr lang="en-US" dirty="0"/>
+              <a:t>[</a:t>
+            </a:r>
+            <a:r>
+              <a:rPr lang="en-US" dirty="0" err="1"/>
+              <a:t>prev.NAME_CONTRACT_STATUS</a:t>
+            </a:r>
+            <a:r>
+              <a:rPr lang="en-US" dirty="0"/>
+              <a:t> == value]</a:t>
+            </a:r>
+          </a:p>
+          <a:p>
+            <a:r>
+              <a:rPr lang="en-US" dirty="0"/>
+              <a:t>    print(value)</a:t>
+            </a:r>
+          </a:p>
+          <a:p>
+            <a:r>
+              <a:rPr lang="en-US" dirty="0"/>
+              <a:t>    </a:t>
+            </a:r>
+            <a:r>
+              <a:rPr lang="en-US" dirty="0" err="1"/>
+              <a:t>num_cols</a:t>
+            </a:r>
+            <a:r>
+              <a:rPr lang="en-US" dirty="0"/>
+              <a:t> = </a:t>
+            </a:r>
+            <a:r>
+              <a:rPr lang="en-US" dirty="0" err="1"/>
+              <a:t>prev_approved.columns</a:t>
+            </a:r>
+            <a:r>
+              <a:rPr lang="en-US" dirty="0"/>
+              <a:t>[</a:t>
+            </a:r>
+            <a:r>
+              <a:rPr lang="en-US" dirty="0" err="1"/>
+              <a:t>prev_approved.dtypes</a:t>
+            </a:r>
+            <a:r>
+              <a:rPr lang="en-US" dirty="0"/>
+              <a:t>!= object]</a:t>
+            </a:r>
+          </a:p>
+          <a:p>
+            <a:r>
+              <a:rPr lang="en-US" dirty="0"/>
+              <a:t>    </a:t>
+            </a:r>
+            <a:r>
+              <a:rPr lang="en-US" dirty="0" err="1"/>
+              <a:t>num_cols</a:t>
+            </a:r>
+            <a:r>
+              <a:rPr lang="en-US" dirty="0"/>
+              <a:t> = [col for col in </a:t>
+            </a:r>
+            <a:r>
+              <a:rPr lang="en-US" dirty="0" err="1"/>
+              <a:t>num_cols</a:t>
+            </a:r>
+            <a:r>
+              <a:rPr lang="en-US" dirty="0"/>
+              <a:t> if col not in ['SK_ID_CURR','SK_ID_PREV']]</a:t>
+            </a:r>
+          </a:p>
+          <a:p>
+            <a:r>
+              <a:rPr lang="en-US" dirty="0"/>
+              <a:t>    features = </a:t>
+            </a:r>
+            <a:r>
+              <a:rPr lang="en-US" dirty="0" err="1"/>
+              <a:t>prev_approved.groupby</a:t>
+            </a:r>
+            <a:r>
+              <a:rPr lang="en-US" dirty="0"/>
+              <a:t>('SK_ID_CURR')[</a:t>
+            </a:r>
+            <a:r>
+              <a:rPr lang="en-US" dirty="0" err="1"/>
+              <a:t>num_cols</a:t>
+            </a:r>
+            <a:r>
+              <a:rPr lang="en-US" dirty="0"/>
+              <a:t>].max().</a:t>
+            </a:r>
+            <a:r>
+              <a:rPr lang="en-US" dirty="0" err="1"/>
+              <a:t>reset_index</a:t>
+            </a:r>
+            <a:r>
+              <a:rPr lang="en-US" dirty="0"/>
+              <a:t>()</a:t>
+            </a:r>
+          </a:p>
+          <a:p>
+            <a:r>
+              <a:rPr lang="en-US" dirty="0"/>
+              <a:t>    </a:t>
+            </a:r>
+            <a:r>
+              <a:rPr lang="en-US" dirty="0" err="1"/>
+              <a:t>newcols</a:t>
+            </a:r>
+            <a:r>
+              <a:rPr lang="en-US" dirty="0"/>
+              <a:t> = ['_'+value+'_max'+'_</a:t>
+            </a:r>
+            <a:r>
+              <a:rPr lang="en-US" dirty="0" err="1"/>
+              <a:t>prev</a:t>
+            </a:r>
+            <a:r>
+              <a:rPr lang="en-US" dirty="0"/>
+              <a:t>_'+col for col in </a:t>
+            </a:r>
+            <a:r>
+              <a:rPr lang="en-US" dirty="0" err="1"/>
+              <a:t>features.columns</a:t>
+            </a:r>
+            <a:r>
+              <a:rPr lang="en-US" dirty="0"/>
+              <a:t> if col not in ['SK_ID_CURR']]</a:t>
+            </a:r>
+          </a:p>
+          <a:p>
+            <a:r>
+              <a:rPr lang="en-US" dirty="0" err="1"/>
+              <a:t>features.columns</a:t>
+            </a:r>
+            <a:r>
+              <a:rPr lang="en-US" dirty="0"/>
+              <a:t> = ['SK_ID_CURR']+</a:t>
+            </a:r>
+            <a:r>
+              <a:rPr lang="en-US" dirty="0" err="1"/>
+              <a:t>newcols</a:t>
+            </a:r>
+            <a:endParaRPr lang="en-US" dirty="0"/>
+          </a:p>
+          <a:p>
+            <a:r>
+              <a:rPr lang="en-US" dirty="0"/>
+              <a:t>    data = </a:t>
+            </a:r>
+            <a:r>
+              <a:rPr lang="en-US" dirty="0" err="1"/>
+              <a:t>data.merge</a:t>
+            </a:r>
+            <a:r>
+              <a:rPr lang="en-US" dirty="0"/>
+              <a:t>(</a:t>
+            </a:r>
+            <a:r>
+              <a:rPr lang="en-US" dirty="0" err="1"/>
+              <a:t>features,'left','SK_ID_CURR</a:t>
+            </a:r>
+            <a:r>
+              <a:rPr lang="en-US" dirty="0"/>
+              <a:t>')</a:t>
+            </a:r>
+          </a:p>
+          <a:p>
+            <a:r>
+              <a:rPr lang="en-US" dirty="0"/>
+              <a:t>    test = </a:t>
+            </a:r>
+            <a:r>
+              <a:rPr lang="en-US" dirty="0" err="1"/>
+              <a:t>test.merge</a:t>
+            </a:r>
+            <a:r>
+              <a:rPr lang="en-US" dirty="0"/>
+              <a:t>(</a:t>
+            </a:r>
+            <a:r>
+              <a:rPr lang="en-US" dirty="0" err="1"/>
+              <a:t>features,'left','SK_ID_CURR</a:t>
+            </a:r>
+            <a:r>
+              <a:rPr lang="en-US" dirty="0"/>
+              <a:t>')</a:t>
+            </a:r>
+          </a:p>
+        </p:txBody>
+      </p:sp>
+    </p:spTree>
+    <p:extLst>
+      <p:ext uri="{BB962C8B-B14F-4D97-AF65-F5344CB8AC3E}">
+        <p14:creationId xmlns:p14="http://schemas.microsoft.com/office/powerpoint/2010/main" val="15089491"/>
+      </p:ext>
+    </p:extLst>
+  </p:cSld>
+  <p:clrMapOvr>
+    <a:masterClrMapping/>
+  </p:clrMapOvr>
+</p:sld>
+</file>
+
+<file path=ppt/slides/slide13.xml><?xml version="1.0" encoding="utf-8"?>
+<p:sld xmlns:a="http://schemas.openxmlformats.org/drawingml/2006/main" xmlns:r="http://schemas.openxmlformats.org/officeDocument/2006/relationships" xmlns:p="http://schemas.openxmlformats.org/presentationml/2006/main">
+  <p:cSld>
+    <p:spTree>
+      <p:nvGrpSpPr>
+        <p:cNvPr id="1" name=""/>
+        <p:cNvGrpSpPr/>
+        <p:nvPr/>
+      </p:nvGrpSpPr>
+      <p:grpSpPr>
+        <a:xfrm>
+          <a:off x="0" y="0"/>
+          <a:ext cx="0" cy="0"/>
+          <a:chOff x="0" y="0"/>
+          <a:chExt cx="0" cy="0"/>
+        </a:xfrm>
+      </p:grpSpPr>
+      <p:sp>
+        <p:nvSpPr>
+          <p:cNvPr id="2" name="Titre 1">
+            <a:extLst>
+              <a:ext uri="{FF2B5EF4-FFF2-40B4-BE49-F238E27FC236}">
+                <a16:creationId xmlns:a16="http://schemas.microsoft.com/office/drawing/2014/main" id="{055047BF-746B-444D-8BB4-CC17E7758635}"/>
+              </a:ext>
+            </a:extLst>
+          </p:cNvPr>
+          <p:cNvSpPr>
+            <a:spLocks noGrp="1"/>
+          </p:cNvSpPr>
+          <p:nvPr>
+            <p:ph type="title"/>
+          </p:nvPr>
+        </p:nvSpPr>
+        <p:spPr/>
+        <p:txBody>
+          <a:bodyPr/>
+          <a:lstStyle/>
+          <a:p>
+            <a:r>
+              <a:rPr lang="en-US" dirty="0"/>
+              <a:t>Approved or Refused by </a:t>
+            </a:r>
+            <a:r>
+              <a:rPr lang="en-US" dirty="0" err="1"/>
+              <a:t>Client_Type</a:t>
+            </a:r>
+            <a:endParaRPr lang="en-US" dirty="0"/>
+          </a:p>
+        </p:txBody>
+      </p:sp>
+      <p:sp>
+        <p:nvSpPr>
+          <p:cNvPr id="3" name="Espace réservé du contenu 2">
+            <a:extLst>
+              <a:ext uri="{FF2B5EF4-FFF2-40B4-BE49-F238E27FC236}">
+                <a16:creationId xmlns:a16="http://schemas.microsoft.com/office/drawing/2014/main" id="{7FAB209F-563D-4A3F-9196-0475187A46CE}"/>
+              </a:ext>
+            </a:extLst>
+          </p:cNvPr>
+          <p:cNvSpPr>
+            <a:spLocks noGrp="1"/>
+          </p:cNvSpPr>
+          <p:nvPr>
+            <p:ph idx="1"/>
+          </p:nvPr>
+        </p:nvSpPr>
+        <p:spPr/>
+        <p:txBody>
+          <a:bodyPr/>
+          <a:lstStyle/>
+          <a:p>
+            <a:endParaRPr lang="en-US" dirty="0"/>
+          </a:p>
+        </p:txBody>
+      </p:sp>
+      <p:pic>
+        <p:nvPicPr>
+          <p:cNvPr id="6" name="Image 5">
+            <a:extLst>
+              <a:ext uri="{FF2B5EF4-FFF2-40B4-BE49-F238E27FC236}">
+                <a16:creationId xmlns:a16="http://schemas.microsoft.com/office/drawing/2014/main" id="{B255E4BF-ABF6-4B45-B984-F953629BD54D}"/>
+              </a:ext>
+            </a:extLst>
+          </p:cNvPr>
+          <p:cNvPicPr>
+            <a:picLocks noChangeAspect="1"/>
+          </p:cNvPicPr>
+          <p:nvPr/>
+        </p:nvPicPr>
+        <p:blipFill>
+          <a:blip r:embed="rId2"/>
+          <a:stretch>
+            <a:fillRect/>
+          </a:stretch>
+        </p:blipFill>
+        <p:spPr>
+          <a:xfrm>
+            <a:off x="571500" y="1847850"/>
+            <a:ext cx="4057650" cy="3009900"/>
+          </a:xfrm>
+          <a:prstGeom prst="rect">
+            <a:avLst/>
+          </a:prstGeom>
+        </p:spPr>
+      </p:pic>
+      <p:sp>
+        <p:nvSpPr>
+          <p:cNvPr id="7" name="ZoneTexte 6">
+            <a:extLst>
+              <a:ext uri="{FF2B5EF4-FFF2-40B4-BE49-F238E27FC236}">
+                <a16:creationId xmlns:a16="http://schemas.microsoft.com/office/drawing/2014/main" id="{27A23A8F-C414-418F-9811-C5F219867C91}"/>
+              </a:ext>
+            </a:extLst>
+          </p:cNvPr>
+          <p:cNvSpPr txBox="1"/>
+          <p:nvPr/>
+        </p:nvSpPr>
+        <p:spPr>
+          <a:xfrm>
+            <a:off x="571500" y="4362450"/>
+            <a:ext cx="1313180" cy="369332"/>
+          </a:xfrm>
+          <a:prstGeom prst="rect">
+            <a:avLst/>
+          </a:prstGeom>
+          <a:noFill/>
+        </p:spPr>
+        <p:txBody>
+          <a:bodyPr wrap="none" rtlCol="0">
+            <a:spAutoFit/>
+          </a:bodyPr>
+          <a:lstStyle/>
+          <a:p>
+            <a:r>
+              <a:rPr lang="en-US" b="1" dirty="0">
+                <a:solidFill>
+                  <a:srgbClr val="FF0000"/>
+                </a:solidFill>
+              </a:rPr>
+              <a:t>approved</a:t>
+            </a:r>
+          </a:p>
+        </p:txBody>
+      </p:sp>
+      <p:pic>
+        <p:nvPicPr>
+          <p:cNvPr id="8" name="Image 7">
+            <a:extLst>
+              <a:ext uri="{FF2B5EF4-FFF2-40B4-BE49-F238E27FC236}">
+                <a16:creationId xmlns:a16="http://schemas.microsoft.com/office/drawing/2014/main" id="{2B5A9581-ABB7-45D5-9103-1715D0B28763}"/>
+              </a:ext>
+            </a:extLst>
+          </p:cNvPr>
+          <p:cNvPicPr>
+            <a:picLocks noChangeAspect="1"/>
+          </p:cNvPicPr>
+          <p:nvPr/>
+        </p:nvPicPr>
+        <p:blipFill>
+          <a:blip r:embed="rId3"/>
+          <a:stretch>
+            <a:fillRect/>
+          </a:stretch>
+        </p:blipFill>
+        <p:spPr>
+          <a:xfrm>
+            <a:off x="5233987" y="1847850"/>
+            <a:ext cx="3971925" cy="3038475"/>
+          </a:xfrm>
+          <a:prstGeom prst="rect">
+            <a:avLst/>
+          </a:prstGeom>
+        </p:spPr>
+      </p:pic>
+      <p:sp>
+        <p:nvSpPr>
+          <p:cNvPr id="9" name="ZoneTexte 8">
+            <a:extLst>
+              <a:ext uri="{FF2B5EF4-FFF2-40B4-BE49-F238E27FC236}">
+                <a16:creationId xmlns:a16="http://schemas.microsoft.com/office/drawing/2014/main" id="{79892817-30C8-408D-ACB4-1883741F5F1D}"/>
+              </a:ext>
+            </a:extLst>
+          </p:cNvPr>
+          <p:cNvSpPr txBox="1"/>
+          <p:nvPr/>
+        </p:nvSpPr>
+        <p:spPr>
+          <a:xfrm>
+            <a:off x="5233987" y="4362450"/>
+            <a:ext cx="1008609" cy="369332"/>
+          </a:xfrm>
+          <a:prstGeom prst="rect">
+            <a:avLst/>
+          </a:prstGeom>
+          <a:noFill/>
+        </p:spPr>
+        <p:txBody>
+          <a:bodyPr wrap="none" rtlCol="0">
+            <a:spAutoFit/>
+          </a:bodyPr>
+          <a:lstStyle/>
+          <a:p>
+            <a:r>
+              <a:rPr lang="en-US" b="1" dirty="0">
+                <a:solidFill>
+                  <a:srgbClr val="FF0000"/>
+                </a:solidFill>
+              </a:rPr>
+              <a:t>refused</a:t>
+            </a:r>
+          </a:p>
+        </p:txBody>
+      </p:sp>
+    </p:spTree>
+    <p:extLst>
+      <p:ext uri="{BB962C8B-B14F-4D97-AF65-F5344CB8AC3E}">
+        <p14:creationId xmlns:p14="http://schemas.microsoft.com/office/powerpoint/2010/main" val="1436579337"/>
+      </p:ext>
+    </p:extLst>
+  </p:cSld>
+  <p:clrMapOvr>
+    <a:masterClrMapping/>
+  </p:clrMapOvr>
+</p:sld>
+</file>
+
 <file path=ppt/slides/slide2.xml><?xml version="1.0" encoding="utf-8"?>
 <p:sld xmlns:a="http://schemas.openxmlformats.org/drawingml/2006/main" xmlns:r="http://schemas.openxmlformats.org/officeDocument/2006/relationships" xmlns:p="http://schemas.openxmlformats.org/presentationml/2006/main">
   <p:cSld>
@@ -5607,7 +6559,7 @@
         </p:blipFill>
         <p:spPr>
           <a:xfrm>
-            <a:off x="3213652" y="1878494"/>
+            <a:off x="370536" y="1700940"/>
             <a:ext cx="6363249" cy="4084983"/>
           </a:xfrm>
           <a:prstGeom prst="rect">
@@ -5631,12 +6583,20 @@
             <p:ph type="title"/>
           </p:nvPr>
         </p:nvSpPr>
-        <p:spPr/>
+        <p:spPr>
+          <a:xfrm>
+            <a:off x="710499" y="345588"/>
+            <a:ext cx="10571998" cy="970450"/>
+          </a:xfrm>
+        </p:spPr>
         <p:txBody>
           <a:bodyPr/>
           <a:lstStyle/>
           <a:p>
-            <a:endParaRPr lang="en-US" dirty="0"/>
+            <a:r>
+              <a:rPr lang="en-US" dirty="0"/>
+              <a:t>Few notes…</a:t>
+            </a:r>
           </a:p>
         </p:txBody>
       </p:sp>
@@ -5662,8 +6622,2599 @@
         </p:blipFill>
         <p:spPr>
           <a:xfrm>
-            <a:off x="3445953" y="2036549"/>
+            <a:off x="5828910" y="1725455"/>
             <a:ext cx="904875" cy="371475"/>
+          </a:xfrm>
+          <a:prstGeom prst="rect">
+            <a:avLst/>
+          </a:prstGeom>
+        </p:spPr>
+      </p:pic>
+      <p:sp>
+        <p:nvSpPr>
+          <p:cNvPr id="3" name="ZoneTexte 2">
+            <a:extLst>
+              <a:ext uri="{FF2B5EF4-FFF2-40B4-BE49-F238E27FC236}">
+                <a16:creationId xmlns:a16="http://schemas.microsoft.com/office/drawing/2014/main" id="{0B282FC0-FCF4-4DAD-A736-6FD79D1A9ED7}"/>
+              </a:ext>
+            </a:extLst>
+          </p:cNvPr>
+          <p:cNvSpPr txBox="1"/>
+          <p:nvPr/>
+        </p:nvSpPr>
+        <p:spPr>
+          <a:xfrm>
+            <a:off x="6870693" y="1105103"/>
+            <a:ext cx="5220694" cy="4401205"/>
+          </a:xfrm>
+          <a:prstGeom prst="rect">
+            <a:avLst/>
+          </a:prstGeom>
+          <a:noFill/>
+        </p:spPr>
+        <p:txBody>
+          <a:bodyPr wrap="square" rtlCol="0">
+            <a:spAutoFit/>
+          </a:bodyPr>
+          <a:lstStyle/>
+          <a:p>
+            <a:r>
+              <a:rPr lang="en-US" sz="1400" dirty="0"/>
+              <a:t>Idée feature engineering :</a:t>
+            </a:r>
+          </a:p>
+          <a:p>
+            <a:pPr marL="285750" indent="-285750">
+              <a:buFontTx/>
+              <a:buChar char="-"/>
+            </a:pPr>
+            <a:r>
+              <a:rPr lang="en-US" sz="1400" dirty="0" err="1"/>
+              <a:t>Rester</a:t>
+            </a:r>
+            <a:r>
+              <a:rPr lang="en-US" sz="1400" dirty="0"/>
+              <a:t> interpretable (</a:t>
+            </a:r>
+            <a:r>
+              <a:rPr lang="en-US" sz="1400" dirty="0" err="1"/>
+              <a:t>donc</a:t>
+            </a:r>
+            <a:r>
+              <a:rPr lang="en-US" sz="1400" dirty="0"/>
+              <a:t> pas </a:t>
+            </a:r>
+            <a:r>
+              <a:rPr lang="en-US" sz="1400" dirty="0" err="1"/>
+              <a:t>d’ext</a:t>
+            </a:r>
+            <a:r>
+              <a:rPr lang="en-US" sz="1400" dirty="0"/>
+              <a:t>_ </a:t>
+            </a:r>
+            <a:r>
+              <a:rPr lang="en-US" sz="1400" dirty="0" err="1"/>
+              <a:t>ni</a:t>
+            </a:r>
+            <a:r>
+              <a:rPr lang="en-US" sz="1400" dirty="0"/>
+              <a:t> de FE </a:t>
+            </a:r>
+            <a:r>
+              <a:rPr lang="en-US" sz="1400" dirty="0" err="1"/>
+              <a:t>automatique</a:t>
+            </a:r>
+            <a:r>
+              <a:rPr lang="en-US" sz="1400" dirty="0"/>
+              <a:t>)</a:t>
+            </a:r>
+          </a:p>
+          <a:p>
+            <a:pPr marL="285750" indent="-285750">
+              <a:buFontTx/>
+              <a:buChar char="-"/>
+            </a:pPr>
+            <a:r>
+              <a:rPr lang="en-US" sz="1400" dirty="0" err="1"/>
+              <a:t>Calculer</a:t>
+            </a:r>
+            <a:r>
+              <a:rPr lang="en-US" sz="1400" dirty="0"/>
+              <a:t> le term du prêt (</a:t>
+            </a:r>
+            <a:r>
+              <a:rPr lang="en-US" sz="1400" dirty="0" err="1"/>
+              <a:t>taux</a:t>
+            </a:r>
+            <a:r>
+              <a:rPr lang="en-US" sz="1400" dirty="0"/>
+              <a:t> fixe)</a:t>
+            </a:r>
+          </a:p>
+          <a:p>
+            <a:pPr marL="285750" indent="-285750">
+              <a:buFontTx/>
+              <a:buChar char="-"/>
+            </a:pPr>
+            <a:r>
+              <a:rPr lang="en-US" sz="1400" dirty="0"/>
+              <a:t>Retirement age : </a:t>
+            </a:r>
+            <a:r>
+              <a:rPr lang="en-US" sz="1400" dirty="0" err="1"/>
+              <a:t>est-ce</a:t>
+            </a:r>
+            <a:r>
+              <a:rPr lang="en-US" sz="1400" dirty="0"/>
+              <a:t> que le prêt propose </a:t>
+            </a:r>
+            <a:r>
+              <a:rPr lang="en-US" sz="1400" dirty="0" err="1"/>
+              <a:t>chevauche</a:t>
+            </a:r>
+            <a:r>
+              <a:rPr lang="en-US" sz="1400" dirty="0"/>
+              <a:t> </a:t>
+            </a:r>
+            <a:r>
+              <a:rPr lang="en-US" sz="1400" dirty="0" err="1"/>
+              <a:t>l’année</a:t>
+            </a:r>
+            <a:r>
+              <a:rPr lang="en-US" sz="1400" dirty="0"/>
+              <a:t> de la </a:t>
+            </a:r>
+            <a:r>
+              <a:rPr lang="en-US" sz="1400" dirty="0" err="1"/>
+              <a:t>retraite</a:t>
+            </a:r>
+            <a:endParaRPr lang="en-US" sz="1400" dirty="0"/>
+          </a:p>
+          <a:p>
+            <a:pPr marL="285750" indent="-285750">
+              <a:buFontTx/>
+              <a:buChar char="-"/>
+            </a:pPr>
+            <a:r>
+              <a:rPr lang="en-US" sz="1400" dirty="0"/>
+              <a:t>Imputation </a:t>
+            </a:r>
+            <a:r>
+              <a:rPr lang="en-US" sz="1400" dirty="0" err="1"/>
+              <a:t>knn</a:t>
+            </a:r>
+            <a:r>
+              <a:rPr lang="en-US" sz="1400" dirty="0"/>
+              <a:t> (observation de </a:t>
+            </a:r>
+            <a:r>
+              <a:rPr lang="en-US" sz="1400" dirty="0" err="1"/>
+              <a:t>kde</a:t>
+            </a:r>
+            <a:r>
+              <a:rPr lang="en-US" sz="1400" dirty="0"/>
+              <a:t> pour conserver </a:t>
+            </a:r>
+            <a:r>
+              <a:rPr lang="en-US" sz="1400" dirty="0" err="1"/>
+              <a:t>une</a:t>
+            </a:r>
+            <a:r>
+              <a:rPr lang="en-US" sz="1400" dirty="0"/>
+              <a:t> </a:t>
+            </a:r>
+            <a:r>
+              <a:rPr lang="en-US" sz="1400" dirty="0" err="1"/>
+              <a:t>distrib</a:t>
+            </a:r>
+            <a:r>
+              <a:rPr lang="en-US" sz="1400" dirty="0"/>
+              <a:t> </a:t>
+            </a:r>
+            <a:r>
+              <a:rPr lang="en-US" sz="1400" dirty="0" err="1"/>
+              <a:t>discriminante</a:t>
+            </a:r>
+            <a:r>
+              <a:rPr lang="en-US" sz="1400" dirty="0"/>
+              <a:t>)</a:t>
+            </a:r>
+          </a:p>
+          <a:p>
+            <a:pPr marL="285750" indent="-285750">
+              <a:buFontTx/>
+              <a:buChar char="-"/>
+            </a:pPr>
+            <a:r>
+              <a:rPr lang="en-US" sz="1400" dirty="0"/>
+              <a:t>Observer les differences application / previous app</a:t>
+            </a:r>
+          </a:p>
+          <a:p>
+            <a:pPr marL="285750" indent="-285750">
+              <a:buFontTx/>
+              <a:buChar char="-"/>
+            </a:pPr>
+            <a:r>
+              <a:rPr lang="en-US" sz="1400" dirty="0" err="1"/>
+              <a:t>Valoriser</a:t>
+            </a:r>
+            <a:r>
+              <a:rPr lang="en-US" sz="1400" dirty="0"/>
+              <a:t> les </a:t>
+            </a:r>
+            <a:r>
+              <a:rPr lang="en-US" sz="1400" dirty="0" err="1"/>
+              <a:t>défauts</a:t>
+            </a:r>
+            <a:r>
+              <a:rPr lang="en-US" sz="1400" dirty="0"/>
+              <a:t> </a:t>
+            </a:r>
+            <a:r>
+              <a:rPr lang="en-US" sz="1400" dirty="0" err="1"/>
+              <a:t>en</a:t>
+            </a:r>
+            <a:r>
+              <a:rPr lang="en-US" sz="1400" dirty="0"/>
+              <a:t> function de </a:t>
+            </a:r>
+            <a:r>
+              <a:rPr lang="en-US" sz="1400" dirty="0" err="1"/>
+              <a:t>leur</a:t>
+            </a:r>
+            <a:r>
+              <a:rPr lang="en-US" sz="1400" dirty="0"/>
+              <a:t> date </a:t>
+            </a:r>
+            <a:r>
+              <a:rPr lang="en-US" sz="1400" dirty="0" err="1"/>
+              <a:t>d’apparition</a:t>
+            </a:r>
+            <a:endParaRPr lang="en-US" sz="1400" dirty="0"/>
+          </a:p>
+          <a:p>
+            <a:pPr marL="285750" indent="-285750">
+              <a:buFontTx/>
+              <a:buChar char="-"/>
+            </a:pPr>
+            <a:r>
+              <a:rPr lang="en-US" sz="1400" dirty="0"/>
+              <a:t>Un </a:t>
+            </a:r>
+            <a:r>
+              <a:rPr lang="en-US" sz="1400" dirty="0" err="1"/>
+              <a:t>faible</a:t>
+            </a:r>
+            <a:r>
+              <a:rPr lang="en-US" sz="1400" dirty="0"/>
+              <a:t> </a:t>
+            </a:r>
+            <a:r>
+              <a:rPr lang="en-US" sz="1400" dirty="0" err="1"/>
+              <a:t>taux</a:t>
+            </a:r>
+            <a:r>
+              <a:rPr lang="en-US" sz="1400" dirty="0"/>
+              <a:t> </a:t>
+            </a:r>
+            <a:r>
+              <a:rPr lang="en-US" sz="1400" dirty="0" err="1"/>
+              <a:t>d’intérêt</a:t>
+            </a:r>
+            <a:r>
+              <a:rPr lang="en-US" sz="1400" dirty="0"/>
+              <a:t> </a:t>
+            </a:r>
+            <a:r>
+              <a:rPr lang="en-US" sz="1400" dirty="0" err="1"/>
+              <a:t>est</a:t>
+            </a:r>
+            <a:r>
+              <a:rPr lang="en-US" sz="1400" dirty="0"/>
+              <a:t> il </a:t>
+            </a:r>
+            <a:r>
+              <a:rPr lang="en-US" sz="1400" dirty="0" err="1"/>
+              <a:t>accordé</a:t>
+            </a:r>
+            <a:r>
+              <a:rPr lang="en-US" sz="1400" dirty="0"/>
+              <a:t> aux “</a:t>
+            </a:r>
+            <a:r>
+              <a:rPr lang="en-US" sz="1400" dirty="0" err="1"/>
+              <a:t>meilleurs</a:t>
+            </a:r>
+            <a:r>
+              <a:rPr lang="en-US" sz="1400" dirty="0"/>
+              <a:t>” clients?</a:t>
+            </a:r>
+          </a:p>
+          <a:p>
+            <a:pPr marL="285750" indent="-285750">
+              <a:buFontTx/>
+              <a:buChar char="-"/>
+            </a:pPr>
+            <a:r>
+              <a:rPr lang="en-US" sz="1400" dirty="0" err="1"/>
+              <a:t>AMT_Credit</a:t>
+            </a:r>
+            <a:r>
+              <a:rPr lang="en-US" sz="1400" dirty="0"/>
+              <a:t> &gt; AMT_GOODS_PRICE </a:t>
+            </a:r>
+            <a:r>
+              <a:rPr lang="en-US" sz="1400" dirty="0" err="1"/>
+              <a:t>cas</a:t>
+            </a:r>
+            <a:r>
+              <a:rPr lang="en-US" sz="1400" dirty="0"/>
+              <a:t> </a:t>
+            </a:r>
+            <a:r>
+              <a:rPr lang="en-US" sz="1400" dirty="0" err="1"/>
+              <a:t>d’une</a:t>
+            </a:r>
+            <a:r>
+              <a:rPr lang="en-US" sz="1400" dirty="0"/>
+              <a:t> assurance </a:t>
+            </a:r>
+            <a:r>
+              <a:rPr lang="en-US" sz="1400" dirty="0" err="1"/>
+              <a:t>souscrite</a:t>
+            </a:r>
+            <a:r>
+              <a:rPr lang="en-US" sz="1400" dirty="0"/>
+              <a:t> NFLAG_INSURED_ON_APPROVAL=0</a:t>
+            </a:r>
+          </a:p>
+          <a:p>
+            <a:pPr marL="285750" indent="-285750">
+              <a:buFontTx/>
+              <a:buChar char="-"/>
+            </a:pPr>
+            <a:endParaRPr lang="en-US" sz="1400" dirty="0"/>
+          </a:p>
+          <a:p>
+            <a:pPr marL="285750" indent="-285750">
+              <a:buFontTx/>
+              <a:buChar char="-"/>
+            </a:pPr>
+            <a:r>
+              <a:rPr lang="en-US" sz="1400" dirty="0"/>
+              <a:t>Attention aux pb </a:t>
+            </a:r>
+            <a:r>
+              <a:rPr lang="en-US" sz="1400" dirty="0" err="1"/>
+              <a:t>d’update</a:t>
+            </a:r>
+            <a:r>
+              <a:rPr lang="en-US" sz="1400" dirty="0"/>
+              <a:t> des bureau et previous et au </a:t>
+            </a:r>
+            <a:r>
+              <a:rPr lang="en-US" sz="1400" dirty="0" err="1"/>
+              <a:t>signe</a:t>
+            </a:r>
+            <a:r>
+              <a:rPr lang="en-US" sz="1400" dirty="0"/>
+              <a:t> de la cash balance</a:t>
+            </a:r>
+          </a:p>
+          <a:p>
+            <a:pPr marL="285750" indent="-285750">
+              <a:buFontTx/>
+              <a:buChar char="-"/>
+            </a:pPr>
+            <a:endParaRPr lang="en-US" sz="1400" dirty="0"/>
+          </a:p>
+          <a:p>
+            <a:pPr marL="285750" indent="-285750">
+              <a:buFontTx/>
+              <a:buChar char="-"/>
+            </a:pPr>
+            <a:endParaRPr lang="en-US" sz="1400" dirty="0"/>
+          </a:p>
+        </p:txBody>
+      </p:sp>
+      <p:sp>
+        <p:nvSpPr>
+          <p:cNvPr id="6" name="ZoneTexte 5">
+            <a:extLst>
+              <a:ext uri="{FF2B5EF4-FFF2-40B4-BE49-F238E27FC236}">
+                <a16:creationId xmlns:a16="http://schemas.microsoft.com/office/drawing/2014/main" id="{DEF4C230-0BEA-43ED-BA26-174DD5A7862D}"/>
+              </a:ext>
+            </a:extLst>
+          </p:cNvPr>
+          <p:cNvSpPr txBox="1"/>
+          <p:nvPr/>
+        </p:nvSpPr>
+        <p:spPr>
+          <a:xfrm>
+            <a:off x="6870694" y="4985704"/>
+            <a:ext cx="5113538" cy="1600438"/>
+          </a:xfrm>
+          <a:prstGeom prst="rect">
+            <a:avLst/>
+          </a:prstGeom>
+          <a:noFill/>
+        </p:spPr>
+        <p:txBody>
+          <a:bodyPr wrap="square" rtlCol="0">
+            <a:spAutoFit/>
+          </a:bodyPr>
+          <a:lstStyle/>
+          <a:p>
+            <a:r>
+              <a:rPr lang="en-US" sz="1400" dirty="0" err="1"/>
+              <a:t>Idées</a:t>
+            </a:r>
+            <a:r>
+              <a:rPr lang="en-US" sz="1400" dirty="0"/>
+              <a:t> orientation étude</a:t>
+            </a:r>
+          </a:p>
+          <a:p>
+            <a:pPr marL="285750" indent="-285750">
+              <a:buFontTx/>
+              <a:buChar char="-"/>
+            </a:pPr>
+            <a:r>
+              <a:rPr lang="en-US" sz="1400" dirty="0" err="1"/>
+              <a:t>Valoriser</a:t>
+            </a:r>
+            <a:r>
+              <a:rPr lang="en-US" sz="1400" dirty="0"/>
+              <a:t> </a:t>
+            </a:r>
+            <a:r>
+              <a:rPr lang="en-US" sz="1400" dirty="0" err="1"/>
+              <a:t>différemment</a:t>
+            </a:r>
+            <a:r>
+              <a:rPr lang="en-US" sz="1400" dirty="0"/>
+              <a:t> le revolving et les cash loan.</a:t>
+            </a:r>
+          </a:p>
+          <a:p>
+            <a:pPr marL="285750" indent="-285750">
+              <a:buFontTx/>
+              <a:buChar char="-"/>
+            </a:pPr>
+            <a:r>
+              <a:rPr lang="en-US" sz="1400" dirty="0" err="1"/>
+              <a:t>Curseur</a:t>
+            </a:r>
+            <a:r>
+              <a:rPr lang="en-US" sz="1400" dirty="0"/>
+              <a:t> </a:t>
+            </a:r>
+            <a:r>
+              <a:rPr lang="en-US" sz="1400" dirty="0" err="1"/>
+              <a:t>montant</a:t>
+            </a:r>
+            <a:r>
+              <a:rPr lang="en-US" sz="1400" dirty="0"/>
+              <a:t> du prêt (</a:t>
+            </a:r>
+            <a:r>
+              <a:rPr lang="en-US" sz="1400" dirty="0" err="1"/>
+              <a:t>ajuster</a:t>
+            </a:r>
+            <a:r>
+              <a:rPr lang="en-US" sz="1400" dirty="0"/>
+              <a:t> proposition client) et </a:t>
+            </a:r>
+            <a:r>
+              <a:rPr lang="en-US" sz="1400" dirty="0" err="1"/>
+              <a:t>taux</a:t>
+            </a:r>
+            <a:r>
+              <a:rPr lang="en-US" sz="1400" dirty="0"/>
+              <a:t> </a:t>
+            </a:r>
+            <a:r>
+              <a:rPr lang="en-US" sz="1400" dirty="0" err="1"/>
+              <a:t>d’intérêt</a:t>
+            </a:r>
+            <a:r>
+              <a:rPr lang="en-US" sz="1400" dirty="0"/>
+              <a:t>.</a:t>
+            </a:r>
+          </a:p>
+          <a:p>
+            <a:pPr marL="285750" indent="-285750">
+              <a:buFontTx/>
+              <a:buChar char="-"/>
+            </a:pPr>
+            <a:r>
+              <a:rPr lang="en-US" sz="1400" dirty="0" err="1"/>
+              <a:t>Fenêtre</a:t>
+            </a:r>
+            <a:r>
+              <a:rPr lang="en-US" sz="1400" dirty="0"/>
+              <a:t> </a:t>
+            </a:r>
+            <a:r>
+              <a:rPr lang="en-US" sz="1400" dirty="0" err="1"/>
+              <a:t>temporelle</a:t>
+            </a:r>
+            <a:r>
+              <a:rPr lang="en-US" sz="1400" dirty="0"/>
+              <a:t> : </a:t>
+            </a:r>
+            <a:r>
+              <a:rPr lang="en-US" sz="1400" dirty="0" err="1"/>
+              <a:t>une</a:t>
+            </a:r>
+            <a:r>
+              <a:rPr lang="en-US" sz="1400" dirty="0"/>
+              <a:t> </a:t>
+            </a:r>
+            <a:r>
+              <a:rPr lang="en-US" sz="1400" dirty="0" err="1"/>
+              <a:t>sorte</a:t>
+            </a:r>
+            <a:r>
+              <a:rPr lang="en-US" sz="1400" dirty="0"/>
+              <a:t> de droit à </a:t>
+            </a:r>
+            <a:r>
+              <a:rPr lang="en-US" sz="1400" dirty="0" err="1"/>
+              <a:t>l’oubli</a:t>
+            </a:r>
+            <a:r>
+              <a:rPr lang="en-US" sz="1400" dirty="0"/>
+              <a:t> + considerer les </a:t>
+            </a:r>
+            <a:r>
+              <a:rPr lang="en-US" sz="1400" dirty="0" err="1"/>
+              <a:t>données</a:t>
+            </a:r>
+            <a:r>
+              <a:rPr lang="en-US" sz="1400" dirty="0"/>
+              <a:t> plus </a:t>
+            </a:r>
+            <a:r>
+              <a:rPr lang="en-US" sz="1400" dirty="0" err="1"/>
+              <a:t>récentes</a:t>
+            </a:r>
+            <a:r>
+              <a:rPr lang="en-US" sz="1400" dirty="0"/>
+              <a:t> </a:t>
+            </a:r>
+            <a:r>
+              <a:rPr lang="en-US" sz="1400" dirty="0" err="1"/>
+              <a:t>comme</a:t>
+            </a:r>
+            <a:r>
+              <a:rPr lang="en-US" sz="1400" dirty="0"/>
+              <a:t> plus </a:t>
+            </a:r>
+            <a:r>
+              <a:rPr lang="en-US" sz="1400" dirty="0" err="1"/>
+              <a:t>fiables</a:t>
+            </a:r>
+            <a:r>
+              <a:rPr lang="en-US" sz="1400" dirty="0"/>
+              <a:t>.</a:t>
+            </a:r>
+          </a:p>
+        </p:txBody>
+      </p:sp>
+      <p:sp>
+        <p:nvSpPr>
+          <p:cNvPr id="8" name="Flèche : droite 7">
+            <a:extLst>
+              <a:ext uri="{FF2B5EF4-FFF2-40B4-BE49-F238E27FC236}">
+                <a16:creationId xmlns:a16="http://schemas.microsoft.com/office/drawing/2014/main" id="{0FDE58D6-1F75-4100-B152-4A28CFCB5D27}"/>
+              </a:ext>
+            </a:extLst>
+          </p:cNvPr>
+          <p:cNvSpPr/>
+          <p:nvPr/>
+        </p:nvSpPr>
+        <p:spPr>
+          <a:xfrm>
+            <a:off x="2078181" y="2013802"/>
+            <a:ext cx="166255" cy="166255"/>
+          </a:xfrm>
+          <a:prstGeom prst="rightArrow">
+            <a:avLst/>
+          </a:prstGeom>
+        </p:spPr>
+        <p:style>
+          <a:lnRef idx="2">
+            <a:schemeClr val="accent1">
+              <a:shade val="50000"/>
+            </a:schemeClr>
+          </a:lnRef>
+          <a:fillRef idx="1">
+            <a:schemeClr val="accent1"/>
+          </a:fillRef>
+          <a:effectRef idx="0">
+            <a:schemeClr val="accent1"/>
+          </a:effectRef>
+          <a:fontRef idx="minor">
+            <a:schemeClr val="lt1"/>
+          </a:fontRef>
+        </p:style>
+        <p:txBody>
+          <a:bodyPr rtlCol="0" anchor="ctr"/>
+          <a:lstStyle/>
+          <a:p>
+            <a:pPr algn="ctr"/>
+            <a:endParaRPr lang="en-US"/>
+          </a:p>
+        </p:txBody>
+      </p:sp>
+      <p:sp>
+        <p:nvSpPr>
+          <p:cNvPr id="9" name="ZoneTexte 8">
+            <a:extLst>
+              <a:ext uri="{FF2B5EF4-FFF2-40B4-BE49-F238E27FC236}">
+                <a16:creationId xmlns:a16="http://schemas.microsoft.com/office/drawing/2014/main" id="{AE9A29D3-C1F0-4D95-96A0-050582F30BD6}"/>
+              </a:ext>
+            </a:extLst>
+          </p:cNvPr>
+          <p:cNvSpPr txBox="1"/>
+          <p:nvPr/>
+        </p:nvSpPr>
+        <p:spPr>
+          <a:xfrm>
+            <a:off x="570037" y="1796847"/>
+            <a:ext cx="1510350" cy="600164"/>
+          </a:xfrm>
+          <a:prstGeom prst="rect">
+            <a:avLst/>
+          </a:prstGeom>
+          <a:noFill/>
+        </p:spPr>
+        <p:txBody>
+          <a:bodyPr wrap="none" rtlCol="0">
+            <a:spAutoFit/>
+          </a:bodyPr>
+          <a:lstStyle/>
+          <a:p>
+            <a:pPr algn="r"/>
+            <a:r>
+              <a:rPr lang="en-US" sz="1100" dirty="0">
+                <a:solidFill>
+                  <a:srgbClr val="7030A0"/>
+                </a:solidFill>
+              </a:rPr>
+              <a:t>Features describing</a:t>
+            </a:r>
+          </a:p>
+          <a:p>
+            <a:pPr algn="r"/>
+            <a:r>
+              <a:rPr lang="en-US" sz="1100" dirty="0">
+                <a:solidFill>
+                  <a:srgbClr val="7030A0"/>
+                </a:solidFill>
+              </a:rPr>
+              <a:t>- Loan</a:t>
+            </a:r>
+          </a:p>
+          <a:p>
+            <a:pPr algn="r"/>
+            <a:r>
+              <a:rPr lang="en-US" sz="1100" dirty="0">
+                <a:solidFill>
+                  <a:srgbClr val="7030A0"/>
+                </a:solidFill>
+              </a:rPr>
+              <a:t>- Customer</a:t>
+            </a:r>
+          </a:p>
+        </p:txBody>
+      </p:sp>
+    </p:spTree>
+    <p:extLst>
+      <p:ext uri="{BB962C8B-B14F-4D97-AF65-F5344CB8AC3E}">
+        <p14:creationId xmlns:p14="http://schemas.microsoft.com/office/powerpoint/2010/main" val="82235734"/>
+      </p:ext>
+    </p:extLst>
+  </p:cSld>
+  <p:clrMapOvr>
+    <a:masterClrMapping/>
+  </p:clrMapOvr>
+</p:sld>
+</file>
+
+<file path=ppt/slides/slide3.xml><?xml version="1.0" encoding="utf-8"?>
+<p:sld xmlns:a="http://schemas.openxmlformats.org/drawingml/2006/main" xmlns:r="http://schemas.openxmlformats.org/officeDocument/2006/relationships" xmlns:p="http://schemas.openxmlformats.org/presentationml/2006/main">
+  <p:cSld>
+    <p:spTree>
+      <p:nvGrpSpPr>
+        <p:cNvPr id="1" name=""/>
+        <p:cNvGrpSpPr/>
+        <p:nvPr/>
+      </p:nvGrpSpPr>
+      <p:grpSpPr>
+        <a:xfrm>
+          <a:off x="0" y="0"/>
+          <a:ext cx="0" cy="0"/>
+          <a:chOff x="0" y="0"/>
+          <a:chExt cx="0" cy="0"/>
+        </a:xfrm>
+      </p:grpSpPr>
+      <p:sp>
+        <p:nvSpPr>
+          <p:cNvPr id="2" name="Titre 1">
+            <a:extLst>
+              <a:ext uri="{FF2B5EF4-FFF2-40B4-BE49-F238E27FC236}">
+                <a16:creationId xmlns:a16="http://schemas.microsoft.com/office/drawing/2014/main" id="{EDE99686-4899-4802-B76D-9BEC6B6000A2}"/>
+              </a:ext>
+            </a:extLst>
+          </p:cNvPr>
+          <p:cNvSpPr>
+            <a:spLocks noGrp="1"/>
+          </p:cNvSpPr>
+          <p:nvPr>
+            <p:ph type="title"/>
+          </p:nvPr>
+        </p:nvSpPr>
+        <p:spPr/>
+        <p:txBody>
+          <a:bodyPr/>
+          <a:lstStyle/>
+          <a:p>
+            <a:r>
+              <a:rPr lang="en-US" dirty="0"/>
+              <a:t>Bureau &amp; </a:t>
+            </a:r>
+            <a:r>
+              <a:rPr lang="en-US" dirty="0" err="1"/>
+              <a:t>bureau_balance</a:t>
+            </a:r>
+            <a:endParaRPr lang="en-US" dirty="0"/>
+          </a:p>
+        </p:txBody>
+      </p:sp>
+      <p:sp>
+        <p:nvSpPr>
+          <p:cNvPr id="3" name="Espace réservé du contenu 2">
+            <a:extLst>
+              <a:ext uri="{FF2B5EF4-FFF2-40B4-BE49-F238E27FC236}">
+                <a16:creationId xmlns:a16="http://schemas.microsoft.com/office/drawing/2014/main" id="{E43A1F1F-9061-4A73-9554-A8FF2CBAAC32}"/>
+              </a:ext>
+            </a:extLst>
+          </p:cNvPr>
+          <p:cNvSpPr>
+            <a:spLocks noGrp="1"/>
+          </p:cNvSpPr>
+          <p:nvPr>
+            <p:ph idx="1"/>
+          </p:nvPr>
+        </p:nvSpPr>
+        <p:spPr/>
+        <p:txBody>
+          <a:bodyPr>
+            <a:normAutofit fontScale="70000" lnSpcReduction="20000"/>
+          </a:bodyPr>
+          <a:lstStyle/>
+          <a:p>
+            <a:r>
+              <a:rPr lang="en-US" dirty="0"/>
+              <a:t>After first sight on entire dataset, we keep only valuable info to dig deeper.</a:t>
+            </a:r>
+          </a:p>
+          <a:p>
+            <a:pPr lvl="1"/>
+            <a:r>
+              <a:rPr lang="en-US" dirty="0"/>
+              <a:t>Fail lead to either overdue only, or a debt</a:t>
+            </a:r>
+          </a:p>
+          <a:p>
+            <a:r>
+              <a:rPr lang="en-US" dirty="0"/>
+              <a:t>Bureau : </a:t>
+            </a:r>
+          </a:p>
+          <a:p>
+            <a:pPr lvl="1"/>
+            <a:r>
+              <a:rPr lang="en-US" dirty="0"/>
+              <a:t>Current overdue (age is given by DAYS_CREDIT_UPDATE) is given by :</a:t>
+            </a:r>
+          </a:p>
+          <a:p>
+            <a:pPr lvl="2"/>
+            <a:r>
+              <a:rPr lang="en-US" dirty="0"/>
+              <a:t>CREDIT_DAY_OVERDUE</a:t>
+            </a:r>
+          </a:p>
+          <a:p>
+            <a:pPr lvl="1"/>
+            <a:r>
+              <a:rPr lang="en-US" dirty="0"/>
+              <a:t>N_CREDIT_OBS_WINDOW is approx. : DAYS_CREDIT – DAYS_CREDIT_UPDATE</a:t>
+            </a:r>
+          </a:p>
+          <a:p>
+            <a:pPr lvl="1"/>
+            <a:r>
+              <a:rPr lang="en-US" dirty="0"/>
+              <a:t>AMT_CREDIT_SUM (AMT_CREDIT_SUM = AMT_CREDIT_SUM_LIMIT + AMT_CREDIT_SUM_DEBT)</a:t>
+            </a:r>
+          </a:p>
+          <a:p>
+            <a:pPr lvl="1"/>
+            <a:r>
+              <a:rPr lang="en-US" dirty="0"/>
+              <a:t>Consider the DEBT rate : bureau['AMT_CREDIT_DEBT_RATE'] = bureau['AMT_CREDIT_SUM_DEBT']/(1 + bureau['AMT_CREDIT_SUM'])</a:t>
+            </a:r>
+          </a:p>
+          <a:p>
+            <a:r>
+              <a:rPr lang="en-US" dirty="0" err="1"/>
+              <a:t>Bureau_balance</a:t>
+            </a:r>
+            <a:r>
+              <a:rPr lang="en-US" dirty="0"/>
+              <a:t>:</a:t>
+            </a:r>
+          </a:p>
+          <a:p>
+            <a:pPr lvl="1"/>
+            <a:r>
+              <a:rPr lang="en-US" dirty="0"/>
+              <a:t>Count month balance status</a:t>
+            </a:r>
+          </a:p>
+          <a:p>
+            <a:pPr lvl="2"/>
+            <a:r>
+              <a:rPr lang="en-US" dirty="0"/>
+              <a:t>Typical </a:t>
+            </a:r>
+            <a:r>
+              <a:rPr lang="en-US" dirty="0" err="1"/>
+              <a:t>behaviour</a:t>
+            </a:r>
+            <a:r>
+              <a:rPr lang="en-US" dirty="0"/>
+              <a:t> is C, …, C, I, …, I, X when closed since C count </a:t>
+            </a:r>
+            <a:r>
+              <a:rPr lang="en-US" dirty="0" err="1"/>
+              <a:t>vals</a:t>
+            </a:r>
+            <a:r>
+              <a:rPr lang="en-US" dirty="0"/>
+              <a:t> &amp; without failure if I == 0</a:t>
+            </a:r>
+          </a:p>
+          <a:p>
+            <a:pPr lvl="2"/>
+            <a:r>
+              <a:rPr lang="en-US" dirty="0" err="1"/>
+              <a:t>X_norm</a:t>
+            </a:r>
+            <a:r>
+              <a:rPr lang="en-US" dirty="0"/>
+              <a:t> == 1 : drop SK_ID_BUREAU (because unknown)</a:t>
+            </a:r>
+          </a:p>
+          <a:p>
+            <a:pPr lvl="2"/>
+            <a:r>
+              <a:rPr lang="en-US" dirty="0"/>
+              <a:t> no C should mean Active credit.</a:t>
+            </a:r>
+          </a:p>
+          <a:p>
+            <a:pPr lvl="2"/>
+            <a:r>
+              <a:rPr lang="en-US" dirty="0"/>
+              <a:t>Sum(I + X) count should mean Credit duration.</a:t>
+            </a:r>
+          </a:p>
+          <a:p>
+            <a:pPr lvl="1"/>
+            <a:endParaRPr lang="en-US" dirty="0"/>
+          </a:p>
+        </p:txBody>
+      </p:sp>
+    </p:spTree>
+    <p:extLst>
+      <p:ext uri="{BB962C8B-B14F-4D97-AF65-F5344CB8AC3E}">
+        <p14:creationId xmlns:p14="http://schemas.microsoft.com/office/powerpoint/2010/main" val="3025965167"/>
+      </p:ext>
+    </p:extLst>
+  </p:cSld>
+  <p:clrMapOvr>
+    <a:masterClrMapping/>
+  </p:clrMapOvr>
+</p:sld>
+</file>
+
+<file path=ppt/slides/slide4.xml><?xml version="1.0" encoding="utf-8"?>
+<p:sld xmlns:a="http://schemas.openxmlformats.org/drawingml/2006/main" xmlns:r="http://schemas.openxmlformats.org/officeDocument/2006/relationships" xmlns:p="http://schemas.openxmlformats.org/presentationml/2006/main">
+  <p:cSld>
+    <p:spTree>
+      <p:nvGrpSpPr>
+        <p:cNvPr id="1" name=""/>
+        <p:cNvGrpSpPr/>
+        <p:nvPr/>
+      </p:nvGrpSpPr>
+      <p:grpSpPr>
+        <a:xfrm>
+          <a:off x="0" y="0"/>
+          <a:ext cx="0" cy="0"/>
+          <a:chOff x="0" y="0"/>
+          <a:chExt cx="0" cy="0"/>
+        </a:xfrm>
+      </p:grpSpPr>
+      <p:sp>
+        <p:nvSpPr>
+          <p:cNvPr id="2" name="Titre 1">
+            <a:extLst>
+              <a:ext uri="{FF2B5EF4-FFF2-40B4-BE49-F238E27FC236}">
+                <a16:creationId xmlns:a16="http://schemas.microsoft.com/office/drawing/2014/main" id="{945BE434-DDA0-49FA-A898-4CDC8D06BF98}"/>
+              </a:ext>
+            </a:extLst>
+          </p:cNvPr>
+          <p:cNvSpPr>
+            <a:spLocks noGrp="1"/>
+          </p:cNvSpPr>
+          <p:nvPr>
+            <p:ph type="title"/>
+          </p:nvPr>
+        </p:nvSpPr>
+        <p:spPr/>
+        <p:txBody>
+          <a:bodyPr/>
+          <a:lstStyle/>
+          <a:p>
+            <a:r>
+              <a:rPr lang="en-US" dirty="0"/>
+              <a:t>Other insights</a:t>
+            </a:r>
+          </a:p>
+        </p:txBody>
+      </p:sp>
+      <p:sp>
+        <p:nvSpPr>
+          <p:cNvPr id="3" name="Espace réservé du contenu 2">
+            <a:extLst>
+              <a:ext uri="{FF2B5EF4-FFF2-40B4-BE49-F238E27FC236}">
+                <a16:creationId xmlns:a16="http://schemas.microsoft.com/office/drawing/2014/main" id="{1AB8C9A5-0610-41D5-ACCD-7016F1BA7CD5}"/>
+              </a:ext>
+            </a:extLst>
+          </p:cNvPr>
+          <p:cNvSpPr>
+            <a:spLocks noGrp="1"/>
+          </p:cNvSpPr>
+          <p:nvPr>
+            <p:ph idx="1"/>
+          </p:nvPr>
+        </p:nvSpPr>
+        <p:spPr>
+          <a:xfrm>
+            <a:off x="73891" y="1708727"/>
+            <a:ext cx="5070764" cy="4417924"/>
+          </a:xfrm>
+        </p:spPr>
+        <p:txBody>
+          <a:bodyPr>
+            <a:normAutofit fontScale="77500" lnSpcReduction="20000"/>
+          </a:bodyPr>
+          <a:lstStyle/>
+          <a:p>
+            <a:pPr fontAlgn="base"/>
+            <a:r>
+              <a:rPr lang="en-US" dirty="0">
+                <a:effectLst/>
+                <a:latin typeface="Inter"/>
+              </a:rPr>
+              <a:t>• CNT stands for “count”, like CNT_CHILDREN</a:t>
+            </a:r>
+          </a:p>
+          <a:p>
+            <a:pPr fontAlgn="base"/>
+            <a:r>
+              <a:rPr lang="en-US" dirty="0">
+                <a:effectLst/>
+                <a:latin typeface="Inter"/>
+              </a:rPr>
+              <a:t>• AMT stands for “amount”, mostly use for monetary</a:t>
+            </a:r>
+          </a:p>
+          <a:p>
+            <a:pPr fontAlgn="base"/>
+            <a:r>
+              <a:rPr lang="en-US" dirty="0">
+                <a:effectLst/>
+                <a:latin typeface="Inter"/>
+              </a:rPr>
+              <a:t>• FLAG stands for </a:t>
+            </a:r>
+            <a:r>
+              <a:rPr lang="en-US" dirty="0" err="1">
+                <a:effectLst/>
+                <a:latin typeface="Inter"/>
+              </a:rPr>
+              <a:t>boolean</a:t>
+            </a:r>
+            <a:r>
+              <a:rPr lang="en-US" dirty="0">
+                <a:effectLst/>
+                <a:latin typeface="Inter"/>
+              </a:rPr>
+              <a:t> with 1 is yes. FLAG_DOCUMENT means loan applicant have to submit some documents like income proof, and this flag customer actual submitted or not.</a:t>
+            </a:r>
+          </a:p>
+          <a:p>
+            <a:pPr fontAlgn="base"/>
+            <a:r>
+              <a:rPr lang="en-US" dirty="0">
+                <a:effectLst/>
+                <a:latin typeface="Inter"/>
+              </a:rPr>
+              <a:t>• OBS stands for “observation”, also means “is it time for?”.</a:t>
+            </a:r>
+          </a:p>
+          <a:p>
+            <a:pPr fontAlgn="base"/>
+            <a:r>
+              <a:rPr lang="en-US" dirty="0">
+                <a:effectLst/>
+                <a:latin typeface="Inter"/>
+              </a:rPr>
+              <a:t>• DEF stands for “actual default”.</a:t>
+            </a:r>
+          </a:p>
+          <a:p>
+            <a:pPr fontAlgn="base"/>
+            <a:r>
+              <a:rPr lang="en-US" dirty="0">
+                <a:effectLst/>
+                <a:latin typeface="Inter"/>
+              </a:rPr>
+              <a:t>• Different between OBS and DEF (like OBS_30_CNT_SOCIAL_CIRCLE) is that OBS is flagging “is it time for that event to be eligible to happen”, while DEF is that “is it eligible to happen AND actually happened”.</a:t>
+            </a:r>
+          </a:p>
+          <a:p>
+            <a:pPr fontAlgn="base"/>
+            <a:r>
+              <a:rPr lang="en-US" dirty="0">
+                <a:effectLst/>
+                <a:latin typeface="Inter"/>
+              </a:rPr>
+              <a:t>• DAYS stands for “number of days”</a:t>
+            </a:r>
+          </a:p>
+          <a:p>
+            <a:pPr fontAlgn="base"/>
+            <a:r>
+              <a:rPr lang="en-US" dirty="0">
+                <a:effectLst/>
+                <a:latin typeface="Inter"/>
+              </a:rPr>
+              <a:t>• NUM stands for “sequence number”</a:t>
+            </a:r>
+          </a:p>
+          <a:p>
+            <a:pPr fontAlgn="base"/>
+            <a:r>
+              <a:rPr lang="en-US" dirty="0">
+                <a:effectLst/>
+                <a:latin typeface="Inter"/>
+              </a:rPr>
+              <a:t>• x-sell means customers already evaluated risk by previous loans (loans in HC even before </a:t>
+            </a:r>
+            <a:r>
+              <a:rPr lang="en-US" dirty="0" err="1">
+                <a:effectLst/>
+                <a:latin typeface="Inter"/>
+              </a:rPr>
+              <a:t>previous_application</a:t>
+            </a:r>
+            <a:r>
+              <a:rPr lang="en-US" dirty="0">
+                <a:effectLst/>
+                <a:latin typeface="Inter"/>
+              </a:rPr>
+              <a:t>), before giving the loan. This is very valuable feature.</a:t>
+            </a:r>
+          </a:p>
+          <a:p>
+            <a:endParaRPr lang="en-US" dirty="0"/>
+          </a:p>
+        </p:txBody>
+      </p:sp>
+      <p:sp>
+        <p:nvSpPr>
+          <p:cNvPr id="4" name="Espace réservé du contenu 2">
+            <a:extLst>
+              <a:ext uri="{FF2B5EF4-FFF2-40B4-BE49-F238E27FC236}">
+                <a16:creationId xmlns:a16="http://schemas.microsoft.com/office/drawing/2014/main" id="{A8A7CC06-8BA2-4185-963C-9BF20D882D10}"/>
+              </a:ext>
+            </a:extLst>
+          </p:cNvPr>
+          <p:cNvSpPr txBox="1">
+            <a:spLocks/>
+          </p:cNvSpPr>
+          <p:nvPr/>
+        </p:nvSpPr>
+        <p:spPr>
+          <a:xfrm>
+            <a:off x="6095998" y="1708727"/>
+            <a:ext cx="6096002" cy="4417925"/>
+          </a:xfrm>
+          <a:prstGeom prst="rect">
+            <a:avLst/>
+          </a:prstGeom>
+          <a:effectLst>
+            <a:outerShdw blurRad="50800" dir="14400000">
+              <a:srgbClr val="000000">
+                <a:alpha val="40000"/>
+              </a:srgbClr>
+            </a:outerShdw>
+          </a:effectLst>
+        </p:spPr>
+        <p:txBody>
+          <a:bodyPr vert="horz" lIns="91440" tIns="45720" rIns="91440" bIns="45720" rtlCol="0" anchor="ctr">
+            <a:normAutofit fontScale="77500" lnSpcReduction="20000"/>
+          </a:bodyPr>
+          <a:lstStyle>
+            <a:lvl1pPr marL="342900" indent="-342900" algn="l" defTabSz="457200" rtl="0" eaLnBrk="1" latinLnBrk="0" hangingPunct="1">
+              <a:spcBef>
+                <a:spcPct val="20000"/>
+              </a:spcBef>
+              <a:spcAft>
+                <a:spcPts val="600"/>
+              </a:spcAft>
+              <a:buClr>
+                <a:schemeClr val="accent1"/>
+              </a:buClr>
+              <a:buFont typeface="Wingdings 2" charset="2"/>
+              <a:buChar char=""/>
+              <a:defRPr sz="1800" kern="1200">
+                <a:solidFill>
+                  <a:schemeClr val="tx1"/>
+                </a:solidFill>
+                <a:latin typeface="+mn-lt"/>
+                <a:ea typeface="+mn-ea"/>
+                <a:cs typeface="+mn-cs"/>
+              </a:defRPr>
+            </a:lvl1pPr>
+            <a:lvl2pPr marL="742950" indent="-285750" algn="l" defTabSz="457200" rtl="0" eaLnBrk="1" latinLnBrk="0" hangingPunct="1">
+              <a:spcBef>
+                <a:spcPct val="20000"/>
+              </a:spcBef>
+              <a:spcAft>
+                <a:spcPts val="600"/>
+              </a:spcAft>
+              <a:buClr>
+                <a:schemeClr val="accent1"/>
+              </a:buClr>
+              <a:buFont typeface="Wingdings 2" charset="2"/>
+              <a:buChar char=""/>
+              <a:defRPr sz="1600" kern="1200">
+                <a:solidFill>
+                  <a:schemeClr val="tx1"/>
+                </a:solidFill>
+                <a:latin typeface="+mn-lt"/>
+                <a:ea typeface="+mn-ea"/>
+                <a:cs typeface="+mn-cs"/>
+              </a:defRPr>
+            </a:lvl2pPr>
+            <a:lvl3pPr marL="1143000" indent="-228600" algn="l" defTabSz="457200" rtl="0" eaLnBrk="1" latinLnBrk="0" hangingPunct="1">
+              <a:spcBef>
+                <a:spcPct val="20000"/>
+              </a:spcBef>
+              <a:spcAft>
+                <a:spcPts val="600"/>
+              </a:spcAft>
+              <a:buClr>
+                <a:schemeClr val="accent1"/>
+              </a:buClr>
+              <a:buFont typeface="Wingdings 2" charset="2"/>
+              <a:buChar char=""/>
+              <a:defRPr sz="1400" kern="1200">
+                <a:solidFill>
+                  <a:schemeClr val="tx1"/>
+                </a:solidFill>
+                <a:latin typeface="+mn-lt"/>
+                <a:ea typeface="+mn-ea"/>
+                <a:cs typeface="+mn-cs"/>
+              </a:defRPr>
+            </a:lvl3pPr>
+            <a:lvl4pPr marL="1600200" indent="-228600" algn="l" defTabSz="457200" rtl="0" eaLnBrk="1" latinLnBrk="0" hangingPunct="1">
+              <a:spcBef>
+                <a:spcPct val="20000"/>
+              </a:spcBef>
+              <a:spcAft>
+                <a:spcPts val="600"/>
+              </a:spcAft>
+              <a:buClr>
+                <a:schemeClr val="accent1"/>
+              </a:buClr>
+              <a:buFont typeface="Wingdings 2" charset="2"/>
+              <a:buChar char=""/>
+              <a:defRPr sz="1200" kern="1200">
+                <a:solidFill>
+                  <a:schemeClr val="tx1"/>
+                </a:solidFill>
+                <a:latin typeface="+mn-lt"/>
+                <a:ea typeface="+mn-ea"/>
+                <a:cs typeface="+mn-cs"/>
+              </a:defRPr>
+            </a:lvl4pPr>
+            <a:lvl5pPr marL="2057400" indent="-228600" algn="l" defTabSz="457200" rtl="0" eaLnBrk="1" latinLnBrk="0" hangingPunct="1">
+              <a:spcBef>
+                <a:spcPct val="20000"/>
+              </a:spcBef>
+              <a:spcAft>
+                <a:spcPts val="600"/>
+              </a:spcAft>
+              <a:buClr>
+                <a:schemeClr val="accent1"/>
+              </a:buClr>
+              <a:buFont typeface="Wingdings 2" charset="2"/>
+              <a:buChar char=""/>
+              <a:defRPr sz="1200" kern="1200">
+                <a:solidFill>
+                  <a:schemeClr val="tx1"/>
+                </a:solidFill>
+                <a:latin typeface="+mn-lt"/>
+                <a:ea typeface="+mn-ea"/>
+                <a:cs typeface="+mn-cs"/>
+              </a:defRPr>
+            </a:lvl5pPr>
+            <a:lvl6pPr marL="2400000" indent="-228600" algn="l" defTabSz="457200" rtl="0" eaLnBrk="1" latinLnBrk="0" hangingPunct="1">
+              <a:spcBef>
+                <a:spcPct val="20000"/>
+              </a:spcBef>
+              <a:spcAft>
+                <a:spcPts val="600"/>
+              </a:spcAft>
+              <a:buClr>
+                <a:schemeClr val="accent1"/>
+              </a:buClr>
+              <a:buFont typeface="Wingdings 2" charset="2"/>
+              <a:buChar char=""/>
+              <a:defRPr sz="1200" kern="1200">
+                <a:solidFill>
+                  <a:schemeClr val="tx1"/>
+                </a:solidFill>
+                <a:latin typeface="+mn-lt"/>
+                <a:ea typeface="+mn-ea"/>
+                <a:cs typeface="+mn-cs"/>
+              </a:defRPr>
+            </a:lvl6pPr>
+            <a:lvl7pPr marL="2800000" indent="-228600" algn="l" defTabSz="457200" rtl="0" eaLnBrk="1" latinLnBrk="0" hangingPunct="1">
+              <a:spcBef>
+                <a:spcPct val="20000"/>
+              </a:spcBef>
+              <a:spcAft>
+                <a:spcPts val="600"/>
+              </a:spcAft>
+              <a:buClr>
+                <a:schemeClr val="accent1"/>
+              </a:buClr>
+              <a:buFont typeface="Wingdings 2" charset="2"/>
+              <a:buChar char=""/>
+              <a:defRPr sz="1200" kern="1200">
+                <a:solidFill>
+                  <a:schemeClr val="tx1"/>
+                </a:solidFill>
+                <a:latin typeface="+mn-lt"/>
+                <a:ea typeface="+mn-ea"/>
+                <a:cs typeface="+mn-cs"/>
+              </a:defRPr>
+            </a:lvl7pPr>
+            <a:lvl8pPr marL="3200000" indent="-228600" algn="l" defTabSz="457200" rtl="0" eaLnBrk="1" latinLnBrk="0" hangingPunct="1">
+              <a:spcBef>
+                <a:spcPct val="20000"/>
+              </a:spcBef>
+              <a:spcAft>
+                <a:spcPts val="600"/>
+              </a:spcAft>
+              <a:buClr>
+                <a:schemeClr val="accent1"/>
+              </a:buClr>
+              <a:buFont typeface="Wingdings 2" charset="2"/>
+              <a:buChar char=""/>
+              <a:defRPr sz="1200" kern="1200">
+                <a:solidFill>
+                  <a:schemeClr val="tx1"/>
+                </a:solidFill>
+                <a:latin typeface="+mn-lt"/>
+                <a:ea typeface="+mn-ea"/>
+                <a:cs typeface="+mn-cs"/>
+              </a:defRPr>
+            </a:lvl8pPr>
+            <a:lvl9pPr marL="3600000" indent="-228600" algn="l" defTabSz="457200" rtl="0" eaLnBrk="1" latinLnBrk="0" hangingPunct="1">
+              <a:spcBef>
+                <a:spcPct val="20000"/>
+              </a:spcBef>
+              <a:spcAft>
+                <a:spcPts val="600"/>
+              </a:spcAft>
+              <a:buClr>
+                <a:schemeClr val="accent1"/>
+              </a:buClr>
+              <a:buFont typeface="Wingdings 2" charset="2"/>
+              <a:buChar char=""/>
+              <a:defRPr sz="1200" kern="1200">
+                <a:solidFill>
+                  <a:schemeClr val="tx1"/>
+                </a:solidFill>
+                <a:latin typeface="+mn-lt"/>
+                <a:ea typeface="+mn-ea"/>
+                <a:cs typeface="+mn-cs"/>
+              </a:defRPr>
+            </a:lvl9pPr>
+          </a:lstStyle>
+          <a:p>
+            <a:pPr fontAlgn="base"/>
+            <a:r>
+              <a:rPr lang="en-US" dirty="0">
+                <a:effectLst/>
+                <a:latin typeface="Inter"/>
+              </a:rPr>
+              <a:t>bureau_balance.csv - MONTHS_BALANCE - Month of balance relative to application date (-1 means the information to the freshest monthly snapshot, 0 means the information at application - often it will be the same as -1 as many banks are not updating the information to Credit Bureau regularly)</a:t>
+            </a:r>
+          </a:p>
+          <a:p>
+            <a:pPr fontAlgn="base"/>
+            <a:r>
+              <a:rPr lang="en-US" dirty="0">
+                <a:effectLst/>
+                <a:latin typeface="Inter"/>
+              </a:rPr>
+              <a:t>POS_CASH_balance.csv - MONTHS_BALANCE - Month of balance relative to application date (-1 means the freshest balance date)</a:t>
+            </a:r>
+          </a:p>
+          <a:p>
+            <a:pPr fontAlgn="base"/>
+            <a:r>
+              <a:rPr lang="en-US" dirty="0">
+                <a:effectLst/>
+                <a:latin typeface="Inter"/>
+              </a:rPr>
+              <a:t>Dataset POS_CASH_BAL contains monthly snapshots of previous loans</a:t>
+            </a:r>
+          </a:p>
+          <a:p>
+            <a:pPr fontAlgn="base">
+              <a:buFont typeface="Arial" panose="020B0604020202020204" pitchFamily="34" charset="0"/>
+              <a:buChar char="•"/>
+            </a:pPr>
+            <a:r>
+              <a:rPr lang="en-US" dirty="0">
+                <a:effectLst/>
+                <a:latin typeface="Inter"/>
+              </a:rPr>
+              <a:t>MONTHS_BALANCE - denotes the number of months relative to the current application (i.e. the loan is being repaid with increasing MONTHS_BALANCE, in other words MONTH_BALANCE is becoming less negative)</a:t>
+            </a:r>
+          </a:p>
+          <a:p>
+            <a:pPr fontAlgn="base">
+              <a:buFont typeface="Arial" panose="020B0604020202020204" pitchFamily="34" charset="0"/>
+              <a:buChar char="•"/>
+            </a:pPr>
+            <a:r>
+              <a:rPr lang="en-US" dirty="0">
+                <a:effectLst/>
+                <a:latin typeface="Inter"/>
+              </a:rPr>
+              <a:t>CNT_INSTALMENT - denotes the total number of installments (term of the loan). This number may decrease if the client early repays the loan or increase in case of payment difficulties and change of the installment schedule</a:t>
+            </a:r>
+          </a:p>
+          <a:p>
+            <a:pPr fontAlgn="base">
+              <a:buFont typeface="Arial" panose="020B0604020202020204" pitchFamily="34" charset="0"/>
+              <a:buChar char="•"/>
+            </a:pPr>
+            <a:r>
+              <a:rPr lang="en-US" dirty="0">
+                <a:effectLst/>
+                <a:latin typeface="Inter"/>
+              </a:rPr>
+              <a:t>CNT_INSTALMENT_FUTURE - denotes the number of installments to be paid</a:t>
+            </a:r>
+          </a:p>
+          <a:p>
+            <a:pPr fontAlgn="base">
+              <a:buFont typeface="Arial" panose="020B0604020202020204" pitchFamily="34" charset="0"/>
+              <a:buChar char="•"/>
+            </a:pPr>
+            <a:r>
+              <a:rPr lang="en-US" dirty="0">
+                <a:effectLst/>
+                <a:latin typeface="Inter"/>
+              </a:rPr>
+              <a:t>NAME_CONTRACT_STATUS - changes when the contract moves to another status (e.g. typically from active to completed when the loan is repaid)</a:t>
+            </a:r>
+          </a:p>
+          <a:p>
+            <a:endParaRPr lang="en-US" dirty="0"/>
+          </a:p>
+        </p:txBody>
+      </p:sp>
+    </p:spTree>
+    <p:extLst>
+      <p:ext uri="{BB962C8B-B14F-4D97-AF65-F5344CB8AC3E}">
+        <p14:creationId xmlns:p14="http://schemas.microsoft.com/office/powerpoint/2010/main" val="558646109"/>
+      </p:ext>
+    </p:extLst>
+  </p:cSld>
+  <p:clrMapOvr>
+    <a:masterClrMapping/>
+  </p:clrMapOvr>
+</p:sld>
+</file>
+
+<file path=ppt/slides/slide5.xml><?xml version="1.0" encoding="utf-8"?>
+<p:sld xmlns:a="http://schemas.openxmlformats.org/drawingml/2006/main" xmlns:r="http://schemas.openxmlformats.org/officeDocument/2006/relationships" xmlns:p="http://schemas.openxmlformats.org/presentationml/2006/main">
+  <p:cSld>
+    <p:spTree>
+      <p:nvGrpSpPr>
+        <p:cNvPr id="1" name=""/>
+        <p:cNvGrpSpPr/>
+        <p:nvPr/>
+      </p:nvGrpSpPr>
+      <p:grpSpPr>
+        <a:xfrm>
+          <a:off x="0" y="0"/>
+          <a:ext cx="0" cy="0"/>
+          <a:chOff x="0" y="0"/>
+          <a:chExt cx="0" cy="0"/>
+        </a:xfrm>
+      </p:grpSpPr>
+      <p:sp>
+        <p:nvSpPr>
+          <p:cNvPr id="2" name="Titre 1">
+            <a:extLst>
+              <a:ext uri="{FF2B5EF4-FFF2-40B4-BE49-F238E27FC236}">
+                <a16:creationId xmlns:a16="http://schemas.microsoft.com/office/drawing/2014/main" id="{ACE0096E-C291-41BF-9E47-B90A476BB269}"/>
+              </a:ext>
+            </a:extLst>
+          </p:cNvPr>
+          <p:cNvSpPr>
+            <a:spLocks noGrp="1"/>
+          </p:cNvSpPr>
+          <p:nvPr>
+            <p:ph type="title"/>
+          </p:nvPr>
+        </p:nvSpPr>
+        <p:spPr/>
+        <p:txBody>
+          <a:bodyPr/>
+          <a:lstStyle/>
+          <a:p>
+            <a:endParaRPr lang="en-US"/>
+          </a:p>
+        </p:txBody>
+      </p:sp>
+      <p:sp>
+        <p:nvSpPr>
+          <p:cNvPr id="3" name="Espace réservé du contenu 2">
+            <a:extLst>
+              <a:ext uri="{FF2B5EF4-FFF2-40B4-BE49-F238E27FC236}">
+                <a16:creationId xmlns:a16="http://schemas.microsoft.com/office/drawing/2014/main" id="{83F96422-9E47-4772-BA66-093B272889F0}"/>
+              </a:ext>
+            </a:extLst>
+          </p:cNvPr>
+          <p:cNvSpPr>
+            <a:spLocks noGrp="1"/>
+          </p:cNvSpPr>
+          <p:nvPr>
+            <p:ph idx="1"/>
+          </p:nvPr>
+        </p:nvSpPr>
+        <p:spPr>
+          <a:xfrm>
+            <a:off x="393839" y="1638256"/>
+            <a:ext cx="10554574" cy="1206713"/>
+          </a:xfrm>
+        </p:spPr>
+        <p:txBody>
+          <a:bodyPr>
+            <a:normAutofit fontScale="85000" lnSpcReduction="20000"/>
+          </a:bodyPr>
+          <a:lstStyle/>
+          <a:p>
+            <a:r>
+              <a:rPr lang="en-US" dirty="0" err="1"/>
+              <a:t>Taget</a:t>
+            </a:r>
+            <a:r>
+              <a:rPr lang="en-US" dirty="0"/>
+              <a:t> :</a:t>
+            </a:r>
+          </a:p>
+          <a:p>
+            <a:pPr lvl="1"/>
+            <a:r>
+              <a:rPr lang="en-US" dirty="0"/>
+              <a:t> 1 - client had late payment more than X days on at least one of the first Y installments of the loan in our sample,</a:t>
+            </a:r>
+          </a:p>
+          <a:p>
+            <a:pPr lvl="1"/>
+            <a:r>
+              <a:rPr lang="en-US" dirty="0"/>
+              <a:t>0 - all other cases)</a:t>
+            </a:r>
+          </a:p>
+          <a:p>
+            <a:r>
+              <a:rPr lang="en-US" dirty="0"/>
+              <a:t>La prediction </a:t>
+            </a:r>
+            <a:r>
+              <a:rPr lang="en-US" dirty="0" err="1"/>
+              <a:t>porte</a:t>
+            </a:r>
+            <a:r>
+              <a:rPr lang="en-US" dirty="0"/>
+              <a:t> sur </a:t>
+            </a:r>
+            <a:r>
+              <a:rPr lang="en-US" dirty="0" err="1"/>
+              <a:t>Pfail</a:t>
+            </a:r>
+            <a:r>
+              <a:rPr lang="en-US" dirty="0"/>
+              <a:t> + </a:t>
+            </a:r>
+            <a:r>
+              <a:rPr lang="en-US" dirty="0" err="1"/>
+              <a:t>Ppay</a:t>
+            </a:r>
+            <a:r>
+              <a:rPr lang="en-US" dirty="0"/>
+              <a:t> = 1, </a:t>
+            </a:r>
+            <a:r>
+              <a:rPr lang="en-US" dirty="0" err="1"/>
+              <a:t>mais</a:t>
+            </a:r>
+            <a:r>
+              <a:rPr lang="en-US" dirty="0"/>
+              <a:t>  </a:t>
+            </a:r>
+          </a:p>
+        </p:txBody>
+      </p:sp>
+      <p:graphicFrame>
+        <p:nvGraphicFramePr>
+          <p:cNvPr id="4" name="Tableau 4">
+            <a:extLst>
+              <a:ext uri="{FF2B5EF4-FFF2-40B4-BE49-F238E27FC236}">
+                <a16:creationId xmlns:a16="http://schemas.microsoft.com/office/drawing/2014/main" id="{92B0ADD6-CD69-4F1C-93D2-68F036340192}"/>
+              </a:ext>
+            </a:extLst>
+          </p:cNvPr>
+          <p:cNvGraphicFramePr>
+            <a:graphicFrameLocks noGrp="1"/>
+          </p:cNvGraphicFramePr>
+          <p:nvPr>
+            <p:extLst>
+              <p:ext uri="{D42A27DB-BD31-4B8C-83A1-F6EECF244321}">
+                <p14:modId xmlns:p14="http://schemas.microsoft.com/office/powerpoint/2010/main" val="3349715124"/>
+              </p:ext>
+            </p:extLst>
+          </p:nvPr>
+        </p:nvGraphicFramePr>
+        <p:xfrm>
+          <a:off x="266503" y="2844969"/>
+          <a:ext cx="8128000" cy="1752600"/>
+        </p:xfrm>
+        <a:graphic>
+          <a:graphicData uri="http://schemas.openxmlformats.org/drawingml/2006/table">
+            <a:tbl>
+              <a:tblPr firstRow="1" bandRow="1">
+                <a:tableStyleId>{5C22544A-7EE6-4342-B048-85BDC9FD1C3A}</a:tableStyleId>
+              </a:tblPr>
+              <a:tblGrid>
+                <a:gridCol w="1625600">
+                  <a:extLst>
+                    <a:ext uri="{9D8B030D-6E8A-4147-A177-3AD203B41FA5}">
+                      <a16:colId xmlns:a16="http://schemas.microsoft.com/office/drawing/2014/main" val="1938722350"/>
+                    </a:ext>
+                  </a:extLst>
+                </a:gridCol>
+                <a:gridCol w="1625600">
+                  <a:extLst>
+                    <a:ext uri="{9D8B030D-6E8A-4147-A177-3AD203B41FA5}">
+                      <a16:colId xmlns:a16="http://schemas.microsoft.com/office/drawing/2014/main" val="2397315996"/>
+                    </a:ext>
+                  </a:extLst>
+                </a:gridCol>
+                <a:gridCol w="1625600">
+                  <a:extLst>
+                    <a:ext uri="{9D8B030D-6E8A-4147-A177-3AD203B41FA5}">
+                      <a16:colId xmlns:a16="http://schemas.microsoft.com/office/drawing/2014/main" val="4154785311"/>
+                    </a:ext>
+                  </a:extLst>
+                </a:gridCol>
+                <a:gridCol w="1625600">
+                  <a:extLst>
+                    <a:ext uri="{9D8B030D-6E8A-4147-A177-3AD203B41FA5}">
+                      <a16:colId xmlns:a16="http://schemas.microsoft.com/office/drawing/2014/main" val="1247108596"/>
+                    </a:ext>
+                  </a:extLst>
+                </a:gridCol>
+                <a:gridCol w="1625600">
+                  <a:extLst>
+                    <a:ext uri="{9D8B030D-6E8A-4147-A177-3AD203B41FA5}">
+                      <a16:colId xmlns:a16="http://schemas.microsoft.com/office/drawing/2014/main" val="3512123157"/>
+                    </a:ext>
+                  </a:extLst>
+                </a:gridCol>
+              </a:tblGrid>
+              <a:tr h="370840">
+                <a:tc>
+                  <a:txBody>
+                    <a:bodyPr/>
+                    <a:lstStyle/>
+                    <a:p>
+                      <a:endParaRPr lang="en-US"/>
+                    </a:p>
+                  </a:txBody>
+                  <a:tcPr/>
+                </a:tc>
+                <a:tc>
+                  <a:txBody>
+                    <a:bodyPr/>
+                    <a:lstStyle/>
+                    <a:p>
+                      <a:r>
+                        <a:rPr lang="en-US" dirty="0"/>
+                        <a:t>Predict </a:t>
+                      </a:r>
+                      <a:r>
+                        <a:rPr lang="en-US" dirty="0" err="1"/>
+                        <a:t>proba</a:t>
+                      </a:r>
+                      <a:r>
+                        <a:rPr lang="en-US" dirty="0"/>
+                        <a:t> 0</a:t>
+                      </a:r>
+                    </a:p>
+                  </a:txBody>
+                  <a:tcPr/>
+                </a:tc>
+                <a:tc>
+                  <a:txBody>
+                    <a:bodyPr/>
+                    <a:lstStyle/>
+                    <a:p>
+                      <a:pPr marL="0" marR="0" lvl="0" indent="0" algn="l" defTabSz="457200" rtl="0" eaLnBrk="1" fontAlgn="auto" latinLnBrk="0" hangingPunct="1">
+                        <a:lnSpc>
+                          <a:spcPct val="100000"/>
+                        </a:lnSpc>
+                        <a:spcBef>
+                          <a:spcPts val="0"/>
+                        </a:spcBef>
+                        <a:spcAft>
+                          <a:spcPts val="0"/>
+                        </a:spcAft>
+                        <a:buClrTx/>
+                        <a:buSzTx/>
+                        <a:buFontTx/>
+                        <a:buNone/>
+                        <a:tabLst/>
+                        <a:defRPr/>
+                      </a:pPr>
+                      <a:r>
+                        <a:rPr lang="en-US" dirty="0"/>
+                        <a:t>Predict </a:t>
+                      </a:r>
+                      <a:r>
+                        <a:rPr lang="en-US" dirty="0" err="1"/>
+                        <a:t>proba</a:t>
+                      </a:r>
+                      <a:r>
+                        <a:rPr lang="en-US" dirty="0"/>
+                        <a:t> 1</a:t>
+                      </a:r>
+                    </a:p>
+                  </a:txBody>
+                  <a:tcPr/>
+                </a:tc>
+                <a:tc>
+                  <a:txBody>
+                    <a:bodyPr/>
+                    <a:lstStyle/>
+                    <a:p>
+                      <a:r>
+                        <a:rPr lang="en-US" dirty="0"/>
+                        <a:t>TARGET predict</a:t>
+                      </a:r>
+                    </a:p>
+                  </a:txBody>
+                  <a:tcPr/>
+                </a:tc>
+                <a:tc>
+                  <a:txBody>
+                    <a:bodyPr/>
+                    <a:lstStyle/>
+                    <a:p>
+                      <a:r>
+                        <a:rPr lang="en-US" dirty="0"/>
+                        <a:t>TARGET</a:t>
+                      </a:r>
+                    </a:p>
+                    <a:p>
+                      <a:r>
+                        <a:rPr lang="en-US" dirty="0"/>
+                        <a:t>csv</a:t>
+                      </a:r>
+                    </a:p>
+                  </a:txBody>
+                  <a:tcPr/>
+                </a:tc>
+                <a:extLst>
+                  <a:ext uri="{0D108BD9-81ED-4DB2-BD59-A6C34878D82A}">
+                    <a16:rowId xmlns:a16="http://schemas.microsoft.com/office/drawing/2014/main" val="1941737930"/>
+                  </a:ext>
+                </a:extLst>
+              </a:tr>
+              <a:tr h="370840">
+                <a:tc>
+                  <a:txBody>
+                    <a:bodyPr/>
+                    <a:lstStyle/>
+                    <a:p>
+                      <a:r>
+                        <a:rPr lang="en-US" dirty="0"/>
+                        <a:t>SK_ID</a:t>
+                      </a:r>
+                    </a:p>
+                  </a:txBody>
+                  <a:tcPr/>
+                </a:tc>
+                <a:tc>
+                  <a:txBody>
+                    <a:bodyPr/>
+                    <a:lstStyle/>
+                    <a:p>
+                      <a:r>
+                        <a:rPr lang="en-US" dirty="0" err="1"/>
+                        <a:t>Ppay</a:t>
+                      </a:r>
+                      <a:endParaRPr lang="en-US" dirty="0"/>
+                    </a:p>
+                  </a:txBody>
+                  <a:tcPr/>
+                </a:tc>
+                <a:tc>
+                  <a:txBody>
+                    <a:bodyPr/>
+                    <a:lstStyle/>
+                    <a:p>
+                      <a:r>
+                        <a:rPr lang="en-US" dirty="0" err="1"/>
+                        <a:t>Pfail</a:t>
+                      </a:r>
+                      <a:endParaRPr lang="en-US" dirty="0"/>
+                    </a:p>
+                  </a:txBody>
+                  <a:tcPr/>
+                </a:tc>
+                <a:tc>
+                  <a:txBody>
+                    <a:bodyPr/>
+                    <a:lstStyle/>
+                    <a:p>
+                      <a:r>
+                        <a:rPr lang="en-US" dirty="0"/>
+                        <a:t>0 </a:t>
+                      </a:r>
+                      <a:r>
+                        <a:rPr lang="en-US" dirty="0" err="1"/>
+                        <a:t>ou</a:t>
+                      </a:r>
+                      <a:r>
+                        <a:rPr lang="en-US" dirty="0"/>
+                        <a:t> 1</a:t>
+                      </a:r>
+                    </a:p>
+                  </a:txBody>
+                  <a:tcPr/>
+                </a:tc>
+                <a:tc>
+                  <a:txBody>
+                    <a:bodyPr/>
+                    <a:lstStyle/>
+                    <a:p>
+                      <a:pPr marL="0" marR="0" lvl="0" indent="0" algn="l" defTabSz="457200" rtl="0" eaLnBrk="1" fontAlgn="auto" latinLnBrk="0" hangingPunct="1">
+                        <a:lnSpc>
+                          <a:spcPct val="100000"/>
+                        </a:lnSpc>
+                        <a:spcBef>
+                          <a:spcPts val="0"/>
+                        </a:spcBef>
+                        <a:spcAft>
+                          <a:spcPts val="0"/>
+                        </a:spcAft>
+                        <a:buClrTx/>
+                        <a:buSzTx/>
+                        <a:buFontTx/>
+                        <a:buNone/>
+                        <a:tabLst/>
+                        <a:defRPr/>
+                      </a:pPr>
+                      <a:r>
+                        <a:rPr lang="en-US" dirty="0"/>
+                        <a:t>0 </a:t>
+                      </a:r>
+                      <a:r>
+                        <a:rPr lang="en-US" dirty="0" err="1"/>
+                        <a:t>ou</a:t>
+                      </a:r>
+                      <a:r>
+                        <a:rPr lang="en-US" dirty="0"/>
+                        <a:t> 1</a:t>
+                      </a:r>
+                    </a:p>
+                  </a:txBody>
+                  <a:tcPr/>
+                </a:tc>
+                <a:extLst>
+                  <a:ext uri="{0D108BD9-81ED-4DB2-BD59-A6C34878D82A}">
+                    <a16:rowId xmlns:a16="http://schemas.microsoft.com/office/drawing/2014/main" val="3174657317"/>
+                  </a:ext>
+                </a:extLst>
+              </a:tr>
+              <a:tr h="370840">
+                <a:tc>
+                  <a:txBody>
+                    <a:bodyPr/>
+                    <a:lstStyle/>
+                    <a:p>
+                      <a:endParaRPr lang="en-US"/>
+                    </a:p>
+                  </a:txBody>
+                  <a:tcPr/>
+                </a:tc>
+                <a:tc>
+                  <a:txBody>
+                    <a:bodyPr/>
+                    <a:lstStyle/>
+                    <a:p>
+                      <a:endParaRPr lang="en-US" dirty="0"/>
+                    </a:p>
+                  </a:txBody>
+                  <a:tcPr/>
+                </a:tc>
+                <a:tc>
+                  <a:txBody>
+                    <a:bodyPr/>
+                    <a:lstStyle/>
+                    <a:p>
+                      <a:endParaRPr lang="en-US" dirty="0"/>
+                    </a:p>
+                  </a:txBody>
+                  <a:tcPr/>
+                </a:tc>
+                <a:tc>
+                  <a:txBody>
+                    <a:bodyPr/>
+                    <a:lstStyle/>
+                    <a:p>
+                      <a:endParaRPr lang="en-US" dirty="0"/>
+                    </a:p>
+                  </a:txBody>
+                  <a:tcPr/>
+                </a:tc>
+                <a:tc>
+                  <a:txBody>
+                    <a:bodyPr/>
+                    <a:lstStyle/>
+                    <a:p>
+                      <a:endParaRPr lang="en-US"/>
+                    </a:p>
+                  </a:txBody>
+                  <a:tcPr/>
+                </a:tc>
+                <a:extLst>
+                  <a:ext uri="{0D108BD9-81ED-4DB2-BD59-A6C34878D82A}">
+                    <a16:rowId xmlns:a16="http://schemas.microsoft.com/office/drawing/2014/main" val="1218521145"/>
+                  </a:ext>
+                </a:extLst>
+              </a:tr>
+              <a:tr h="370840">
+                <a:tc>
+                  <a:txBody>
+                    <a:bodyPr/>
+                    <a:lstStyle/>
+                    <a:p>
+                      <a:endParaRPr lang="en-US"/>
+                    </a:p>
+                  </a:txBody>
+                  <a:tcPr/>
+                </a:tc>
+                <a:tc>
+                  <a:txBody>
+                    <a:bodyPr/>
+                    <a:lstStyle/>
+                    <a:p>
+                      <a:endParaRPr lang="en-US"/>
+                    </a:p>
+                  </a:txBody>
+                  <a:tcPr/>
+                </a:tc>
+                <a:tc>
+                  <a:txBody>
+                    <a:bodyPr/>
+                    <a:lstStyle/>
+                    <a:p>
+                      <a:endParaRPr lang="en-US"/>
+                    </a:p>
+                  </a:txBody>
+                  <a:tcPr/>
+                </a:tc>
+                <a:tc>
+                  <a:txBody>
+                    <a:bodyPr/>
+                    <a:lstStyle/>
+                    <a:p>
+                      <a:endParaRPr lang="en-US" dirty="0"/>
+                    </a:p>
+                  </a:txBody>
+                  <a:tcPr/>
+                </a:tc>
+                <a:tc>
+                  <a:txBody>
+                    <a:bodyPr/>
+                    <a:lstStyle/>
+                    <a:p>
+                      <a:endParaRPr lang="en-US" dirty="0"/>
+                    </a:p>
+                  </a:txBody>
+                  <a:tcPr/>
+                </a:tc>
+                <a:extLst>
+                  <a:ext uri="{0D108BD9-81ED-4DB2-BD59-A6C34878D82A}">
+                    <a16:rowId xmlns:a16="http://schemas.microsoft.com/office/drawing/2014/main" val="1249269108"/>
+                  </a:ext>
+                </a:extLst>
+              </a:tr>
+            </a:tbl>
+          </a:graphicData>
+        </a:graphic>
+      </p:graphicFrame>
+      <p:pic>
+        <p:nvPicPr>
+          <p:cNvPr id="5" name="Image 4">
+            <a:extLst>
+              <a:ext uri="{FF2B5EF4-FFF2-40B4-BE49-F238E27FC236}">
+                <a16:creationId xmlns:a16="http://schemas.microsoft.com/office/drawing/2014/main" id="{F9315CF7-3B74-4D15-A945-D17E688C9EAE}"/>
+              </a:ext>
+            </a:extLst>
+          </p:cNvPr>
+          <p:cNvPicPr>
+            <a:picLocks noChangeAspect="1"/>
+          </p:cNvPicPr>
+          <p:nvPr/>
+        </p:nvPicPr>
+        <p:blipFill>
+          <a:blip r:embed="rId2"/>
+          <a:stretch>
+            <a:fillRect/>
+          </a:stretch>
+        </p:blipFill>
+        <p:spPr>
+          <a:xfrm>
+            <a:off x="9222436" y="1271163"/>
+            <a:ext cx="1627193" cy="3108960"/>
+          </a:xfrm>
+          <a:prstGeom prst="rect">
+            <a:avLst/>
+          </a:prstGeom>
+        </p:spPr>
+      </p:pic>
+      <p:sp>
+        <p:nvSpPr>
+          <p:cNvPr id="7" name="ZoneTexte 6">
+            <a:extLst>
+              <a:ext uri="{FF2B5EF4-FFF2-40B4-BE49-F238E27FC236}">
+                <a16:creationId xmlns:a16="http://schemas.microsoft.com/office/drawing/2014/main" id="{C46AEBA4-294D-4047-8368-BD6FA64E32B1}"/>
+              </a:ext>
+            </a:extLst>
+          </p:cNvPr>
+          <p:cNvSpPr txBox="1"/>
+          <p:nvPr/>
+        </p:nvSpPr>
+        <p:spPr>
+          <a:xfrm>
+            <a:off x="393839" y="4850412"/>
+            <a:ext cx="9806702" cy="369332"/>
+          </a:xfrm>
+          <a:prstGeom prst="rect">
+            <a:avLst/>
+          </a:prstGeom>
+          <a:noFill/>
+        </p:spPr>
+        <p:txBody>
+          <a:bodyPr wrap="square">
+            <a:spAutoFit/>
+          </a:bodyPr>
+          <a:lstStyle/>
+          <a:p>
+            <a:r>
+              <a:rPr lang="en-US" dirty="0" err="1"/>
+              <a:t>ran_for_pred.round</a:t>
+            </a:r>
+            <a:r>
+              <a:rPr lang="en-US" dirty="0"/>
+              <a:t>() =&gt; </a:t>
+            </a:r>
+            <a:r>
+              <a:rPr lang="en-US" dirty="0" err="1"/>
+              <a:t>inférieur</a:t>
+            </a:r>
+            <a:r>
+              <a:rPr lang="en-US" dirty="0"/>
+              <a:t> </a:t>
+            </a:r>
+            <a:r>
+              <a:rPr lang="en-US" dirty="0" err="1"/>
+              <a:t>ou</a:t>
+            </a:r>
+            <a:r>
+              <a:rPr lang="en-US" dirty="0"/>
+              <a:t> </a:t>
+            </a:r>
+            <a:r>
+              <a:rPr lang="en-US" dirty="0" err="1"/>
+              <a:t>supérieur</a:t>
+            </a:r>
+            <a:r>
+              <a:rPr lang="en-US" dirty="0"/>
+              <a:t> à un </a:t>
+            </a:r>
+            <a:r>
+              <a:rPr lang="en-US" dirty="0" err="1"/>
+              <a:t>seuil</a:t>
+            </a:r>
+            <a:r>
+              <a:rPr lang="en-US" dirty="0"/>
+              <a:t> =&gt; comment le specifier?</a:t>
+            </a:r>
+          </a:p>
+        </p:txBody>
+      </p:sp>
+    </p:spTree>
+    <p:extLst>
+      <p:ext uri="{BB962C8B-B14F-4D97-AF65-F5344CB8AC3E}">
+        <p14:creationId xmlns:p14="http://schemas.microsoft.com/office/powerpoint/2010/main" val="1672975237"/>
+      </p:ext>
+    </p:extLst>
+  </p:cSld>
+  <p:clrMapOvr>
+    <a:masterClrMapping/>
+  </p:clrMapOvr>
+</p:sld>
+</file>
+
+<file path=ppt/slides/slide6.xml><?xml version="1.0" encoding="utf-8"?>
+<p:sld xmlns:a="http://schemas.openxmlformats.org/drawingml/2006/main" xmlns:r="http://schemas.openxmlformats.org/officeDocument/2006/relationships" xmlns:p="http://schemas.openxmlformats.org/presentationml/2006/main">
+  <p:cSld>
+    <p:spTree>
+      <p:nvGrpSpPr>
+        <p:cNvPr id="1" name=""/>
+        <p:cNvGrpSpPr/>
+        <p:nvPr/>
+      </p:nvGrpSpPr>
+      <p:grpSpPr>
+        <a:xfrm>
+          <a:off x="0" y="0"/>
+          <a:ext cx="0" cy="0"/>
+          <a:chOff x="0" y="0"/>
+          <a:chExt cx="0" cy="0"/>
+        </a:xfrm>
+      </p:grpSpPr>
+      <p:sp>
+        <p:nvSpPr>
+          <p:cNvPr id="2" name="Titre 1">
+            <a:extLst>
+              <a:ext uri="{FF2B5EF4-FFF2-40B4-BE49-F238E27FC236}">
+                <a16:creationId xmlns:a16="http://schemas.microsoft.com/office/drawing/2014/main" id="{7901B61A-B996-47D5-A216-82253EDB4F05}"/>
+              </a:ext>
+            </a:extLst>
+          </p:cNvPr>
+          <p:cNvSpPr>
+            <a:spLocks noGrp="1"/>
+          </p:cNvSpPr>
+          <p:nvPr>
+            <p:ph type="title"/>
+          </p:nvPr>
+        </p:nvSpPr>
+        <p:spPr/>
+        <p:txBody>
+          <a:bodyPr/>
+          <a:lstStyle/>
+          <a:p>
+            <a:r>
+              <a:rPr lang="en-US" dirty="0"/>
+              <a:t>Use case</a:t>
+            </a:r>
+          </a:p>
+        </p:txBody>
+      </p:sp>
+      <p:pic>
+        <p:nvPicPr>
+          <p:cNvPr id="5" name="Espace réservé du contenu 4" descr="Utilisateur">
+            <a:extLst>
+              <a:ext uri="{FF2B5EF4-FFF2-40B4-BE49-F238E27FC236}">
+                <a16:creationId xmlns:a16="http://schemas.microsoft.com/office/drawing/2014/main" id="{178E17BF-37E9-421D-997A-C6EC98C1F713}"/>
+              </a:ext>
+            </a:extLst>
+          </p:cNvPr>
+          <p:cNvPicPr>
+            <a:picLocks noGrp="1" noChangeAspect="1"/>
+          </p:cNvPicPr>
+          <p:nvPr>
+            <p:ph idx="1"/>
+          </p:nvPr>
+        </p:nvPicPr>
+        <p:blipFill>
+          <a:blip r:embed="rId2">
+            <a:extLst>
+              <a:ext uri="{96DAC541-7B7A-43D3-8B79-37D633B846F1}">
+                <asvg:svgBlip xmlns:asvg="http://schemas.microsoft.com/office/drawing/2016/SVG/main" r:embed="rId3"/>
+              </a:ext>
+            </a:extLst>
+          </a:blip>
+          <a:stretch>
+            <a:fillRect/>
+          </a:stretch>
+        </p:blipFill>
+        <p:spPr>
+          <a:xfrm>
+            <a:off x="1946342" y="1730310"/>
+            <a:ext cx="914400" cy="914400"/>
+          </a:xfrm>
+        </p:spPr>
+      </p:pic>
+      <p:pic>
+        <p:nvPicPr>
+          <p:cNvPr id="6" name="Espace réservé du contenu 4" descr="Utilisateur">
+            <a:extLst>
+              <a:ext uri="{FF2B5EF4-FFF2-40B4-BE49-F238E27FC236}">
+                <a16:creationId xmlns:a16="http://schemas.microsoft.com/office/drawing/2014/main" id="{04F00342-7786-465E-A1E2-91CFB0B0B8EE}"/>
+              </a:ext>
+            </a:extLst>
+          </p:cNvPr>
+          <p:cNvPicPr>
+            <a:picLocks noChangeAspect="1"/>
+          </p:cNvPicPr>
+          <p:nvPr/>
+        </p:nvPicPr>
+        <p:blipFill>
+          <a:blip r:embed="rId4">
+            <a:extLst>
+              <a:ext uri="{96DAC541-7B7A-43D3-8B79-37D633B846F1}">
+                <asvg:svgBlip xmlns:asvg="http://schemas.microsoft.com/office/drawing/2016/SVG/main" r:embed="rId5"/>
+              </a:ext>
+            </a:extLst>
+          </a:blip>
+          <a:stretch>
+            <a:fillRect/>
+          </a:stretch>
+        </p:blipFill>
+        <p:spPr>
+          <a:xfrm>
+            <a:off x="2098742" y="1882710"/>
+            <a:ext cx="914400" cy="914400"/>
+          </a:xfrm>
+          <a:prstGeom prst="rect">
+            <a:avLst/>
+          </a:prstGeom>
+          <a:effectLst>
+            <a:outerShdw blurRad="50800" dir="14400000">
+              <a:srgbClr val="000000">
+                <a:alpha val="40000"/>
+              </a:srgbClr>
+            </a:outerShdw>
+          </a:effectLst>
+        </p:spPr>
+      </p:pic>
+      <p:pic>
+        <p:nvPicPr>
+          <p:cNvPr id="7" name="Espace réservé du contenu 4" descr="Utilisateur">
+            <a:extLst>
+              <a:ext uri="{FF2B5EF4-FFF2-40B4-BE49-F238E27FC236}">
+                <a16:creationId xmlns:a16="http://schemas.microsoft.com/office/drawing/2014/main" id="{0429E21D-8FF8-4E69-BF35-1950E97AA445}"/>
+              </a:ext>
+            </a:extLst>
+          </p:cNvPr>
+          <p:cNvPicPr>
+            <a:picLocks noChangeAspect="1"/>
+          </p:cNvPicPr>
+          <p:nvPr/>
+        </p:nvPicPr>
+        <p:blipFill>
+          <a:blip r:embed="rId4">
+            <a:extLst>
+              <a:ext uri="{96DAC541-7B7A-43D3-8B79-37D633B846F1}">
+                <asvg:svgBlip xmlns:asvg="http://schemas.microsoft.com/office/drawing/2016/SVG/main" r:embed="rId5"/>
+              </a:ext>
+            </a:extLst>
+          </a:blip>
+          <a:stretch>
+            <a:fillRect/>
+          </a:stretch>
+        </p:blipFill>
+        <p:spPr>
+          <a:xfrm>
+            <a:off x="2251142" y="2035110"/>
+            <a:ext cx="914400" cy="914400"/>
+          </a:xfrm>
+          <a:prstGeom prst="rect">
+            <a:avLst/>
+          </a:prstGeom>
+          <a:effectLst>
+            <a:outerShdw blurRad="50800" dir="14400000">
+              <a:srgbClr val="000000">
+                <a:alpha val="40000"/>
+              </a:srgbClr>
+            </a:outerShdw>
+          </a:effectLst>
+        </p:spPr>
+      </p:pic>
+      <p:pic>
+        <p:nvPicPr>
+          <p:cNvPr id="8" name="Espace réservé du contenu 4" descr="Utilisateur">
+            <a:extLst>
+              <a:ext uri="{FF2B5EF4-FFF2-40B4-BE49-F238E27FC236}">
+                <a16:creationId xmlns:a16="http://schemas.microsoft.com/office/drawing/2014/main" id="{7E0868CC-97EB-4CA1-9025-BFCD13726893}"/>
+              </a:ext>
+            </a:extLst>
+          </p:cNvPr>
+          <p:cNvPicPr>
+            <a:picLocks noChangeAspect="1"/>
+          </p:cNvPicPr>
+          <p:nvPr/>
+        </p:nvPicPr>
+        <p:blipFill>
+          <a:blip r:embed="rId6">
+            <a:extLst>
+              <a:ext uri="{96DAC541-7B7A-43D3-8B79-37D633B846F1}">
+                <asvg:svgBlip xmlns:asvg="http://schemas.microsoft.com/office/drawing/2016/SVG/main" r:embed="rId7"/>
+              </a:ext>
+            </a:extLst>
+          </a:blip>
+          <a:stretch>
+            <a:fillRect/>
+          </a:stretch>
+        </p:blipFill>
+        <p:spPr>
+          <a:xfrm>
+            <a:off x="1946342" y="2681893"/>
+            <a:ext cx="914400" cy="914400"/>
+          </a:xfrm>
+          <a:prstGeom prst="rect">
+            <a:avLst/>
+          </a:prstGeom>
+          <a:effectLst>
+            <a:outerShdw blurRad="50800" dir="14400000">
+              <a:srgbClr val="000000">
+                <a:alpha val="40000"/>
+              </a:srgbClr>
+            </a:outerShdw>
+          </a:effectLst>
+        </p:spPr>
+      </p:pic>
+      <p:pic>
+        <p:nvPicPr>
+          <p:cNvPr id="9" name="Espace réservé du contenu 4" descr="Utilisateur">
+            <a:extLst>
+              <a:ext uri="{FF2B5EF4-FFF2-40B4-BE49-F238E27FC236}">
+                <a16:creationId xmlns:a16="http://schemas.microsoft.com/office/drawing/2014/main" id="{A4D6F3B7-7B8F-4176-9BD2-CD53F3AD738E}"/>
+              </a:ext>
+            </a:extLst>
+          </p:cNvPr>
+          <p:cNvPicPr>
+            <a:picLocks noChangeAspect="1"/>
+          </p:cNvPicPr>
+          <p:nvPr/>
+        </p:nvPicPr>
+        <p:blipFill>
+          <a:blip r:embed="rId6">
+            <a:extLst>
+              <a:ext uri="{96DAC541-7B7A-43D3-8B79-37D633B846F1}">
+                <asvg:svgBlip xmlns:asvg="http://schemas.microsoft.com/office/drawing/2016/SVG/main" r:embed="rId7"/>
+              </a:ext>
+            </a:extLst>
+          </a:blip>
+          <a:stretch>
+            <a:fillRect/>
+          </a:stretch>
+        </p:blipFill>
+        <p:spPr>
+          <a:xfrm>
+            <a:off x="2098742" y="2834293"/>
+            <a:ext cx="914400" cy="914400"/>
+          </a:xfrm>
+          <a:prstGeom prst="rect">
+            <a:avLst/>
+          </a:prstGeom>
+          <a:effectLst>
+            <a:outerShdw blurRad="50800" dir="14400000">
+              <a:srgbClr val="000000">
+                <a:alpha val="40000"/>
+              </a:srgbClr>
+            </a:outerShdw>
+          </a:effectLst>
+        </p:spPr>
+      </p:pic>
+      <p:sp>
+        <p:nvSpPr>
+          <p:cNvPr id="15" name="ZoneTexte 14">
+            <a:extLst>
+              <a:ext uri="{FF2B5EF4-FFF2-40B4-BE49-F238E27FC236}">
+                <a16:creationId xmlns:a16="http://schemas.microsoft.com/office/drawing/2014/main" id="{71C30936-7FE6-44BB-9D24-D5758E8A5FC4}"/>
+              </a:ext>
+            </a:extLst>
+          </p:cNvPr>
+          <p:cNvSpPr txBox="1"/>
+          <p:nvPr/>
+        </p:nvSpPr>
+        <p:spPr>
+          <a:xfrm>
+            <a:off x="1315860" y="1735340"/>
+            <a:ext cx="886781" cy="369332"/>
+          </a:xfrm>
+          <a:prstGeom prst="rect">
+            <a:avLst/>
+          </a:prstGeom>
+          <a:noFill/>
+        </p:spPr>
+        <p:txBody>
+          <a:bodyPr wrap="none" rtlCol="0">
+            <a:spAutoFit/>
+          </a:bodyPr>
+          <a:lstStyle/>
+          <a:p>
+            <a:r>
+              <a:rPr lang="en-US" dirty="0"/>
+              <a:t>clients</a:t>
+            </a:r>
+          </a:p>
+        </p:txBody>
+      </p:sp>
+      <p:pic>
+        <p:nvPicPr>
+          <p:cNvPr id="16" name="Espace réservé du contenu 4" descr="Utilisateur">
+            <a:extLst>
+              <a:ext uri="{FF2B5EF4-FFF2-40B4-BE49-F238E27FC236}">
+                <a16:creationId xmlns:a16="http://schemas.microsoft.com/office/drawing/2014/main" id="{18058DED-7725-4DC8-9704-F2CEDEDFC88F}"/>
+              </a:ext>
+            </a:extLst>
+          </p:cNvPr>
+          <p:cNvPicPr>
+            <a:picLocks noChangeAspect="1"/>
+          </p:cNvPicPr>
+          <p:nvPr/>
+        </p:nvPicPr>
+        <p:blipFill>
+          <a:blip r:embed="rId2">
+            <a:extLst>
+              <a:ext uri="{96DAC541-7B7A-43D3-8B79-37D633B846F1}">
+                <asvg:svgBlip xmlns:asvg="http://schemas.microsoft.com/office/drawing/2016/SVG/main" r:embed="rId3"/>
+              </a:ext>
+            </a:extLst>
+          </a:blip>
+          <a:stretch>
+            <a:fillRect/>
+          </a:stretch>
+        </p:blipFill>
+        <p:spPr>
+          <a:xfrm>
+            <a:off x="1239740" y="2144408"/>
+            <a:ext cx="914400" cy="914400"/>
+          </a:xfrm>
+          <a:prstGeom prst="rect">
+            <a:avLst/>
+          </a:prstGeom>
+          <a:effectLst>
+            <a:outerShdw blurRad="50800" dir="14400000">
+              <a:srgbClr val="000000">
+                <a:alpha val="40000"/>
+              </a:srgbClr>
+            </a:outerShdw>
+          </a:effectLst>
+        </p:spPr>
+      </p:pic>
+      <p:pic>
+        <p:nvPicPr>
+          <p:cNvPr id="17" name="Espace réservé du contenu 4" descr="Utilisateur">
+            <a:extLst>
+              <a:ext uri="{FF2B5EF4-FFF2-40B4-BE49-F238E27FC236}">
+                <a16:creationId xmlns:a16="http://schemas.microsoft.com/office/drawing/2014/main" id="{992AFE32-E4D6-4CAF-993D-6FD67D22847B}"/>
+              </a:ext>
+            </a:extLst>
+          </p:cNvPr>
+          <p:cNvPicPr>
+            <a:picLocks noChangeAspect="1"/>
+          </p:cNvPicPr>
+          <p:nvPr/>
+        </p:nvPicPr>
+        <p:blipFill>
+          <a:blip r:embed="rId2">
+            <a:extLst>
+              <a:ext uri="{96DAC541-7B7A-43D3-8B79-37D633B846F1}">
+                <asvg:svgBlip xmlns:asvg="http://schemas.microsoft.com/office/drawing/2016/SVG/main" r:embed="rId3"/>
+              </a:ext>
+            </a:extLst>
+          </a:blip>
+          <a:stretch>
+            <a:fillRect/>
+          </a:stretch>
+        </p:blipFill>
+        <p:spPr>
+          <a:xfrm>
+            <a:off x="1392140" y="2296808"/>
+            <a:ext cx="914400" cy="914400"/>
+          </a:xfrm>
+          <a:prstGeom prst="rect">
+            <a:avLst/>
+          </a:prstGeom>
+          <a:effectLst>
+            <a:outerShdw blurRad="50800" dir="14400000">
+              <a:srgbClr val="000000">
+                <a:alpha val="40000"/>
+              </a:srgbClr>
+            </a:outerShdw>
+          </a:effectLst>
+        </p:spPr>
+      </p:pic>
+      <p:sp>
+        <p:nvSpPr>
+          <p:cNvPr id="22" name="ZoneTexte 21">
+            <a:extLst>
+              <a:ext uri="{FF2B5EF4-FFF2-40B4-BE49-F238E27FC236}">
+                <a16:creationId xmlns:a16="http://schemas.microsoft.com/office/drawing/2014/main" id="{39B9A6A5-EA62-42D1-B2FD-E310D740FFA1}"/>
+              </a:ext>
+            </a:extLst>
+          </p:cNvPr>
+          <p:cNvSpPr txBox="1"/>
+          <p:nvPr/>
+        </p:nvSpPr>
+        <p:spPr>
+          <a:xfrm>
+            <a:off x="830835" y="3625306"/>
+            <a:ext cx="3179075" cy="1754326"/>
+          </a:xfrm>
+          <a:prstGeom prst="rect">
+            <a:avLst/>
+          </a:prstGeom>
+          <a:noFill/>
+        </p:spPr>
+        <p:txBody>
+          <a:bodyPr wrap="none" rtlCol="0">
+            <a:spAutoFit/>
+          </a:bodyPr>
+          <a:lstStyle/>
+          <a:p>
+            <a:r>
+              <a:rPr lang="en-US" dirty="0"/>
+              <a:t>Knowledge:</a:t>
+            </a:r>
+          </a:p>
+          <a:p>
+            <a:r>
+              <a:rPr lang="en-US" dirty="0"/>
+              <a:t>Profile only</a:t>
+            </a:r>
+          </a:p>
+          <a:p>
+            <a:r>
+              <a:rPr lang="en-US" dirty="0"/>
+              <a:t>External knowledge</a:t>
+            </a:r>
+          </a:p>
+          <a:p>
+            <a:r>
+              <a:rPr lang="en-US" dirty="0"/>
+              <a:t>Past knowledge</a:t>
+            </a:r>
+          </a:p>
+          <a:p>
+            <a:r>
+              <a:rPr lang="en-US" dirty="0"/>
+              <a:t>Past &amp; external knowledge</a:t>
+            </a:r>
+          </a:p>
+          <a:p>
+            <a:endParaRPr lang="en-US" dirty="0"/>
+          </a:p>
+        </p:txBody>
+      </p:sp>
+      <p:sp>
+        <p:nvSpPr>
+          <p:cNvPr id="23" name="Flèche : droite 22">
+            <a:extLst>
+              <a:ext uri="{FF2B5EF4-FFF2-40B4-BE49-F238E27FC236}">
+                <a16:creationId xmlns:a16="http://schemas.microsoft.com/office/drawing/2014/main" id="{7AC41E96-46FB-4895-A25F-245B904F78A6}"/>
+              </a:ext>
+            </a:extLst>
+          </p:cNvPr>
+          <p:cNvSpPr/>
+          <p:nvPr/>
+        </p:nvSpPr>
+        <p:spPr>
+          <a:xfrm>
+            <a:off x="3229637" y="2456730"/>
+            <a:ext cx="1798023" cy="590218"/>
+          </a:xfrm>
+          <a:prstGeom prst="rightArrow">
+            <a:avLst/>
+          </a:prstGeom>
+        </p:spPr>
+        <p:style>
+          <a:lnRef idx="2">
+            <a:schemeClr val="accent1">
+              <a:shade val="50000"/>
+            </a:schemeClr>
+          </a:lnRef>
+          <a:fillRef idx="1">
+            <a:schemeClr val="accent1"/>
+          </a:fillRef>
+          <a:effectRef idx="0">
+            <a:schemeClr val="accent1"/>
+          </a:effectRef>
+          <a:fontRef idx="minor">
+            <a:schemeClr val="lt1"/>
+          </a:fontRef>
+        </p:style>
+        <p:txBody>
+          <a:bodyPr rtlCol="0" anchor="ctr"/>
+          <a:lstStyle/>
+          <a:p>
+            <a:pPr algn="ctr"/>
+            <a:r>
+              <a:rPr lang="en-US" i="1" dirty="0"/>
+              <a:t>application</a:t>
+            </a:r>
+          </a:p>
+        </p:txBody>
+      </p:sp>
+      <p:pic>
+        <p:nvPicPr>
+          <p:cNvPr id="25" name="Graphique 24" descr="Prêt">
+            <a:extLst>
+              <a:ext uri="{FF2B5EF4-FFF2-40B4-BE49-F238E27FC236}">
+                <a16:creationId xmlns:a16="http://schemas.microsoft.com/office/drawing/2014/main" id="{4946B879-2FD8-4F5D-B01D-DAE6EEB2BA43}"/>
+              </a:ext>
+            </a:extLst>
+          </p:cNvPr>
+          <p:cNvPicPr>
+            <a:picLocks noChangeAspect="1"/>
+          </p:cNvPicPr>
+          <p:nvPr/>
+        </p:nvPicPr>
+        <p:blipFill>
+          <a:blip r:embed="rId8">
+            <a:extLst>
+              <a:ext uri="{96DAC541-7B7A-43D3-8B79-37D633B846F1}">
+                <asvg:svgBlip xmlns:asvg="http://schemas.microsoft.com/office/drawing/2016/SVG/main" r:embed="rId9"/>
+              </a:ext>
+            </a:extLst>
+          </a:blip>
+          <a:stretch>
+            <a:fillRect/>
+          </a:stretch>
+        </p:blipFill>
+        <p:spPr>
+          <a:xfrm>
+            <a:off x="3719744" y="1647472"/>
+            <a:ext cx="914400" cy="914400"/>
           </a:xfrm>
           <a:prstGeom prst="rect">
             <a:avLst/>
@@ -5673,7 +9224,498 @@
     </p:spTree>
     <p:extLst>
       <p:ext uri="{BB962C8B-B14F-4D97-AF65-F5344CB8AC3E}">
-        <p14:creationId xmlns:p14="http://schemas.microsoft.com/office/powerpoint/2010/main" val="82235734"/>
+        <p14:creationId xmlns:p14="http://schemas.microsoft.com/office/powerpoint/2010/main" val="221115117"/>
+      </p:ext>
+    </p:extLst>
+  </p:cSld>
+  <p:clrMapOvr>
+    <a:masterClrMapping/>
+  </p:clrMapOvr>
+</p:sld>
+</file>
+
+<file path=ppt/slides/slide7.xml><?xml version="1.0" encoding="utf-8"?>
+<p:sld xmlns:a="http://schemas.openxmlformats.org/drawingml/2006/main" xmlns:r="http://schemas.openxmlformats.org/officeDocument/2006/relationships" xmlns:p="http://schemas.openxmlformats.org/presentationml/2006/main">
+  <p:cSld>
+    <p:spTree>
+      <p:nvGrpSpPr>
+        <p:cNvPr id="1" name=""/>
+        <p:cNvGrpSpPr/>
+        <p:nvPr/>
+      </p:nvGrpSpPr>
+      <p:grpSpPr>
+        <a:xfrm>
+          <a:off x="0" y="0"/>
+          <a:ext cx="0" cy="0"/>
+          <a:chOff x="0" y="0"/>
+          <a:chExt cx="0" cy="0"/>
+        </a:xfrm>
+      </p:grpSpPr>
+      <p:sp>
+        <p:nvSpPr>
+          <p:cNvPr id="2" name="Titre 1">
+            <a:extLst>
+              <a:ext uri="{FF2B5EF4-FFF2-40B4-BE49-F238E27FC236}">
+                <a16:creationId xmlns:a16="http://schemas.microsoft.com/office/drawing/2014/main" id="{2C265249-C86C-4EAD-85EA-A41377319A7B}"/>
+              </a:ext>
+            </a:extLst>
+          </p:cNvPr>
+          <p:cNvSpPr>
+            <a:spLocks noGrp="1"/>
+          </p:cNvSpPr>
+          <p:nvPr>
+            <p:ph type="title"/>
+          </p:nvPr>
+        </p:nvSpPr>
+        <p:spPr/>
+        <p:txBody>
+          <a:bodyPr/>
+          <a:lstStyle/>
+          <a:p>
+            <a:r>
+              <a:rPr lang="en-US" dirty="0"/>
+              <a:t>LATE_PAYMENT</a:t>
+            </a:r>
+          </a:p>
+        </p:txBody>
+      </p:sp>
+      <p:sp>
+        <p:nvSpPr>
+          <p:cNvPr id="3" name="Espace réservé du contenu 2">
+            <a:extLst>
+              <a:ext uri="{FF2B5EF4-FFF2-40B4-BE49-F238E27FC236}">
+                <a16:creationId xmlns:a16="http://schemas.microsoft.com/office/drawing/2014/main" id="{C1A7C45D-8544-4EA6-A3C1-1DD622D2D3F4}"/>
+              </a:ext>
+            </a:extLst>
+          </p:cNvPr>
+          <p:cNvSpPr>
+            <a:spLocks noGrp="1"/>
+          </p:cNvSpPr>
+          <p:nvPr>
+            <p:ph idx="1"/>
+          </p:nvPr>
+        </p:nvSpPr>
+        <p:spPr/>
+        <p:txBody>
+          <a:bodyPr/>
+          <a:lstStyle/>
+          <a:p>
+            <a:r>
+              <a:rPr lang="en-US" dirty="0"/>
+              <a:t>LATE_PAYMENT feature: I think most of you used installment['DAYS_INSTALMENT']-installment['DAYS_ENTRY_PAYMENT'] as a new feature since it shows number of delays. It was a already good feature but I realized that, when you take last 365 days of installment data and aggregate this delay as a new feature, it added much more value to model. Here is a simple code:</a:t>
+            </a:r>
+          </a:p>
+          <a:p>
+            <a:endParaRPr lang="en-US" dirty="0"/>
+          </a:p>
+          <a:p>
+            <a:r>
+              <a:rPr lang="en-US" dirty="0" err="1"/>
+              <a:t>installment_temp</a:t>
+            </a:r>
+            <a:r>
+              <a:rPr lang="en-US" dirty="0"/>
+              <a:t> = installment[</a:t>
+            </a:r>
+            <a:r>
+              <a:rPr lang="en-US" dirty="0" err="1"/>
+              <a:t>installment.DAYS_ENTRY_PAYMENT</a:t>
+            </a:r>
+            <a:r>
+              <a:rPr lang="en-US" dirty="0"/>
+              <a:t> &gt;= -365]</a:t>
+            </a:r>
+          </a:p>
+          <a:p>
+            <a:r>
+              <a:rPr lang="en-US" dirty="0" err="1"/>
+              <a:t>installment_temp</a:t>
+            </a:r>
+            <a:r>
+              <a:rPr lang="en-US" dirty="0"/>
+              <a:t>['LATE_PAYMENT'] = </a:t>
+            </a:r>
+            <a:r>
+              <a:rPr lang="en-US" dirty="0" err="1"/>
+              <a:t>installment_temp</a:t>
+            </a:r>
+            <a:r>
+              <a:rPr lang="en-US" dirty="0"/>
+              <a:t>['DAYS_INSTALMENT']-</a:t>
+            </a:r>
+            <a:r>
+              <a:rPr lang="en-US" dirty="0" err="1"/>
+              <a:t>installment_temp</a:t>
+            </a:r>
+            <a:r>
+              <a:rPr lang="en-US" dirty="0"/>
+              <a:t>['DAYS_ENTRY_PAYMENT']</a:t>
+            </a:r>
+          </a:p>
+          <a:p>
+            <a:r>
+              <a:rPr lang="en-US" dirty="0" err="1"/>
+              <a:t>late_payment_feature</a:t>
+            </a:r>
+            <a:r>
+              <a:rPr lang="en-US" dirty="0"/>
+              <a:t> = </a:t>
+            </a:r>
+            <a:r>
+              <a:rPr lang="en-US" dirty="0" err="1"/>
+              <a:t>installment_temp.groupby</a:t>
+            </a:r>
+            <a:r>
+              <a:rPr lang="en-US" dirty="0"/>
+              <a:t>('SK_ID_CURR')[['LATE_PAYMENT']].min().</a:t>
+            </a:r>
+            <a:r>
+              <a:rPr lang="en-US" dirty="0" err="1"/>
+              <a:t>reset_index</a:t>
+            </a:r>
+            <a:r>
+              <a:rPr lang="en-US" dirty="0"/>
+              <a:t>()</a:t>
+            </a:r>
+          </a:p>
+        </p:txBody>
+      </p:sp>
+    </p:spTree>
+    <p:extLst>
+      <p:ext uri="{BB962C8B-B14F-4D97-AF65-F5344CB8AC3E}">
+        <p14:creationId xmlns:p14="http://schemas.microsoft.com/office/powerpoint/2010/main" val="3694431998"/>
+      </p:ext>
+    </p:extLst>
+  </p:cSld>
+  <p:clrMapOvr>
+    <a:masterClrMapping/>
+  </p:clrMapOvr>
+</p:sld>
+</file>
+
+<file path=ppt/slides/slide8.xml><?xml version="1.0" encoding="utf-8"?>
+<p:sld xmlns:a="http://schemas.openxmlformats.org/drawingml/2006/main" xmlns:r="http://schemas.openxmlformats.org/officeDocument/2006/relationships" xmlns:p="http://schemas.openxmlformats.org/presentationml/2006/main">
+  <p:cSld>
+    <p:spTree>
+      <p:nvGrpSpPr>
+        <p:cNvPr id="1" name=""/>
+        <p:cNvGrpSpPr/>
+        <p:nvPr/>
+      </p:nvGrpSpPr>
+      <p:grpSpPr>
+        <a:xfrm>
+          <a:off x="0" y="0"/>
+          <a:ext cx="0" cy="0"/>
+          <a:chOff x="0" y="0"/>
+          <a:chExt cx="0" cy="0"/>
+        </a:xfrm>
+      </p:grpSpPr>
+      <p:sp>
+        <p:nvSpPr>
+          <p:cNvPr id="2" name="Titre 1">
+            <a:extLst>
+              <a:ext uri="{FF2B5EF4-FFF2-40B4-BE49-F238E27FC236}">
+                <a16:creationId xmlns:a16="http://schemas.microsoft.com/office/drawing/2014/main" id="{CCFC69F8-4278-4495-ABC7-72C3EE961DB3}"/>
+              </a:ext>
+            </a:extLst>
+          </p:cNvPr>
+          <p:cNvSpPr>
+            <a:spLocks noGrp="1"/>
+          </p:cNvSpPr>
+          <p:nvPr>
+            <p:ph type="title"/>
+          </p:nvPr>
+        </p:nvSpPr>
+        <p:spPr/>
+        <p:txBody>
+          <a:bodyPr/>
+          <a:lstStyle/>
+          <a:p>
+            <a:r>
+              <a:rPr lang="en-US" dirty="0"/>
+              <a:t>CREDIT_UTILIZATION </a:t>
+            </a:r>
+          </a:p>
+        </p:txBody>
+      </p:sp>
+      <p:sp>
+        <p:nvSpPr>
+          <p:cNvPr id="3" name="Espace réservé du contenu 2">
+            <a:extLst>
+              <a:ext uri="{FF2B5EF4-FFF2-40B4-BE49-F238E27FC236}">
+                <a16:creationId xmlns:a16="http://schemas.microsoft.com/office/drawing/2014/main" id="{C8B308CF-455B-4948-8572-A4AA26958922}"/>
+              </a:ext>
+            </a:extLst>
+          </p:cNvPr>
+          <p:cNvSpPr>
+            <a:spLocks noGrp="1"/>
+          </p:cNvSpPr>
+          <p:nvPr>
+            <p:ph idx="1"/>
+          </p:nvPr>
+        </p:nvSpPr>
+        <p:spPr/>
+        <p:txBody>
+          <a:bodyPr>
+            <a:normAutofit fontScale="92500" lnSpcReduction="20000"/>
+          </a:bodyPr>
+          <a:lstStyle/>
+          <a:p>
+            <a:r>
+              <a:rPr lang="en-US" dirty="0"/>
+              <a:t>CREDIT_UTILIZATION feature: In blogs and papers I've read, most of them was saying credit utilization is a strong indicator for a risky customer and you can calculate it simply by dividing Credit card balance by credit card limit. It was making sense but </a:t>
+            </a:r>
+            <a:r>
+              <a:rPr lang="en-US" dirty="0" err="1"/>
+              <a:t>didnt</a:t>
+            </a:r>
+            <a:r>
+              <a:rPr lang="en-US" dirty="0"/>
+              <a:t> work when I calculated on full credit card dataset. Again I tried checking results on more recent credit card data. Finally I've found that last 2 months' data was more valuable for my model. You can see the simple code and check yourself with different months:</a:t>
+            </a:r>
+          </a:p>
+          <a:p>
+            <a:endParaRPr lang="en-US" dirty="0"/>
+          </a:p>
+          <a:p>
+            <a:r>
+              <a:rPr lang="en-US" dirty="0"/>
+              <a:t>month = -2 </a:t>
+            </a:r>
+          </a:p>
+          <a:p>
+            <a:r>
+              <a:rPr lang="en-US" dirty="0" err="1"/>
+              <a:t>cred_temp</a:t>
+            </a:r>
+            <a:r>
+              <a:rPr lang="en-US" dirty="0"/>
+              <a:t> = </a:t>
+            </a:r>
+            <a:r>
+              <a:rPr lang="en-US" dirty="0" err="1"/>
+              <a:t>cred_card_bal</a:t>
+            </a:r>
+            <a:r>
+              <a:rPr lang="en-US" dirty="0"/>
+              <a:t>[</a:t>
+            </a:r>
+            <a:r>
+              <a:rPr lang="en-US" dirty="0" err="1"/>
+              <a:t>cred_card_bal.MONTHS_BALANCE</a:t>
+            </a:r>
+            <a:r>
+              <a:rPr lang="en-US" dirty="0"/>
+              <a:t> &gt;= month]</a:t>
+            </a:r>
+          </a:p>
+          <a:p>
+            <a:r>
+              <a:rPr lang="en-US" dirty="0" err="1"/>
+              <a:t>cred_temp</a:t>
+            </a:r>
+            <a:r>
+              <a:rPr lang="en-US" dirty="0"/>
+              <a:t>['CRED_UTIL'] = </a:t>
+            </a:r>
+            <a:r>
+              <a:rPr lang="en-US" dirty="0" err="1"/>
+              <a:t>cred_temp</a:t>
+            </a:r>
+            <a:r>
+              <a:rPr lang="en-US" dirty="0"/>
+              <a:t>['AMT_BALANCE'] / </a:t>
+            </a:r>
+            <a:r>
+              <a:rPr lang="en-US" dirty="0" err="1"/>
+              <a:t>cred_temp</a:t>
+            </a:r>
+            <a:r>
+              <a:rPr lang="en-US" dirty="0"/>
+              <a:t>['AMT_CREDIT_LIMIT_ACTUAL']</a:t>
+            </a:r>
+          </a:p>
+          <a:p>
+            <a:r>
+              <a:rPr lang="en-US" dirty="0" err="1"/>
+              <a:t>cred_util_feature</a:t>
+            </a:r>
+            <a:r>
+              <a:rPr lang="en-US" dirty="0"/>
+              <a:t> = </a:t>
+            </a:r>
+            <a:r>
+              <a:rPr lang="en-US" dirty="0" err="1"/>
+              <a:t>cred_temp.groupby</a:t>
+            </a:r>
+            <a:r>
+              <a:rPr lang="en-US" dirty="0"/>
+              <a:t>('SK_ID_CURR')['CRED_UTIL'].max().</a:t>
+            </a:r>
+            <a:r>
+              <a:rPr lang="en-US" dirty="0" err="1"/>
+              <a:t>reset_index</a:t>
+            </a:r>
+            <a:r>
+              <a:rPr lang="en-US" dirty="0"/>
+              <a:t>().rename(columns={'</a:t>
+            </a:r>
+            <a:r>
+              <a:rPr lang="en-US" dirty="0" err="1"/>
+              <a:t>CRED_UTIL':'CRED_UTIL_'+str</a:t>
+            </a:r>
+            <a:r>
+              <a:rPr lang="en-US" dirty="0"/>
+              <a:t>(month*-1)})</a:t>
+            </a:r>
+          </a:p>
+        </p:txBody>
+      </p:sp>
+    </p:spTree>
+    <p:extLst>
+      <p:ext uri="{BB962C8B-B14F-4D97-AF65-F5344CB8AC3E}">
+        <p14:creationId xmlns:p14="http://schemas.microsoft.com/office/powerpoint/2010/main" val="2813253690"/>
+      </p:ext>
+    </p:extLst>
+  </p:cSld>
+  <p:clrMapOvr>
+    <a:masterClrMapping/>
+  </p:clrMapOvr>
+</p:sld>
+</file>
+
+<file path=ppt/slides/slide9.xml><?xml version="1.0" encoding="utf-8"?>
+<p:sld xmlns:a="http://schemas.openxmlformats.org/drawingml/2006/main" xmlns:r="http://schemas.openxmlformats.org/officeDocument/2006/relationships" xmlns:p="http://schemas.openxmlformats.org/presentationml/2006/main">
+  <p:cSld>
+    <p:spTree>
+      <p:nvGrpSpPr>
+        <p:cNvPr id="1" name=""/>
+        <p:cNvGrpSpPr/>
+        <p:nvPr/>
+      </p:nvGrpSpPr>
+      <p:grpSpPr>
+        <a:xfrm>
+          <a:off x="0" y="0"/>
+          <a:ext cx="0" cy="0"/>
+          <a:chOff x="0" y="0"/>
+          <a:chExt cx="0" cy="0"/>
+        </a:xfrm>
+      </p:grpSpPr>
+      <p:sp>
+        <p:nvSpPr>
+          <p:cNvPr id="2" name="Titre 1">
+            <a:extLst>
+              <a:ext uri="{FF2B5EF4-FFF2-40B4-BE49-F238E27FC236}">
+                <a16:creationId xmlns:a16="http://schemas.microsoft.com/office/drawing/2014/main" id="{15EFA4C4-C546-4B77-A120-1E83767F1E78}"/>
+              </a:ext>
+            </a:extLst>
+          </p:cNvPr>
+          <p:cNvSpPr>
+            <a:spLocks noGrp="1"/>
+          </p:cNvSpPr>
+          <p:nvPr>
+            <p:ph type="title"/>
+          </p:nvPr>
+        </p:nvSpPr>
+        <p:spPr/>
+        <p:txBody>
+          <a:bodyPr/>
+          <a:lstStyle/>
+          <a:p>
+            <a:r>
+              <a:rPr lang="en-US" dirty="0"/>
+              <a:t>Debt ratio </a:t>
+            </a:r>
+          </a:p>
+        </p:txBody>
+      </p:sp>
+      <p:sp>
+        <p:nvSpPr>
+          <p:cNvPr id="3" name="Espace réservé du contenu 2">
+            <a:extLst>
+              <a:ext uri="{FF2B5EF4-FFF2-40B4-BE49-F238E27FC236}">
+                <a16:creationId xmlns:a16="http://schemas.microsoft.com/office/drawing/2014/main" id="{83D8FF25-B22A-485E-93AF-4EC177893BD4}"/>
+              </a:ext>
+            </a:extLst>
+          </p:cNvPr>
+          <p:cNvSpPr>
+            <a:spLocks noGrp="1"/>
+          </p:cNvSpPr>
+          <p:nvPr>
+            <p:ph idx="1"/>
+          </p:nvPr>
+        </p:nvSpPr>
+        <p:spPr/>
+        <p:txBody>
+          <a:bodyPr/>
+          <a:lstStyle/>
+          <a:p>
+            <a:r>
+              <a:rPr lang="en-US" dirty="0"/>
+              <a:t>Most important </a:t>
+            </a:r>
+            <a:r>
+              <a:rPr lang="en-US" dirty="0" err="1"/>
+              <a:t>buraeu</a:t>
+            </a:r>
+            <a:r>
+              <a:rPr lang="en-US" dirty="0"/>
+              <a:t> feature: Debt ratio was the most important feature I found in bureau file. I also tried using more recent bureau data for this feature but it was the best when I used all data.</a:t>
+            </a:r>
+          </a:p>
+          <a:p>
+            <a:endParaRPr lang="en-US" dirty="0"/>
+          </a:p>
+          <a:p>
+            <a:r>
+              <a:rPr lang="en-US" dirty="0" err="1"/>
+              <a:t>buro</a:t>
+            </a:r>
+            <a:r>
+              <a:rPr lang="en-US" dirty="0"/>
+              <a:t>['DEBT_RATIO']=</a:t>
+            </a:r>
+            <a:r>
+              <a:rPr lang="en-US" dirty="0" err="1"/>
+              <a:t>buro</a:t>
+            </a:r>
+            <a:r>
+              <a:rPr lang="en-US" dirty="0"/>
+              <a:t>['AMT_CREDIT_SUM_DEBT']/</a:t>
+            </a:r>
+            <a:r>
+              <a:rPr lang="en-US" dirty="0" err="1"/>
+              <a:t>buro</a:t>
+            </a:r>
+            <a:r>
+              <a:rPr lang="en-US" dirty="0"/>
+              <a:t>['AMT_CREDIT_SUM']</a:t>
+            </a:r>
+          </a:p>
+          <a:p>
+            <a:r>
+              <a:rPr lang="en-US" dirty="0" err="1"/>
+              <a:t>debt_ratio_feature</a:t>
+            </a:r>
+            <a:r>
+              <a:rPr lang="en-US" dirty="0"/>
+              <a:t> = </a:t>
+            </a:r>
+            <a:r>
+              <a:rPr lang="en-US" dirty="0" err="1"/>
+              <a:t>buro.groupby</a:t>
+            </a:r>
+            <a:r>
+              <a:rPr lang="en-US" dirty="0"/>
+              <a:t>('SK_ID_CURR')['DEBT_RATIO'].max()</a:t>
+            </a:r>
+          </a:p>
+        </p:txBody>
+      </p:sp>
+    </p:spTree>
+    <p:extLst>
+      <p:ext uri="{BB962C8B-B14F-4D97-AF65-F5344CB8AC3E}">
+        <p14:creationId xmlns:p14="http://schemas.microsoft.com/office/powerpoint/2010/main" val="4239164218"/>
       </p:ext>
     </p:extLst>
   </p:cSld>

--- a/P7_Support.pptx
+++ b/P7_Support.pptx
@@ -7,17 +7,20 @@
   <p:sldIdLst>
     <p:sldId id="256" r:id="rId2"/>
     <p:sldId id="257" r:id="rId3"/>
-    <p:sldId id="261" r:id="rId4"/>
-    <p:sldId id="259" r:id="rId5"/>
-    <p:sldId id="258" r:id="rId6"/>
-    <p:sldId id="260" r:id="rId7"/>
-    <p:sldId id="262" r:id="rId8"/>
-    <p:sldId id="263" r:id="rId9"/>
-    <p:sldId id="264" r:id="rId10"/>
-    <p:sldId id="265" r:id="rId11"/>
-    <p:sldId id="266" r:id="rId12"/>
-    <p:sldId id="267" r:id="rId13"/>
-    <p:sldId id="268" r:id="rId14"/>
+    <p:sldId id="271" r:id="rId4"/>
+    <p:sldId id="270" r:id="rId5"/>
+    <p:sldId id="261" r:id="rId6"/>
+    <p:sldId id="259" r:id="rId7"/>
+    <p:sldId id="258" r:id="rId8"/>
+    <p:sldId id="260" r:id="rId9"/>
+    <p:sldId id="262" r:id="rId10"/>
+    <p:sldId id="263" r:id="rId11"/>
+    <p:sldId id="264" r:id="rId12"/>
+    <p:sldId id="265" r:id="rId13"/>
+    <p:sldId id="266" r:id="rId14"/>
+    <p:sldId id="267" r:id="rId15"/>
+    <p:sldId id="268" r:id="rId16"/>
+    <p:sldId id="269" r:id="rId17"/>
   </p:sldIdLst>
   <p:sldSz cx="12192000" cy="6858000"/>
   <p:notesSz cx="6858000" cy="9144000"/>
@@ -412,7 +415,7 @@
             <a:fld id="{08B9EBBA-996F-894A-B54A-D6246ED52CEA}" type="datetimeFigureOut">
               <a:rPr lang="en-US" dirty="0"/>
               <a:pPr/>
-              <a:t>11/4/2020</a:t>
+              <a:t>11/10/2020</a:t>
             </a:fld>
             <a:endParaRPr lang="en-US" dirty="0"/>
           </a:p>
@@ -727,7 +730,7 @@
             <a:fld id="{18C79C5D-2A6F-F04D-97DA-BEF2467B64E4}" type="datetimeFigureOut">
               <a:rPr lang="en-US" dirty="0"/>
               <a:pPr/>
-              <a:t>11/4/2020</a:t>
+              <a:t>11/10/2020</a:t>
             </a:fld>
             <a:endParaRPr lang="en-US" dirty="0"/>
           </a:p>
@@ -1212,7 +1215,7 @@
             <a:fld id="{8DFA1846-DA80-1C48-A609-854EA85C59AD}" type="datetimeFigureOut">
               <a:rPr lang="en-US" dirty="0"/>
               <a:pPr/>
-              <a:t>11/4/2020</a:t>
+              <a:t>11/10/2020</a:t>
             </a:fld>
             <a:endParaRPr lang="en-US" dirty="0"/>
           </a:p>
@@ -1578,7 +1581,7 @@
             <a:fld id="{FBF54567-0DE4-3F47-BF90-CB84690072F9}" type="datetimeFigureOut">
               <a:rPr lang="en-US" dirty="0"/>
               <a:pPr/>
-              <a:t>11/4/2020</a:t>
+              <a:t>11/10/2020</a:t>
             </a:fld>
             <a:endParaRPr lang="en-US" dirty="0"/>
           </a:p>
@@ -1848,7 +1851,7 @@
             <a:fld id="{C6C52C72-DE31-F449-A4ED-4C594FD91407}" type="datetimeFigureOut">
               <a:rPr lang="en-US" dirty="0"/>
               <a:pPr/>
-              <a:t>11/4/2020</a:t>
+              <a:t>11/10/2020</a:t>
             </a:fld>
             <a:endParaRPr lang="en-US" dirty="0"/>
           </a:p>
@@ -2130,7 +2133,7 @@
             <a:fld id="{ED62726E-379B-B349-9EED-81ED093FA806}" type="datetimeFigureOut">
               <a:rPr lang="en-US" dirty="0"/>
               <a:pPr/>
-              <a:t>11/4/2020</a:t>
+              <a:t>11/10/2020</a:t>
             </a:fld>
             <a:endParaRPr lang="en-US" dirty="0"/>
           </a:p>
@@ -2410,7 +2413,7 @@
             <a:fld id="{9B3A1323-8D79-1946-B0D7-40001CF92E9D}" type="datetimeFigureOut">
               <a:rPr lang="en-US" dirty="0"/>
               <a:pPr/>
-              <a:t>11/4/2020</a:t>
+              <a:t>11/10/2020</a:t>
             </a:fld>
             <a:endParaRPr lang="en-US" dirty="0"/>
           </a:p>
@@ -2750,7 +2753,7 @@
             <a:fld id="{8DFA1846-DA80-1C48-A609-854EA85C59AD}" type="datetimeFigureOut">
               <a:rPr lang="en-US" dirty="0"/>
               <a:pPr/>
-              <a:t>11/4/2020</a:t>
+              <a:t>11/10/2020</a:t>
             </a:fld>
             <a:endParaRPr lang="en-US" dirty="0"/>
           </a:p>
@@ -3086,7 +3089,7 @@
             <a:fld id="{57302355-E14B-8545-A8F8-0FE83CC9D524}" type="datetimeFigureOut">
               <a:rPr lang="en-US" dirty="0"/>
               <a:pPr/>
-              <a:t>11/4/2020</a:t>
+              <a:t>11/10/2020</a:t>
             </a:fld>
             <a:endParaRPr lang="en-US" dirty="0"/>
           </a:p>
@@ -3560,7 +3563,7 @@
             <a:fld id="{02640F58-564D-2B4F-AE67-E407BA4FCF45}" type="datetimeFigureOut">
               <a:rPr lang="en-US" dirty="0"/>
               <a:pPr/>
-              <a:t>11/4/2020</a:t>
+              <a:t>11/10/2020</a:t>
             </a:fld>
             <a:endParaRPr lang="en-US" dirty="0"/>
           </a:p>
@@ -3778,7 +3781,7 @@
             <a:fld id="{F13A34C8-038E-2045-AF43-DF7DBB8E0E9E}" type="datetimeFigureOut">
               <a:rPr lang="en-US" dirty="0"/>
               <a:pPr/>
-              <a:t>11/4/2020</a:t>
+              <a:t>11/10/2020</a:t>
             </a:fld>
             <a:endParaRPr lang="en-US" dirty="0"/>
           </a:p>
@@ -3870,7 +3873,7 @@
             <a:fld id="{8818C68F-D26B-8F47-958C-23B49CF8A634}" type="datetimeFigureOut">
               <a:rPr lang="en-US" dirty="0"/>
               <a:pPr/>
-              <a:t>11/4/2020</a:t>
+              <a:t>11/10/2020</a:t>
             </a:fld>
             <a:endParaRPr lang="en-US" dirty="0"/>
           </a:p>
@@ -4334,7 +4337,7 @@
             <a:fld id="{D0DF5E60-9974-AC48-9591-99C2BB44B7CF}" type="datetimeFigureOut">
               <a:rPr lang="en-US" dirty="0"/>
               <a:pPr/>
-              <a:t>11/4/2020</a:t>
+              <a:t>11/10/2020</a:t>
             </a:fld>
             <a:endParaRPr lang="en-US" dirty="0"/>
           </a:p>
@@ -4644,7 +4647,7 @@
             <a:fld id="{18C79C5D-2A6F-F04D-97DA-BEF2467B64E4}" type="datetimeFigureOut">
               <a:rPr lang="en-US" dirty="0"/>
               <a:pPr/>
-              <a:t>11/4/2020</a:t>
+              <a:t>11/10/2020</a:t>
             </a:fld>
             <a:endParaRPr lang="en-US" dirty="0"/>
           </a:p>
@@ -4911,7 +4914,7 @@
             <a:fld id="{09B482E8-6E0E-1B4F-B1FD-C69DB9E858D9}" type="datetimeFigureOut">
               <a:rPr lang="en-US" dirty="0"/>
               <a:pPr/>
-              <a:t>11/4/2020</a:t>
+              <a:t>11/10/2020</a:t>
             </a:fld>
             <a:endParaRPr lang="en-US" dirty="0"/>
           </a:p>
@@ -5606,7 +5609,7 @@
           <p:cNvPr id="2" name="Titre 1">
             <a:extLst>
               <a:ext uri="{FF2B5EF4-FFF2-40B4-BE49-F238E27FC236}">
-                <a16:creationId xmlns:a16="http://schemas.microsoft.com/office/drawing/2014/main" id="{A75B00C4-A8DA-4513-88C8-E3E14E3375AD}"/>
+                <a16:creationId xmlns:a16="http://schemas.microsoft.com/office/drawing/2014/main" id="{CCFC69F8-4278-4495-ABC7-72C3EE961DB3}"/>
               </a:ext>
             </a:extLst>
           </p:cNvPr>
@@ -5624,7 +5627,7 @@
           <a:p>
             <a:r>
               <a:rPr lang="en-US" dirty="0"/>
-              <a:t>Interest Rate Features / previous</a:t>
+              <a:t>CREDIT_UTILIZATION </a:t>
             </a:r>
           </a:p>
         </p:txBody>
@@ -5634,7 +5637,7 @@
           <p:cNvPr id="3" name="Espace réservé du contenu 2">
             <a:extLst>
               <a:ext uri="{FF2B5EF4-FFF2-40B4-BE49-F238E27FC236}">
-                <a16:creationId xmlns:a16="http://schemas.microsoft.com/office/drawing/2014/main" id="{C03D6D08-2E39-4725-B9CF-E3FC47B14129}"/>
+                <a16:creationId xmlns:a16="http://schemas.microsoft.com/office/drawing/2014/main" id="{C8B308CF-455B-4948-8572-A4AA26958922}"/>
               </a:ext>
             </a:extLst>
           </p:cNvPr>
@@ -5648,13 +5651,21 @@
         <p:spPr/>
         <p:txBody>
           <a:bodyPr>
-            <a:normAutofit fontScale="85000" lnSpcReduction="10000"/>
+            <a:normAutofit fontScale="92500" lnSpcReduction="20000"/>
           </a:bodyPr>
           <a:lstStyle/>
           <a:p>
             <a:r>
               <a:rPr lang="en-US" dirty="0"/>
-              <a:t>Interest rate seems to be an important feature in predicting loan default.(You can see this from the lending club dataset) We were not given interest rate directly in either Main Application data or Previous Application data but we could approximate it:</a:t>
+              <a:t>CREDIT_UTILIZATION feature: In blogs and papers I've read, most of them was saying credit utilization is a strong indicator for a risky customer and you can calculate it simply by dividing Credit card balance by credit card limit. It was making sense but </a:t>
+            </a:r>
+            <a:r>
+              <a:rPr lang="en-US" dirty="0" err="1"/>
+              <a:t>didnt</a:t>
+            </a:r>
+            <a:r>
+              <a:rPr lang="en-US" dirty="0"/>
+              <a:t> work when I calculated on full credit card dataset. Again I tried checking results on more recent credit card data. Finally I've found that last 2 months' data was more valuable for my model. You can see the simple code and check yourself with different months:</a:t>
             </a:r>
           </a:p>
           <a:p>
@@ -5663,110 +5674,93 @@
           <a:p>
             <a:r>
               <a:rPr lang="en-US" dirty="0"/>
-              <a:t>Previous Application - The key thing here is that AMT_ANNUITY includes interest. Based on AMT_CREDIT, AMT_ANNUITY, and CNT_PAYMENT we can derive interest rate.</a:t>
-            </a:r>
-          </a:p>
-          <a:p>
-            <a:endParaRPr lang="en-US" dirty="0"/>
+              <a:t>month = -2 </a:t>
+            </a:r>
           </a:p>
           <a:p>
             <a:r>
               <a:rPr lang="en-US" dirty="0" err="1"/>
-              <a:t>prev_app</a:t>
-            </a:r>
-            <a:r>
-              <a:rPr lang="en-US" dirty="0"/>
-              <a:t>['INTEREST'] = </a:t>
+              <a:t>cred_temp</a:t>
+            </a:r>
+            <a:r>
+              <a:rPr lang="en-US" dirty="0"/>
+              <a:t> = </a:t>
             </a:r>
             <a:r>
               <a:rPr lang="en-US" dirty="0" err="1"/>
-              <a:t>prev_app</a:t>
-            </a:r>
-            <a:r>
-              <a:rPr lang="en-US" dirty="0"/>
-              <a:t>['CNT_PAYMENT']*</a:t>
+              <a:t>cred_card_bal</a:t>
+            </a:r>
+            <a:r>
+              <a:rPr lang="en-US" dirty="0"/>
+              <a:t>[</a:t>
             </a:r>
             <a:r>
               <a:rPr lang="en-US" dirty="0" err="1"/>
-              <a:t>prev_app</a:t>
-            </a:r>
-            <a:r>
-              <a:rPr lang="en-US" dirty="0"/>
-              <a:t>['AMT_ANNUITY'] - </a:t>
-            </a:r>
+              <a:t>cred_card_bal.MONTHS_BALANCE</a:t>
+            </a:r>
+            <a:r>
+              <a:rPr lang="en-US" dirty="0"/>
+              <a:t> &gt;= month]</a:t>
+            </a:r>
+          </a:p>
+          <a:p>
             <a:r>
               <a:rPr lang="en-US" dirty="0" err="1"/>
-              <a:t>prev_app</a:t>
-            </a:r>
-            <a:r>
-              <a:rPr lang="en-US" dirty="0"/>
-              <a:t>['AMT_CREDIT']</a:t>
-            </a:r>
-          </a:p>
-          <a:p>
+              <a:t>cred_temp</a:t>
+            </a:r>
+            <a:r>
+              <a:rPr lang="en-US" dirty="0"/>
+              <a:t>['CRED_UTIL'] = </a:t>
+            </a:r>
             <a:r>
               <a:rPr lang="en-US" dirty="0" err="1"/>
-              <a:t>prev_app</a:t>
-            </a:r>
-            <a:r>
-              <a:rPr lang="en-US" dirty="0"/>
-              <a:t>['INTEREST_RATE'] = 2*12*</a:t>
+              <a:t>cred_temp</a:t>
+            </a:r>
+            <a:r>
+              <a:rPr lang="en-US" dirty="0"/>
+              <a:t>['AMT_BALANCE'] / </a:t>
             </a:r>
             <a:r>
               <a:rPr lang="en-US" dirty="0" err="1"/>
-              <a:t>prev_app</a:t>
-            </a:r>
-            <a:r>
-              <a:rPr lang="en-US" dirty="0"/>
-              <a:t>['INTEREST']/(</a:t>
-            </a:r>
+              <a:t>cred_temp</a:t>
+            </a:r>
+            <a:r>
+              <a:rPr lang="en-US" dirty="0"/>
+              <a:t>['AMT_CREDIT_LIMIT_ACTUAL']</a:t>
+            </a:r>
+          </a:p>
+          <a:p>
             <a:r>
               <a:rPr lang="en-US" dirty="0" err="1"/>
-              <a:t>prev_app</a:t>
-            </a:r>
-            <a:r>
-              <a:rPr lang="en-US" dirty="0"/>
-              <a:t>['AMT_CREDIT']*(</a:t>
+              <a:t>cred_util_feature</a:t>
+            </a:r>
+            <a:r>
+              <a:rPr lang="en-US" dirty="0"/>
+              <a:t> = </a:t>
             </a:r>
             <a:r>
               <a:rPr lang="en-US" dirty="0" err="1"/>
-              <a:t>prev_app</a:t>
-            </a:r>
-            <a:r>
-              <a:rPr lang="en-US" dirty="0"/>
-              <a:t>['CNT_PAYMENT']+1))</a:t>
-            </a:r>
-          </a:p>
-          <a:p>
+              <a:t>cred_temp.groupby</a:t>
+            </a:r>
+            <a:r>
+              <a:rPr lang="en-US" dirty="0"/>
+              <a:t>('SK_ID_CURR')['CRED_UTIL'].max().</a:t>
+            </a:r>
             <a:r>
               <a:rPr lang="en-US" dirty="0" err="1"/>
-              <a:t>prev_app</a:t>
-            </a:r>
-            <a:r>
-              <a:rPr lang="en-US" dirty="0"/>
-              <a:t>['INTEREST_SHARE'] = </a:t>
+              <a:t>reset_index</a:t>
+            </a:r>
+            <a:r>
+              <a:rPr lang="en-US" dirty="0"/>
+              <a:t>().rename(columns={'</a:t>
             </a:r>
             <a:r>
               <a:rPr lang="en-US" dirty="0" err="1"/>
-              <a:t>prev_app</a:t>
-            </a:r>
-            <a:r>
-              <a:rPr lang="en-US" dirty="0"/>
-              <a:t>['INTEREST']/</a:t>
-            </a:r>
-            <a:r>
-              <a:rPr lang="en-US" dirty="0" err="1"/>
-              <a:t>prev_app</a:t>
-            </a:r>
-            <a:r>
-              <a:rPr lang="en-US" dirty="0"/>
-              <a:t>['AMT_CREDIT']</a:t>
-            </a:r>
-          </a:p>
-          <a:p>
-            <a:r>
-              <a:rPr lang="en-US" dirty="0"/>
-              <a:t>Then by calculating max, min, mean of features above for each customer, I got several top features for Previous Application table.</a:t>
+              <a:t>CRED_UTIL':'CRED_UTIL_'+str</a:t>
+            </a:r>
+            <a:r>
+              <a:rPr lang="en-US" dirty="0"/>
+              <a:t>(month*-1)})</a:t>
             </a:r>
           </a:p>
         </p:txBody>
@@ -5774,7 +5768,7 @@
     </p:spTree>
     <p:extLst>
       <p:ext uri="{BB962C8B-B14F-4D97-AF65-F5344CB8AC3E}">
-        <p14:creationId xmlns:p14="http://schemas.microsoft.com/office/powerpoint/2010/main" val="2092429938"/>
+        <p14:creationId xmlns:p14="http://schemas.microsoft.com/office/powerpoint/2010/main" val="2813253690"/>
       </p:ext>
     </p:extLst>
   </p:cSld>
@@ -5806,7 +5800,7 @@
           <p:cNvPr id="2" name="Titre 1">
             <a:extLst>
               <a:ext uri="{FF2B5EF4-FFF2-40B4-BE49-F238E27FC236}">
-                <a16:creationId xmlns:a16="http://schemas.microsoft.com/office/drawing/2014/main" id="{89E3F334-3E8C-45FA-85D5-B05F4AF2FED7}"/>
+                <a16:creationId xmlns:a16="http://schemas.microsoft.com/office/drawing/2014/main" id="{15EFA4C4-C546-4B77-A120-1E83767F1E78}"/>
               </a:ext>
             </a:extLst>
           </p:cNvPr>
@@ -5824,7 +5818,7 @@
           <a:p>
             <a:r>
               <a:rPr lang="en-US" dirty="0"/>
-              <a:t>Interest Rate Features / application</a:t>
+              <a:t>Debt ratio </a:t>
             </a:r>
           </a:p>
         </p:txBody>
@@ -5834,7 +5828,7 @@
           <p:cNvPr id="3" name="Espace réservé du contenu 2">
             <a:extLst>
               <a:ext uri="{FF2B5EF4-FFF2-40B4-BE49-F238E27FC236}">
-                <a16:creationId xmlns:a16="http://schemas.microsoft.com/office/drawing/2014/main" id="{A9A06234-8285-4FA7-86D9-57F91633B493}"/>
+                <a16:creationId xmlns:a16="http://schemas.microsoft.com/office/drawing/2014/main" id="{83D8FF25-B22A-485E-93AF-4EC177893BD4}"/>
               </a:ext>
             </a:extLst>
           </p:cNvPr>
@@ -5847,22 +5841,20 @@
         </p:nvSpPr>
         <p:spPr/>
         <p:txBody>
-          <a:bodyPr>
-            <a:normAutofit fontScale="85000" lnSpcReduction="10000"/>
-          </a:bodyPr>
+          <a:bodyPr/>
           <a:lstStyle/>
           <a:p>
             <a:r>
               <a:rPr lang="en-US" dirty="0"/>
-              <a:t>We were not given CNT_PAYMENT in Main Application data and but we could predict it from Previous Application table. I built a </a:t>
+              <a:t>Most important </a:t>
             </a:r>
             <a:r>
               <a:rPr lang="en-US" dirty="0" err="1"/>
-              <a:t>lightgbm</a:t>
-            </a:r>
-            <a:r>
-              <a:rPr lang="en-US" dirty="0"/>
-              <a:t> from Previous Application table by using AMT_CREDIT, AMT_ANNUITY, AMT_CREDIT/AMT_ANNUITY to predict CNT_PAYMENT. The model got a RMSE ~2.78. After applying the model on Main Application table, I got predicted CNT_PAYMENT(EXP_TERM) for each record and then I created exact same features as I did for previous app table. After applying the model on Main Application table, I got predicted CNT_PAYMENT(EXP_TERM) for each record and then I created exact same features as I did for previous app table.</a:t>
+              <a:t>buraeu</a:t>
+            </a:r>
+            <a:r>
+              <a:rPr lang="en-US" dirty="0"/>
+              <a:t> feature: Debt ratio was the most important feature I found in bureau file. I also tried using more recent bureau data for this feature but it was the best when I used all data.</a:t>
             </a:r>
           </a:p>
           <a:p>
@@ -5871,109 +5863,45 @@
           <a:p>
             <a:r>
               <a:rPr lang="en-US" dirty="0" err="1"/>
-              <a:t>main_app</a:t>
-            </a:r>
-            <a:r>
-              <a:rPr lang="en-US" dirty="0"/>
-              <a:t>['INTEREST'] = </a:t>
+              <a:t>buro</a:t>
+            </a:r>
+            <a:r>
+              <a:rPr lang="en-US" dirty="0"/>
+              <a:t>['DEBT_RATIO']=</a:t>
             </a:r>
             <a:r>
               <a:rPr lang="en-US" dirty="0" err="1"/>
-              <a:t>main_app</a:t>
-            </a:r>
-            <a:r>
-              <a:rPr lang="en-US" dirty="0"/>
-              <a:t>['EXP_TERM']*</a:t>
+              <a:t>buro</a:t>
+            </a:r>
+            <a:r>
+              <a:rPr lang="en-US" dirty="0"/>
+              <a:t>['AMT_CREDIT_SUM_DEBT']/</a:t>
             </a:r>
             <a:r>
               <a:rPr lang="en-US" dirty="0" err="1"/>
-              <a:t>main_app</a:t>
-            </a:r>
-            <a:r>
-              <a:rPr lang="en-US" dirty="0"/>
-              <a:t>['AMT_ANNUITY'] - </a:t>
-            </a:r>
+              <a:t>buro</a:t>
+            </a:r>
+            <a:r>
+              <a:rPr lang="en-US" dirty="0"/>
+              <a:t>['AMT_CREDIT_SUM']</a:t>
+            </a:r>
+          </a:p>
+          <a:p>
             <a:r>
               <a:rPr lang="en-US" dirty="0" err="1"/>
-              <a:t>main_app</a:t>
-            </a:r>
-            <a:r>
-              <a:rPr lang="en-US" dirty="0"/>
-              <a:t>['AMT_CREDIT']</a:t>
-            </a:r>
-          </a:p>
-          <a:p>
+              <a:t>debt_ratio_feature</a:t>
+            </a:r>
+            <a:r>
+              <a:rPr lang="en-US" dirty="0"/>
+              <a:t> = </a:t>
+            </a:r>
             <a:r>
               <a:rPr lang="en-US" dirty="0" err="1"/>
-              <a:t>main_app</a:t>
-            </a:r>
-            <a:r>
-              <a:rPr lang="en-US" dirty="0"/>
-              <a:t>['INTEREST_RATE'] = 24*</a:t>
-            </a:r>
-            <a:r>
-              <a:rPr lang="en-US" dirty="0" err="1"/>
-              <a:t>main_app</a:t>
-            </a:r>
-            <a:r>
-              <a:rPr lang="en-US" dirty="0"/>
-              <a:t>['INTEREST']/(</a:t>
-            </a:r>
-            <a:r>
-              <a:rPr lang="en-US" dirty="0" err="1"/>
-              <a:t>main_app</a:t>
-            </a:r>
-            <a:r>
-              <a:rPr lang="en-US" dirty="0"/>
-              <a:t>['AMT_CREDIT']*(</a:t>
-            </a:r>
-            <a:r>
-              <a:rPr lang="en-US" dirty="0" err="1"/>
-              <a:t>main_app</a:t>
-            </a:r>
-            <a:r>
-              <a:rPr lang="en-US" dirty="0"/>
-              <a:t>['EXP_TERM']+1))</a:t>
-            </a:r>
-          </a:p>
-          <a:p>
-            <a:r>
-              <a:rPr lang="en-US" dirty="0" err="1"/>
-              <a:t>main_app</a:t>
-            </a:r>
-            <a:r>
-              <a:rPr lang="en-US" dirty="0"/>
-              <a:t>['INTEREST_SHARE'] = </a:t>
-            </a:r>
-            <a:r>
-              <a:rPr lang="en-US" dirty="0" err="1"/>
-              <a:t>main_app</a:t>
-            </a:r>
-            <a:r>
-              <a:rPr lang="en-US" dirty="0"/>
-              <a:t>['INTEREST']/</a:t>
-            </a:r>
-            <a:r>
-              <a:rPr lang="en-US" dirty="0" err="1"/>
-              <a:t>main_app</a:t>
-            </a:r>
-            <a:r>
-              <a:rPr lang="en-US" dirty="0"/>
-              <a:t>['AMT_CREDIT']</a:t>
-            </a:r>
-          </a:p>
-          <a:p>
-            <a:r>
-              <a:rPr lang="en-US" dirty="0"/>
-              <a:t>Overall, several of these interest rate related features joined my top 10 </a:t>
-            </a:r>
-            <a:r>
-              <a:rPr lang="en-US" dirty="0" err="1"/>
-              <a:t>lgb</a:t>
-            </a:r>
-            <a:r>
-              <a:rPr lang="en-US" dirty="0"/>
-              <a:t> features and gave ~0.0006 boost in CV.</a:t>
+              <a:t>buro.groupby</a:t>
+            </a:r>
+            <a:r>
+              <a:rPr lang="en-US" dirty="0"/>
+              <a:t>('SK_ID_CURR')['DEBT_RATIO'].max()</a:t>
             </a:r>
           </a:p>
         </p:txBody>
@@ -5981,7 +5909,7 @@
     </p:spTree>
     <p:extLst>
       <p:ext uri="{BB962C8B-B14F-4D97-AF65-F5344CB8AC3E}">
-        <p14:creationId xmlns:p14="http://schemas.microsoft.com/office/powerpoint/2010/main" val="2120134826"/>
+        <p14:creationId xmlns:p14="http://schemas.microsoft.com/office/powerpoint/2010/main" val="4239164218"/>
       </p:ext>
     </p:extLst>
   </p:cSld>
@@ -6013,6 +5941,413 @@
           <p:cNvPr id="2" name="Titre 1">
             <a:extLst>
               <a:ext uri="{FF2B5EF4-FFF2-40B4-BE49-F238E27FC236}">
+                <a16:creationId xmlns:a16="http://schemas.microsoft.com/office/drawing/2014/main" id="{A75B00C4-A8DA-4513-88C8-E3E14E3375AD}"/>
+              </a:ext>
+            </a:extLst>
+          </p:cNvPr>
+          <p:cNvSpPr>
+            <a:spLocks noGrp="1"/>
+          </p:cNvSpPr>
+          <p:nvPr>
+            <p:ph type="title"/>
+          </p:nvPr>
+        </p:nvSpPr>
+        <p:spPr/>
+        <p:txBody>
+          <a:bodyPr/>
+          <a:lstStyle/>
+          <a:p>
+            <a:r>
+              <a:rPr lang="en-US" dirty="0"/>
+              <a:t>Interest Rate Features / previous</a:t>
+            </a:r>
+          </a:p>
+        </p:txBody>
+      </p:sp>
+      <p:sp>
+        <p:nvSpPr>
+          <p:cNvPr id="3" name="Espace réservé du contenu 2">
+            <a:extLst>
+              <a:ext uri="{FF2B5EF4-FFF2-40B4-BE49-F238E27FC236}">
+                <a16:creationId xmlns:a16="http://schemas.microsoft.com/office/drawing/2014/main" id="{C03D6D08-2E39-4725-B9CF-E3FC47B14129}"/>
+              </a:ext>
+            </a:extLst>
+          </p:cNvPr>
+          <p:cNvSpPr>
+            <a:spLocks noGrp="1"/>
+          </p:cNvSpPr>
+          <p:nvPr>
+            <p:ph idx="1"/>
+          </p:nvPr>
+        </p:nvSpPr>
+        <p:spPr/>
+        <p:txBody>
+          <a:bodyPr>
+            <a:normAutofit fontScale="85000" lnSpcReduction="10000"/>
+          </a:bodyPr>
+          <a:lstStyle/>
+          <a:p>
+            <a:r>
+              <a:rPr lang="en-US" dirty="0"/>
+              <a:t>Interest rate seems to be an important feature in predicting loan default.(You can see this from the lending club dataset) We were not given interest rate directly in either Main Application data or Previous Application data but we could approximate it:</a:t>
+            </a:r>
+          </a:p>
+          <a:p>
+            <a:endParaRPr lang="en-US" dirty="0"/>
+          </a:p>
+          <a:p>
+            <a:r>
+              <a:rPr lang="en-US" dirty="0"/>
+              <a:t>Previous Application - The key thing here is that AMT_ANNUITY includes interest. Based on AMT_CREDIT, AMT_ANNUITY, and CNT_PAYMENT we can derive interest rate.</a:t>
+            </a:r>
+          </a:p>
+          <a:p>
+            <a:endParaRPr lang="en-US" dirty="0"/>
+          </a:p>
+          <a:p>
+            <a:r>
+              <a:rPr lang="en-US" dirty="0" err="1"/>
+              <a:t>prev_app</a:t>
+            </a:r>
+            <a:r>
+              <a:rPr lang="en-US" dirty="0"/>
+              <a:t>['INTEREST'] = </a:t>
+            </a:r>
+            <a:r>
+              <a:rPr lang="en-US" dirty="0" err="1"/>
+              <a:t>prev_app</a:t>
+            </a:r>
+            <a:r>
+              <a:rPr lang="en-US" dirty="0"/>
+              <a:t>['CNT_PAYMENT']*</a:t>
+            </a:r>
+            <a:r>
+              <a:rPr lang="en-US" dirty="0" err="1"/>
+              <a:t>prev_app</a:t>
+            </a:r>
+            <a:r>
+              <a:rPr lang="en-US" dirty="0"/>
+              <a:t>['AMT_ANNUITY'] - </a:t>
+            </a:r>
+            <a:r>
+              <a:rPr lang="en-US" dirty="0" err="1"/>
+              <a:t>prev_app</a:t>
+            </a:r>
+            <a:r>
+              <a:rPr lang="en-US" dirty="0"/>
+              <a:t>['AMT_CREDIT']</a:t>
+            </a:r>
+          </a:p>
+          <a:p>
+            <a:r>
+              <a:rPr lang="en-US" dirty="0" err="1"/>
+              <a:t>prev_app</a:t>
+            </a:r>
+            <a:r>
+              <a:rPr lang="en-US" dirty="0"/>
+              <a:t>['INTEREST_RATE'] = 2*12*</a:t>
+            </a:r>
+            <a:r>
+              <a:rPr lang="en-US" dirty="0" err="1"/>
+              <a:t>prev_app</a:t>
+            </a:r>
+            <a:r>
+              <a:rPr lang="en-US" dirty="0"/>
+              <a:t>['INTEREST']/(</a:t>
+            </a:r>
+            <a:r>
+              <a:rPr lang="en-US" dirty="0" err="1"/>
+              <a:t>prev_app</a:t>
+            </a:r>
+            <a:r>
+              <a:rPr lang="en-US" dirty="0"/>
+              <a:t>['AMT_CREDIT']*(</a:t>
+            </a:r>
+            <a:r>
+              <a:rPr lang="en-US" dirty="0" err="1"/>
+              <a:t>prev_app</a:t>
+            </a:r>
+            <a:r>
+              <a:rPr lang="en-US" dirty="0"/>
+              <a:t>['CNT_PAYMENT']+1))</a:t>
+            </a:r>
+          </a:p>
+          <a:p>
+            <a:r>
+              <a:rPr lang="en-US" dirty="0" err="1"/>
+              <a:t>prev_app</a:t>
+            </a:r>
+            <a:r>
+              <a:rPr lang="en-US" dirty="0"/>
+              <a:t>['INTEREST_SHARE'] = </a:t>
+            </a:r>
+            <a:r>
+              <a:rPr lang="en-US" dirty="0" err="1"/>
+              <a:t>prev_app</a:t>
+            </a:r>
+            <a:r>
+              <a:rPr lang="en-US" dirty="0"/>
+              <a:t>['INTEREST']/</a:t>
+            </a:r>
+            <a:r>
+              <a:rPr lang="en-US" dirty="0" err="1"/>
+              <a:t>prev_app</a:t>
+            </a:r>
+            <a:r>
+              <a:rPr lang="en-US" dirty="0"/>
+              <a:t>['AMT_CREDIT']</a:t>
+            </a:r>
+          </a:p>
+          <a:p>
+            <a:r>
+              <a:rPr lang="en-US" dirty="0"/>
+              <a:t>Then by calculating max, min, mean of features above for each customer, I got several top features for Previous Application table.</a:t>
+            </a:r>
+          </a:p>
+        </p:txBody>
+      </p:sp>
+    </p:spTree>
+    <p:extLst>
+      <p:ext uri="{BB962C8B-B14F-4D97-AF65-F5344CB8AC3E}">
+        <p14:creationId xmlns:p14="http://schemas.microsoft.com/office/powerpoint/2010/main" val="2092429938"/>
+      </p:ext>
+    </p:extLst>
+  </p:cSld>
+  <p:clrMapOvr>
+    <a:masterClrMapping/>
+  </p:clrMapOvr>
+</p:sld>
+</file>
+
+<file path=ppt/slides/slide13.xml><?xml version="1.0" encoding="utf-8"?>
+<p:sld xmlns:a="http://schemas.openxmlformats.org/drawingml/2006/main" xmlns:r="http://schemas.openxmlformats.org/officeDocument/2006/relationships" xmlns:p="http://schemas.openxmlformats.org/presentationml/2006/main">
+  <p:cSld>
+    <p:spTree>
+      <p:nvGrpSpPr>
+        <p:cNvPr id="1" name=""/>
+        <p:cNvGrpSpPr/>
+        <p:nvPr/>
+      </p:nvGrpSpPr>
+      <p:grpSpPr>
+        <a:xfrm>
+          <a:off x="0" y="0"/>
+          <a:ext cx="0" cy="0"/>
+          <a:chOff x="0" y="0"/>
+          <a:chExt cx="0" cy="0"/>
+        </a:xfrm>
+      </p:grpSpPr>
+      <p:sp>
+        <p:nvSpPr>
+          <p:cNvPr id="2" name="Titre 1">
+            <a:extLst>
+              <a:ext uri="{FF2B5EF4-FFF2-40B4-BE49-F238E27FC236}">
+                <a16:creationId xmlns:a16="http://schemas.microsoft.com/office/drawing/2014/main" id="{89E3F334-3E8C-45FA-85D5-B05F4AF2FED7}"/>
+              </a:ext>
+            </a:extLst>
+          </p:cNvPr>
+          <p:cNvSpPr>
+            <a:spLocks noGrp="1"/>
+          </p:cNvSpPr>
+          <p:nvPr>
+            <p:ph type="title"/>
+          </p:nvPr>
+        </p:nvSpPr>
+        <p:spPr/>
+        <p:txBody>
+          <a:bodyPr/>
+          <a:lstStyle/>
+          <a:p>
+            <a:r>
+              <a:rPr lang="en-US" dirty="0"/>
+              <a:t>Interest Rate Features / application</a:t>
+            </a:r>
+          </a:p>
+        </p:txBody>
+      </p:sp>
+      <p:sp>
+        <p:nvSpPr>
+          <p:cNvPr id="3" name="Espace réservé du contenu 2">
+            <a:extLst>
+              <a:ext uri="{FF2B5EF4-FFF2-40B4-BE49-F238E27FC236}">
+                <a16:creationId xmlns:a16="http://schemas.microsoft.com/office/drawing/2014/main" id="{A9A06234-8285-4FA7-86D9-57F91633B493}"/>
+              </a:ext>
+            </a:extLst>
+          </p:cNvPr>
+          <p:cNvSpPr>
+            <a:spLocks noGrp="1"/>
+          </p:cNvSpPr>
+          <p:nvPr>
+            <p:ph idx="1"/>
+          </p:nvPr>
+        </p:nvSpPr>
+        <p:spPr/>
+        <p:txBody>
+          <a:bodyPr>
+            <a:normAutofit fontScale="85000" lnSpcReduction="10000"/>
+          </a:bodyPr>
+          <a:lstStyle/>
+          <a:p>
+            <a:r>
+              <a:rPr lang="en-US" dirty="0"/>
+              <a:t>We were not given CNT_PAYMENT in Main Application data and but we could predict it from Previous Application table. I built a </a:t>
+            </a:r>
+            <a:r>
+              <a:rPr lang="en-US" dirty="0" err="1"/>
+              <a:t>lightgbm</a:t>
+            </a:r>
+            <a:r>
+              <a:rPr lang="en-US" dirty="0"/>
+              <a:t> from Previous Application table by using AMT_CREDIT, AMT_ANNUITY, AMT_CREDIT/AMT_ANNUITY to predict CNT_PAYMENT. The model got a RMSE ~2.78. After applying the model on Main Application table, I got predicted CNT_PAYMENT(EXP_TERM) for each record and then I created exact same features as I did for previous app table. After applying the model on Main Application table, I got predicted CNT_PAYMENT(EXP_TERM) for each record and then I created exact same features as I did for previous app table.</a:t>
+            </a:r>
+          </a:p>
+          <a:p>
+            <a:endParaRPr lang="en-US" dirty="0"/>
+          </a:p>
+          <a:p>
+            <a:r>
+              <a:rPr lang="en-US" dirty="0" err="1"/>
+              <a:t>main_app</a:t>
+            </a:r>
+            <a:r>
+              <a:rPr lang="en-US" dirty="0"/>
+              <a:t>['INTEREST'] = </a:t>
+            </a:r>
+            <a:r>
+              <a:rPr lang="en-US" dirty="0" err="1"/>
+              <a:t>main_app</a:t>
+            </a:r>
+            <a:r>
+              <a:rPr lang="en-US" dirty="0"/>
+              <a:t>['EXP_TERM']*</a:t>
+            </a:r>
+            <a:r>
+              <a:rPr lang="en-US" dirty="0" err="1"/>
+              <a:t>main_app</a:t>
+            </a:r>
+            <a:r>
+              <a:rPr lang="en-US" dirty="0"/>
+              <a:t>['AMT_ANNUITY'] - </a:t>
+            </a:r>
+            <a:r>
+              <a:rPr lang="en-US" dirty="0" err="1"/>
+              <a:t>main_app</a:t>
+            </a:r>
+            <a:r>
+              <a:rPr lang="en-US" dirty="0"/>
+              <a:t>['AMT_CREDIT']</a:t>
+            </a:r>
+          </a:p>
+          <a:p>
+            <a:r>
+              <a:rPr lang="en-US" dirty="0" err="1"/>
+              <a:t>main_app</a:t>
+            </a:r>
+            <a:r>
+              <a:rPr lang="en-US" dirty="0"/>
+              <a:t>['INTEREST_RATE'] = 24*</a:t>
+            </a:r>
+            <a:r>
+              <a:rPr lang="en-US" dirty="0" err="1"/>
+              <a:t>main_app</a:t>
+            </a:r>
+            <a:r>
+              <a:rPr lang="en-US" dirty="0"/>
+              <a:t>['INTEREST']/(</a:t>
+            </a:r>
+            <a:r>
+              <a:rPr lang="en-US" dirty="0" err="1"/>
+              <a:t>main_app</a:t>
+            </a:r>
+            <a:r>
+              <a:rPr lang="en-US" dirty="0"/>
+              <a:t>['AMT_CREDIT']*(</a:t>
+            </a:r>
+            <a:r>
+              <a:rPr lang="en-US" dirty="0" err="1"/>
+              <a:t>main_app</a:t>
+            </a:r>
+            <a:r>
+              <a:rPr lang="en-US" dirty="0"/>
+              <a:t>['EXP_TERM']+1))</a:t>
+            </a:r>
+          </a:p>
+          <a:p>
+            <a:r>
+              <a:rPr lang="en-US" dirty="0" err="1"/>
+              <a:t>main_app</a:t>
+            </a:r>
+            <a:r>
+              <a:rPr lang="en-US" dirty="0"/>
+              <a:t>['INTEREST_SHARE'] = </a:t>
+            </a:r>
+            <a:r>
+              <a:rPr lang="en-US" dirty="0" err="1"/>
+              <a:t>main_app</a:t>
+            </a:r>
+            <a:r>
+              <a:rPr lang="en-US" dirty="0"/>
+              <a:t>['INTEREST']/</a:t>
+            </a:r>
+            <a:r>
+              <a:rPr lang="en-US" dirty="0" err="1"/>
+              <a:t>main_app</a:t>
+            </a:r>
+            <a:r>
+              <a:rPr lang="en-US" dirty="0"/>
+              <a:t>['AMT_CREDIT']</a:t>
+            </a:r>
+          </a:p>
+          <a:p>
+            <a:r>
+              <a:rPr lang="en-US" dirty="0"/>
+              <a:t>Overall, several of these interest rate related features joined my top 10 </a:t>
+            </a:r>
+            <a:r>
+              <a:rPr lang="en-US" dirty="0" err="1"/>
+              <a:t>lgb</a:t>
+            </a:r>
+            <a:r>
+              <a:rPr lang="en-US" dirty="0"/>
+              <a:t> features and gave ~0.0006 boost in CV.</a:t>
+            </a:r>
+          </a:p>
+        </p:txBody>
+      </p:sp>
+    </p:spTree>
+    <p:extLst>
+      <p:ext uri="{BB962C8B-B14F-4D97-AF65-F5344CB8AC3E}">
+        <p14:creationId xmlns:p14="http://schemas.microsoft.com/office/powerpoint/2010/main" val="2120134826"/>
+      </p:ext>
+    </p:extLst>
+  </p:cSld>
+  <p:clrMapOvr>
+    <a:masterClrMapping/>
+  </p:clrMapOvr>
+</p:sld>
+</file>
+
+<file path=ppt/slides/slide14.xml><?xml version="1.0" encoding="utf-8"?>
+<p:sld xmlns:a="http://schemas.openxmlformats.org/drawingml/2006/main" xmlns:r="http://schemas.openxmlformats.org/officeDocument/2006/relationships" xmlns:p="http://schemas.openxmlformats.org/presentationml/2006/main">
+  <p:cSld>
+    <p:spTree>
+      <p:nvGrpSpPr>
+        <p:cNvPr id="1" name=""/>
+        <p:cNvGrpSpPr/>
+        <p:nvPr/>
+      </p:nvGrpSpPr>
+      <p:grpSpPr>
+        <a:xfrm>
+          <a:off x="0" y="0"/>
+          <a:ext cx="0" cy="0"/>
+          <a:chOff x="0" y="0"/>
+          <a:chExt cx="0" cy="0"/>
+        </a:xfrm>
+      </p:grpSpPr>
+      <p:sp>
+        <p:nvSpPr>
+          <p:cNvPr id="2" name="Titre 1">
+            <a:extLst>
+              <a:ext uri="{FF2B5EF4-FFF2-40B4-BE49-F238E27FC236}">
                 <a16:creationId xmlns:a16="http://schemas.microsoft.com/office/drawing/2014/main" id="{7B922E7B-0EB1-4ED1-96B2-DFC42B11C5B7}"/>
               </a:ext>
             </a:extLst>
@@ -6294,7 +6629,7 @@
 </p:sld>
 </file>
 
-<file path=ppt/slides/slide13.xml><?xml version="1.0" encoding="utf-8"?>
+<file path=ppt/slides/slide15.xml><?xml version="1.0" encoding="utf-8"?>
 <p:sld xmlns:a="http://schemas.openxmlformats.org/drawingml/2006/main" xmlns:r="http://schemas.openxmlformats.org/officeDocument/2006/relationships" xmlns:p="http://schemas.openxmlformats.org/presentationml/2006/main">
   <p:cSld>
     <p:spTree>
@@ -6511,6 +6846,100 @@
     <p:extLst>
       <p:ext uri="{BB962C8B-B14F-4D97-AF65-F5344CB8AC3E}">
         <p14:creationId xmlns:p14="http://schemas.microsoft.com/office/powerpoint/2010/main" val="1436579337"/>
+      </p:ext>
+    </p:extLst>
+  </p:cSld>
+  <p:clrMapOvr>
+    <a:masterClrMapping/>
+  </p:clrMapOvr>
+</p:sld>
+</file>
+
+<file path=ppt/slides/slide16.xml><?xml version="1.0" encoding="utf-8"?>
+<p:sld xmlns:a="http://schemas.openxmlformats.org/drawingml/2006/main" xmlns:r="http://schemas.openxmlformats.org/officeDocument/2006/relationships" xmlns:p="http://schemas.openxmlformats.org/presentationml/2006/main">
+  <p:cSld>
+    <p:spTree>
+      <p:nvGrpSpPr>
+        <p:cNvPr id="1" name=""/>
+        <p:cNvGrpSpPr/>
+        <p:nvPr/>
+      </p:nvGrpSpPr>
+      <p:grpSpPr>
+        <a:xfrm>
+          <a:off x="0" y="0"/>
+          <a:ext cx="0" cy="0"/>
+          <a:chOff x="0" y="0"/>
+          <a:chExt cx="0" cy="0"/>
+        </a:xfrm>
+      </p:grpSpPr>
+      <p:sp>
+        <p:nvSpPr>
+          <p:cNvPr id="2" name="Titre 1">
+            <a:extLst>
+              <a:ext uri="{FF2B5EF4-FFF2-40B4-BE49-F238E27FC236}">
+                <a16:creationId xmlns:a16="http://schemas.microsoft.com/office/drawing/2014/main" id="{B5ADC8C3-4B57-4F3C-858B-0704F35B37E5}"/>
+              </a:ext>
+            </a:extLst>
+          </p:cNvPr>
+          <p:cNvSpPr>
+            <a:spLocks noGrp="1"/>
+          </p:cNvSpPr>
+          <p:nvPr>
+            <p:ph type="title"/>
+          </p:nvPr>
+        </p:nvSpPr>
+        <p:spPr/>
+        <p:txBody>
+          <a:bodyPr/>
+          <a:lstStyle/>
+          <a:p>
+            <a:endParaRPr lang="en-US"/>
+          </a:p>
+        </p:txBody>
+      </p:sp>
+      <p:cxnSp>
+        <p:nvCxnSpPr>
+          <p:cNvPr id="5" name="Connecteur droit avec flèche 4">
+            <a:extLst>
+              <a:ext uri="{FF2B5EF4-FFF2-40B4-BE49-F238E27FC236}">
+                <a16:creationId xmlns:a16="http://schemas.microsoft.com/office/drawing/2014/main" id="{159291BD-8C7E-4C6C-864E-18C0477D5E44}"/>
+              </a:ext>
+            </a:extLst>
+          </p:cNvPr>
+          <p:cNvCxnSpPr/>
+          <p:nvPr/>
+        </p:nvCxnSpPr>
+        <p:spPr>
+          <a:xfrm>
+            <a:off x="1988820" y="2613660"/>
+            <a:ext cx="6743700" cy="0"/>
+          </a:xfrm>
+          <a:prstGeom prst="straightConnector1">
+            <a:avLst/>
+          </a:prstGeom>
+          <a:ln>
+            <a:tailEnd type="triangle"/>
+          </a:ln>
+        </p:spPr>
+        <p:style>
+          <a:lnRef idx="1">
+            <a:schemeClr val="accent1"/>
+          </a:lnRef>
+          <a:fillRef idx="0">
+            <a:schemeClr val="accent1"/>
+          </a:fillRef>
+          <a:effectRef idx="0">
+            <a:schemeClr val="accent1"/>
+          </a:effectRef>
+          <a:fontRef idx="minor">
+            <a:schemeClr val="tx1"/>
+          </a:fontRef>
+        </p:style>
+      </p:cxnSp>
+    </p:spTree>
+    <p:extLst>
+      <p:ext uri="{BB962C8B-B14F-4D97-AF65-F5344CB8AC3E}">
+        <p14:creationId xmlns:p14="http://schemas.microsoft.com/office/powerpoint/2010/main" val="73836535"/>
       </p:ext>
     </p:extLst>
   </p:cSld>
@@ -6595,7 +7024,7 @@
           <a:p>
             <a:r>
               <a:rPr lang="en-US" dirty="0"/>
-              <a:t>Few notes…</a:t>
+              <a:t>EDA</a:t>
             </a:r>
           </a:p>
         </p:txBody>
@@ -6632,579 +7061,6 @@
       </p:pic>
       <p:sp>
         <p:nvSpPr>
-          <p:cNvPr id="3" name="ZoneTexte 2">
-            <a:extLst>
-              <a:ext uri="{FF2B5EF4-FFF2-40B4-BE49-F238E27FC236}">
-                <a16:creationId xmlns:a16="http://schemas.microsoft.com/office/drawing/2014/main" id="{0B282FC0-FCF4-4DAD-A736-6FD79D1A9ED7}"/>
-              </a:ext>
-            </a:extLst>
-          </p:cNvPr>
-          <p:cNvSpPr txBox="1"/>
-          <p:nvPr/>
-        </p:nvSpPr>
-        <p:spPr>
-          <a:xfrm>
-            <a:off x="6870693" y="1105103"/>
-            <a:ext cx="5220694" cy="4401205"/>
-          </a:xfrm>
-          <a:prstGeom prst="rect">
-            <a:avLst/>
-          </a:prstGeom>
-          <a:noFill/>
-        </p:spPr>
-        <p:txBody>
-          <a:bodyPr wrap="square" rtlCol="0">
-            <a:spAutoFit/>
-          </a:bodyPr>
-          <a:lstStyle/>
-          <a:p>
-            <a:r>
-              <a:rPr lang="en-US" sz="1400" dirty="0"/>
-              <a:t>Idée feature engineering :</a:t>
-            </a:r>
-          </a:p>
-          <a:p>
-            <a:pPr marL="285750" indent="-285750">
-              <a:buFontTx/>
-              <a:buChar char="-"/>
-            </a:pPr>
-            <a:r>
-              <a:rPr lang="en-US" sz="1400" dirty="0" err="1"/>
-              <a:t>Rester</a:t>
-            </a:r>
-            <a:r>
-              <a:rPr lang="en-US" sz="1400" dirty="0"/>
-              <a:t> interpretable (</a:t>
-            </a:r>
-            <a:r>
-              <a:rPr lang="en-US" sz="1400" dirty="0" err="1"/>
-              <a:t>donc</a:t>
-            </a:r>
-            <a:r>
-              <a:rPr lang="en-US" sz="1400" dirty="0"/>
-              <a:t> pas </a:t>
-            </a:r>
-            <a:r>
-              <a:rPr lang="en-US" sz="1400" dirty="0" err="1"/>
-              <a:t>d’ext</a:t>
-            </a:r>
-            <a:r>
-              <a:rPr lang="en-US" sz="1400" dirty="0"/>
-              <a:t>_ </a:t>
-            </a:r>
-            <a:r>
-              <a:rPr lang="en-US" sz="1400" dirty="0" err="1"/>
-              <a:t>ni</a:t>
-            </a:r>
-            <a:r>
-              <a:rPr lang="en-US" sz="1400" dirty="0"/>
-              <a:t> de FE </a:t>
-            </a:r>
-            <a:r>
-              <a:rPr lang="en-US" sz="1400" dirty="0" err="1"/>
-              <a:t>automatique</a:t>
-            </a:r>
-            <a:r>
-              <a:rPr lang="en-US" sz="1400" dirty="0"/>
-              <a:t>)</a:t>
-            </a:r>
-          </a:p>
-          <a:p>
-            <a:pPr marL="285750" indent="-285750">
-              <a:buFontTx/>
-              <a:buChar char="-"/>
-            </a:pPr>
-            <a:r>
-              <a:rPr lang="en-US" sz="1400" dirty="0" err="1"/>
-              <a:t>Calculer</a:t>
-            </a:r>
-            <a:r>
-              <a:rPr lang="en-US" sz="1400" dirty="0"/>
-              <a:t> le term du prêt (</a:t>
-            </a:r>
-            <a:r>
-              <a:rPr lang="en-US" sz="1400" dirty="0" err="1"/>
-              <a:t>taux</a:t>
-            </a:r>
-            <a:r>
-              <a:rPr lang="en-US" sz="1400" dirty="0"/>
-              <a:t> fixe)</a:t>
-            </a:r>
-          </a:p>
-          <a:p>
-            <a:pPr marL="285750" indent="-285750">
-              <a:buFontTx/>
-              <a:buChar char="-"/>
-            </a:pPr>
-            <a:r>
-              <a:rPr lang="en-US" sz="1400" dirty="0"/>
-              <a:t>Retirement age : </a:t>
-            </a:r>
-            <a:r>
-              <a:rPr lang="en-US" sz="1400" dirty="0" err="1"/>
-              <a:t>est-ce</a:t>
-            </a:r>
-            <a:r>
-              <a:rPr lang="en-US" sz="1400" dirty="0"/>
-              <a:t> que le prêt propose </a:t>
-            </a:r>
-            <a:r>
-              <a:rPr lang="en-US" sz="1400" dirty="0" err="1"/>
-              <a:t>chevauche</a:t>
-            </a:r>
-            <a:r>
-              <a:rPr lang="en-US" sz="1400" dirty="0"/>
-              <a:t> </a:t>
-            </a:r>
-            <a:r>
-              <a:rPr lang="en-US" sz="1400" dirty="0" err="1"/>
-              <a:t>l’année</a:t>
-            </a:r>
-            <a:r>
-              <a:rPr lang="en-US" sz="1400" dirty="0"/>
-              <a:t> de la </a:t>
-            </a:r>
-            <a:r>
-              <a:rPr lang="en-US" sz="1400" dirty="0" err="1"/>
-              <a:t>retraite</a:t>
-            </a:r>
-            <a:endParaRPr lang="en-US" sz="1400" dirty="0"/>
-          </a:p>
-          <a:p>
-            <a:pPr marL="285750" indent="-285750">
-              <a:buFontTx/>
-              <a:buChar char="-"/>
-            </a:pPr>
-            <a:r>
-              <a:rPr lang="en-US" sz="1400" dirty="0"/>
-              <a:t>Imputation </a:t>
-            </a:r>
-            <a:r>
-              <a:rPr lang="en-US" sz="1400" dirty="0" err="1"/>
-              <a:t>knn</a:t>
-            </a:r>
-            <a:r>
-              <a:rPr lang="en-US" sz="1400" dirty="0"/>
-              <a:t> (observation de </a:t>
-            </a:r>
-            <a:r>
-              <a:rPr lang="en-US" sz="1400" dirty="0" err="1"/>
-              <a:t>kde</a:t>
-            </a:r>
-            <a:r>
-              <a:rPr lang="en-US" sz="1400" dirty="0"/>
-              <a:t> pour conserver </a:t>
-            </a:r>
-            <a:r>
-              <a:rPr lang="en-US" sz="1400" dirty="0" err="1"/>
-              <a:t>une</a:t>
-            </a:r>
-            <a:r>
-              <a:rPr lang="en-US" sz="1400" dirty="0"/>
-              <a:t> </a:t>
-            </a:r>
-            <a:r>
-              <a:rPr lang="en-US" sz="1400" dirty="0" err="1"/>
-              <a:t>distrib</a:t>
-            </a:r>
-            <a:r>
-              <a:rPr lang="en-US" sz="1400" dirty="0"/>
-              <a:t> </a:t>
-            </a:r>
-            <a:r>
-              <a:rPr lang="en-US" sz="1400" dirty="0" err="1"/>
-              <a:t>discriminante</a:t>
-            </a:r>
-            <a:r>
-              <a:rPr lang="en-US" sz="1400" dirty="0"/>
-              <a:t>)</a:t>
-            </a:r>
-          </a:p>
-          <a:p>
-            <a:pPr marL="285750" indent="-285750">
-              <a:buFontTx/>
-              <a:buChar char="-"/>
-            </a:pPr>
-            <a:r>
-              <a:rPr lang="en-US" sz="1400" dirty="0"/>
-              <a:t>Observer les differences application / previous app</a:t>
-            </a:r>
-          </a:p>
-          <a:p>
-            <a:pPr marL="285750" indent="-285750">
-              <a:buFontTx/>
-              <a:buChar char="-"/>
-            </a:pPr>
-            <a:r>
-              <a:rPr lang="en-US" sz="1400" dirty="0" err="1"/>
-              <a:t>Valoriser</a:t>
-            </a:r>
-            <a:r>
-              <a:rPr lang="en-US" sz="1400" dirty="0"/>
-              <a:t> les </a:t>
-            </a:r>
-            <a:r>
-              <a:rPr lang="en-US" sz="1400" dirty="0" err="1"/>
-              <a:t>défauts</a:t>
-            </a:r>
-            <a:r>
-              <a:rPr lang="en-US" sz="1400" dirty="0"/>
-              <a:t> </a:t>
-            </a:r>
-            <a:r>
-              <a:rPr lang="en-US" sz="1400" dirty="0" err="1"/>
-              <a:t>en</a:t>
-            </a:r>
-            <a:r>
-              <a:rPr lang="en-US" sz="1400" dirty="0"/>
-              <a:t> function de </a:t>
-            </a:r>
-            <a:r>
-              <a:rPr lang="en-US" sz="1400" dirty="0" err="1"/>
-              <a:t>leur</a:t>
-            </a:r>
-            <a:r>
-              <a:rPr lang="en-US" sz="1400" dirty="0"/>
-              <a:t> date </a:t>
-            </a:r>
-            <a:r>
-              <a:rPr lang="en-US" sz="1400" dirty="0" err="1"/>
-              <a:t>d’apparition</a:t>
-            </a:r>
-            <a:endParaRPr lang="en-US" sz="1400" dirty="0"/>
-          </a:p>
-          <a:p>
-            <a:pPr marL="285750" indent="-285750">
-              <a:buFontTx/>
-              <a:buChar char="-"/>
-            </a:pPr>
-            <a:r>
-              <a:rPr lang="en-US" sz="1400" dirty="0"/>
-              <a:t>Un </a:t>
-            </a:r>
-            <a:r>
-              <a:rPr lang="en-US" sz="1400" dirty="0" err="1"/>
-              <a:t>faible</a:t>
-            </a:r>
-            <a:r>
-              <a:rPr lang="en-US" sz="1400" dirty="0"/>
-              <a:t> </a:t>
-            </a:r>
-            <a:r>
-              <a:rPr lang="en-US" sz="1400" dirty="0" err="1"/>
-              <a:t>taux</a:t>
-            </a:r>
-            <a:r>
-              <a:rPr lang="en-US" sz="1400" dirty="0"/>
-              <a:t> </a:t>
-            </a:r>
-            <a:r>
-              <a:rPr lang="en-US" sz="1400" dirty="0" err="1"/>
-              <a:t>d’intérêt</a:t>
-            </a:r>
-            <a:r>
-              <a:rPr lang="en-US" sz="1400" dirty="0"/>
-              <a:t> </a:t>
-            </a:r>
-            <a:r>
-              <a:rPr lang="en-US" sz="1400" dirty="0" err="1"/>
-              <a:t>est</a:t>
-            </a:r>
-            <a:r>
-              <a:rPr lang="en-US" sz="1400" dirty="0"/>
-              <a:t> il </a:t>
-            </a:r>
-            <a:r>
-              <a:rPr lang="en-US" sz="1400" dirty="0" err="1"/>
-              <a:t>accordé</a:t>
-            </a:r>
-            <a:r>
-              <a:rPr lang="en-US" sz="1400" dirty="0"/>
-              <a:t> aux “</a:t>
-            </a:r>
-            <a:r>
-              <a:rPr lang="en-US" sz="1400" dirty="0" err="1"/>
-              <a:t>meilleurs</a:t>
-            </a:r>
-            <a:r>
-              <a:rPr lang="en-US" sz="1400" dirty="0"/>
-              <a:t>” clients?</a:t>
-            </a:r>
-          </a:p>
-          <a:p>
-            <a:pPr marL="285750" indent="-285750">
-              <a:buFontTx/>
-              <a:buChar char="-"/>
-            </a:pPr>
-            <a:r>
-              <a:rPr lang="en-US" sz="1400" dirty="0" err="1"/>
-              <a:t>AMT_Credit</a:t>
-            </a:r>
-            <a:r>
-              <a:rPr lang="en-US" sz="1400" dirty="0"/>
-              <a:t> &gt; AMT_GOODS_PRICE </a:t>
-            </a:r>
-            <a:r>
-              <a:rPr lang="en-US" sz="1400" dirty="0" err="1"/>
-              <a:t>cas</a:t>
-            </a:r>
-            <a:r>
-              <a:rPr lang="en-US" sz="1400" dirty="0"/>
-              <a:t> </a:t>
-            </a:r>
-            <a:r>
-              <a:rPr lang="en-US" sz="1400" dirty="0" err="1"/>
-              <a:t>d’une</a:t>
-            </a:r>
-            <a:r>
-              <a:rPr lang="en-US" sz="1400" dirty="0"/>
-              <a:t> assurance </a:t>
-            </a:r>
-            <a:r>
-              <a:rPr lang="en-US" sz="1400" dirty="0" err="1"/>
-              <a:t>souscrite</a:t>
-            </a:r>
-            <a:r>
-              <a:rPr lang="en-US" sz="1400" dirty="0"/>
-              <a:t> NFLAG_INSURED_ON_APPROVAL=0</a:t>
-            </a:r>
-          </a:p>
-          <a:p>
-            <a:pPr marL="285750" indent="-285750">
-              <a:buFontTx/>
-              <a:buChar char="-"/>
-            </a:pPr>
-            <a:endParaRPr lang="en-US" sz="1400" dirty="0"/>
-          </a:p>
-          <a:p>
-            <a:pPr marL="285750" indent="-285750">
-              <a:buFontTx/>
-              <a:buChar char="-"/>
-            </a:pPr>
-            <a:r>
-              <a:rPr lang="en-US" sz="1400" dirty="0"/>
-              <a:t>Attention aux pb </a:t>
-            </a:r>
-            <a:r>
-              <a:rPr lang="en-US" sz="1400" dirty="0" err="1"/>
-              <a:t>d’update</a:t>
-            </a:r>
-            <a:r>
-              <a:rPr lang="en-US" sz="1400" dirty="0"/>
-              <a:t> des bureau et previous et au </a:t>
-            </a:r>
-            <a:r>
-              <a:rPr lang="en-US" sz="1400" dirty="0" err="1"/>
-              <a:t>signe</a:t>
-            </a:r>
-            <a:r>
-              <a:rPr lang="en-US" sz="1400" dirty="0"/>
-              <a:t> de la cash balance</a:t>
-            </a:r>
-          </a:p>
-          <a:p>
-            <a:pPr marL="285750" indent="-285750">
-              <a:buFontTx/>
-              <a:buChar char="-"/>
-            </a:pPr>
-            <a:endParaRPr lang="en-US" sz="1400" dirty="0"/>
-          </a:p>
-          <a:p>
-            <a:pPr marL="285750" indent="-285750">
-              <a:buFontTx/>
-              <a:buChar char="-"/>
-            </a:pPr>
-            <a:endParaRPr lang="en-US" sz="1400" dirty="0"/>
-          </a:p>
-        </p:txBody>
-      </p:sp>
-      <p:sp>
-        <p:nvSpPr>
-          <p:cNvPr id="6" name="ZoneTexte 5">
-            <a:extLst>
-              <a:ext uri="{FF2B5EF4-FFF2-40B4-BE49-F238E27FC236}">
-                <a16:creationId xmlns:a16="http://schemas.microsoft.com/office/drawing/2014/main" id="{DEF4C230-0BEA-43ED-BA26-174DD5A7862D}"/>
-              </a:ext>
-            </a:extLst>
-          </p:cNvPr>
-          <p:cNvSpPr txBox="1"/>
-          <p:nvPr/>
-        </p:nvSpPr>
-        <p:spPr>
-          <a:xfrm>
-            <a:off x="6870694" y="4985704"/>
-            <a:ext cx="5113538" cy="1600438"/>
-          </a:xfrm>
-          <a:prstGeom prst="rect">
-            <a:avLst/>
-          </a:prstGeom>
-          <a:noFill/>
-        </p:spPr>
-        <p:txBody>
-          <a:bodyPr wrap="square" rtlCol="0">
-            <a:spAutoFit/>
-          </a:bodyPr>
-          <a:lstStyle/>
-          <a:p>
-            <a:r>
-              <a:rPr lang="en-US" sz="1400" dirty="0" err="1"/>
-              <a:t>Idées</a:t>
-            </a:r>
-            <a:r>
-              <a:rPr lang="en-US" sz="1400" dirty="0"/>
-              <a:t> orientation étude</a:t>
-            </a:r>
-          </a:p>
-          <a:p>
-            <a:pPr marL="285750" indent="-285750">
-              <a:buFontTx/>
-              <a:buChar char="-"/>
-            </a:pPr>
-            <a:r>
-              <a:rPr lang="en-US" sz="1400" dirty="0" err="1"/>
-              <a:t>Valoriser</a:t>
-            </a:r>
-            <a:r>
-              <a:rPr lang="en-US" sz="1400" dirty="0"/>
-              <a:t> </a:t>
-            </a:r>
-            <a:r>
-              <a:rPr lang="en-US" sz="1400" dirty="0" err="1"/>
-              <a:t>différemment</a:t>
-            </a:r>
-            <a:r>
-              <a:rPr lang="en-US" sz="1400" dirty="0"/>
-              <a:t> le revolving et les cash loan.</a:t>
-            </a:r>
-          </a:p>
-          <a:p>
-            <a:pPr marL="285750" indent="-285750">
-              <a:buFontTx/>
-              <a:buChar char="-"/>
-            </a:pPr>
-            <a:r>
-              <a:rPr lang="en-US" sz="1400" dirty="0" err="1"/>
-              <a:t>Curseur</a:t>
-            </a:r>
-            <a:r>
-              <a:rPr lang="en-US" sz="1400" dirty="0"/>
-              <a:t> </a:t>
-            </a:r>
-            <a:r>
-              <a:rPr lang="en-US" sz="1400" dirty="0" err="1"/>
-              <a:t>montant</a:t>
-            </a:r>
-            <a:r>
-              <a:rPr lang="en-US" sz="1400" dirty="0"/>
-              <a:t> du prêt (</a:t>
-            </a:r>
-            <a:r>
-              <a:rPr lang="en-US" sz="1400" dirty="0" err="1"/>
-              <a:t>ajuster</a:t>
-            </a:r>
-            <a:r>
-              <a:rPr lang="en-US" sz="1400" dirty="0"/>
-              <a:t> proposition client) et </a:t>
-            </a:r>
-            <a:r>
-              <a:rPr lang="en-US" sz="1400" dirty="0" err="1"/>
-              <a:t>taux</a:t>
-            </a:r>
-            <a:r>
-              <a:rPr lang="en-US" sz="1400" dirty="0"/>
-              <a:t> </a:t>
-            </a:r>
-            <a:r>
-              <a:rPr lang="en-US" sz="1400" dirty="0" err="1"/>
-              <a:t>d’intérêt</a:t>
-            </a:r>
-            <a:r>
-              <a:rPr lang="en-US" sz="1400" dirty="0"/>
-              <a:t>.</a:t>
-            </a:r>
-          </a:p>
-          <a:p>
-            <a:pPr marL="285750" indent="-285750">
-              <a:buFontTx/>
-              <a:buChar char="-"/>
-            </a:pPr>
-            <a:r>
-              <a:rPr lang="en-US" sz="1400" dirty="0" err="1"/>
-              <a:t>Fenêtre</a:t>
-            </a:r>
-            <a:r>
-              <a:rPr lang="en-US" sz="1400" dirty="0"/>
-              <a:t> </a:t>
-            </a:r>
-            <a:r>
-              <a:rPr lang="en-US" sz="1400" dirty="0" err="1"/>
-              <a:t>temporelle</a:t>
-            </a:r>
-            <a:r>
-              <a:rPr lang="en-US" sz="1400" dirty="0"/>
-              <a:t> : </a:t>
-            </a:r>
-            <a:r>
-              <a:rPr lang="en-US" sz="1400" dirty="0" err="1"/>
-              <a:t>une</a:t>
-            </a:r>
-            <a:r>
-              <a:rPr lang="en-US" sz="1400" dirty="0"/>
-              <a:t> </a:t>
-            </a:r>
-            <a:r>
-              <a:rPr lang="en-US" sz="1400" dirty="0" err="1"/>
-              <a:t>sorte</a:t>
-            </a:r>
-            <a:r>
-              <a:rPr lang="en-US" sz="1400" dirty="0"/>
-              <a:t> de droit à </a:t>
-            </a:r>
-            <a:r>
-              <a:rPr lang="en-US" sz="1400" dirty="0" err="1"/>
-              <a:t>l’oubli</a:t>
-            </a:r>
-            <a:r>
-              <a:rPr lang="en-US" sz="1400" dirty="0"/>
-              <a:t> + considerer les </a:t>
-            </a:r>
-            <a:r>
-              <a:rPr lang="en-US" sz="1400" dirty="0" err="1"/>
-              <a:t>données</a:t>
-            </a:r>
-            <a:r>
-              <a:rPr lang="en-US" sz="1400" dirty="0"/>
-              <a:t> plus </a:t>
-            </a:r>
-            <a:r>
-              <a:rPr lang="en-US" sz="1400" dirty="0" err="1"/>
-              <a:t>récentes</a:t>
-            </a:r>
-            <a:r>
-              <a:rPr lang="en-US" sz="1400" dirty="0"/>
-              <a:t> </a:t>
-            </a:r>
-            <a:r>
-              <a:rPr lang="en-US" sz="1400" dirty="0" err="1"/>
-              <a:t>comme</a:t>
-            </a:r>
-            <a:r>
-              <a:rPr lang="en-US" sz="1400" dirty="0"/>
-              <a:t> plus </a:t>
-            </a:r>
-            <a:r>
-              <a:rPr lang="en-US" sz="1400" dirty="0" err="1"/>
-              <a:t>fiables</a:t>
-            </a:r>
-            <a:r>
-              <a:rPr lang="en-US" sz="1400" dirty="0"/>
-              <a:t>.</a:t>
-            </a:r>
-          </a:p>
-        </p:txBody>
-      </p:sp>
-      <p:sp>
-        <p:nvSpPr>
           <p:cNvPr id="8" name="Flèche : droite 7">
             <a:extLst>
               <a:ext uri="{FF2B5EF4-FFF2-40B4-BE49-F238E27FC236}">
@@ -7223,6 +7079,14 @@
           <a:prstGeom prst="rightArrow">
             <a:avLst/>
           </a:prstGeom>
+          <a:solidFill>
+            <a:srgbClr val="B2B2B2"/>
+          </a:solidFill>
+          <a:ln>
+            <a:solidFill>
+              <a:srgbClr val="6DD4FF"/>
+            </a:solidFill>
+          </a:ln>
         </p:spPr>
         <p:style>
           <a:lnRef idx="2">
@@ -7263,8 +7127,325 @@
         </p:nvSpPr>
         <p:spPr>
           <a:xfrm>
-            <a:off x="570037" y="1796847"/>
-            <a:ext cx="1510350" cy="600164"/>
+            <a:off x="666154" y="1796847"/>
+            <a:ext cx="1414233" cy="600164"/>
+          </a:xfrm>
+          <a:prstGeom prst="rect">
+            <a:avLst/>
+          </a:prstGeom>
+          <a:solidFill>
+            <a:srgbClr val="B2B2B2"/>
+          </a:solidFill>
+          <a:ln>
+            <a:solidFill>
+              <a:srgbClr val="6DD4FF"/>
+            </a:solidFill>
+          </a:ln>
+        </p:spPr>
+        <p:txBody>
+          <a:bodyPr wrap="none" rtlCol="0">
+            <a:spAutoFit/>
+          </a:bodyPr>
+          <a:lstStyle/>
+          <a:p>
+            <a:pPr algn="r"/>
+            <a:r>
+              <a:rPr lang="en-US" sz="1100" b="1" dirty="0">
+                <a:solidFill>
+                  <a:srgbClr val="6DD4FF"/>
+                </a:solidFill>
+              </a:rPr>
+              <a:t>Loan’s description</a:t>
+            </a:r>
+          </a:p>
+          <a:p>
+            <a:pPr algn="r"/>
+            <a:r>
+              <a:rPr lang="en-US" sz="1100" b="1" dirty="0">
+                <a:solidFill>
+                  <a:srgbClr val="6DD4FF"/>
+                </a:solidFill>
+              </a:rPr>
+              <a:t>+ Client’s data</a:t>
+            </a:r>
+          </a:p>
+          <a:p>
+            <a:pPr algn="r"/>
+            <a:r>
+              <a:rPr lang="en-US" sz="1100" b="1" dirty="0">
+                <a:solidFill>
+                  <a:srgbClr val="6DD4FF"/>
+                </a:solidFill>
+              </a:rPr>
+              <a:t>{</a:t>
+            </a:r>
+            <a:r>
+              <a:rPr lang="en-US" sz="1100" b="1" dirty="0" err="1">
+                <a:solidFill>
+                  <a:srgbClr val="6DD4FF"/>
+                </a:solidFill>
+              </a:rPr>
+              <a:t>train|test</a:t>
+            </a:r>
+            <a:r>
+              <a:rPr lang="en-US" sz="1100" b="1" dirty="0">
+                <a:solidFill>
+                  <a:srgbClr val="6DD4FF"/>
+                </a:solidFill>
+              </a:rPr>
+              <a:t>}</a:t>
+            </a:r>
+          </a:p>
+        </p:txBody>
+      </p:sp>
+      <p:sp>
+        <p:nvSpPr>
+          <p:cNvPr id="10" name="ZoneTexte 9">
+            <a:extLst>
+              <a:ext uri="{FF2B5EF4-FFF2-40B4-BE49-F238E27FC236}">
+                <a16:creationId xmlns:a16="http://schemas.microsoft.com/office/drawing/2014/main" id="{0A2E17D0-3B3B-40B6-B7F0-80E8E6A39F44}"/>
+              </a:ext>
+            </a:extLst>
+          </p:cNvPr>
+          <p:cNvSpPr txBox="1"/>
+          <p:nvPr/>
+        </p:nvSpPr>
+        <p:spPr>
+          <a:xfrm>
+            <a:off x="1360425" y="2557537"/>
+            <a:ext cx="1263486" cy="261610"/>
+          </a:xfrm>
+          <a:prstGeom prst="rect">
+            <a:avLst/>
+          </a:prstGeom>
+          <a:solidFill>
+            <a:srgbClr val="B2B2B2"/>
+          </a:solidFill>
+          <a:ln>
+            <a:solidFill>
+              <a:srgbClr val="6DD4FF"/>
+            </a:solidFill>
+          </a:ln>
+        </p:spPr>
+        <p:txBody>
+          <a:bodyPr wrap="none" rtlCol="0">
+            <a:spAutoFit/>
+          </a:bodyPr>
+          <a:lstStyle/>
+          <a:p>
+            <a:pPr algn="r"/>
+            <a:r>
+              <a:rPr lang="en-US" sz="1100" b="1" dirty="0">
+                <a:solidFill>
+                  <a:srgbClr val="6DD4FF"/>
+                </a:solidFill>
+              </a:rPr>
+              <a:t>“External” loans</a:t>
+            </a:r>
+          </a:p>
+        </p:txBody>
+      </p:sp>
+      <p:sp>
+        <p:nvSpPr>
+          <p:cNvPr id="11" name="ZoneTexte 10">
+            <a:extLst>
+              <a:ext uri="{FF2B5EF4-FFF2-40B4-BE49-F238E27FC236}">
+                <a16:creationId xmlns:a16="http://schemas.microsoft.com/office/drawing/2014/main" id="{25D2AD60-13E7-458A-A9DF-F33B39D302B7}"/>
+              </a:ext>
+            </a:extLst>
+          </p:cNvPr>
+          <p:cNvSpPr txBox="1"/>
+          <p:nvPr/>
+        </p:nvSpPr>
+        <p:spPr>
+          <a:xfrm>
+            <a:off x="3305157" y="2688342"/>
+            <a:ext cx="1236237" cy="261610"/>
+          </a:xfrm>
+          <a:prstGeom prst="rect">
+            <a:avLst/>
+          </a:prstGeom>
+          <a:solidFill>
+            <a:srgbClr val="B2B2B2"/>
+          </a:solidFill>
+          <a:ln>
+            <a:solidFill>
+              <a:srgbClr val="6DD4FF"/>
+            </a:solidFill>
+          </a:ln>
+        </p:spPr>
+        <p:txBody>
+          <a:bodyPr wrap="none" rtlCol="0">
+            <a:spAutoFit/>
+          </a:bodyPr>
+          <a:lstStyle/>
+          <a:p>
+            <a:pPr algn="r"/>
+            <a:r>
+              <a:rPr lang="en-US" sz="1100" b="1" dirty="0">
+                <a:solidFill>
+                  <a:srgbClr val="6DD4FF"/>
+                </a:solidFill>
+              </a:rPr>
+              <a:t>“Internal” loans</a:t>
+            </a:r>
+          </a:p>
+        </p:txBody>
+      </p:sp>
+      <p:sp>
+        <p:nvSpPr>
+          <p:cNvPr id="7" name="Flèche : droite 6">
+            <a:extLst>
+              <a:ext uri="{FF2B5EF4-FFF2-40B4-BE49-F238E27FC236}">
+                <a16:creationId xmlns:a16="http://schemas.microsoft.com/office/drawing/2014/main" id="{AE7E025C-0B8D-44B3-B92F-FCD4652668D5}"/>
+              </a:ext>
+            </a:extLst>
+          </p:cNvPr>
+          <p:cNvSpPr/>
+          <p:nvPr/>
+        </p:nvSpPr>
+        <p:spPr>
+          <a:xfrm rot="2124546">
+            <a:off x="3230005" y="2536863"/>
+            <a:ext cx="166255" cy="166255"/>
+          </a:xfrm>
+          <a:prstGeom prst="rightArrow">
+            <a:avLst/>
+          </a:prstGeom>
+          <a:solidFill>
+            <a:srgbClr val="B2B2B2"/>
+          </a:solidFill>
+          <a:ln>
+            <a:solidFill>
+              <a:srgbClr val="6DD4FF"/>
+            </a:solidFill>
+          </a:ln>
+        </p:spPr>
+        <p:style>
+          <a:lnRef idx="2">
+            <a:schemeClr val="accent1">
+              <a:shade val="50000"/>
+            </a:schemeClr>
+          </a:lnRef>
+          <a:fillRef idx="1">
+            <a:schemeClr val="accent1"/>
+          </a:fillRef>
+          <a:effectRef idx="0">
+            <a:schemeClr val="accent1"/>
+          </a:effectRef>
+          <a:fontRef idx="minor">
+            <a:schemeClr val="lt1"/>
+          </a:fontRef>
+        </p:style>
+        <p:txBody>
+          <a:bodyPr rtlCol="0" anchor="ctr"/>
+          <a:lstStyle/>
+          <a:p>
+            <a:pPr algn="ctr"/>
+            <a:endParaRPr lang="en-US"/>
+          </a:p>
+        </p:txBody>
+      </p:sp>
+      <p:sp>
+        <p:nvSpPr>
+          <p:cNvPr id="16" name="Flèche : droite 15">
+            <a:extLst>
+              <a:ext uri="{FF2B5EF4-FFF2-40B4-BE49-F238E27FC236}">
+                <a16:creationId xmlns:a16="http://schemas.microsoft.com/office/drawing/2014/main" id="{5CF49F29-202A-4155-B540-9C375594B640}"/>
+              </a:ext>
+            </a:extLst>
+          </p:cNvPr>
+          <p:cNvSpPr/>
+          <p:nvPr/>
+        </p:nvSpPr>
+        <p:spPr>
+          <a:xfrm rot="8491620">
+            <a:off x="2664922" y="2538251"/>
+            <a:ext cx="166255" cy="166255"/>
+          </a:xfrm>
+          <a:prstGeom prst="rightArrow">
+            <a:avLst/>
+          </a:prstGeom>
+          <a:solidFill>
+            <a:srgbClr val="B2B2B2"/>
+          </a:solidFill>
+          <a:ln>
+            <a:solidFill>
+              <a:srgbClr val="6DD4FF"/>
+            </a:solidFill>
+          </a:ln>
+        </p:spPr>
+        <p:style>
+          <a:lnRef idx="2">
+            <a:schemeClr val="accent1">
+              <a:shade val="50000"/>
+            </a:schemeClr>
+          </a:lnRef>
+          <a:fillRef idx="1">
+            <a:schemeClr val="accent1"/>
+          </a:fillRef>
+          <a:effectRef idx="0">
+            <a:schemeClr val="accent1"/>
+          </a:effectRef>
+          <a:fontRef idx="minor">
+            <a:schemeClr val="lt1"/>
+          </a:fontRef>
+        </p:style>
+        <p:txBody>
+          <a:bodyPr rtlCol="0" anchor="ctr"/>
+          <a:lstStyle/>
+          <a:p>
+            <a:pPr algn="ctr"/>
+            <a:endParaRPr lang="en-US"/>
+          </a:p>
+        </p:txBody>
+      </p:sp>
+      <p:pic>
+        <p:nvPicPr>
+          <p:cNvPr id="17" name="Image 16">
+            <a:extLst>
+              <a:ext uri="{FF2B5EF4-FFF2-40B4-BE49-F238E27FC236}">
+                <a16:creationId xmlns:a16="http://schemas.microsoft.com/office/drawing/2014/main" id="{CCE47F08-9EB7-4036-86CE-30AFD6797938}"/>
+              </a:ext>
+            </a:extLst>
+          </p:cNvPr>
+          <p:cNvPicPr>
+            <a:picLocks noChangeAspect="1"/>
+          </p:cNvPicPr>
+          <p:nvPr/>
+        </p:nvPicPr>
+        <p:blipFill>
+          <a:blip r:embed="rId4"/>
+          <a:stretch>
+            <a:fillRect/>
+          </a:stretch>
+        </p:blipFill>
+        <p:spPr>
+          <a:xfrm>
+            <a:off x="8508856" y="2050182"/>
+            <a:ext cx="3209925" cy="1733550"/>
+          </a:xfrm>
+          <a:prstGeom prst="rect">
+            <a:avLst/>
+          </a:prstGeom>
+        </p:spPr>
+      </p:pic>
+      <p:sp>
+        <p:nvSpPr>
+          <p:cNvPr id="20" name="ZoneTexte 19">
+            <a:extLst>
+              <a:ext uri="{FF2B5EF4-FFF2-40B4-BE49-F238E27FC236}">
+                <a16:creationId xmlns:a16="http://schemas.microsoft.com/office/drawing/2014/main" id="{43103B3A-A548-4C40-9504-658272B73531}"/>
+              </a:ext>
+            </a:extLst>
+          </p:cNvPr>
+          <p:cNvSpPr txBox="1"/>
+          <p:nvPr/>
+        </p:nvSpPr>
+        <p:spPr>
+          <a:xfrm>
+            <a:off x="6804394" y="1366803"/>
+            <a:ext cx="5254068" cy="1015663"/>
           </a:xfrm>
           <a:prstGeom prst="rect">
             <a:avLst/>
@@ -7272,6 +7453,153 @@
           <a:noFill/>
         </p:spPr>
         <p:txBody>
+          <a:bodyPr wrap="square">
+            <a:spAutoFit/>
+          </a:bodyPr>
+          <a:lstStyle/>
+          <a:p>
+            <a:r>
+              <a:rPr lang="en-US" sz="1200" b="1" dirty="0"/>
+              <a:t>Target variable : </a:t>
+            </a:r>
+          </a:p>
+          <a:p>
+            <a:r>
+              <a:rPr lang="en-US" sz="1200" b="1" dirty="0"/>
+              <a:t>1 - </a:t>
+            </a:r>
+            <a:r>
+              <a:rPr lang="en-US" sz="1200" dirty="0"/>
+              <a:t>client with payment difficulties: he/she had late payment more than </a:t>
+            </a:r>
+            <a:r>
+              <a:rPr lang="en-US" sz="1200" b="1" dirty="0"/>
+              <a:t>X</a:t>
+            </a:r>
+            <a:r>
+              <a:rPr lang="en-US" sz="1200" dirty="0"/>
+              <a:t> days on at least one of the first </a:t>
+            </a:r>
+            <a:r>
+              <a:rPr lang="en-US" sz="1200" b="1" dirty="0"/>
+              <a:t>Y</a:t>
+            </a:r>
+            <a:r>
+              <a:rPr lang="en-US" sz="1200" dirty="0"/>
+              <a:t> installments of the loan in our sample, </a:t>
+            </a:r>
+          </a:p>
+          <a:p>
+            <a:r>
+              <a:rPr lang="en-US" sz="1200" b="1" dirty="0"/>
+              <a:t>0 - </a:t>
+            </a:r>
+            <a:r>
+              <a:rPr lang="en-US" sz="1200" dirty="0"/>
+              <a:t>all other cases</a:t>
+            </a:r>
+          </a:p>
+        </p:txBody>
+      </p:sp>
+      <p:sp>
+        <p:nvSpPr>
+          <p:cNvPr id="21" name="ZoneTexte 20">
+            <a:extLst>
+              <a:ext uri="{FF2B5EF4-FFF2-40B4-BE49-F238E27FC236}">
+                <a16:creationId xmlns:a16="http://schemas.microsoft.com/office/drawing/2014/main" id="{7C7C8AE0-80DD-4F2E-97D8-6ED8A96658F0}"/>
+              </a:ext>
+            </a:extLst>
+          </p:cNvPr>
+          <p:cNvSpPr txBox="1"/>
+          <p:nvPr/>
+        </p:nvSpPr>
+        <p:spPr>
+          <a:xfrm>
+            <a:off x="8264520" y="3770854"/>
+            <a:ext cx="3865336" cy="276999"/>
+          </a:xfrm>
+          <a:prstGeom prst="rect">
+            <a:avLst/>
+          </a:prstGeom>
+          <a:noFill/>
+        </p:spPr>
+        <p:txBody>
+          <a:bodyPr wrap="square">
+            <a:spAutoFit/>
+          </a:bodyPr>
+          <a:lstStyle/>
+          <a:p>
+            <a:r>
+              <a:rPr lang="en-US" sz="1200" b="1" dirty="0"/>
+              <a:t>Target Imbalance </a:t>
+            </a:r>
+            <a:r>
+              <a:rPr lang="en-US" sz="1200" i="1" dirty="0"/>
+              <a:t>– by NAME_CONTRACT_TYPE</a:t>
+            </a:r>
+          </a:p>
+        </p:txBody>
+      </p:sp>
+      <p:pic>
+        <p:nvPicPr>
+          <p:cNvPr id="23" name="Image 22">
+            <a:extLst>
+              <a:ext uri="{FF2B5EF4-FFF2-40B4-BE49-F238E27FC236}">
+                <a16:creationId xmlns:a16="http://schemas.microsoft.com/office/drawing/2014/main" id="{6E484ABE-8D4B-44A3-BA3B-E6E2FBFF42C2}"/>
+              </a:ext>
+            </a:extLst>
+          </p:cNvPr>
+          <p:cNvPicPr>
+            <a:picLocks noChangeAspect="1"/>
+          </p:cNvPicPr>
+          <p:nvPr/>
+        </p:nvPicPr>
+        <p:blipFill>
+          <a:blip r:embed="rId5"/>
+          <a:stretch>
+            <a:fillRect/>
+          </a:stretch>
+        </p:blipFill>
+        <p:spPr>
+          <a:xfrm>
+            <a:off x="7639981" y="4334932"/>
+            <a:ext cx="1924247" cy="1697012"/>
+          </a:xfrm>
+          <a:prstGeom prst="rect">
+            <a:avLst/>
+          </a:prstGeom>
+        </p:spPr>
+      </p:pic>
+      <p:sp>
+        <p:nvSpPr>
+          <p:cNvPr id="15" name="ZoneTexte 14">
+            <a:extLst>
+              <a:ext uri="{FF2B5EF4-FFF2-40B4-BE49-F238E27FC236}">
+                <a16:creationId xmlns:a16="http://schemas.microsoft.com/office/drawing/2014/main" id="{09A30C26-3D77-4673-A4D9-180698A12CCF}"/>
+              </a:ext>
+            </a:extLst>
+          </p:cNvPr>
+          <p:cNvSpPr txBox="1"/>
+          <p:nvPr/>
+        </p:nvSpPr>
+        <p:spPr>
+          <a:xfrm>
+            <a:off x="1299509" y="4460990"/>
+            <a:ext cx="1324402" cy="430887"/>
+          </a:xfrm>
+          <a:prstGeom prst="rect">
+            <a:avLst/>
+          </a:prstGeom>
+          <a:solidFill>
+            <a:srgbClr val="B2B2B2"/>
+          </a:solidFill>
+          <a:ln>
+            <a:solidFill>
+              <a:srgbClr val="6DD4FF"/>
+            </a:solidFill>
+          </a:ln>
+        </p:spPr>
+        <p:txBody>
           <a:bodyPr wrap="none" rtlCol="0">
             <a:spAutoFit/>
           </a:bodyPr>
@@ -7279,34 +7607,186 @@
           <a:p>
             <a:pPr algn="r"/>
             <a:r>
-              <a:rPr lang="en-US" sz="1100" dirty="0">
+              <a:rPr lang="en-US" sz="1100" b="1" dirty="0">
                 <a:solidFill>
-                  <a:srgbClr val="7030A0"/>
+                  <a:srgbClr val="6DD4FF"/>
                 </a:solidFill>
               </a:rPr>
-              <a:t>Features describing</a:t>
+              <a:t>months balance</a:t>
             </a:r>
           </a:p>
           <a:p>
             <a:pPr algn="r"/>
             <a:r>
-              <a:rPr lang="en-US" sz="1100" dirty="0">
+              <a:rPr lang="en-US" sz="1100" b="1" dirty="0">
                 <a:solidFill>
-                  <a:srgbClr val="7030A0"/>
+                  <a:srgbClr val="6DD4FF"/>
                 </a:solidFill>
               </a:rPr>
-              <a:t>- Loan</a:t>
-            </a:r>
-          </a:p>
+              <a:t>(DPD status only)</a:t>
+            </a:r>
+          </a:p>
+        </p:txBody>
+      </p:sp>
+      <p:sp>
+        <p:nvSpPr>
+          <p:cNvPr id="18" name="ZoneTexte 17">
+            <a:extLst>
+              <a:ext uri="{FF2B5EF4-FFF2-40B4-BE49-F238E27FC236}">
+                <a16:creationId xmlns:a16="http://schemas.microsoft.com/office/drawing/2014/main" id="{E472289D-5476-4811-9A0D-E1174C312DB9}"/>
+              </a:ext>
+            </a:extLst>
+          </p:cNvPr>
+          <p:cNvSpPr txBox="1"/>
+          <p:nvPr/>
+        </p:nvSpPr>
+        <p:spPr>
+          <a:xfrm>
+            <a:off x="1299509" y="3837652"/>
+            <a:ext cx="1324402" cy="430887"/>
+          </a:xfrm>
+          <a:prstGeom prst="rect">
+            <a:avLst/>
+          </a:prstGeom>
+          <a:solidFill>
+            <a:srgbClr val="B2B2B2"/>
+          </a:solidFill>
+          <a:ln>
+            <a:solidFill>
+              <a:srgbClr val="6DD4FF"/>
+            </a:solidFill>
+          </a:ln>
+        </p:spPr>
+        <p:txBody>
+          <a:bodyPr wrap="none" rtlCol="0">
+            <a:spAutoFit/>
+          </a:bodyPr>
+          <a:lstStyle/>
           <a:p>
             <a:pPr algn="r"/>
             <a:r>
-              <a:rPr lang="en-US" sz="1100" dirty="0">
+              <a:rPr lang="en-US" sz="1100" b="1" dirty="0">
                 <a:solidFill>
-                  <a:srgbClr val="7030A0"/>
+                  <a:srgbClr val="6DD4FF"/>
                 </a:solidFill>
               </a:rPr>
-              <a:t>- Customer</a:t>
+              <a:t>months balance</a:t>
+            </a:r>
+          </a:p>
+          <a:p>
+            <a:pPr algn="r"/>
+            <a:r>
+              <a:rPr lang="en-US" sz="1100" b="1" dirty="0">
+                <a:solidFill>
+                  <a:srgbClr val="6DD4FF"/>
+                </a:solidFill>
+              </a:rPr>
+              <a:t>(DPD status only)</a:t>
+            </a:r>
+          </a:p>
+        </p:txBody>
+      </p:sp>
+      <p:sp>
+        <p:nvSpPr>
+          <p:cNvPr id="19" name="ZoneTexte 18">
+            <a:extLst>
+              <a:ext uri="{FF2B5EF4-FFF2-40B4-BE49-F238E27FC236}">
+                <a16:creationId xmlns:a16="http://schemas.microsoft.com/office/drawing/2014/main" id="{1B78A6BA-70EE-464E-BC8B-4B8FD37AACA8}"/>
+              </a:ext>
+            </a:extLst>
+          </p:cNvPr>
+          <p:cNvSpPr txBox="1"/>
+          <p:nvPr/>
+        </p:nvSpPr>
+        <p:spPr>
+          <a:xfrm>
+            <a:off x="3879193" y="5739938"/>
+            <a:ext cx="1324402" cy="430887"/>
+          </a:xfrm>
+          <a:prstGeom prst="rect">
+            <a:avLst/>
+          </a:prstGeom>
+          <a:solidFill>
+            <a:srgbClr val="B2B2B2"/>
+          </a:solidFill>
+          <a:ln>
+            <a:solidFill>
+              <a:srgbClr val="6DD4FF"/>
+            </a:solidFill>
+          </a:ln>
+        </p:spPr>
+        <p:txBody>
+          <a:bodyPr wrap="none" rtlCol="0">
+            <a:spAutoFit/>
+          </a:bodyPr>
+          <a:lstStyle/>
+          <a:p>
+            <a:pPr algn="r"/>
+            <a:r>
+              <a:rPr lang="en-US" sz="1100" b="1" dirty="0">
+                <a:solidFill>
+                  <a:srgbClr val="6DD4FF"/>
+                </a:solidFill>
+              </a:rPr>
+              <a:t>months balance</a:t>
+            </a:r>
+          </a:p>
+          <a:p>
+            <a:pPr algn="r"/>
+            <a:r>
+              <a:rPr lang="en-US" sz="1100" b="1" dirty="0">
+                <a:solidFill>
+                  <a:srgbClr val="6DD4FF"/>
+                </a:solidFill>
+              </a:rPr>
+              <a:t>(DPD status only)</a:t>
+            </a:r>
+          </a:p>
+        </p:txBody>
+      </p:sp>
+      <p:sp>
+        <p:nvSpPr>
+          <p:cNvPr id="3" name="ZoneTexte 2">
+            <a:extLst>
+              <a:ext uri="{FF2B5EF4-FFF2-40B4-BE49-F238E27FC236}">
+                <a16:creationId xmlns:a16="http://schemas.microsoft.com/office/drawing/2014/main" id="{0A36ACDD-D923-4FB4-A1F4-0B130CC72E32}"/>
+              </a:ext>
+            </a:extLst>
+          </p:cNvPr>
+          <p:cNvSpPr txBox="1"/>
+          <p:nvPr/>
+        </p:nvSpPr>
+        <p:spPr>
+          <a:xfrm>
+            <a:off x="7066152" y="2495981"/>
+            <a:ext cx="1282723" cy="646331"/>
+          </a:xfrm>
+          <a:prstGeom prst="rect">
+            <a:avLst/>
+          </a:prstGeom>
+          <a:noFill/>
+        </p:spPr>
+        <p:txBody>
+          <a:bodyPr wrap="none" rtlCol="0">
+            <a:spAutoFit/>
+          </a:bodyPr>
+          <a:lstStyle/>
+          <a:p>
+            <a:r>
+              <a:rPr lang="en-US" sz="1200" i="1" dirty="0"/>
+              <a:t>(Failure :</a:t>
+            </a:r>
+          </a:p>
+          <a:p>
+            <a:r>
+              <a:rPr lang="en-US" sz="1200" i="1" dirty="0"/>
+              <a:t>Revolving 5,8%</a:t>
+            </a:r>
+          </a:p>
+          <a:p>
+            <a:r>
+              <a:rPr lang="en-US" sz="1200" i="1" dirty="0"/>
+              <a:t>Cash 9,11%)</a:t>
             </a:r>
           </a:p>
         </p:txBody>
@@ -7346,6 +7826,652 @@
           <p:cNvPr id="2" name="Titre 1">
             <a:extLst>
               <a:ext uri="{FF2B5EF4-FFF2-40B4-BE49-F238E27FC236}">
+                <a16:creationId xmlns:a16="http://schemas.microsoft.com/office/drawing/2014/main" id="{C668EA99-1FDF-42AF-8E30-8C8C2D7EC203}"/>
+              </a:ext>
+            </a:extLst>
+          </p:cNvPr>
+          <p:cNvSpPr>
+            <a:spLocks noGrp="1"/>
+          </p:cNvSpPr>
+          <p:nvPr>
+            <p:ph type="title"/>
+          </p:nvPr>
+        </p:nvSpPr>
+        <p:spPr/>
+        <p:txBody>
+          <a:bodyPr/>
+          <a:lstStyle/>
+          <a:p>
+            <a:r>
+              <a:rPr lang="en-US" dirty="0"/>
+              <a:t>Features Engineering &amp; Aggregation</a:t>
+            </a:r>
+          </a:p>
+        </p:txBody>
+      </p:sp>
+      <p:sp>
+        <p:nvSpPr>
+          <p:cNvPr id="6" name="ZoneTexte 5">
+            <a:extLst>
+              <a:ext uri="{FF2B5EF4-FFF2-40B4-BE49-F238E27FC236}">
+                <a16:creationId xmlns:a16="http://schemas.microsoft.com/office/drawing/2014/main" id="{01550D0F-25B6-420A-A69C-1446992B30F2}"/>
+              </a:ext>
+            </a:extLst>
+          </p:cNvPr>
+          <p:cNvSpPr txBox="1"/>
+          <p:nvPr/>
+        </p:nvSpPr>
+        <p:spPr>
+          <a:xfrm>
+            <a:off x="488272" y="1775534"/>
+            <a:ext cx="1601721" cy="646331"/>
+          </a:xfrm>
+          <a:prstGeom prst="rect">
+            <a:avLst/>
+          </a:prstGeom>
+          <a:noFill/>
+        </p:spPr>
+        <p:txBody>
+          <a:bodyPr wrap="none" rtlCol="0">
+            <a:spAutoFit/>
+          </a:bodyPr>
+          <a:lstStyle/>
+          <a:p>
+            <a:r>
+              <a:rPr lang="en-US" dirty="0"/>
+              <a:t>Installments :</a:t>
+            </a:r>
+          </a:p>
+          <a:p>
+            <a:r>
+              <a:rPr lang="en-US" dirty="0"/>
+              <a:t> </a:t>
+            </a:r>
+          </a:p>
+        </p:txBody>
+      </p:sp>
+    </p:spTree>
+    <p:extLst>
+      <p:ext uri="{BB962C8B-B14F-4D97-AF65-F5344CB8AC3E}">
+        <p14:creationId xmlns:p14="http://schemas.microsoft.com/office/powerpoint/2010/main" val="3193508236"/>
+      </p:ext>
+    </p:extLst>
+  </p:cSld>
+  <p:clrMapOvr>
+    <a:masterClrMapping/>
+  </p:clrMapOvr>
+</p:sld>
+</file>
+
+<file path=ppt/slides/slide4.xml><?xml version="1.0" encoding="utf-8"?>
+<p:sld xmlns:a="http://schemas.openxmlformats.org/drawingml/2006/main" xmlns:r="http://schemas.openxmlformats.org/officeDocument/2006/relationships" xmlns:p="http://schemas.openxmlformats.org/presentationml/2006/main">
+  <p:cSld>
+    <p:spTree>
+      <p:nvGrpSpPr>
+        <p:cNvPr id="1" name=""/>
+        <p:cNvGrpSpPr/>
+        <p:nvPr/>
+      </p:nvGrpSpPr>
+      <p:grpSpPr>
+        <a:xfrm>
+          <a:off x="0" y="0"/>
+          <a:ext cx="0" cy="0"/>
+          <a:chOff x="0" y="0"/>
+          <a:chExt cx="0" cy="0"/>
+        </a:xfrm>
+      </p:grpSpPr>
+      <p:sp>
+        <p:nvSpPr>
+          <p:cNvPr id="2" name="Titre 1">
+            <a:extLst>
+              <a:ext uri="{FF2B5EF4-FFF2-40B4-BE49-F238E27FC236}">
+                <a16:creationId xmlns:a16="http://schemas.microsoft.com/office/drawing/2014/main" id="{F54E0405-53DF-4F99-B6A5-5436AADB1DDD}"/>
+              </a:ext>
+            </a:extLst>
+          </p:cNvPr>
+          <p:cNvSpPr>
+            <a:spLocks noGrp="1"/>
+          </p:cNvSpPr>
+          <p:nvPr>
+            <p:ph type="title"/>
+          </p:nvPr>
+        </p:nvSpPr>
+        <p:spPr/>
+        <p:txBody>
+          <a:bodyPr/>
+          <a:lstStyle/>
+          <a:p>
+            <a:r>
+              <a:rPr lang="en-US" dirty="0" err="1"/>
+              <a:t>Class_weight</a:t>
+            </a:r>
+            <a:r>
+              <a:rPr lang="en-US" dirty="0"/>
+              <a:t>=‘balanced’ versus Smote</a:t>
+            </a:r>
+          </a:p>
+        </p:txBody>
+      </p:sp>
+      <p:pic>
+        <p:nvPicPr>
+          <p:cNvPr id="4" name="Image 3">
+            <a:extLst>
+              <a:ext uri="{FF2B5EF4-FFF2-40B4-BE49-F238E27FC236}">
+                <a16:creationId xmlns:a16="http://schemas.microsoft.com/office/drawing/2014/main" id="{F2B4ADAF-9E17-4469-8724-980EE19A027C}"/>
+              </a:ext>
+            </a:extLst>
+          </p:cNvPr>
+          <p:cNvPicPr>
+            <a:picLocks noChangeAspect="1"/>
+          </p:cNvPicPr>
+          <p:nvPr/>
+        </p:nvPicPr>
+        <p:blipFill>
+          <a:blip r:embed="rId2"/>
+          <a:stretch>
+            <a:fillRect/>
+          </a:stretch>
+        </p:blipFill>
+        <p:spPr>
+          <a:xfrm>
+            <a:off x="5069504" y="1307535"/>
+            <a:ext cx="1963299" cy="2588612"/>
+          </a:xfrm>
+          <a:prstGeom prst="rect">
+            <a:avLst/>
+          </a:prstGeom>
+        </p:spPr>
+      </p:pic>
+      <p:pic>
+        <p:nvPicPr>
+          <p:cNvPr id="5" name="Image 4">
+            <a:extLst>
+              <a:ext uri="{FF2B5EF4-FFF2-40B4-BE49-F238E27FC236}">
+                <a16:creationId xmlns:a16="http://schemas.microsoft.com/office/drawing/2014/main" id="{1B377E27-5EF9-4905-B1EB-1B001D308A07}"/>
+              </a:ext>
+            </a:extLst>
+          </p:cNvPr>
+          <p:cNvPicPr>
+            <a:picLocks noChangeAspect="1"/>
+          </p:cNvPicPr>
+          <p:nvPr/>
+        </p:nvPicPr>
+        <p:blipFill>
+          <a:blip r:embed="rId3"/>
+          <a:stretch>
+            <a:fillRect/>
+          </a:stretch>
+        </p:blipFill>
+        <p:spPr>
+          <a:xfrm>
+            <a:off x="7202304" y="1307535"/>
+            <a:ext cx="1996536" cy="2588612"/>
+          </a:xfrm>
+          <a:prstGeom prst="rect">
+            <a:avLst/>
+          </a:prstGeom>
+        </p:spPr>
+      </p:pic>
+      <p:pic>
+        <p:nvPicPr>
+          <p:cNvPr id="6" name="Image 5">
+            <a:extLst>
+              <a:ext uri="{FF2B5EF4-FFF2-40B4-BE49-F238E27FC236}">
+                <a16:creationId xmlns:a16="http://schemas.microsoft.com/office/drawing/2014/main" id="{327678D7-69E7-4AC7-BF66-C251122A11A2}"/>
+              </a:ext>
+            </a:extLst>
+          </p:cNvPr>
+          <p:cNvPicPr>
+            <a:picLocks noChangeAspect="1"/>
+          </p:cNvPicPr>
+          <p:nvPr/>
+        </p:nvPicPr>
+        <p:blipFill>
+          <a:blip r:embed="rId4"/>
+          <a:stretch>
+            <a:fillRect/>
+          </a:stretch>
+        </p:blipFill>
+        <p:spPr>
+          <a:xfrm>
+            <a:off x="9336219" y="1307535"/>
+            <a:ext cx="1876278" cy="2588612"/>
+          </a:xfrm>
+          <a:prstGeom prst="rect">
+            <a:avLst/>
+          </a:prstGeom>
+        </p:spPr>
+      </p:pic>
+      <p:sp>
+        <p:nvSpPr>
+          <p:cNvPr id="7" name="ZoneTexte 6">
+            <a:extLst>
+              <a:ext uri="{FF2B5EF4-FFF2-40B4-BE49-F238E27FC236}">
+                <a16:creationId xmlns:a16="http://schemas.microsoft.com/office/drawing/2014/main" id="{96FBF0A5-EB31-4C02-B7B9-CAFBC810A46E}"/>
+              </a:ext>
+            </a:extLst>
+          </p:cNvPr>
+          <p:cNvSpPr txBox="1"/>
+          <p:nvPr/>
+        </p:nvSpPr>
+        <p:spPr>
+          <a:xfrm>
+            <a:off x="333804" y="1775882"/>
+            <a:ext cx="4857759" cy="923330"/>
+          </a:xfrm>
+          <a:prstGeom prst="rect">
+            <a:avLst/>
+          </a:prstGeom>
+          <a:noFill/>
+        </p:spPr>
+        <p:txBody>
+          <a:bodyPr wrap="square" rtlCol="0">
+            <a:spAutoFit/>
+          </a:bodyPr>
+          <a:lstStyle/>
+          <a:p>
+            <a:r>
+              <a:rPr lang="en-US" dirty="0"/>
+              <a:t>Logistic regression:</a:t>
+            </a:r>
+          </a:p>
+          <a:p>
+            <a:r>
+              <a:rPr lang="en-US" dirty="0"/>
+              <a:t>Using balanced </a:t>
+            </a:r>
+            <a:r>
+              <a:rPr lang="en-US" dirty="0" err="1"/>
+              <a:t>class_weight</a:t>
+            </a:r>
+            <a:r>
+              <a:rPr lang="en-US" dirty="0"/>
+              <a:t> or smote helps improve AUC by a few %</a:t>
+            </a:r>
+          </a:p>
+        </p:txBody>
+      </p:sp>
+      <p:pic>
+        <p:nvPicPr>
+          <p:cNvPr id="8" name="Image 7">
+            <a:extLst>
+              <a:ext uri="{FF2B5EF4-FFF2-40B4-BE49-F238E27FC236}">
+                <a16:creationId xmlns:a16="http://schemas.microsoft.com/office/drawing/2014/main" id="{A352238E-16BF-4267-AB6C-F5B1A4087BC4}"/>
+              </a:ext>
+            </a:extLst>
+          </p:cNvPr>
+          <p:cNvPicPr>
+            <a:picLocks noChangeAspect="1"/>
+          </p:cNvPicPr>
+          <p:nvPr/>
+        </p:nvPicPr>
+        <p:blipFill rotWithShape="1">
+          <a:blip r:embed="rId5"/>
+          <a:srcRect b="55706"/>
+          <a:stretch/>
+        </p:blipFill>
+        <p:spPr>
+          <a:xfrm>
+            <a:off x="5057135" y="4002754"/>
+            <a:ext cx="1935935" cy="1332702"/>
+          </a:xfrm>
+          <a:prstGeom prst="rect">
+            <a:avLst/>
+          </a:prstGeom>
+        </p:spPr>
+      </p:pic>
+      <p:pic>
+        <p:nvPicPr>
+          <p:cNvPr id="9" name="Image 8">
+            <a:extLst>
+              <a:ext uri="{FF2B5EF4-FFF2-40B4-BE49-F238E27FC236}">
+                <a16:creationId xmlns:a16="http://schemas.microsoft.com/office/drawing/2014/main" id="{F12FF391-A6D7-4D35-B402-47C2C4776820}"/>
+              </a:ext>
+            </a:extLst>
+          </p:cNvPr>
+          <p:cNvPicPr>
+            <a:picLocks noChangeAspect="1"/>
+          </p:cNvPicPr>
+          <p:nvPr/>
+        </p:nvPicPr>
+        <p:blipFill rotWithShape="1">
+          <a:blip r:embed="rId5"/>
+          <a:srcRect t="54419"/>
+          <a:stretch/>
+        </p:blipFill>
+        <p:spPr>
+          <a:xfrm>
+            <a:off x="5286972" y="5442064"/>
+            <a:ext cx="1549553" cy="1097692"/>
+          </a:xfrm>
+          <a:prstGeom prst="rect">
+            <a:avLst/>
+          </a:prstGeom>
+        </p:spPr>
+      </p:pic>
+      <p:pic>
+        <p:nvPicPr>
+          <p:cNvPr id="11" name="Image 10">
+            <a:extLst>
+              <a:ext uri="{FF2B5EF4-FFF2-40B4-BE49-F238E27FC236}">
+                <a16:creationId xmlns:a16="http://schemas.microsoft.com/office/drawing/2014/main" id="{39D7356C-93D1-4BE9-B218-459360191814}"/>
+              </a:ext>
+            </a:extLst>
+          </p:cNvPr>
+          <p:cNvPicPr>
+            <a:picLocks noChangeAspect="1"/>
+          </p:cNvPicPr>
+          <p:nvPr/>
+        </p:nvPicPr>
+        <p:blipFill rotWithShape="1">
+          <a:blip r:embed="rId6"/>
+          <a:srcRect b="55642"/>
+          <a:stretch/>
+        </p:blipFill>
+        <p:spPr>
+          <a:xfrm>
+            <a:off x="9336219" y="4002754"/>
+            <a:ext cx="1944338" cy="1332703"/>
+          </a:xfrm>
+          <a:prstGeom prst="rect">
+            <a:avLst/>
+          </a:prstGeom>
+        </p:spPr>
+      </p:pic>
+      <p:pic>
+        <p:nvPicPr>
+          <p:cNvPr id="12" name="Image 11">
+            <a:extLst>
+              <a:ext uri="{FF2B5EF4-FFF2-40B4-BE49-F238E27FC236}">
+                <a16:creationId xmlns:a16="http://schemas.microsoft.com/office/drawing/2014/main" id="{4B61676E-D4FA-4E8D-9F14-28BE64394228}"/>
+              </a:ext>
+            </a:extLst>
+          </p:cNvPr>
+          <p:cNvPicPr>
+            <a:picLocks noChangeAspect="1"/>
+          </p:cNvPicPr>
+          <p:nvPr/>
+        </p:nvPicPr>
+        <p:blipFill rotWithShape="1">
+          <a:blip r:embed="rId6"/>
+          <a:srcRect t="55642"/>
+          <a:stretch/>
+        </p:blipFill>
+        <p:spPr>
+          <a:xfrm>
+            <a:off x="9612759" y="5442064"/>
+            <a:ext cx="1671667" cy="1145806"/>
+          </a:xfrm>
+          <a:prstGeom prst="rect">
+            <a:avLst/>
+          </a:prstGeom>
+        </p:spPr>
+      </p:pic>
+      <p:pic>
+        <p:nvPicPr>
+          <p:cNvPr id="13" name="Image 12">
+            <a:extLst>
+              <a:ext uri="{FF2B5EF4-FFF2-40B4-BE49-F238E27FC236}">
+                <a16:creationId xmlns:a16="http://schemas.microsoft.com/office/drawing/2014/main" id="{E34E260C-8123-49AB-AC7B-E2B3D68E3208}"/>
+              </a:ext>
+            </a:extLst>
+          </p:cNvPr>
+          <p:cNvPicPr>
+            <a:picLocks noChangeAspect="1"/>
+          </p:cNvPicPr>
+          <p:nvPr/>
+        </p:nvPicPr>
+        <p:blipFill rotWithShape="1">
+          <a:blip r:embed="rId7"/>
+          <a:srcRect b="55412"/>
+          <a:stretch/>
+        </p:blipFill>
+        <p:spPr>
+          <a:xfrm>
+            <a:off x="7085431" y="4007447"/>
+            <a:ext cx="2166037" cy="1323315"/>
+          </a:xfrm>
+          <a:prstGeom prst="rect">
+            <a:avLst/>
+          </a:prstGeom>
+        </p:spPr>
+      </p:pic>
+      <p:pic>
+        <p:nvPicPr>
+          <p:cNvPr id="14" name="Image 13">
+            <a:extLst>
+              <a:ext uri="{FF2B5EF4-FFF2-40B4-BE49-F238E27FC236}">
+                <a16:creationId xmlns:a16="http://schemas.microsoft.com/office/drawing/2014/main" id="{EF1A6518-B204-46D0-B0C6-CBFBE4C52472}"/>
+              </a:ext>
+            </a:extLst>
+          </p:cNvPr>
+          <p:cNvPicPr>
+            <a:picLocks noChangeAspect="1"/>
+          </p:cNvPicPr>
+          <p:nvPr/>
+        </p:nvPicPr>
+        <p:blipFill rotWithShape="1">
+          <a:blip r:embed="rId7"/>
+          <a:srcRect t="54948"/>
+          <a:stretch/>
+        </p:blipFill>
+        <p:spPr>
+          <a:xfrm>
+            <a:off x="7396403" y="5442064"/>
+            <a:ext cx="1728046" cy="1066716"/>
+          </a:xfrm>
+          <a:prstGeom prst="rect">
+            <a:avLst/>
+          </a:prstGeom>
+        </p:spPr>
+      </p:pic>
+      <p:sp>
+        <p:nvSpPr>
+          <p:cNvPr id="15" name="ZoneTexte 14">
+            <a:extLst>
+              <a:ext uri="{FF2B5EF4-FFF2-40B4-BE49-F238E27FC236}">
+                <a16:creationId xmlns:a16="http://schemas.microsoft.com/office/drawing/2014/main" id="{B5C8BAA7-8702-4EE1-91CC-A77102411B96}"/>
+              </a:ext>
+            </a:extLst>
+          </p:cNvPr>
+          <p:cNvSpPr txBox="1"/>
+          <p:nvPr/>
+        </p:nvSpPr>
+        <p:spPr>
+          <a:xfrm>
+            <a:off x="333805" y="4247595"/>
+            <a:ext cx="4857759" cy="1477328"/>
+          </a:xfrm>
+          <a:prstGeom prst="rect">
+            <a:avLst/>
+          </a:prstGeom>
+          <a:noFill/>
+        </p:spPr>
+        <p:txBody>
+          <a:bodyPr wrap="square" rtlCol="0">
+            <a:spAutoFit/>
+          </a:bodyPr>
+          <a:lstStyle/>
+          <a:p>
+            <a:r>
+              <a:rPr lang="en-US" dirty="0"/>
+              <a:t>Random forest:</a:t>
+            </a:r>
+          </a:p>
+          <a:p>
+            <a:r>
+              <a:rPr lang="en-US" dirty="0"/>
+              <a:t>Using balanced </a:t>
+            </a:r>
+            <a:r>
+              <a:rPr lang="en-US" dirty="0" err="1"/>
+              <a:t>class_weight</a:t>
+            </a:r>
+            <a:r>
+              <a:rPr lang="en-US" dirty="0"/>
+              <a:t> helps improve AUC by a few %</a:t>
+            </a:r>
+          </a:p>
+          <a:p>
+            <a:r>
+              <a:rPr lang="en-US" dirty="0"/>
+              <a:t>While smote decrease AUC by approx. the same %</a:t>
+            </a:r>
+          </a:p>
+        </p:txBody>
+      </p:sp>
+      <p:sp>
+        <p:nvSpPr>
+          <p:cNvPr id="17" name="ZoneTexte 16">
+            <a:extLst>
+              <a:ext uri="{FF2B5EF4-FFF2-40B4-BE49-F238E27FC236}">
+                <a16:creationId xmlns:a16="http://schemas.microsoft.com/office/drawing/2014/main" id="{5C03AAD4-299A-4964-B701-77BF7EC100AC}"/>
+              </a:ext>
+            </a:extLst>
+          </p:cNvPr>
+          <p:cNvSpPr txBox="1"/>
+          <p:nvPr/>
+        </p:nvSpPr>
+        <p:spPr>
+          <a:xfrm>
+            <a:off x="10002551" y="5830301"/>
+            <a:ext cx="1207382" cy="369332"/>
+          </a:xfrm>
+          <a:prstGeom prst="rect">
+            <a:avLst/>
+          </a:prstGeom>
+          <a:noFill/>
+        </p:spPr>
+        <p:txBody>
+          <a:bodyPr wrap="none" rtlCol="0">
+            <a:spAutoFit/>
+          </a:bodyPr>
+          <a:lstStyle/>
+          <a:p>
+            <a:r>
+              <a:rPr lang="en-US" dirty="0">
+                <a:solidFill>
+                  <a:srgbClr val="FF0000"/>
+                </a:solidFill>
+              </a:rPr>
+              <a:t>AUC 0,70</a:t>
+            </a:r>
+          </a:p>
+        </p:txBody>
+      </p:sp>
+      <p:sp>
+        <p:nvSpPr>
+          <p:cNvPr id="18" name="ZoneTexte 17">
+            <a:extLst>
+              <a:ext uri="{FF2B5EF4-FFF2-40B4-BE49-F238E27FC236}">
+                <a16:creationId xmlns:a16="http://schemas.microsoft.com/office/drawing/2014/main" id="{DE46235D-41B3-4EB6-9134-213120AB0405}"/>
+              </a:ext>
+            </a:extLst>
+          </p:cNvPr>
+          <p:cNvSpPr txBox="1"/>
+          <p:nvPr/>
+        </p:nvSpPr>
+        <p:spPr>
+          <a:xfrm>
+            <a:off x="7775492" y="5742720"/>
+            <a:ext cx="1207382" cy="369332"/>
+          </a:xfrm>
+          <a:prstGeom prst="rect">
+            <a:avLst/>
+          </a:prstGeom>
+          <a:noFill/>
+        </p:spPr>
+        <p:txBody>
+          <a:bodyPr wrap="none" rtlCol="0">
+            <a:spAutoFit/>
+          </a:bodyPr>
+          <a:lstStyle/>
+          <a:p>
+            <a:r>
+              <a:rPr lang="en-US" dirty="0">
+                <a:solidFill>
+                  <a:srgbClr val="FF0000"/>
+                </a:solidFill>
+              </a:rPr>
+              <a:t>AUC 0,72</a:t>
+            </a:r>
+          </a:p>
+        </p:txBody>
+      </p:sp>
+      <p:sp>
+        <p:nvSpPr>
+          <p:cNvPr id="19" name="ZoneTexte 18">
+            <a:extLst>
+              <a:ext uri="{FF2B5EF4-FFF2-40B4-BE49-F238E27FC236}">
+                <a16:creationId xmlns:a16="http://schemas.microsoft.com/office/drawing/2014/main" id="{5BCDEC4C-AC23-41E1-98EF-BEA57223D71B}"/>
+              </a:ext>
+            </a:extLst>
+          </p:cNvPr>
+          <p:cNvSpPr txBox="1"/>
+          <p:nvPr/>
+        </p:nvSpPr>
+        <p:spPr>
+          <a:xfrm>
+            <a:off x="5521448" y="5748817"/>
+            <a:ext cx="1207382" cy="369332"/>
+          </a:xfrm>
+          <a:prstGeom prst="rect">
+            <a:avLst/>
+          </a:prstGeom>
+          <a:noFill/>
+        </p:spPr>
+        <p:txBody>
+          <a:bodyPr wrap="none" rtlCol="0">
+            <a:spAutoFit/>
+          </a:bodyPr>
+          <a:lstStyle/>
+          <a:p>
+            <a:r>
+              <a:rPr lang="en-US" dirty="0">
+                <a:solidFill>
+                  <a:srgbClr val="FF0000"/>
+                </a:solidFill>
+              </a:rPr>
+              <a:t>AUC 0,71</a:t>
+            </a:r>
+          </a:p>
+        </p:txBody>
+      </p:sp>
+    </p:spTree>
+    <p:extLst>
+      <p:ext uri="{BB962C8B-B14F-4D97-AF65-F5344CB8AC3E}">
+        <p14:creationId xmlns:p14="http://schemas.microsoft.com/office/powerpoint/2010/main" val="3031887639"/>
+      </p:ext>
+    </p:extLst>
+  </p:cSld>
+  <p:clrMapOvr>
+    <a:masterClrMapping/>
+  </p:clrMapOvr>
+</p:sld>
+</file>
+
+<file path=ppt/slides/slide5.xml><?xml version="1.0" encoding="utf-8"?>
+<p:sld xmlns:a="http://schemas.openxmlformats.org/drawingml/2006/main" xmlns:r="http://schemas.openxmlformats.org/officeDocument/2006/relationships" xmlns:p="http://schemas.openxmlformats.org/presentationml/2006/main">
+  <p:cSld>
+    <p:spTree>
+      <p:nvGrpSpPr>
+        <p:cNvPr id="1" name=""/>
+        <p:cNvGrpSpPr/>
+        <p:nvPr/>
+      </p:nvGrpSpPr>
+      <p:grpSpPr>
+        <a:xfrm>
+          <a:off x="0" y="0"/>
+          <a:ext cx="0" cy="0"/>
+          <a:chOff x="0" y="0"/>
+          <a:chExt cx="0" cy="0"/>
+        </a:xfrm>
+      </p:grpSpPr>
+      <p:sp>
+        <p:nvSpPr>
+          <p:cNvPr id="2" name="Titre 1">
+            <a:extLst>
+              <a:ext uri="{FF2B5EF4-FFF2-40B4-BE49-F238E27FC236}">
                 <a16:creationId xmlns:a16="http://schemas.microsoft.com/office/drawing/2014/main" id="{EDE99686-4899-4802-B76D-9BEC6B6000A2}"/>
               </a:ext>
             </a:extLst>
@@ -7534,7 +8660,7 @@
 </p:sld>
 </file>
 
-<file path=ppt/slides/slide4.xml><?xml version="1.0" encoding="utf-8"?>
+<file path=ppt/slides/slide6.xml><?xml version="1.0" encoding="utf-8"?>
 <p:sld xmlns:a="http://schemas.openxmlformats.org/drawingml/2006/main" xmlns:r="http://schemas.openxmlformats.org/officeDocument/2006/relationships" xmlns:p="http://schemas.openxmlformats.org/presentationml/2006/main">
   <p:cSld>
     <p:spTree>
@@ -8054,7 +9180,7 @@
 </p:sld>
 </file>
 
-<file path=ppt/slides/slide5.xml><?xml version="1.0" encoding="utf-8"?>
+<file path=ppt/slides/slide7.xml><?xml version="1.0" encoding="utf-8"?>
 <p:sld xmlns:a="http://schemas.openxmlformats.org/drawingml/2006/main" xmlns:r="http://schemas.openxmlformats.org/officeDocument/2006/relationships" xmlns:p="http://schemas.openxmlformats.org/presentationml/2006/main">
   <p:cSld>
     <p:spTree>
@@ -8701,7 +9827,7 @@
 </p:sld>
 </file>
 
-<file path=ppt/slides/slide6.xml><?xml version="1.0" encoding="utf-8"?>
+<file path=ppt/slides/slide8.xml><?xml version="1.0" encoding="utf-8"?>
 <p:sld xmlns:a="http://schemas.openxmlformats.org/drawingml/2006/main" xmlns:r="http://schemas.openxmlformats.org/officeDocument/2006/relationships" xmlns:p="http://schemas.openxmlformats.org/presentationml/2006/main">
   <p:cSld>
     <p:spTree>
@@ -9234,356 +10360,6 @@
 </p:sld>
 </file>
 
-<file path=ppt/slides/slide7.xml><?xml version="1.0" encoding="utf-8"?>
-<p:sld xmlns:a="http://schemas.openxmlformats.org/drawingml/2006/main" xmlns:r="http://schemas.openxmlformats.org/officeDocument/2006/relationships" xmlns:p="http://schemas.openxmlformats.org/presentationml/2006/main">
-  <p:cSld>
-    <p:spTree>
-      <p:nvGrpSpPr>
-        <p:cNvPr id="1" name=""/>
-        <p:cNvGrpSpPr/>
-        <p:nvPr/>
-      </p:nvGrpSpPr>
-      <p:grpSpPr>
-        <a:xfrm>
-          <a:off x="0" y="0"/>
-          <a:ext cx="0" cy="0"/>
-          <a:chOff x="0" y="0"/>
-          <a:chExt cx="0" cy="0"/>
-        </a:xfrm>
-      </p:grpSpPr>
-      <p:sp>
-        <p:nvSpPr>
-          <p:cNvPr id="2" name="Titre 1">
-            <a:extLst>
-              <a:ext uri="{FF2B5EF4-FFF2-40B4-BE49-F238E27FC236}">
-                <a16:creationId xmlns:a16="http://schemas.microsoft.com/office/drawing/2014/main" id="{2C265249-C86C-4EAD-85EA-A41377319A7B}"/>
-              </a:ext>
-            </a:extLst>
-          </p:cNvPr>
-          <p:cNvSpPr>
-            <a:spLocks noGrp="1"/>
-          </p:cNvSpPr>
-          <p:nvPr>
-            <p:ph type="title"/>
-          </p:nvPr>
-        </p:nvSpPr>
-        <p:spPr/>
-        <p:txBody>
-          <a:bodyPr/>
-          <a:lstStyle/>
-          <a:p>
-            <a:r>
-              <a:rPr lang="en-US" dirty="0"/>
-              <a:t>LATE_PAYMENT</a:t>
-            </a:r>
-          </a:p>
-        </p:txBody>
-      </p:sp>
-      <p:sp>
-        <p:nvSpPr>
-          <p:cNvPr id="3" name="Espace réservé du contenu 2">
-            <a:extLst>
-              <a:ext uri="{FF2B5EF4-FFF2-40B4-BE49-F238E27FC236}">
-                <a16:creationId xmlns:a16="http://schemas.microsoft.com/office/drawing/2014/main" id="{C1A7C45D-8544-4EA6-A3C1-1DD622D2D3F4}"/>
-              </a:ext>
-            </a:extLst>
-          </p:cNvPr>
-          <p:cNvSpPr>
-            <a:spLocks noGrp="1"/>
-          </p:cNvSpPr>
-          <p:nvPr>
-            <p:ph idx="1"/>
-          </p:nvPr>
-        </p:nvSpPr>
-        <p:spPr/>
-        <p:txBody>
-          <a:bodyPr/>
-          <a:lstStyle/>
-          <a:p>
-            <a:r>
-              <a:rPr lang="en-US" dirty="0"/>
-              <a:t>LATE_PAYMENT feature: I think most of you used installment['DAYS_INSTALMENT']-installment['DAYS_ENTRY_PAYMENT'] as a new feature since it shows number of delays. It was a already good feature but I realized that, when you take last 365 days of installment data and aggregate this delay as a new feature, it added much more value to model. Here is a simple code:</a:t>
-            </a:r>
-          </a:p>
-          <a:p>
-            <a:endParaRPr lang="en-US" dirty="0"/>
-          </a:p>
-          <a:p>
-            <a:r>
-              <a:rPr lang="en-US" dirty="0" err="1"/>
-              <a:t>installment_temp</a:t>
-            </a:r>
-            <a:r>
-              <a:rPr lang="en-US" dirty="0"/>
-              <a:t> = installment[</a:t>
-            </a:r>
-            <a:r>
-              <a:rPr lang="en-US" dirty="0" err="1"/>
-              <a:t>installment.DAYS_ENTRY_PAYMENT</a:t>
-            </a:r>
-            <a:r>
-              <a:rPr lang="en-US" dirty="0"/>
-              <a:t> &gt;= -365]</a:t>
-            </a:r>
-          </a:p>
-          <a:p>
-            <a:r>
-              <a:rPr lang="en-US" dirty="0" err="1"/>
-              <a:t>installment_temp</a:t>
-            </a:r>
-            <a:r>
-              <a:rPr lang="en-US" dirty="0"/>
-              <a:t>['LATE_PAYMENT'] = </a:t>
-            </a:r>
-            <a:r>
-              <a:rPr lang="en-US" dirty="0" err="1"/>
-              <a:t>installment_temp</a:t>
-            </a:r>
-            <a:r>
-              <a:rPr lang="en-US" dirty="0"/>
-              <a:t>['DAYS_INSTALMENT']-</a:t>
-            </a:r>
-            <a:r>
-              <a:rPr lang="en-US" dirty="0" err="1"/>
-              <a:t>installment_temp</a:t>
-            </a:r>
-            <a:r>
-              <a:rPr lang="en-US" dirty="0"/>
-              <a:t>['DAYS_ENTRY_PAYMENT']</a:t>
-            </a:r>
-          </a:p>
-          <a:p>
-            <a:r>
-              <a:rPr lang="en-US" dirty="0" err="1"/>
-              <a:t>late_payment_feature</a:t>
-            </a:r>
-            <a:r>
-              <a:rPr lang="en-US" dirty="0"/>
-              <a:t> = </a:t>
-            </a:r>
-            <a:r>
-              <a:rPr lang="en-US" dirty="0" err="1"/>
-              <a:t>installment_temp.groupby</a:t>
-            </a:r>
-            <a:r>
-              <a:rPr lang="en-US" dirty="0"/>
-              <a:t>('SK_ID_CURR')[['LATE_PAYMENT']].min().</a:t>
-            </a:r>
-            <a:r>
-              <a:rPr lang="en-US" dirty="0" err="1"/>
-              <a:t>reset_index</a:t>
-            </a:r>
-            <a:r>
-              <a:rPr lang="en-US" dirty="0"/>
-              <a:t>()</a:t>
-            </a:r>
-          </a:p>
-        </p:txBody>
-      </p:sp>
-    </p:spTree>
-    <p:extLst>
-      <p:ext uri="{BB962C8B-B14F-4D97-AF65-F5344CB8AC3E}">
-        <p14:creationId xmlns:p14="http://schemas.microsoft.com/office/powerpoint/2010/main" val="3694431998"/>
-      </p:ext>
-    </p:extLst>
-  </p:cSld>
-  <p:clrMapOvr>
-    <a:masterClrMapping/>
-  </p:clrMapOvr>
-</p:sld>
-</file>
-
-<file path=ppt/slides/slide8.xml><?xml version="1.0" encoding="utf-8"?>
-<p:sld xmlns:a="http://schemas.openxmlformats.org/drawingml/2006/main" xmlns:r="http://schemas.openxmlformats.org/officeDocument/2006/relationships" xmlns:p="http://schemas.openxmlformats.org/presentationml/2006/main">
-  <p:cSld>
-    <p:spTree>
-      <p:nvGrpSpPr>
-        <p:cNvPr id="1" name=""/>
-        <p:cNvGrpSpPr/>
-        <p:nvPr/>
-      </p:nvGrpSpPr>
-      <p:grpSpPr>
-        <a:xfrm>
-          <a:off x="0" y="0"/>
-          <a:ext cx="0" cy="0"/>
-          <a:chOff x="0" y="0"/>
-          <a:chExt cx="0" cy="0"/>
-        </a:xfrm>
-      </p:grpSpPr>
-      <p:sp>
-        <p:nvSpPr>
-          <p:cNvPr id="2" name="Titre 1">
-            <a:extLst>
-              <a:ext uri="{FF2B5EF4-FFF2-40B4-BE49-F238E27FC236}">
-                <a16:creationId xmlns:a16="http://schemas.microsoft.com/office/drawing/2014/main" id="{CCFC69F8-4278-4495-ABC7-72C3EE961DB3}"/>
-              </a:ext>
-            </a:extLst>
-          </p:cNvPr>
-          <p:cNvSpPr>
-            <a:spLocks noGrp="1"/>
-          </p:cNvSpPr>
-          <p:nvPr>
-            <p:ph type="title"/>
-          </p:nvPr>
-        </p:nvSpPr>
-        <p:spPr/>
-        <p:txBody>
-          <a:bodyPr/>
-          <a:lstStyle/>
-          <a:p>
-            <a:r>
-              <a:rPr lang="en-US" dirty="0"/>
-              <a:t>CREDIT_UTILIZATION </a:t>
-            </a:r>
-          </a:p>
-        </p:txBody>
-      </p:sp>
-      <p:sp>
-        <p:nvSpPr>
-          <p:cNvPr id="3" name="Espace réservé du contenu 2">
-            <a:extLst>
-              <a:ext uri="{FF2B5EF4-FFF2-40B4-BE49-F238E27FC236}">
-                <a16:creationId xmlns:a16="http://schemas.microsoft.com/office/drawing/2014/main" id="{C8B308CF-455B-4948-8572-A4AA26958922}"/>
-              </a:ext>
-            </a:extLst>
-          </p:cNvPr>
-          <p:cNvSpPr>
-            <a:spLocks noGrp="1"/>
-          </p:cNvSpPr>
-          <p:nvPr>
-            <p:ph idx="1"/>
-          </p:nvPr>
-        </p:nvSpPr>
-        <p:spPr/>
-        <p:txBody>
-          <a:bodyPr>
-            <a:normAutofit fontScale="92500" lnSpcReduction="20000"/>
-          </a:bodyPr>
-          <a:lstStyle/>
-          <a:p>
-            <a:r>
-              <a:rPr lang="en-US" dirty="0"/>
-              <a:t>CREDIT_UTILIZATION feature: In blogs and papers I've read, most of them was saying credit utilization is a strong indicator for a risky customer and you can calculate it simply by dividing Credit card balance by credit card limit. It was making sense but </a:t>
-            </a:r>
-            <a:r>
-              <a:rPr lang="en-US" dirty="0" err="1"/>
-              <a:t>didnt</a:t>
-            </a:r>
-            <a:r>
-              <a:rPr lang="en-US" dirty="0"/>
-              <a:t> work when I calculated on full credit card dataset. Again I tried checking results on more recent credit card data. Finally I've found that last 2 months' data was more valuable for my model. You can see the simple code and check yourself with different months:</a:t>
-            </a:r>
-          </a:p>
-          <a:p>
-            <a:endParaRPr lang="en-US" dirty="0"/>
-          </a:p>
-          <a:p>
-            <a:r>
-              <a:rPr lang="en-US" dirty="0"/>
-              <a:t>month = -2 </a:t>
-            </a:r>
-          </a:p>
-          <a:p>
-            <a:r>
-              <a:rPr lang="en-US" dirty="0" err="1"/>
-              <a:t>cred_temp</a:t>
-            </a:r>
-            <a:r>
-              <a:rPr lang="en-US" dirty="0"/>
-              <a:t> = </a:t>
-            </a:r>
-            <a:r>
-              <a:rPr lang="en-US" dirty="0" err="1"/>
-              <a:t>cred_card_bal</a:t>
-            </a:r>
-            <a:r>
-              <a:rPr lang="en-US" dirty="0"/>
-              <a:t>[</a:t>
-            </a:r>
-            <a:r>
-              <a:rPr lang="en-US" dirty="0" err="1"/>
-              <a:t>cred_card_bal.MONTHS_BALANCE</a:t>
-            </a:r>
-            <a:r>
-              <a:rPr lang="en-US" dirty="0"/>
-              <a:t> &gt;= month]</a:t>
-            </a:r>
-          </a:p>
-          <a:p>
-            <a:r>
-              <a:rPr lang="en-US" dirty="0" err="1"/>
-              <a:t>cred_temp</a:t>
-            </a:r>
-            <a:r>
-              <a:rPr lang="en-US" dirty="0"/>
-              <a:t>['CRED_UTIL'] = </a:t>
-            </a:r>
-            <a:r>
-              <a:rPr lang="en-US" dirty="0" err="1"/>
-              <a:t>cred_temp</a:t>
-            </a:r>
-            <a:r>
-              <a:rPr lang="en-US" dirty="0"/>
-              <a:t>['AMT_BALANCE'] / </a:t>
-            </a:r>
-            <a:r>
-              <a:rPr lang="en-US" dirty="0" err="1"/>
-              <a:t>cred_temp</a:t>
-            </a:r>
-            <a:r>
-              <a:rPr lang="en-US" dirty="0"/>
-              <a:t>['AMT_CREDIT_LIMIT_ACTUAL']</a:t>
-            </a:r>
-          </a:p>
-          <a:p>
-            <a:r>
-              <a:rPr lang="en-US" dirty="0" err="1"/>
-              <a:t>cred_util_feature</a:t>
-            </a:r>
-            <a:r>
-              <a:rPr lang="en-US" dirty="0"/>
-              <a:t> = </a:t>
-            </a:r>
-            <a:r>
-              <a:rPr lang="en-US" dirty="0" err="1"/>
-              <a:t>cred_temp.groupby</a:t>
-            </a:r>
-            <a:r>
-              <a:rPr lang="en-US" dirty="0"/>
-              <a:t>('SK_ID_CURR')['CRED_UTIL'].max().</a:t>
-            </a:r>
-            <a:r>
-              <a:rPr lang="en-US" dirty="0" err="1"/>
-              <a:t>reset_index</a:t>
-            </a:r>
-            <a:r>
-              <a:rPr lang="en-US" dirty="0"/>
-              <a:t>().rename(columns={'</a:t>
-            </a:r>
-            <a:r>
-              <a:rPr lang="en-US" dirty="0" err="1"/>
-              <a:t>CRED_UTIL':'CRED_UTIL_'+str</a:t>
-            </a:r>
-            <a:r>
-              <a:rPr lang="en-US" dirty="0"/>
-              <a:t>(month*-1)})</a:t>
-            </a:r>
-          </a:p>
-        </p:txBody>
-      </p:sp>
-    </p:spTree>
-    <p:extLst>
-      <p:ext uri="{BB962C8B-B14F-4D97-AF65-F5344CB8AC3E}">
-        <p14:creationId xmlns:p14="http://schemas.microsoft.com/office/powerpoint/2010/main" val="2813253690"/>
-      </p:ext>
-    </p:extLst>
-  </p:cSld>
-  <p:clrMapOvr>
-    <a:masterClrMapping/>
-  </p:clrMapOvr>
-</p:sld>
-</file>
-
 <file path=ppt/slides/slide9.xml><?xml version="1.0" encoding="utf-8"?>
 <p:sld xmlns:a="http://schemas.openxmlformats.org/drawingml/2006/main" xmlns:r="http://schemas.openxmlformats.org/officeDocument/2006/relationships" xmlns:p="http://schemas.openxmlformats.org/presentationml/2006/main">
   <p:cSld>
@@ -9606,7 +10382,7 @@
           <p:cNvPr id="2" name="Titre 1">
             <a:extLst>
               <a:ext uri="{FF2B5EF4-FFF2-40B4-BE49-F238E27FC236}">
-                <a16:creationId xmlns:a16="http://schemas.microsoft.com/office/drawing/2014/main" id="{15EFA4C4-C546-4B77-A120-1E83767F1E78}"/>
+                <a16:creationId xmlns:a16="http://schemas.microsoft.com/office/drawing/2014/main" id="{2C265249-C86C-4EAD-85EA-A41377319A7B}"/>
               </a:ext>
             </a:extLst>
           </p:cNvPr>
@@ -9624,7 +10400,7 @@
           <a:p>
             <a:r>
               <a:rPr lang="en-US" dirty="0"/>
-              <a:t>Debt ratio </a:t>
+              <a:t>LATE_PAYMENT</a:t>
             </a:r>
           </a:p>
         </p:txBody>
@@ -9634,7 +10410,7 @@
           <p:cNvPr id="3" name="Espace réservé du contenu 2">
             <a:extLst>
               <a:ext uri="{FF2B5EF4-FFF2-40B4-BE49-F238E27FC236}">
-                <a16:creationId xmlns:a16="http://schemas.microsoft.com/office/drawing/2014/main" id="{83D8FF25-B22A-485E-93AF-4EC177893BD4}"/>
+                <a16:creationId xmlns:a16="http://schemas.microsoft.com/office/drawing/2014/main" id="{C1A7C45D-8544-4EA6-A3C1-1DD622D2D3F4}"/>
               </a:ext>
             </a:extLst>
           </p:cNvPr>
@@ -9652,50 +10428,60 @@
           <a:p>
             <a:r>
               <a:rPr lang="en-US" dirty="0"/>
-              <a:t>Most important </a:t>
-            </a:r>
+              <a:t>LATE_PAYMENT feature: I think most of you used installment['DAYS_INSTALMENT']-installment['DAYS_ENTRY_PAYMENT'] as a new feature since it shows number of delays. It was a already good feature but I realized that, when you take last 365 days of installment data and aggregate this delay as a new feature, it added much more value to model. Here is a simple code:</a:t>
+            </a:r>
+          </a:p>
+          <a:p>
+            <a:endParaRPr lang="en-US" dirty="0"/>
+          </a:p>
+          <a:p>
             <a:r>
               <a:rPr lang="en-US" dirty="0" err="1"/>
-              <a:t>buraeu</a:t>
-            </a:r>
-            <a:r>
-              <a:rPr lang="en-US" dirty="0"/>
-              <a:t> feature: Debt ratio was the most important feature I found in bureau file. I also tried using more recent bureau data for this feature but it was the best when I used all data.</a:t>
-            </a:r>
-          </a:p>
-          <a:p>
-            <a:endParaRPr lang="en-US" dirty="0"/>
-          </a:p>
-          <a:p>
+              <a:t>installment_temp</a:t>
+            </a:r>
+            <a:r>
+              <a:rPr lang="en-US" dirty="0"/>
+              <a:t> = installment[</a:t>
+            </a:r>
             <a:r>
               <a:rPr lang="en-US" dirty="0" err="1"/>
-              <a:t>buro</a:t>
-            </a:r>
-            <a:r>
-              <a:rPr lang="en-US" dirty="0"/>
-              <a:t>['DEBT_RATIO']=</a:t>
-            </a:r>
+              <a:t>installment.DAYS_ENTRY_PAYMENT</a:t>
+            </a:r>
+            <a:r>
+              <a:rPr lang="en-US" dirty="0"/>
+              <a:t> &gt;= -365]</a:t>
+            </a:r>
+          </a:p>
+          <a:p>
             <a:r>
               <a:rPr lang="en-US" dirty="0" err="1"/>
-              <a:t>buro</a:t>
-            </a:r>
-            <a:r>
-              <a:rPr lang="en-US" dirty="0"/>
-              <a:t>['AMT_CREDIT_SUM_DEBT']/</a:t>
+              <a:t>installment_temp</a:t>
+            </a:r>
+            <a:r>
+              <a:rPr lang="en-US" dirty="0"/>
+              <a:t>['LATE_PAYMENT'] = </a:t>
             </a:r>
             <a:r>
               <a:rPr lang="en-US" dirty="0" err="1"/>
-              <a:t>buro</a:t>
-            </a:r>
-            <a:r>
-              <a:rPr lang="en-US" dirty="0"/>
-              <a:t>['AMT_CREDIT_SUM']</a:t>
-            </a:r>
-          </a:p>
-          <a:p>
+              <a:t>installment_temp</a:t>
+            </a:r>
+            <a:r>
+              <a:rPr lang="en-US" dirty="0"/>
+              <a:t>['DAYS_INSTALMENT']-</a:t>
+            </a:r>
             <a:r>
               <a:rPr lang="en-US" dirty="0" err="1"/>
-              <a:t>debt_ratio_feature</a:t>
+              <a:t>installment_temp</a:t>
+            </a:r>
+            <a:r>
+              <a:rPr lang="en-US" dirty="0"/>
+              <a:t>['DAYS_ENTRY_PAYMENT']</a:t>
+            </a:r>
+          </a:p>
+          <a:p>
+            <a:r>
+              <a:rPr lang="en-US" dirty="0" err="1"/>
+              <a:t>late_payment_feature</a:t>
             </a:r>
             <a:r>
               <a:rPr lang="en-US" dirty="0"/>
@@ -9703,11 +10489,19 @@
             </a:r>
             <a:r>
               <a:rPr lang="en-US" dirty="0" err="1"/>
-              <a:t>buro.groupby</a:t>
-            </a:r>
-            <a:r>
-              <a:rPr lang="en-US" dirty="0"/>
-              <a:t>('SK_ID_CURR')['DEBT_RATIO'].max()</a:t>
+              <a:t>installment_temp.groupby</a:t>
+            </a:r>
+            <a:r>
+              <a:rPr lang="en-US" dirty="0"/>
+              <a:t>('SK_ID_CURR')[['LATE_PAYMENT']].min().</a:t>
+            </a:r>
+            <a:r>
+              <a:rPr lang="en-US" dirty="0" err="1"/>
+              <a:t>reset_index</a:t>
+            </a:r>
+            <a:r>
+              <a:rPr lang="en-US" dirty="0"/>
+              <a:t>()</a:t>
             </a:r>
           </a:p>
         </p:txBody>
@@ -9715,7 +10509,7 @@
     </p:spTree>
     <p:extLst>
       <p:ext uri="{BB962C8B-B14F-4D97-AF65-F5344CB8AC3E}">
-        <p14:creationId xmlns:p14="http://schemas.microsoft.com/office/powerpoint/2010/main" val="4239164218"/>
+        <p14:creationId xmlns:p14="http://schemas.microsoft.com/office/powerpoint/2010/main" val="3694431998"/>
       </p:ext>
     </p:extLst>
   </p:cSld>

--- a/P7_Support.pptx
+++ b/P7_Support.pptx
@@ -13,14 +13,11 @@
     <p:sldId id="259" r:id="rId7"/>
     <p:sldId id="258" r:id="rId8"/>
     <p:sldId id="260" r:id="rId9"/>
-    <p:sldId id="262" r:id="rId10"/>
-    <p:sldId id="263" r:id="rId11"/>
+    <p:sldId id="272" r:id="rId10"/>
+    <p:sldId id="262" r:id="rId11"/>
     <p:sldId id="264" r:id="rId12"/>
     <p:sldId id="265" r:id="rId13"/>
-    <p:sldId id="266" r:id="rId14"/>
-    <p:sldId id="267" r:id="rId15"/>
-    <p:sldId id="268" r:id="rId16"/>
-    <p:sldId id="269" r:id="rId17"/>
+    <p:sldId id="268" r:id="rId14"/>
   </p:sldIdLst>
   <p:sldSz cx="12192000" cy="6858000"/>
   <p:notesSz cx="6858000" cy="9144000"/>
@@ -222,7 +219,7 @@
           <a:effectLst/>
           <a:extLst>
             <a:ext uri="{91240B29-F687-4f45-9708-019B960494DF}">
-              <a14:hiddenLine xmlns:a14="http://schemas.microsoft.com/office/drawing/2010/main" xmlns="" w="9525">
+              <a14:hiddenLine xmlns="" xmlns:a14="http://schemas.microsoft.com/office/drawing/2010/main" w="9525">
                 <a:solidFill>
                   <a:srgbClr val="000000"/>
                 </a:solidFill>
@@ -415,7 +412,7 @@
             <a:fld id="{08B9EBBA-996F-894A-B54A-D6246ED52CEA}" type="datetimeFigureOut">
               <a:rPr lang="en-US" dirty="0"/>
               <a:pPr/>
-              <a:t>11/10/2020</a:t>
+              <a:t>11/11/2020</a:t>
             </a:fld>
             <a:endParaRPr lang="en-US" dirty="0"/>
           </a:p>
@@ -730,7 +727,7 @@
             <a:fld id="{18C79C5D-2A6F-F04D-97DA-BEF2467B64E4}" type="datetimeFigureOut">
               <a:rPr lang="en-US" dirty="0"/>
               <a:pPr/>
-              <a:t>11/10/2020</a:t>
+              <a:t>11/11/2020</a:t>
             </a:fld>
             <a:endParaRPr lang="en-US" dirty="0"/>
           </a:p>
@@ -1215,7 +1212,7 @@
             <a:fld id="{8DFA1846-DA80-1C48-A609-854EA85C59AD}" type="datetimeFigureOut">
               <a:rPr lang="en-US" dirty="0"/>
               <a:pPr/>
-              <a:t>11/10/2020</a:t>
+              <a:t>11/11/2020</a:t>
             </a:fld>
             <a:endParaRPr lang="en-US" dirty="0"/>
           </a:p>
@@ -1581,7 +1578,7 @@
             <a:fld id="{FBF54567-0DE4-3F47-BF90-CB84690072F9}" type="datetimeFigureOut">
               <a:rPr lang="en-US" dirty="0"/>
               <a:pPr/>
-              <a:t>11/10/2020</a:t>
+              <a:t>11/11/2020</a:t>
             </a:fld>
             <a:endParaRPr lang="en-US" dirty="0"/>
           </a:p>
@@ -1732,7 +1729,7 @@
           <a:ln/>
           <a:extLst>
             <a:ext uri="{91240B29-F687-4f45-9708-019B960494DF}">
-              <a14:hiddenLine xmlns:a14="http://schemas.microsoft.com/office/drawing/2010/main" xmlns="" w="9525">
+              <a14:hiddenLine xmlns="" xmlns:a14="http://schemas.microsoft.com/office/drawing/2010/main" w="9525">
                 <a:solidFill>
                   <a:srgbClr val="000000"/>
                 </a:solidFill>
@@ -1851,7 +1848,7 @@
             <a:fld id="{C6C52C72-DE31-F449-A4ED-4C594FD91407}" type="datetimeFigureOut">
               <a:rPr lang="en-US" dirty="0"/>
               <a:pPr/>
-              <a:t>11/10/2020</a:t>
+              <a:t>11/11/2020</a:t>
             </a:fld>
             <a:endParaRPr lang="en-US" dirty="0"/>
           </a:p>
@@ -2004,7 +2001,7 @@
           <a:ln/>
           <a:extLst>
             <a:ext uri="{91240B29-F687-4f45-9708-019B960494DF}">
-              <a14:hiddenLine xmlns:a14="http://schemas.microsoft.com/office/drawing/2010/main" xmlns="" w="9525">
+              <a14:hiddenLine xmlns="" xmlns:a14="http://schemas.microsoft.com/office/drawing/2010/main" w="9525">
                 <a:solidFill>
                   <a:srgbClr val="000000"/>
                 </a:solidFill>
@@ -2133,7 +2130,7 @@
             <a:fld id="{ED62726E-379B-B349-9EED-81ED093FA806}" type="datetimeFigureOut">
               <a:rPr lang="en-US" dirty="0"/>
               <a:pPr/>
-              <a:t>11/10/2020</a:t>
+              <a:t>11/11/2020</a:t>
             </a:fld>
             <a:endParaRPr lang="en-US" dirty="0"/>
           </a:p>
@@ -2284,7 +2281,7 @@
           <a:ln/>
           <a:extLst>
             <a:ext uri="{91240B29-F687-4f45-9708-019B960494DF}">
-              <a14:hiddenLine xmlns:a14="http://schemas.microsoft.com/office/drawing/2010/main" xmlns="" w="9525">
+              <a14:hiddenLine xmlns="" xmlns:a14="http://schemas.microsoft.com/office/drawing/2010/main" w="9525">
                 <a:solidFill>
                   <a:srgbClr val="000000"/>
                 </a:solidFill>
@@ -2413,7 +2410,7 @@
             <a:fld id="{9B3A1323-8D79-1946-B0D7-40001CF92E9D}" type="datetimeFigureOut">
               <a:rPr lang="en-US" dirty="0"/>
               <a:pPr/>
-              <a:t>11/10/2020</a:t>
+              <a:t>11/11/2020</a:t>
             </a:fld>
             <a:endParaRPr lang="en-US" dirty="0"/>
           </a:p>
@@ -2753,7 +2750,7 @@
             <a:fld id="{8DFA1846-DA80-1C48-A609-854EA85C59AD}" type="datetimeFigureOut">
               <a:rPr lang="en-US" dirty="0"/>
               <a:pPr/>
-              <a:t>11/10/2020</a:t>
+              <a:t>11/11/2020</a:t>
             </a:fld>
             <a:endParaRPr lang="en-US" dirty="0"/>
           </a:p>
@@ -2904,7 +2901,7 @@
           <a:ln/>
           <a:extLst>
             <a:ext uri="{91240B29-F687-4f45-9708-019B960494DF}">
-              <a14:hiddenLine xmlns:a14="http://schemas.microsoft.com/office/drawing/2010/main" xmlns="" w="9525">
+              <a14:hiddenLine xmlns="" xmlns:a14="http://schemas.microsoft.com/office/drawing/2010/main" w="9525">
                 <a:solidFill>
                   <a:srgbClr val="000000"/>
                 </a:solidFill>
@@ -3089,7 +3086,7 @@
             <a:fld id="{57302355-E14B-8545-A8F8-0FE83CC9D524}" type="datetimeFigureOut">
               <a:rPr lang="en-US" dirty="0"/>
               <a:pPr/>
-              <a:t>11/10/2020</a:t>
+              <a:t>11/11/2020</a:t>
             </a:fld>
             <a:endParaRPr lang="en-US" dirty="0"/>
           </a:p>
@@ -3240,7 +3237,7 @@
           <a:ln/>
           <a:extLst>
             <a:ext uri="{91240B29-F687-4f45-9708-019B960494DF}">
-              <a14:hiddenLine xmlns:a14="http://schemas.microsoft.com/office/drawing/2010/main" xmlns="" w="9525">
+              <a14:hiddenLine xmlns="" xmlns:a14="http://schemas.microsoft.com/office/drawing/2010/main" w="9525">
                 <a:solidFill>
                   <a:srgbClr val="000000"/>
                 </a:solidFill>
@@ -3563,7 +3560,7 @@
             <a:fld id="{02640F58-564D-2B4F-AE67-E407BA4FCF45}" type="datetimeFigureOut">
               <a:rPr lang="en-US" dirty="0"/>
               <a:pPr/>
-              <a:t>11/10/2020</a:t>
+              <a:t>11/11/2020</a:t>
             </a:fld>
             <a:endParaRPr lang="en-US" dirty="0"/>
           </a:p>
@@ -3714,7 +3711,7 @@
           <a:ln/>
           <a:extLst>
             <a:ext uri="{91240B29-F687-4f45-9708-019B960494DF}">
-              <a14:hiddenLine xmlns:a14="http://schemas.microsoft.com/office/drawing/2010/main" xmlns="" w="9525">
+              <a14:hiddenLine xmlns="" xmlns:a14="http://schemas.microsoft.com/office/drawing/2010/main" w="9525">
                 <a:solidFill>
                   <a:srgbClr val="000000"/>
                 </a:solidFill>
@@ -3781,7 +3778,7 @@
             <a:fld id="{F13A34C8-038E-2045-AF43-DF7DBB8E0E9E}" type="datetimeFigureOut">
               <a:rPr lang="en-US" dirty="0"/>
               <a:pPr/>
-              <a:t>11/10/2020</a:t>
+              <a:t>11/11/2020</a:t>
             </a:fld>
             <a:endParaRPr lang="en-US" dirty="0"/>
           </a:p>
@@ -3873,7 +3870,7 @@
             <a:fld id="{8818C68F-D26B-8F47-958C-23B49CF8A634}" type="datetimeFigureOut">
               <a:rPr lang="en-US" dirty="0"/>
               <a:pPr/>
-              <a:t>11/10/2020</a:t>
+              <a:t>11/11/2020</a:t>
             </a:fld>
             <a:endParaRPr lang="en-US" dirty="0"/>
           </a:p>
@@ -4137,7 +4134,7 @@
           <a:ln/>
           <a:extLst>
             <a:ext uri="{91240B29-F687-4f45-9708-019B960494DF}">
-              <a14:hiddenLine xmlns:a14="http://schemas.microsoft.com/office/drawing/2010/main" xmlns="" w="9525">
+              <a14:hiddenLine xmlns="" xmlns:a14="http://schemas.microsoft.com/office/drawing/2010/main" w="9525">
                 <a:solidFill>
                   <a:srgbClr val="000000"/>
                 </a:solidFill>
@@ -4337,7 +4334,7 @@
             <a:fld id="{D0DF5E60-9974-AC48-9591-99C2BB44B7CF}" type="datetimeFigureOut">
               <a:rPr lang="en-US" dirty="0"/>
               <a:pPr/>
-              <a:t>11/10/2020</a:t>
+              <a:t>11/11/2020</a:t>
             </a:fld>
             <a:endParaRPr lang="en-US" dirty="0"/>
           </a:p>
@@ -4647,7 +4644,7 @@
             <a:fld id="{18C79C5D-2A6F-F04D-97DA-BEF2467B64E4}" type="datetimeFigureOut">
               <a:rPr lang="en-US" dirty="0"/>
               <a:pPr/>
-              <a:t>11/10/2020</a:t>
+              <a:t>11/11/2020</a:t>
             </a:fld>
             <a:endParaRPr lang="en-US" dirty="0"/>
           </a:p>
@@ -4914,7 +4911,7 @@
             <a:fld id="{09B482E8-6E0E-1B4F-B1FD-C69DB9E858D9}" type="datetimeFigureOut">
               <a:rPr lang="en-US" dirty="0"/>
               <a:pPr/>
-              <a:t>11/10/2020</a:t>
+              <a:t>11/11/2020</a:t>
             </a:fld>
             <a:endParaRPr lang="en-US" dirty="0"/>
           </a:p>
@@ -5609,7 +5606,7 @@
           <p:cNvPr id="2" name="Titre 1">
             <a:extLst>
               <a:ext uri="{FF2B5EF4-FFF2-40B4-BE49-F238E27FC236}">
-                <a16:creationId xmlns:a16="http://schemas.microsoft.com/office/drawing/2014/main" id="{CCFC69F8-4278-4495-ABC7-72C3EE961DB3}"/>
+                <a16:creationId xmlns:a16="http://schemas.microsoft.com/office/drawing/2014/main" id="{2C265249-C86C-4EAD-85EA-A41377319A7B}"/>
               </a:ext>
             </a:extLst>
           </p:cNvPr>
@@ -5627,7 +5624,7 @@
           <a:p>
             <a:r>
               <a:rPr lang="en-US" dirty="0"/>
-              <a:t>CREDIT_UTILIZATION </a:t>
+              <a:t>LATE_PAYMENT</a:t>
             </a:r>
           </a:p>
         </p:txBody>
@@ -5637,7 +5634,7 @@
           <p:cNvPr id="3" name="Espace réservé du contenu 2">
             <a:extLst>
               <a:ext uri="{FF2B5EF4-FFF2-40B4-BE49-F238E27FC236}">
-                <a16:creationId xmlns:a16="http://schemas.microsoft.com/office/drawing/2014/main" id="{C8B308CF-455B-4948-8572-A4AA26958922}"/>
+                <a16:creationId xmlns:a16="http://schemas.microsoft.com/office/drawing/2014/main" id="{C1A7C45D-8544-4EA6-A3C1-1DD622D2D3F4}"/>
               </a:ext>
             </a:extLst>
           </p:cNvPr>
@@ -5650,37 +5647,65 @@
         </p:nvSpPr>
         <p:spPr/>
         <p:txBody>
-          <a:bodyPr>
-            <a:normAutofit fontScale="92500" lnSpcReduction="20000"/>
-          </a:bodyPr>
+          <a:bodyPr/>
           <a:lstStyle/>
           <a:p>
             <a:r>
               <a:rPr lang="en-US" dirty="0"/>
-              <a:t>CREDIT_UTILIZATION feature: In blogs and papers I've read, most of them was saying credit utilization is a strong indicator for a risky customer and you can calculate it simply by dividing Credit card balance by credit card limit. It was making sense but </a:t>
-            </a:r>
+              <a:t>LATE_PAYMENT feature: I think most of you used installment['DAYS_INSTALMENT']-installment['DAYS_ENTRY_PAYMENT'] as a new feature since it shows number of delays. It was a already good feature but I realized that, when you take last 365 days of installment data and aggregate this delay as a new feature, it added much more value to model. Here is a simple code:</a:t>
+            </a:r>
+          </a:p>
+          <a:p>
+            <a:endParaRPr lang="en-US" dirty="0"/>
+          </a:p>
+          <a:p>
             <a:r>
               <a:rPr lang="en-US" dirty="0" err="1"/>
-              <a:t>didnt</a:t>
-            </a:r>
-            <a:r>
-              <a:rPr lang="en-US" dirty="0"/>
-              <a:t> work when I calculated on full credit card dataset. Again I tried checking results on more recent credit card data. Finally I've found that last 2 months' data was more valuable for my model. You can see the simple code and check yourself with different months:</a:t>
-            </a:r>
-          </a:p>
-          <a:p>
-            <a:endParaRPr lang="en-US" dirty="0"/>
-          </a:p>
-          <a:p>
-            <a:r>
-              <a:rPr lang="en-US" dirty="0"/>
-              <a:t>month = -2 </a:t>
-            </a:r>
-          </a:p>
-          <a:p>
+              <a:t>installment_temp</a:t>
+            </a:r>
+            <a:r>
+              <a:rPr lang="en-US" dirty="0"/>
+              <a:t> = installment[</a:t>
+            </a:r>
             <a:r>
               <a:rPr lang="en-US" dirty="0" err="1"/>
-              <a:t>cred_temp</a:t>
+              <a:t>installment.DAYS_ENTRY_PAYMENT</a:t>
+            </a:r>
+            <a:r>
+              <a:rPr lang="en-US" dirty="0"/>
+              <a:t> &gt;= -365]</a:t>
+            </a:r>
+          </a:p>
+          <a:p>
+            <a:r>
+              <a:rPr lang="en-US" dirty="0" err="1"/>
+              <a:t>installment_temp</a:t>
+            </a:r>
+            <a:r>
+              <a:rPr lang="en-US" dirty="0"/>
+              <a:t>['LATE_PAYMENT'] = </a:t>
+            </a:r>
+            <a:r>
+              <a:rPr lang="en-US" dirty="0" err="1"/>
+              <a:t>installment_temp</a:t>
+            </a:r>
+            <a:r>
+              <a:rPr lang="en-US" dirty="0"/>
+              <a:t>['DAYS_INSTALMENT']-</a:t>
+            </a:r>
+            <a:r>
+              <a:rPr lang="en-US" dirty="0" err="1"/>
+              <a:t>installment_temp</a:t>
+            </a:r>
+            <a:r>
+              <a:rPr lang="en-US" dirty="0"/>
+              <a:t>['DAYS_ENTRY_PAYMENT']</a:t>
+            </a:r>
+          </a:p>
+          <a:p>
+            <a:r>
+              <a:rPr lang="en-US" dirty="0" err="1"/>
+              <a:t>late_payment_feature</a:t>
             </a:r>
             <a:r>
               <a:rPr lang="en-US" dirty="0"/>
@@ -5688,63 +5713,11 @@
             </a:r>
             <a:r>
               <a:rPr lang="en-US" dirty="0" err="1"/>
-              <a:t>cred_card_bal</a:t>
-            </a:r>
-            <a:r>
-              <a:rPr lang="en-US" dirty="0"/>
-              <a:t>[</a:t>
-            </a:r>
-            <a:r>
-              <a:rPr lang="en-US" dirty="0" err="1"/>
-              <a:t>cred_card_bal.MONTHS_BALANCE</a:t>
-            </a:r>
-            <a:r>
-              <a:rPr lang="en-US" dirty="0"/>
-              <a:t> &gt;= month]</a:t>
-            </a:r>
-          </a:p>
-          <a:p>
-            <a:r>
-              <a:rPr lang="en-US" dirty="0" err="1"/>
-              <a:t>cred_temp</a:t>
-            </a:r>
-            <a:r>
-              <a:rPr lang="en-US" dirty="0"/>
-              <a:t>['CRED_UTIL'] = </a:t>
-            </a:r>
-            <a:r>
-              <a:rPr lang="en-US" dirty="0" err="1"/>
-              <a:t>cred_temp</a:t>
-            </a:r>
-            <a:r>
-              <a:rPr lang="en-US" dirty="0"/>
-              <a:t>['AMT_BALANCE'] / </a:t>
-            </a:r>
-            <a:r>
-              <a:rPr lang="en-US" dirty="0" err="1"/>
-              <a:t>cred_temp</a:t>
-            </a:r>
-            <a:r>
-              <a:rPr lang="en-US" dirty="0"/>
-              <a:t>['AMT_CREDIT_LIMIT_ACTUAL']</a:t>
-            </a:r>
-          </a:p>
-          <a:p>
-            <a:r>
-              <a:rPr lang="en-US" dirty="0" err="1"/>
-              <a:t>cred_util_feature</a:t>
-            </a:r>
-            <a:r>
-              <a:rPr lang="en-US" dirty="0"/>
-              <a:t> = </a:t>
-            </a:r>
-            <a:r>
-              <a:rPr lang="en-US" dirty="0" err="1"/>
-              <a:t>cred_temp.groupby</a:t>
-            </a:r>
-            <a:r>
-              <a:rPr lang="en-US" dirty="0"/>
-              <a:t>('SK_ID_CURR')['CRED_UTIL'].max().</a:t>
+              <a:t>installment_temp.groupby</a:t>
+            </a:r>
+            <a:r>
+              <a:rPr lang="en-US" dirty="0"/>
+              <a:t>('SK_ID_CURR')[['LATE_PAYMENT']].min().</a:t>
             </a:r>
             <a:r>
               <a:rPr lang="en-US" dirty="0" err="1"/>
@@ -5752,15 +5725,7 @@
             </a:r>
             <a:r>
               <a:rPr lang="en-US" dirty="0"/>
-              <a:t>().rename(columns={'</a:t>
-            </a:r>
-            <a:r>
-              <a:rPr lang="en-US" dirty="0" err="1"/>
-              <a:t>CRED_UTIL':'CRED_UTIL_'+str</a:t>
-            </a:r>
-            <a:r>
-              <a:rPr lang="en-US" dirty="0"/>
-              <a:t>(month*-1)})</a:t>
+              <a:t>()</a:t>
             </a:r>
           </a:p>
         </p:txBody>
@@ -5768,7 +5733,7 @@
     </p:spTree>
     <p:extLst>
       <p:ext uri="{BB962C8B-B14F-4D97-AF65-F5344CB8AC3E}">
-        <p14:creationId xmlns:p14="http://schemas.microsoft.com/office/powerpoint/2010/main" val="2813253690"/>
+        <p14:creationId xmlns:p14="http://schemas.microsoft.com/office/powerpoint/2010/main" val="3694431998"/>
       </p:ext>
     </p:extLst>
   </p:cSld>
@@ -6141,516 +6106,6 @@
           <p:cNvPr id="2" name="Titre 1">
             <a:extLst>
               <a:ext uri="{FF2B5EF4-FFF2-40B4-BE49-F238E27FC236}">
-                <a16:creationId xmlns:a16="http://schemas.microsoft.com/office/drawing/2014/main" id="{89E3F334-3E8C-45FA-85D5-B05F4AF2FED7}"/>
-              </a:ext>
-            </a:extLst>
-          </p:cNvPr>
-          <p:cNvSpPr>
-            <a:spLocks noGrp="1"/>
-          </p:cNvSpPr>
-          <p:nvPr>
-            <p:ph type="title"/>
-          </p:nvPr>
-        </p:nvSpPr>
-        <p:spPr/>
-        <p:txBody>
-          <a:bodyPr/>
-          <a:lstStyle/>
-          <a:p>
-            <a:r>
-              <a:rPr lang="en-US" dirty="0"/>
-              <a:t>Interest Rate Features / application</a:t>
-            </a:r>
-          </a:p>
-        </p:txBody>
-      </p:sp>
-      <p:sp>
-        <p:nvSpPr>
-          <p:cNvPr id="3" name="Espace réservé du contenu 2">
-            <a:extLst>
-              <a:ext uri="{FF2B5EF4-FFF2-40B4-BE49-F238E27FC236}">
-                <a16:creationId xmlns:a16="http://schemas.microsoft.com/office/drawing/2014/main" id="{A9A06234-8285-4FA7-86D9-57F91633B493}"/>
-              </a:ext>
-            </a:extLst>
-          </p:cNvPr>
-          <p:cNvSpPr>
-            <a:spLocks noGrp="1"/>
-          </p:cNvSpPr>
-          <p:nvPr>
-            <p:ph idx="1"/>
-          </p:nvPr>
-        </p:nvSpPr>
-        <p:spPr/>
-        <p:txBody>
-          <a:bodyPr>
-            <a:normAutofit fontScale="85000" lnSpcReduction="10000"/>
-          </a:bodyPr>
-          <a:lstStyle/>
-          <a:p>
-            <a:r>
-              <a:rPr lang="en-US" dirty="0"/>
-              <a:t>We were not given CNT_PAYMENT in Main Application data and but we could predict it from Previous Application table. I built a </a:t>
-            </a:r>
-            <a:r>
-              <a:rPr lang="en-US" dirty="0" err="1"/>
-              <a:t>lightgbm</a:t>
-            </a:r>
-            <a:r>
-              <a:rPr lang="en-US" dirty="0"/>
-              <a:t> from Previous Application table by using AMT_CREDIT, AMT_ANNUITY, AMT_CREDIT/AMT_ANNUITY to predict CNT_PAYMENT. The model got a RMSE ~2.78. After applying the model on Main Application table, I got predicted CNT_PAYMENT(EXP_TERM) for each record and then I created exact same features as I did for previous app table. After applying the model on Main Application table, I got predicted CNT_PAYMENT(EXP_TERM) for each record and then I created exact same features as I did for previous app table.</a:t>
-            </a:r>
-          </a:p>
-          <a:p>
-            <a:endParaRPr lang="en-US" dirty="0"/>
-          </a:p>
-          <a:p>
-            <a:r>
-              <a:rPr lang="en-US" dirty="0" err="1"/>
-              <a:t>main_app</a:t>
-            </a:r>
-            <a:r>
-              <a:rPr lang="en-US" dirty="0"/>
-              <a:t>['INTEREST'] = </a:t>
-            </a:r>
-            <a:r>
-              <a:rPr lang="en-US" dirty="0" err="1"/>
-              <a:t>main_app</a:t>
-            </a:r>
-            <a:r>
-              <a:rPr lang="en-US" dirty="0"/>
-              <a:t>['EXP_TERM']*</a:t>
-            </a:r>
-            <a:r>
-              <a:rPr lang="en-US" dirty="0" err="1"/>
-              <a:t>main_app</a:t>
-            </a:r>
-            <a:r>
-              <a:rPr lang="en-US" dirty="0"/>
-              <a:t>['AMT_ANNUITY'] - </a:t>
-            </a:r>
-            <a:r>
-              <a:rPr lang="en-US" dirty="0" err="1"/>
-              <a:t>main_app</a:t>
-            </a:r>
-            <a:r>
-              <a:rPr lang="en-US" dirty="0"/>
-              <a:t>['AMT_CREDIT']</a:t>
-            </a:r>
-          </a:p>
-          <a:p>
-            <a:r>
-              <a:rPr lang="en-US" dirty="0" err="1"/>
-              <a:t>main_app</a:t>
-            </a:r>
-            <a:r>
-              <a:rPr lang="en-US" dirty="0"/>
-              <a:t>['INTEREST_RATE'] = 24*</a:t>
-            </a:r>
-            <a:r>
-              <a:rPr lang="en-US" dirty="0" err="1"/>
-              <a:t>main_app</a:t>
-            </a:r>
-            <a:r>
-              <a:rPr lang="en-US" dirty="0"/>
-              <a:t>['INTEREST']/(</a:t>
-            </a:r>
-            <a:r>
-              <a:rPr lang="en-US" dirty="0" err="1"/>
-              <a:t>main_app</a:t>
-            </a:r>
-            <a:r>
-              <a:rPr lang="en-US" dirty="0"/>
-              <a:t>['AMT_CREDIT']*(</a:t>
-            </a:r>
-            <a:r>
-              <a:rPr lang="en-US" dirty="0" err="1"/>
-              <a:t>main_app</a:t>
-            </a:r>
-            <a:r>
-              <a:rPr lang="en-US" dirty="0"/>
-              <a:t>['EXP_TERM']+1))</a:t>
-            </a:r>
-          </a:p>
-          <a:p>
-            <a:r>
-              <a:rPr lang="en-US" dirty="0" err="1"/>
-              <a:t>main_app</a:t>
-            </a:r>
-            <a:r>
-              <a:rPr lang="en-US" dirty="0"/>
-              <a:t>['INTEREST_SHARE'] = </a:t>
-            </a:r>
-            <a:r>
-              <a:rPr lang="en-US" dirty="0" err="1"/>
-              <a:t>main_app</a:t>
-            </a:r>
-            <a:r>
-              <a:rPr lang="en-US" dirty="0"/>
-              <a:t>['INTEREST']/</a:t>
-            </a:r>
-            <a:r>
-              <a:rPr lang="en-US" dirty="0" err="1"/>
-              <a:t>main_app</a:t>
-            </a:r>
-            <a:r>
-              <a:rPr lang="en-US" dirty="0"/>
-              <a:t>['AMT_CREDIT']</a:t>
-            </a:r>
-          </a:p>
-          <a:p>
-            <a:r>
-              <a:rPr lang="en-US" dirty="0"/>
-              <a:t>Overall, several of these interest rate related features joined my top 10 </a:t>
-            </a:r>
-            <a:r>
-              <a:rPr lang="en-US" dirty="0" err="1"/>
-              <a:t>lgb</a:t>
-            </a:r>
-            <a:r>
-              <a:rPr lang="en-US" dirty="0"/>
-              <a:t> features and gave ~0.0006 boost in CV.</a:t>
-            </a:r>
-          </a:p>
-        </p:txBody>
-      </p:sp>
-    </p:spTree>
-    <p:extLst>
-      <p:ext uri="{BB962C8B-B14F-4D97-AF65-F5344CB8AC3E}">
-        <p14:creationId xmlns:p14="http://schemas.microsoft.com/office/powerpoint/2010/main" val="2120134826"/>
-      </p:ext>
-    </p:extLst>
-  </p:cSld>
-  <p:clrMapOvr>
-    <a:masterClrMapping/>
-  </p:clrMapOvr>
-</p:sld>
-</file>
-
-<file path=ppt/slides/slide14.xml><?xml version="1.0" encoding="utf-8"?>
-<p:sld xmlns:a="http://schemas.openxmlformats.org/drawingml/2006/main" xmlns:r="http://schemas.openxmlformats.org/officeDocument/2006/relationships" xmlns:p="http://schemas.openxmlformats.org/presentationml/2006/main">
-  <p:cSld>
-    <p:spTree>
-      <p:nvGrpSpPr>
-        <p:cNvPr id="1" name=""/>
-        <p:cNvGrpSpPr/>
-        <p:nvPr/>
-      </p:nvGrpSpPr>
-      <p:grpSpPr>
-        <a:xfrm>
-          <a:off x="0" y="0"/>
-          <a:ext cx="0" cy="0"/>
-          <a:chOff x="0" y="0"/>
-          <a:chExt cx="0" cy="0"/>
-        </a:xfrm>
-      </p:grpSpPr>
-      <p:sp>
-        <p:nvSpPr>
-          <p:cNvPr id="2" name="Titre 1">
-            <a:extLst>
-              <a:ext uri="{FF2B5EF4-FFF2-40B4-BE49-F238E27FC236}">
-                <a16:creationId xmlns:a16="http://schemas.microsoft.com/office/drawing/2014/main" id="{7B922E7B-0EB1-4ED1-96B2-DFC42B11C5B7}"/>
-              </a:ext>
-            </a:extLst>
-          </p:cNvPr>
-          <p:cNvSpPr>
-            <a:spLocks noGrp="1"/>
-          </p:cNvSpPr>
-          <p:nvPr>
-            <p:ph type="title"/>
-          </p:nvPr>
-        </p:nvSpPr>
-        <p:spPr/>
-        <p:txBody>
-          <a:bodyPr/>
-          <a:lstStyle/>
-          <a:p>
-            <a:r>
-              <a:rPr lang="en-US" dirty="0"/>
-              <a:t>Filtering Previous application data by NAME_CONTRACT_STATUS column </a:t>
-            </a:r>
-          </a:p>
-        </p:txBody>
-      </p:sp>
-      <p:sp>
-        <p:nvSpPr>
-          <p:cNvPr id="3" name="Espace réservé du contenu 2">
-            <a:extLst>
-              <a:ext uri="{FF2B5EF4-FFF2-40B4-BE49-F238E27FC236}">
-                <a16:creationId xmlns:a16="http://schemas.microsoft.com/office/drawing/2014/main" id="{54F49E57-6048-485B-ACAB-BF60C4DA4EB4}"/>
-              </a:ext>
-            </a:extLst>
-          </p:cNvPr>
-          <p:cNvSpPr>
-            <a:spLocks noGrp="1"/>
-          </p:cNvSpPr>
-          <p:nvPr>
-            <p:ph idx="1"/>
-          </p:nvPr>
-        </p:nvSpPr>
-        <p:spPr/>
-        <p:txBody>
-          <a:bodyPr>
-            <a:normAutofit fontScale="92500" lnSpcReduction="20000"/>
-          </a:bodyPr>
-          <a:lstStyle/>
-          <a:p>
-            <a:r>
-              <a:rPr lang="en-US" dirty="0"/>
-              <a:t>for value in </a:t>
-            </a:r>
-            <a:r>
-              <a:rPr lang="en-US" dirty="0" err="1"/>
-              <a:t>prev.NAME_PRODUCT_TYPE.unique</a:t>
-            </a:r>
-            <a:r>
-              <a:rPr lang="en-US" dirty="0"/>
-              <a:t>(): #prev is the previous application data</a:t>
-            </a:r>
-          </a:p>
-          <a:p>
-            <a:r>
-              <a:rPr lang="en-US" dirty="0"/>
-              <a:t>    </a:t>
-            </a:r>
-            <a:r>
-              <a:rPr lang="en-US" dirty="0" err="1"/>
-              <a:t>prev_approved</a:t>
-            </a:r>
-            <a:r>
-              <a:rPr lang="en-US" dirty="0"/>
-              <a:t> = </a:t>
-            </a:r>
-            <a:r>
-              <a:rPr lang="en-US" dirty="0" err="1"/>
-              <a:t>prev</a:t>
-            </a:r>
-            <a:r>
-              <a:rPr lang="en-US" dirty="0"/>
-              <a:t>[</a:t>
-            </a:r>
-            <a:r>
-              <a:rPr lang="en-US" dirty="0" err="1"/>
-              <a:t>prev.NAME_CONTRACT_STATUS</a:t>
-            </a:r>
-            <a:r>
-              <a:rPr lang="en-US" dirty="0"/>
-              <a:t> == value]</a:t>
-            </a:r>
-          </a:p>
-          <a:p>
-            <a:r>
-              <a:rPr lang="en-US" dirty="0"/>
-              <a:t>    print(value)</a:t>
-            </a:r>
-          </a:p>
-          <a:p>
-            <a:r>
-              <a:rPr lang="en-US" dirty="0"/>
-              <a:t>    </a:t>
-            </a:r>
-            <a:r>
-              <a:rPr lang="en-US" dirty="0" err="1"/>
-              <a:t>num_cols</a:t>
-            </a:r>
-            <a:r>
-              <a:rPr lang="en-US" dirty="0"/>
-              <a:t> = </a:t>
-            </a:r>
-            <a:r>
-              <a:rPr lang="en-US" dirty="0" err="1"/>
-              <a:t>prev_approved.columns</a:t>
-            </a:r>
-            <a:r>
-              <a:rPr lang="en-US" dirty="0"/>
-              <a:t>[</a:t>
-            </a:r>
-            <a:r>
-              <a:rPr lang="en-US" dirty="0" err="1"/>
-              <a:t>prev_approved.dtypes</a:t>
-            </a:r>
-            <a:r>
-              <a:rPr lang="en-US" dirty="0"/>
-              <a:t>!= object]</a:t>
-            </a:r>
-          </a:p>
-          <a:p>
-            <a:r>
-              <a:rPr lang="en-US" dirty="0"/>
-              <a:t>    </a:t>
-            </a:r>
-            <a:r>
-              <a:rPr lang="en-US" dirty="0" err="1"/>
-              <a:t>num_cols</a:t>
-            </a:r>
-            <a:r>
-              <a:rPr lang="en-US" dirty="0"/>
-              <a:t> = [col for col in </a:t>
-            </a:r>
-            <a:r>
-              <a:rPr lang="en-US" dirty="0" err="1"/>
-              <a:t>num_cols</a:t>
-            </a:r>
-            <a:r>
-              <a:rPr lang="en-US" dirty="0"/>
-              <a:t> if col not in ['SK_ID_CURR','SK_ID_PREV']]</a:t>
-            </a:r>
-          </a:p>
-          <a:p>
-            <a:r>
-              <a:rPr lang="en-US" dirty="0"/>
-              <a:t>    features = </a:t>
-            </a:r>
-            <a:r>
-              <a:rPr lang="en-US" dirty="0" err="1"/>
-              <a:t>prev_approved.groupby</a:t>
-            </a:r>
-            <a:r>
-              <a:rPr lang="en-US" dirty="0"/>
-              <a:t>('SK_ID_CURR')[</a:t>
-            </a:r>
-            <a:r>
-              <a:rPr lang="en-US" dirty="0" err="1"/>
-              <a:t>num_cols</a:t>
-            </a:r>
-            <a:r>
-              <a:rPr lang="en-US" dirty="0"/>
-              <a:t>].max().</a:t>
-            </a:r>
-            <a:r>
-              <a:rPr lang="en-US" dirty="0" err="1"/>
-              <a:t>reset_index</a:t>
-            </a:r>
-            <a:r>
-              <a:rPr lang="en-US" dirty="0"/>
-              <a:t>()</a:t>
-            </a:r>
-          </a:p>
-          <a:p>
-            <a:r>
-              <a:rPr lang="en-US" dirty="0"/>
-              <a:t>    </a:t>
-            </a:r>
-            <a:r>
-              <a:rPr lang="en-US" dirty="0" err="1"/>
-              <a:t>newcols</a:t>
-            </a:r>
-            <a:r>
-              <a:rPr lang="en-US" dirty="0"/>
-              <a:t> = ['_'+value+'_max'+'_</a:t>
-            </a:r>
-            <a:r>
-              <a:rPr lang="en-US" dirty="0" err="1"/>
-              <a:t>prev</a:t>
-            </a:r>
-            <a:r>
-              <a:rPr lang="en-US" dirty="0"/>
-              <a:t>_'+col for col in </a:t>
-            </a:r>
-            <a:r>
-              <a:rPr lang="en-US" dirty="0" err="1"/>
-              <a:t>features.columns</a:t>
-            </a:r>
-            <a:r>
-              <a:rPr lang="en-US" dirty="0"/>
-              <a:t> if col not in ['SK_ID_CURR']]</a:t>
-            </a:r>
-          </a:p>
-          <a:p>
-            <a:r>
-              <a:rPr lang="en-US" dirty="0" err="1"/>
-              <a:t>features.columns</a:t>
-            </a:r>
-            <a:r>
-              <a:rPr lang="en-US" dirty="0"/>
-              <a:t> = ['SK_ID_CURR']+</a:t>
-            </a:r>
-            <a:r>
-              <a:rPr lang="en-US" dirty="0" err="1"/>
-              <a:t>newcols</a:t>
-            </a:r>
-            <a:endParaRPr lang="en-US" dirty="0"/>
-          </a:p>
-          <a:p>
-            <a:r>
-              <a:rPr lang="en-US" dirty="0"/>
-              <a:t>    data = </a:t>
-            </a:r>
-            <a:r>
-              <a:rPr lang="en-US" dirty="0" err="1"/>
-              <a:t>data.merge</a:t>
-            </a:r>
-            <a:r>
-              <a:rPr lang="en-US" dirty="0"/>
-              <a:t>(</a:t>
-            </a:r>
-            <a:r>
-              <a:rPr lang="en-US" dirty="0" err="1"/>
-              <a:t>features,'left','SK_ID_CURR</a:t>
-            </a:r>
-            <a:r>
-              <a:rPr lang="en-US" dirty="0"/>
-              <a:t>')</a:t>
-            </a:r>
-          </a:p>
-          <a:p>
-            <a:r>
-              <a:rPr lang="en-US" dirty="0"/>
-              <a:t>    test = </a:t>
-            </a:r>
-            <a:r>
-              <a:rPr lang="en-US" dirty="0" err="1"/>
-              <a:t>test.merge</a:t>
-            </a:r>
-            <a:r>
-              <a:rPr lang="en-US" dirty="0"/>
-              <a:t>(</a:t>
-            </a:r>
-            <a:r>
-              <a:rPr lang="en-US" dirty="0" err="1"/>
-              <a:t>features,'left','SK_ID_CURR</a:t>
-            </a:r>
-            <a:r>
-              <a:rPr lang="en-US" dirty="0"/>
-              <a:t>')</a:t>
-            </a:r>
-          </a:p>
-        </p:txBody>
-      </p:sp>
-    </p:spTree>
-    <p:extLst>
-      <p:ext uri="{BB962C8B-B14F-4D97-AF65-F5344CB8AC3E}">
-        <p14:creationId xmlns:p14="http://schemas.microsoft.com/office/powerpoint/2010/main" val="15089491"/>
-      </p:ext>
-    </p:extLst>
-  </p:cSld>
-  <p:clrMapOvr>
-    <a:masterClrMapping/>
-  </p:clrMapOvr>
-</p:sld>
-</file>
-
-<file path=ppt/slides/slide15.xml><?xml version="1.0" encoding="utf-8"?>
-<p:sld xmlns:a="http://schemas.openxmlformats.org/drawingml/2006/main" xmlns:r="http://schemas.openxmlformats.org/officeDocument/2006/relationships" xmlns:p="http://schemas.openxmlformats.org/presentationml/2006/main">
-  <p:cSld>
-    <p:spTree>
-      <p:nvGrpSpPr>
-        <p:cNvPr id="1" name=""/>
-        <p:cNvGrpSpPr/>
-        <p:nvPr/>
-      </p:nvGrpSpPr>
-      <p:grpSpPr>
-        <a:xfrm>
-          <a:off x="0" y="0"/>
-          <a:ext cx="0" cy="0"/>
-          <a:chOff x="0" y="0"/>
-          <a:chExt cx="0" cy="0"/>
-        </a:xfrm>
-      </p:grpSpPr>
-      <p:sp>
-        <p:nvSpPr>
-          <p:cNvPr id="2" name="Titre 1">
-            <a:extLst>
-              <a:ext uri="{FF2B5EF4-FFF2-40B4-BE49-F238E27FC236}">
                 <a16:creationId xmlns:a16="http://schemas.microsoft.com/office/drawing/2014/main" id="{055047BF-746B-444D-8BB4-CC17E7758635}"/>
               </a:ext>
             </a:extLst>
@@ -6846,100 +6301,6 @@
     <p:extLst>
       <p:ext uri="{BB962C8B-B14F-4D97-AF65-F5344CB8AC3E}">
         <p14:creationId xmlns:p14="http://schemas.microsoft.com/office/powerpoint/2010/main" val="1436579337"/>
-      </p:ext>
-    </p:extLst>
-  </p:cSld>
-  <p:clrMapOvr>
-    <a:masterClrMapping/>
-  </p:clrMapOvr>
-</p:sld>
-</file>
-
-<file path=ppt/slides/slide16.xml><?xml version="1.0" encoding="utf-8"?>
-<p:sld xmlns:a="http://schemas.openxmlformats.org/drawingml/2006/main" xmlns:r="http://schemas.openxmlformats.org/officeDocument/2006/relationships" xmlns:p="http://schemas.openxmlformats.org/presentationml/2006/main">
-  <p:cSld>
-    <p:spTree>
-      <p:nvGrpSpPr>
-        <p:cNvPr id="1" name=""/>
-        <p:cNvGrpSpPr/>
-        <p:nvPr/>
-      </p:nvGrpSpPr>
-      <p:grpSpPr>
-        <a:xfrm>
-          <a:off x="0" y="0"/>
-          <a:ext cx="0" cy="0"/>
-          <a:chOff x="0" y="0"/>
-          <a:chExt cx="0" cy="0"/>
-        </a:xfrm>
-      </p:grpSpPr>
-      <p:sp>
-        <p:nvSpPr>
-          <p:cNvPr id="2" name="Titre 1">
-            <a:extLst>
-              <a:ext uri="{FF2B5EF4-FFF2-40B4-BE49-F238E27FC236}">
-                <a16:creationId xmlns:a16="http://schemas.microsoft.com/office/drawing/2014/main" id="{B5ADC8C3-4B57-4F3C-858B-0704F35B37E5}"/>
-              </a:ext>
-            </a:extLst>
-          </p:cNvPr>
-          <p:cNvSpPr>
-            <a:spLocks noGrp="1"/>
-          </p:cNvSpPr>
-          <p:nvPr>
-            <p:ph type="title"/>
-          </p:nvPr>
-        </p:nvSpPr>
-        <p:spPr/>
-        <p:txBody>
-          <a:bodyPr/>
-          <a:lstStyle/>
-          <a:p>
-            <a:endParaRPr lang="en-US"/>
-          </a:p>
-        </p:txBody>
-      </p:sp>
-      <p:cxnSp>
-        <p:nvCxnSpPr>
-          <p:cNvPr id="5" name="Connecteur droit avec flèche 4">
-            <a:extLst>
-              <a:ext uri="{FF2B5EF4-FFF2-40B4-BE49-F238E27FC236}">
-                <a16:creationId xmlns:a16="http://schemas.microsoft.com/office/drawing/2014/main" id="{159291BD-8C7E-4C6C-864E-18C0477D5E44}"/>
-              </a:ext>
-            </a:extLst>
-          </p:cNvPr>
-          <p:cNvCxnSpPr/>
-          <p:nvPr/>
-        </p:nvCxnSpPr>
-        <p:spPr>
-          <a:xfrm>
-            <a:off x="1988820" y="2613660"/>
-            <a:ext cx="6743700" cy="0"/>
-          </a:xfrm>
-          <a:prstGeom prst="straightConnector1">
-            <a:avLst/>
-          </a:prstGeom>
-          <a:ln>
-            <a:tailEnd type="triangle"/>
-          </a:ln>
-        </p:spPr>
-        <p:style>
-          <a:lnRef idx="1">
-            <a:schemeClr val="accent1"/>
-          </a:lnRef>
-          <a:fillRef idx="0">
-            <a:schemeClr val="accent1"/>
-          </a:fillRef>
-          <a:effectRef idx="0">
-            <a:schemeClr val="accent1"/>
-          </a:effectRef>
-          <a:fontRef idx="minor">
-            <a:schemeClr val="tx1"/>
-          </a:fontRef>
-        </p:style>
-      </p:cxnSp>
-    </p:spTree>
-    <p:extLst>
-      <p:ext uri="{BB962C8B-B14F-4D97-AF65-F5344CB8AC3E}">
-        <p14:creationId xmlns:p14="http://schemas.microsoft.com/office/powerpoint/2010/main" val="73836535"/>
       </p:ext>
     </p:extLst>
   </p:cSld>
@@ -10382,7 +9743,7 @@
           <p:cNvPr id="2" name="Titre 1">
             <a:extLst>
               <a:ext uri="{FF2B5EF4-FFF2-40B4-BE49-F238E27FC236}">
-                <a16:creationId xmlns:a16="http://schemas.microsoft.com/office/drawing/2014/main" id="{2C265249-C86C-4EAD-85EA-A41377319A7B}"/>
+                <a16:creationId xmlns:a16="http://schemas.microsoft.com/office/drawing/2014/main" id="{FD05C0B8-5F2B-4BA9-B98E-2ABE90BAC6CB}"/>
               </a:ext>
             </a:extLst>
           </p:cNvPr>
@@ -10400,116 +9761,254 @@
           <a:p>
             <a:r>
               <a:rPr lang="en-US" dirty="0"/>
-              <a:t>LATE_PAYMENT</a:t>
-            </a:r>
-          </a:p>
-        </p:txBody>
-      </p:sp>
-      <p:sp>
-        <p:nvSpPr>
-          <p:cNvPr id="3" name="Espace réservé du contenu 2">
+              <a:t>Model scoring</a:t>
+            </a:r>
+          </a:p>
+        </p:txBody>
+      </p:sp>
+      <p:pic>
+        <p:nvPicPr>
+          <p:cNvPr id="4" name="Image 3">
             <a:extLst>
               <a:ext uri="{FF2B5EF4-FFF2-40B4-BE49-F238E27FC236}">
-                <a16:creationId xmlns:a16="http://schemas.microsoft.com/office/drawing/2014/main" id="{C1A7C45D-8544-4EA6-A3C1-1DD622D2D3F4}"/>
+                <a16:creationId xmlns:a16="http://schemas.microsoft.com/office/drawing/2014/main" id="{D45CC487-9227-4B6E-AE9F-A03618C61CB0}"/>
               </a:ext>
             </a:extLst>
           </p:cNvPr>
-          <p:cNvSpPr>
-            <a:spLocks noGrp="1"/>
-          </p:cNvSpPr>
+          <p:cNvPicPr>
+            <a:picLocks noChangeAspect="1"/>
+          </p:cNvPicPr>
+          <p:nvPr/>
+        </p:nvPicPr>
+        <p:blipFill>
+          <a:blip r:embed="rId2"/>
+          <a:stretch>
+            <a:fillRect/>
+          </a:stretch>
+        </p:blipFill>
+        <p:spPr>
+          <a:xfrm>
+            <a:off x="394060" y="1536487"/>
+            <a:ext cx="2697010" cy="5051124"/>
+          </a:xfrm>
+          <a:prstGeom prst="rect">
+            <a:avLst/>
+          </a:prstGeom>
+        </p:spPr>
+      </p:pic>
+      <p:graphicFrame>
+        <p:nvGraphicFramePr>
+          <p:cNvPr id="12" name="Tableau 12">
+            <a:extLst>
+              <a:ext uri="{FF2B5EF4-FFF2-40B4-BE49-F238E27FC236}">
+                <a16:creationId xmlns:a16="http://schemas.microsoft.com/office/drawing/2014/main" id="{FEE4A446-F479-463B-8353-270981C7B5D6}"/>
+              </a:ext>
+            </a:extLst>
+          </p:cNvPr>
+          <p:cNvGraphicFramePr>
+            <a:graphicFrameLocks noGrp="1"/>
+          </p:cNvGraphicFramePr>
           <p:nvPr>
             <p:ph idx="1"/>
-          </p:nvPr>
-        </p:nvSpPr>
-        <p:spPr/>
-        <p:txBody>
-          <a:bodyPr/>
-          <a:lstStyle/>
-          <a:p>
-            <a:r>
-              <a:rPr lang="en-US" dirty="0"/>
-              <a:t>LATE_PAYMENT feature: I think most of you used installment['DAYS_INSTALMENT']-installment['DAYS_ENTRY_PAYMENT'] as a new feature since it shows number of delays. It was a already good feature but I realized that, when you take last 365 days of installment data and aggregate this delay as a new feature, it added much more value to model. Here is a simple code:</a:t>
-            </a:r>
-          </a:p>
-          <a:p>
-            <a:endParaRPr lang="en-US" dirty="0"/>
-          </a:p>
-          <a:p>
-            <a:r>
-              <a:rPr lang="en-US" dirty="0" err="1"/>
-              <a:t>installment_temp</a:t>
-            </a:r>
-            <a:r>
-              <a:rPr lang="en-US" dirty="0"/>
-              <a:t> = installment[</a:t>
-            </a:r>
-            <a:r>
-              <a:rPr lang="en-US" dirty="0" err="1"/>
-              <a:t>installment.DAYS_ENTRY_PAYMENT</a:t>
-            </a:r>
-            <a:r>
-              <a:rPr lang="en-US" dirty="0"/>
-              <a:t> &gt;= -365]</a:t>
-            </a:r>
-          </a:p>
-          <a:p>
-            <a:r>
-              <a:rPr lang="en-US" dirty="0" err="1"/>
-              <a:t>installment_temp</a:t>
-            </a:r>
-            <a:r>
-              <a:rPr lang="en-US" dirty="0"/>
-              <a:t>['LATE_PAYMENT'] = </a:t>
-            </a:r>
-            <a:r>
-              <a:rPr lang="en-US" dirty="0" err="1"/>
-              <a:t>installment_temp</a:t>
-            </a:r>
-            <a:r>
-              <a:rPr lang="en-US" dirty="0"/>
-              <a:t>['DAYS_INSTALMENT']-</a:t>
-            </a:r>
-            <a:r>
-              <a:rPr lang="en-US" dirty="0" err="1"/>
-              <a:t>installment_temp</a:t>
-            </a:r>
-            <a:r>
-              <a:rPr lang="en-US" dirty="0"/>
-              <a:t>['DAYS_ENTRY_PAYMENT']</a:t>
-            </a:r>
-          </a:p>
-          <a:p>
-            <a:r>
-              <a:rPr lang="en-US" dirty="0" err="1"/>
-              <a:t>late_payment_feature</a:t>
-            </a:r>
-            <a:r>
-              <a:rPr lang="en-US" dirty="0"/>
-              <a:t> = </a:t>
-            </a:r>
-            <a:r>
-              <a:rPr lang="en-US" dirty="0" err="1"/>
-              <a:t>installment_temp.groupby</a:t>
-            </a:r>
-            <a:r>
-              <a:rPr lang="en-US" dirty="0"/>
-              <a:t>('SK_ID_CURR')[['LATE_PAYMENT']].min().</a:t>
-            </a:r>
-            <a:r>
-              <a:rPr lang="en-US" dirty="0" err="1"/>
-              <a:t>reset_index</a:t>
-            </a:r>
-            <a:r>
-              <a:rPr lang="en-US" dirty="0"/>
-              <a:t>()</a:t>
-            </a:r>
-          </a:p>
-        </p:txBody>
-      </p:sp>
+            <p:extLst>
+              <p:ext uri="{D42A27DB-BD31-4B8C-83A1-F6EECF244321}">
+                <p14:modId xmlns:p14="http://schemas.microsoft.com/office/powerpoint/2010/main" val="326718712"/>
+              </p:ext>
+            </p:extLst>
+          </p:nvPr>
+        </p:nvGraphicFramePr>
+        <p:xfrm>
+          <a:off x="5317724" y="1609941"/>
+          <a:ext cx="4794492" cy="1920240"/>
+        </p:xfrm>
+        <a:graphic>
+          <a:graphicData uri="http://schemas.openxmlformats.org/drawingml/2006/table">
+            <a:tbl>
+              <a:tblPr firstRow="1" bandRow="1">
+                <a:tableStyleId>{5C22544A-7EE6-4342-B048-85BDC9FD1C3A}</a:tableStyleId>
+              </a:tblPr>
+              <a:tblGrid>
+                <a:gridCol w="1598164">
+                  <a:extLst>
+                    <a:ext uri="{9D8B030D-6E8A-4147-A177-3AD203B41FA5}">
+                      <a16:colId xmlns:a16="http://schemas.microsoft.com/office/drawing/2014/main" val="2173841301"/>
+                    </a:ext>
+                  </a:extLst>
+                </a:gridCol>
+                <a:gridCol w="1598164">
+                  <a:extLst>
+                    <a:ext uri="{9D8B030D-6E8A-4147-A177-3AD203B41FA5}">
+                      <a16:colId xmlns:a16="http://schemas.microsoft.com/office/drawing/2014/main" val="767980492"/>
+                    </a:ext>
+                  </a:extLst>
+                </a:gridCol>
+                <a:gridCol w="1598164">
+                  <a:extLst>
+                    <a:ext uri="{9D8B030D-6E8A-4147-A177-3AD203B41FA5}">
+                      <a16:colId xmlns:a16="http://schemas.microsoft.com/office/drawing/2014/main" val="2567302872"/>
+                    </a:ext>
+                  </a:extLst>
+                </a:gridCol>
+              </a:tblGrid>
+              <a:tr h="370840">
+                <a:tc>
+                  <a:txBody>
+                    <a:bodyPr/>
+                    <a:lstStyle/>
+                    <a:p>
+                      <a:endParaRPr lang="en-US"/>
+                    </a:p>
+                  </a:txBody>
+                  <a:tcPr/>
+                </a:tc>
+                <a:tc>
+                  <a:txBody>
+                    <a:bodyPr/>
+                    <a:lstStyle/>
+                    <a:p>
+                      <a:r>
+                        <a:rPr lang="en-US" dirty="0"/>
+                        <a:t>Actual Good</a:t>
+                      </a:r>
+                    </a:p>
+                  </a:txBody>
+                  <a:tcPr/>
+                </a:tc>
+                <a:tc>
+                  <a:txBody>
+                    <a:bodyPr/>
+                    <a:lstStyle/>
+                    <a:p>
+                      <a:r>
+                        <a:rPr lang="en-US" dirty="0"/>
+                        <a:t>Actual </a:t>
+                      </a:r>
+                    </a:p>
+                    <a:p>
+                      <a:r>
+                        <a:rPr lang="en-US" dirty="0"/>
+                        <a:t>Bad</a:t>
+                      </a:r>
+                    </a:p>
+                  </a:txBody>
+                  <a:tcPr/>
+                </a:tc>
+                <a:extLst>
+                  <a:ext uri="{0D108BD9-81ED-4DB2-BD59-A6C34878D82A}">
+                    <a16:rowId xmlns:a16="http://schemas.microsoft.com/office/drawing/2014/main" val="542198579"/>
+                  </a:ext>
+                </a:extLst>
+              </a:tr>
+              <a:tr h="370840">
+                <a:tc>
+                  <a:txBody>
+                    <a:bodyPr/>
+                    <a:lstStyle/>
+                    <a:p>
+                      <a:r>
+                        <a:rPr lang="en-US" dirty="0"/>
+                        <a:t>Predicted Good</a:t>
+                      </a:r>
+                    </a:p>
+                  </a:txBody>
+                  <a:tcPr/>
+                </a:tc>
+                <a:tc>
+                  <a:txBody>
+                    <a:bodyPr/>
+                    <a:lstStyle/>
+                    <a:p>
+                      <a:r>
+                        <a:rPr lang="en-US" dirty="0" err="1"/>
+                        <a:t>tn</a:t>
+                      </a:r>
+                      <a:endParaRPr lang="en-US" dirty="0"/>
+                    </a:p>
+                  </a:txBody>
+                  <a:tcPr/>
+                </a:tc>
+                <a:tc>
+                  <a:txBody>
+                    <a:bodyPr/>
+                    <a:lstStyle/>
+                    <a:p>
+                      <a:r>
+                        <a:rPr lang="en-US" dirty="0" err="1"/>
+                        <a:t>fn</a:t>
+                      </a:r>
+                      <a:endParaRPr lang="en-US" dirty="0"/>
+                    </a:p>
+                  </a:txBody>
+                  <a:tcPr/>
+                </a:tc>
+                <a:extLst>
+                  <a:ext uri="{0D108BD9-81ED-4DB2-BD59-A6C34878D82A}">
+                    <a16:rowId xmlns:a16="http://schemas.microsoft.com/office/drawing/2014/main" val="1738922171"/>
+                  </a:ext>
+                </a:extLst>
+              </a:tr>
+              <a:tr h="370840">
+                <a:tc>
+                  <a:txBody>
+                    <a:bodyPr/>
+                    <a:lstStyle/>
+                    <a:p>
+                      <a:r>
+                        <a:rPr lang="en-US" dirty="0"/>
+                        <a:t>Predicted</a:t>
+                      </a:r>
+                    </a:p>
+                    <a:p>
+                      <a:r>
+                        <a:rPr lang="en-US" dirty="0"/>
+                        <a:t>Bad</a:t>
+                      </a:r>
+                    </a:p>
+                  </a:txBody>
+                  <a:tcPr/>
+                </a:tc>
+                <a:tc>
+                  <a:txBody>
+                    <a:bodyPr/>
+                    <a:lstStyle/>
+                    <a:p>
+                      <a:r>
+                        <a:rPr lang="en-US" dirty="0" err="1"/>
+                        <a:t>fp</a:t>
+                      </a:r>
+                      <a:endParaRPr lang="en-US" dirty="0"/>
+                    </a:p>
+                  </a:txBody>
+                  <a:tcPr/>
+                </a:tc>
+                <a:tc>
+                  <a:txBody>
+                    <a:bodyPr/>
+                    <a:lstStyle/>
+                    <a:p>
+                      <a:r>
+                        <a:rPr lang="en-US" dirty="0" err="1"/>
+                        <a:t>tp</a:t>
+                      </a:r>
+                      <a:endParaRPr lang="en-US" dirty="0"/>
+                    </a:p>
+                  </a:txBody>
+                  <a:tcPr/>
+                </a:tc>
+                <a:extLst>
+                  <a:ext uri="{0D108BD9-81ED-4DB2-BD59-A6C34878D82A}">
+                    <a16:rowId xmlns:a16="http://schemas.microsoft.com/office/drawing/2014/main" val="2155475029"/>
+                  </a:ext>
+                </a:extLst>
+              </a:tr>
+            </a:tbl>
+          </a:graphicData>
+        </a:graphic>
+      </p:graphicFrame>
     </p:spTree>
     <p:extLst>
       <p:ext uri="{BB962C8B-B14F-4D97-AF65-F5344CB8AC3E}">
-        <p14:creationId xmlns:p14="http://schemas.microsoft.com/office/powerpoint/2010/main" val="3694431998"/>
+        <p14:creationId xmlns:p14="http://schemas.microsoft.com/office/powerpoint/2010/main" val="2836849427"/>
       </p:ext>
     </p:extLst>
   </p:cSld>

--- a/P7_Support.pptx
+++ b/P7_Support.pptx
@@ -5,24 +5,25 @@
     <p:sldMasterId id="2147483648" r:id="rId1"/>
   </p:sldMasterIdLst>
   <p:notesMasterIdLst>
-    <p:notesMasterId r:id="rId17"/>
+    <p:notesMasterId r:id="rId18"/>
   </p:notesMasterIdLst>
   <p:sldIdLst>
     <p:sldId id="256" r:id="rId2"/>
     <p:sldId id="273" r:id="rId3"/>
-    <p:sldId id="257" r:id="rId4"/>
-    <p:sldId id="260" r:id="rId5"/>
-    <p:sldId id="271" r:id="rId6"/>
-    <p:sldId id="270" r:id="rId7"/>
-    <p:sldId id="272" r:id="rId8"/>
-    <p:sldId id="258" r:id="rId9"/>
-    <p:sldId id="274" r:id="rId10"/>
-    <p:sldId id="262" r:id="rId11"/>
-    <p:sldId id="264" r:id="rId12"/>
-    <p:sldId id="265" r:id="rId13"/>
-    <p:sldId id="268" r:id="rId14"/>
-    <p:sldId id="261" r:id="rId15"/>
-    <p:sldId id="259" r:id="rId16"/>
+    <p:sldId id="260" r:id="rId4"/>
+    <p:sldId id="257" r:id="rId5"/>
+    <p:sldId id="275" r:id="rId6"/>
+    <p:sldId id="271" r:id="rId7"/>
+    <p:sldId id="270" r:id="rId8"/>
+    <p:sldId id="272" r:id="rId9"/>
+    <p:sldId id="258" r:id="rId10"/>
+    <p:sldId id="274" r:id="rId11"/>
+    <p:sldId id="262" r:id="rId12"/>
+    <p:sldId id="264" r:id="rId13"/>
+    <p:sldId id="265" r:id="rId14"/>
+    <p:sldId id="268" r:id="rId15"/>
+    <p:sldId id="261" r:id="rId16"/>
+    <p:sldId id="259" r:id="rId17"/>
   </p:sldIdLst>
   <p:sldSz cx="12192000" cy="6858000"/>
   <p:notesSz cx="6858000" cy="9144000"/>
@@ -211,7 +212,7 @@
           <a:p>
             <a:fld id="{3A3A1FCF-03E3-4408-8381-D0334BEBE485}" type="datetimeFigureOut">
               <a:rPr lang="en-US" smtClean="0"/>
-              <a:t>11/19/2020</a:t>
+              <a:t>11/25/2020</a:t>
             </a:fld>
             <a:endParaRPr lang="en-US"/>
           </a:p>
@@ -766,7 +767,7 @@
           <a:p>
             <a:fld id="{F8E22576-C4F4-4EDF-B97C-7B94D5CB009F}" type="datetime1">
               <a:rPr lang="en-US" smtClean="0"/>
-              <a:t>11/19/2020</a:t>
+              <a:t>11/25/2020</a:t>
             </a:fld>
             <a:endParaRPr lang="en-US" dirty="0"/>
           </a:p>
@@ -1080,7 +1081,7 @@
           <a:p>
             <a:fld id="{E7DF423C-6B85-489F-8985-42D5E02EC83A}" type="datetime1">
               <a:rPr lang="en-US" smtClean="0"/>
-              <a:t>11/19/2020</a:t>
+              <a:t>11/25/2020</a:t>
             </a:fld>
             <a:endParaRPr lang="en-US" dirty="0"/>
           </a:p>
@@ -1564,7 +1565,7 @@
           <a:p>
             <a:fld id="{433DE7D3-6AAD-46BF-8CA7-B0A52335CC93}" type="datetime1">
               <a:rPr lang="en-US" smtClean="0"/>
-              <a:t>11/19/2020</a:t>
+              <a:t>11/25/2020</a:t>
             </a:fld>
             <a:endParaRPr lang="en-US" dirty="0"/>
           </a:p>
@@ -1929,7 +1930,7 @@
           <a:p>
             <a:fld id="{D5B5E7CF-0C7A-4EBE-B8F1-82AC50C3CC85}" type="datetime1">
               <a:rPr lang="en-US" smtClean="0"/>
-              <a:t>11/19/2020</a:t>
+              <a:t>11/25/2020</a:t>
             </a:fld>
             <a:endParaRPr lang="en-US" dirty="0"/>
           </a:p>
@@ -2198,7 +2199,7 @@
           <a:p>
             <a:fld id="{B40E40EB-A66F-46C8-94CF-B2D673C3B898}" type="datetime1">
               <a:rPr lang="en-US" smtClean="0"/>
-              <a:t>11/19/2020</a:t>
+              <a:t>11/25/2020</a:t>
             </a:fld>
             <a:endParaRPr lang="en-US" dirty="0"/>
           </a:p>
@@ -2479,7 +2480,7 @@
           <a:p>
             <a:fld id="{DC80344E-05EC-499B-9FE5-1D2B390E40DB}" type="datetime1">
               <a:rPr lang="en-US" smtClean="0"/>
-              <a:t>11/19/2020</a:t>
+              <a:t>11/25/2020</a:t>
             </a:fld>
             <a:endParaRPr lang="en-US" dirty="0"/>
           </a:p>
@@ -2758,7 +2759,7 @@
           <a:p>
             <a:fld id="{47FED509-1D66-4985-87A1-534CD005A98A}" type="datetime1">
               <a:rPr lang="en-US" smtClean="0"/>
-              <a:t>11/19/2020</a:t>
+              <a:t>11/25/2020</a:t>
             </a:fld>
             <a:endParaRPr lang="en-US" dirty="0"/>
           </a:p>
@@ -3097,7 +3098,7 @@
           <a:p>
             <a:fld id="{28B7FAA6-7AB3-43A0-8C24-0075707EE126}" type="datetime1">
               <a:rPr lang="en-US" smtClean="0"/>
-              <a:t>11/19/2020</a:t>
+              <a:t>11/25/2020</a:t>
             </a:fld>
             <a:endParaRPr lang="en-US" dirty="0"/>
           </a:p>
@@ -3437,7 +3438,7 @@
           <a:p>
             <a:fld id="{234823E8-B96B-4B24-934A-5116063E61F6}" type="datetime1">
               <a:rPr lang="en-US" smtClean="0"/>
-              <a:t>11/19/2020</a:t>
+              <a:t>11/25/2020</a:t>
             </a:fld>
             <a:endParaRPr lang="en-US" dirty="0"/>
           </a:p>
@@ -3915,7 +3916,7 @@
           <a:p>
             <a:fld id="{4D78674C-BAB2-45D9-A70C-1690C6F2B73F}" type="datetime1">
               <a:rPr lang="en-US" smtClean="0"/>
-              <a:t>11/19/2020</a:t>
+              <a:t>11/25/2020</a:t>
             </a:fld>
             <a:endParaRPr lang="en-US" dirty="0"/>
           </a:p>
@@ -4137,7 +4138,7 @@
           <a:p>
             <a:fld id="{064EDE00-0020-4228-84AF-E10FB0409C38}" type="datetime1">
               <a:rPr lang="en-US" smtClean="0"/>
-              <a:t>11/19/2020</a:t>
+              <a:t>11/25/2020</a:t>
             </a:fld>
             <a:endParaRPr lang="en-US" dirty="0"/>
           </a:p>
@@ -4228,7 +4229,7 @@
           <a:p>
             <a:fld id="{63BBFA0A-E36D-4829-A263-20571BD6C85F}" type="datetime1">
               <a:rPr lang="en-US" smtClean="0"/>
-              <a:t>11/19/2020</a:t>
+              <a:t>11/25/2020</a:t>
             </a:fld>
             <a:endParaRPr lang="en-US" dirty="0"/>
           </a:p>
@@ -4691,7 +4692,7 @@
           <a:p>
             <a:fld id="{5402C06C-4D99-403F-BA73-2E84A17C221C}" type="datetime1">
               <a:rPr lang="en-US" smtClean="0"/>
-              <a:t>11/19/2020</a:t>
+              <a:t>11/25/2020</a:t>
             </a:fld>
             <a:endParaRPr lang="en-US" dirty="0"/>
           </a:p>
@@ -5000,7 +5001,7 @@
           <a:p>
             <a:fld id="{37E8998C-C08E-41C0-AE8E-EA9EE5B062A2}" type="datetime1">
               <a:rPr lang="en-US" smtClean="0"/>
-              <a:t>11/19/2020</a:t>
+              <a:t>11/25/2020</a:t>
             </a:fld>
             <a:endParaRPr lang="en-US" dirty="0"/>
           </a:p>
@@ -5266,7 +5267,7 @@
           <a:p>
             <a:fld id="{444D0025-A22A-42C9-9B9E-EE5001047EF9}" type="datetime1">
               <a:rPr lang="en-US" smtClean="0"/>
-              <a:t>11/19/2020</a:t>
+              <a:t>11/25/2020</a:t>
             </a:fld>
             <a:endParaRPr lang="en-US" dirty="0"/>
           </a:p>
@@ -5944,7 +5945,7 @@
           <p:cNvPr id="2" name="Titre 1">
             <a:extLst>
               <a:ext uri="{FF2B5EF4-FFF2-40B4-BE49-F238E27FC236}">
-                <a16:creationId xmlns:a16="http://schemas.microsoft.com/office/drawing/2014/main" id="{2C265249-C86C-4EAD-85EA-A41377319A7B}"/>
+                <a16:creationId xmlns:a16="http://schemas.microsoft.com/office/drawing/2014/main" id="{FADEDAFA-DE07-44F7-A631-F515172E6A54}"/>
               </a:ext>
             </a:extLst>
           </p:cNvPr>
@@ -5962,7 +5963,7 @@
           <a:p>
             <a:r>
               <a:rPr lang="en-US" dirty="0"/>
-              <a:t>LATE_PAYMENT</a:t>
+              <a:t>Model</a:t>
             </a:r>
           </a:p>
         </p:txBody>
@@ -5972,7 +5973,7 @@
           <p:cNvPr id="3" name="Espace réservé du contenu 2">
             <a:extLst>
               <a:ext uri="{FF2B5EF4-FFF2-40B4-BE49-F238E27FC236}">
-                <a16:creationId xmlns:a16="http://schemas.microsoft.com/office/drawing/2014/main" id="{C1A7C45D-8544-4EA6-A3C1-1DD622D2D3F4}"/>
+                <a16:creationId xmlns:a16="http://schemas.microsoft.com/office/drawing/2014/main" id="{C118B2EB-8CCF-4D4E-982E-B9EA5CBAE320}"/>
               </a:ext>
             </a:extLst>
           </p:cNvPr>
@@ -5989,81 +5990,88 @@
           <a:lstStyle/>
           <a:p>
             <a:r>
+              <a:rPr lang="en-US" dirty="0" err="1"/>
+              <a:t>Best_model</a:t>
+            </a:r>
+            <a:endParaRPr lang="en-US" dirty="0"/>
+          </a:p>
+          <a:p>
+            <a:endParaRPr lang="en-US" dirty="0"/>
+          </a:p>
+          <a:p>
+            <a:r>
+              <a:rPr lang="en-US" dirty="0" err="1"/>
+              <a:t>LogisticRegression</a:t>
+            </a:r>
+            <a:r>
               <a:rPr lang="en-US" dirty="0"/>
-              <a:t>LATE_PAYMENT feature: I think most of you used installment['DAYS_INSTALMENT']-installment['DAYS_ENTRY_PAYMENT'] as a new feature since it shows number of delays. It was a already good feature but I realized that, when you take last 365 days of installment data and aggregate this delay as a new feature, it added much more value to model. Here is a simple code:</a:t>
-            </a:r>
-          </a:p>
-          <a:p>
-            <a:endParaRPr lang="en-US" dirty="0"/>
-          </a:p>
-          <a:p>
+              <a:t>(C=0.07843860221395219, </a:t>
+            </a:r>
             <a:r>
               <a:rPr lang="en-US" dirty="0" err="1"/>
-              <a:t>installment_temp</a:t>
+              <a:t>class_weight</a:t>
             </a:r>
             <a:r>
               <a:rPr lang="en-US" dirty="0"/>
-              <a:t> = installment[</a:t>
+              <a:t>='balanced', </a:t>
             </a:r>
             <a:r>
               <a:rPr lang="en-US" dirty="0" err="1"/>
-              <a:t>installment.DAYS_ENTRY_PAYMENT</a:t>
+              <a:t>max_iter</a:t>
             </a:r>
             <a:r>
               <a:rPr lang="en-US" dirty="0"/>
-              <a:t> &gt;= -365]</a:t>
-            </a:r>
-          </a:p>
-          <a:p>
+              <a:t>=</a:t>
+            </a:r>
+            <a:r>
+              <a:rPr lang="en-US" b="1" dirty="0">
+                <a:solidFill>
+                  <a:srgbClr val="FF0000"/>
+                </a:solidFill>
+              </a:rPr>
+              <a:t>979</a:t>
+            </a:r>
+            <a:r>
+              <a:rPr lang="en-US" dirty="0"/>
+              <a:t>,</a:t>
+            </a:r>
+          </a:p>
+          <a:p>
+            <a:r>
+              <a:rPr lang="en-US" dirty="0"/>
+              <a:t>                   solver='</a:t>
+            </a:r>
             <a:r>
               <a:rPr lang="en-US" dirty="0" err="1"/>
-              <a:t>installment_temp</a:t>
+              <a:t>liblinear</a:t>
             </a:r>
             <a:r>
               <a:rPr lang="en-US" dirty="0"/>
-              <a:t>['LATE_PAYMENT'] = </a:t>
+              <a:t>', </a:t>
             </a:r>
             <a:r>
               <a:rPr lang="en-US" dirty="0" err="1"/>
-              <a:t>installment_temp</a:t>
+              <a:t>tol</a:t>
             </a:r>
             <a:r>
               <a:rPr lang="en-US" dirty="0"/>
-              <a:t>['DAYS_INSTALMENT']-</a:t>
-            </a:r>
+              <a:t>=3.5415873409699916e-05)</a:t>
+            </a:r>
+          </a:p>
+          <a:p>
+            <a:r>
+              <a:rPr lang="en-US" dirty="0"/>
+              <a:t>AUC score:  0.7102</a:t>
+            </a:r>
+          </a:p>
+          <a:p>
             <a:r>
               <a:rPr lang="en-US" dirty="0" err="1"/>
-              <a:t>installment_temp</a:t>
+              <a:t>Fbeta</a:t>
             </a:r>
             <a:r>
               <a:rPr lang="en-US" dirty="0"/>
-              <a:t>['DAYS_ENTRY_PAYMENT']</a:t>
-            </a:r>
-          </a:p>
-          <a:p>
-            <a:r>
-              <a:rPr lang="en-US" dirty="0" err="1"/>
-              <a:t>late_payment_feature</a:t>
-            </a:r>
-            <a:r>
-              <a:rPr lang="en-US" dirty="0"/>
-              <a:t> = </a:t>
-            </a:r>
-            <a:r>
-              <a:rPr lang="en-US" dirty="0" err="1"/>
-              <a:t>installment_temp.groupby</a:t>
-            </a:r>
-            <a:r>
-              <a:rPr lang="en-US" dirty="0"/>
-              <a:t>('SK_ID_CURR')[['LATE_PAYMENT']].min().</a:t>
-            </a:r>
-            <a:r>
-              <a:rPr lang="en-US" dirty="0" err="1"/>
-              <a:t>reset_index</a:t>
-            </a:r>
-            <a:r>
-              <a:rPr lang="en-US" dirty="0"/>
-              <a:t>()</a:t>
+              <a:t> score (7):  0.6146</a:t>
             </a:r>
           </a:p>
         </p:txBody>
@@ -6073,7 +6081,7 @@
           <p:cNvPr id="4" name="Espace réservé du numéro de diapositive 3">
             <a:extLst>
               <a:ext uri="{FF2B5EF4-FFF2-40B4-BE49-F238E27FC236}">
-                <a16:creationId xmlns:a16="http://schemas.microsoft.com/office/drawing/2014/main" id="{98BB1969-A185-4B4C-921A-CC034C32C564}"/>
+                <a16:creationId xmlns:a16="http://schemas.microsoft.com/office/drawing/2014/main" id="{68D9BEF3-5895-43F0-925A-E45CC5D8A056}"/>
               </a:ext>
             </a:extLst>
           </p:cNvPr>
@@ -6098,10 +6106,40 @@
           </a:p>
         </p:txBody>
       </p:sp>
+      <p:pic>
+        <p:nvPicPr>
+          <p:cNvPr id="5" name="Image 4">
+            <a:extLst>
+              <a:ext uri="{FF2B5EF4-FFF2-40B4-BE49-F238E27FC236}">
+                <a16:creationId xmlns:a16="http://schemas.microsoft.com/office/drawing/2014/main" id="{0A05D58A-64FA-45AB-A152-3D198207B792}"/>
+              </a:ext>
+            </a:extLst>
+          </p:cNvPr>
+          <p:cNvPicPr>
+            <a:picLocks noChangeAspect="1"/>
+          </p:cNvPicPr>
+          <p:nvPr/>
+        </p:nvPicPr>
+        <p:blipFill>
+          <a:blip r:embed="rId2"/>
+          <a:stretch>
+            <a:fillRect/>
+          </a:stretch>
+        </p:blipFill>
+        <p:spPr>
+          <a:xfrm>
+            <a:off x="9522403" y="158120"/>
+            <a:ext cx="2880988" cy="1649018"/>
+          </a:xfrm>
+          <a:prstGeom prst="rect">
+            <a:avLst/>
+          </a:prstGeom>
+        </p:spPr>
+      </p:pic>
     </p:spTree>
     <p:extLst>
       <p:ext uri="{BB962C8B-B14F-4D97-AF65-F5344CB8AC3E}">
-        <p14:creationId xmlns:p14="http://schemas.microsoft.com/office/powerpoint/2010/main" val="3694431998"/>
+        <p14:creationId xmlns:p14="http://schemas.microsoft.com/office/powerpoint/2010/main" val="3292613881"/>
       </p:ext>
     </p:extLst>
   </p:cSld>
@@ -6133,7 +6171,7 @@
           <p:cNvPr id="2" name="Titre 1">
             <a:extLst>
               <a:ext uri="{FF2B5EF4-FFF2-40B4-BE49-F238E27FC236}">
-                <a16:creationId xmlns:a16="http://schemas.microsoft.com/office/drawing/2014/main" id="{15EFA4C4-C546-4B77-A120-1E83767F1E78}"/>
+                <a16:creationId xmlns:a16="http://schemas.microsoft.com/office/drawing/2014/main" id="{2C265249-C86C-4EAD-85EA-A41377319A7B}"/>
               </a:ext>
             </a:extLst>
           </p:cNvPr>
@@ -6151,7 +6189,7 @@
           <a:p>
             <a:r>
               <a:rPr lang="en-US" dirty="0"/>
-              <a:t>Debt ratio </a:t>
+              <a:t>LATE_PAYMENT</a:t>
             </a:r>
           </a:p>
         </p:txBody>
@@ -6161,7 +6199,7 @@
           <p:cNvPr id="3" name="Espace réservé du contenu 2">
             <a:extLst>
               <a:ext uri="{FF2B5EF4-FFF2-40B4-BE49-F238E27FC236}">
-                <a16:creationId xmlns:a16="http://schemas.microsoft.com/office/drawing/2014/main" id="{83D8FF25-B22A-485E-93AF-4EC177893BD4}"/>
+                <a16:creationId xmlns:a16="http://schemas.microsoft.com/office/drawing/2014/main" id="{C1A7C45D-8544-4EA6-A3C1-1DD622D2D3F4}"/>
               </a:ext>
             </a:extLst>
           </p:cNvPr>
@@ -6179,50 +6217,60 @@
           <a:p>
             <a:r>
               <a:rPr lang="en-US" dirty="0"/>
-              <a:t>Most important </a:t>
-            </a:r>
+              <a:t>LATE_PAYMENT feature: I think most of you used installment['DAYS_INSTALMENT']-installment['DAYS_ENTRY_PAYMENT'] as a new feature since it shows number of delays. It was a already good feature but I realized that, when you take last 365 days of installment data and aggregate this delay as a new feature, it added much more value to model. Here is a simple code:</a:t>
+            </a:r>
+          </a:p>
+          <a:p>
+            <a:endParaRPr lang="en-US" dirty="0"/>
+          </a:p>
+          <a:p>
             <a:r>
               <a:rPr lang="en-US" dirty="0" err="1"/>
-              <a:t>buraeu</a:t>
+              <a:t>installment_temp</a:t>
             </a:r>
             <a:r>
               <a:rPr lang="en-US" dirty="0"/>
-              <a:t> feature: Debt ratio was the most important feature I found in bureau file. I also tried using more recent bureau data for this feature but it was the best when I used all data.</a:t>
-            </a:r>
-          </a:p>
-          <a:p>
-            <a:endParaRPr lang="en-US" dirty="0"/>
-          </a:p>
-          <a:p>
+              <a:t> = installment[</a:t>
+            </a:r>
             <a:r>
               <a:rPr lang="en-US" dirty="0" err="1"/>
-              <a:t>buro</a:t>
+              <a:t>installment.DAYS_ENTRY_PAYMENT</a:t>
             </a:r>
             <a:r>
               <a:rPr lang="en-US" dirty="0"/>
-              <a:t>['DEBT_RATIO']=</a:t>
-            </a:r>
+              <a:t> &gt;= -365]</a:t>
+            </a:r>
+          </a:p>
+          <a:p>
             <a:r>
               <a:rPr lang="en-US" dirty="0" err="1"/>
-              <a:t>buro</a:t>
+              <a:t>installment_temp</a:t>
             </a:r>
             <a:r>
               <a:rPr lang="en-US" dirty="0"/>
-              <a:t>['AMT_CREDIT_SUM_DEBT']/</a:t>
+              <a:t>['LATE_PAYMENT'] = </a:t>
             </a:r>
             <a:r>
               <a:rPr lang="en-US" dirty="0" err="1"/>
-              <a:t>buro</a:t>
+              <a:t>installment_temp</a:t>
             </a:r>
             <a:r>
               <a:rPr lang="en-US" dirty="0"/>
-              <a:t>['AMT_CREDIT_SUM']</a:t>
-            </a:r>
-          </a:p>
-          <a:p>
+              <a:t>['DAYS_INSTALMENT']-</a:t>
+            </a:r>
             <a:r>
               <a:rPr lang="en-US" dirty="0" err="1"/>
-              <a:t>debt_ratio_feature</a:t>
+              <a:t>installment_temp</a:t>
+            </a:r>
+            <a:r>
+              <a:rPr lang="en-US" dirty="0"/>
+              <a:t>['DAYS_ENTRY_PAYMENT']</a:t>
+            </a:r>
+          </a:p>
+          <a:p>
+            <a:r>
+              <a:rPr lang="en-US" dirty="0" err="1"/>
+              <a:t>late_payment_feature</a:t>
             </a:r>
             <a:r>
               <a:rPr lang="en-US" dirty="0"/>
@@ -6230,11 +6278,19 @@
             </a:r>
             <a:r>
               <a:rPr lang="en-US" dirty="0" err="1"/>
-              <a:t>buro.groupby</a:t>
+              <a:t>installment_temp.groupby</a:t>
             </a:r>
             <a:r>
               <a:rPr lang="en-US" dirty="0"/>
-              <a:t>('SK_ID_CURR')['DEBT_RATIO'].max()</a:t>
+              <a:t>('SK_ID_CURR')[['LATE_PAYMENT']].min().</a:t>
+            </a:r>
+            <a:r>
+              <a:rPr lang="en-US" dirty="0" err="1"/>
+              <a:t>reset_index</a:t>
+            </a:r>
+            <a:r>
+              <a:rPr lang="en-US" dirty="0"/>
+              <a:t>()</a:t>
             </a:r>
           </a:p>
         </p:txBody>
@@ -6244,7 +6300,7 @@
           <p:cNvPr id="4" name="Espace réservé du numéro de diapositive 3">
             <a:extLst>
               <a:ext uri="{FF2B5EF4-FFF2-40B4-BE49-F238E27FC236}">
-                <a16:creationId xmlns:a16="http://schemas.microsoft.com/office/drawing/2014/main" id="{7B47366C-2CAC-44DF-A423-A769819B8E9D}"/>
+                <a16:creationId xmlns:a16="http://schemas.microsoft.com/office/drawing/2014/main" id="{98BB1969-A185-4B4C-921A-CC034C32C564}"/>
               </a:ext>
             </a:extLst>
           </p:cNvPr>
@@ -6272,7 +6328,7 @@
     </p:spTree>
     <p:extLst>
       <p:ext uri="{BB962C8B-B14F-4D97-AF65-F5344CB8AC3E}">
-        <p14:creationId xmlns:p14="http://schemas.microsoft.com/office/powerpoint/2010/main" val="4239164218"/>
+        <p14:creationId xmlns:p14="http://schemas.microsoft.com/office/powerpoint/2010/main" val="3694431998"/>
       </p:ext>
     </p:extLst>
   </p:cSld>
@@ -6304,7 +6360,7 @@
           <p:cNvPr id="2" name="Titre 1">
             <a:extLst>
               <a:ext uri="{FF2B5EF4-FFF2-40B4-BE49-F238E27FC236}">
-                <a16:creationId xmlns:a16="http://schemas.microsoft.com/office/drawing/2014/main" id="{A75B00C4-A8DA-4513-88C8-E3E14E3375AD}"/>
+                <a16:creationId xmlns:a16="http://schemas.microsoft.com/office/drawing/2014/main" id="{15EFA4C4-C546-4B77-A120-1E83767F1E78}"/>
               </a:ext>
             </a:extLst>
           </p:cNvPr>
@@ -6322,7 +6378,7 @@
           <a:p>
             <a:r>
               <a:rPr lang="en-US" dirty="0"/>
-              <a:t>Interest Rate Features / previous</a:t>
+              <a:t>Debt ratio </a:t>
             </a:r>
           </a:p>
         </p:txBody>
@@ -6332,7 +6388,7 @@
           <p:cNvPr id="3" name="Espace réservé du contenu 2">
             <a:extLst>
               <a:ext uri="{FF2B5EF4-FFF2-40B4-BE49-F238E27FC236}">
-                <a16:creationId xmlns:a16="http://schemas.microsoft.com/office/drawing/2014/main" id="{C03D6D08-2E39-4725-B9CF-E3FC47B14129}"/>
+                <a16:creationId xmlns:a16="http://schemas.microsoft.com/office/drawing/2014/main" id="{83D8FF25-B22A-485E-93AF-4EC177893BD4}"/>
               </a:ext>
             </a:extLst>
           </p:cNvPr>
@@ -6345,14 +6401,20 @@
         </p:nvSpPr>
         <p:spPr/>
         <p:txBody>
-          <a:bodyPr>
-            <a:normAutofit fontScale="85000" lnSpcReduction="10000"/>
-          </a:bodyPr>
+          <a:bodyPr/>
           <a:lstStyle/>
           <a:p>
             <a:r>
               <a:rPr lang="en-US" dirty="0"/>
-              <a:t>Interest rate seems to be an important feature in predicting loan default.(You can see this from the lending club dataset) We were not given interest rate directly in either Main Application data or Previous Application data but we could approximate it:</a:t>
+              <a:t>Most important </a:t>
+            </a:r>
+            <a:r>
+              <a:rPr lang="en-US" dirty="0" err="1"/>
+              <a:t>buraeu</a:t>
+            </a:r>
+            <a:r>
+              <a:rPr lang="en-US" dirty="0"/>
+              <a:t> feature: Debt ratio was the most important feature I found in bureau file. I also tried using more recent bureau data for this feature but it was the best when I used all data.</a:t>
             </a:r>
           </a:p>
           <a:p>
@@ -6360,111 +6422,46 @@
           </a:p>
           <a:p>
             <a:r>
+              <a:rPr lang="en-US" dirty="0" err="1"/>
+              <a:t>buro</a:t>
+            </a:r>
+            <a:r>
               <a:rPr lang="en-US" dirty="0"/>
-              <a:t>Previous Application - The key thing here is that AMT_ANNUITY includes interest. Based on AMT_CREDIT, AMT_ANNUITY, and CNT_PAYMENT we can derive interest rate.</a:t>
-            </a:r>
-          </a:p>
-          <a:p>
-            <a:endParaRPr lang="en-US" dirty="0"/>
-          </a:p>
-          <a:p>
+              <a:t>['DEBT_RATIO']=</a:t>
+            </a:r>
             <a:r>
               <a:rPr lang="en-US" dirty="0" err="1"/>
-              <a:t>prev_app</a:t>
+              <a:t>buro</a:t>
             </a:r>
             <a:r>
               <a:rPr lang="en-US" dirty="0"/>
-              <a:t>['INTEREST'] = </a:t>
+              <a:t>['AMT_CREDIT_SUM_DEBT']/</a:t>
             </a:r>
             <a:r>
               <a:rPr lang="en-US" dirty="0" err="1"/>
-              <a:t>prev_app</a:t>
+              <a:t>buro</a:t>
             </a:r>
             <a:r>
               <a:rPr lang="en-US" dirty="0"/>
-              <a:t>['CNT_PAYMENT']*</a:t>
-            </a:r>
+              <a:t>['AMT_CREDIT_SUM']</a:t>
+            </a:r>
+          </a:p>
+          <a:p>
             <a:r>
               <a:rPr lang="en-US" dirty="0" err="1"/>
-              <a:t>prev_app</a:t>
+              <a:t>debt_ratio_feature</a:t>
             </a:r>
             <a:r>
               <a:rPr lang="en-US" dirty="0"/>
-              <a:t>['AMT_ANNUITY'] - </a:t>
+              <a:t> = </a:t>
             </a:r>
             <a:r>
               <a:rPr lang="en-US" dirty="0" err="1"/>
-              <a:t>prev_app</a:t>
+              <a:t>buro.groupby</a:t>
             </a:r>
             <a:r>
               <a:rPr lang="en-US" dirty="0"/>
-              <a:t>['AMT_CREDIT']</a:t>
-            </a:r>
-          </a:p>
-          <a:p>
-            <a:r>
-              <a:rPr lang="en-US" dirty="0" err="1"/>
-              <a:t>prev_app</a:t>
-            </a:r>
-            <a:r>
-              <a:rPr lang="en-US" dirty="0"/>
-              <a:t>['INTEREST_RATE'] = 2*12*</a:t>
-            </a:r>
-            <a:r>
-              <a:rPr lang="en-US" dirty="0" err="1"/>
-              <a:t>prev_app</a:t>
-            </a:r>
-            <a:r>
-              <a:rPr lang="en-US" dirty="0"/>
-              <a:t>['INTEREST']/(</a:t>
-            </a:r>
-            <a:r>
-              <a:rPr lang="en-US" dirty="0" err="1"/>
-              <a:t>prev_app</a:t>
-            </a:r>
-            <a:r>
-              <a:rPr lang="en-US" dirty="0"/>
-              <a:t>['AMT_CREDIT']*(</a:t>
-            </a:r>
-            <a:r>
-              <a:rPr lang="en-US" dirty="0" err="1"/>
-              <a:t>prev_app</a:t>
-            </a:r>
-            <a:r>
-              <a:rPr lang="en-US" dirty="0"/>
-              <a:t>['CNT_PAYMENT']+1))</a:t>
-            </a:r>
-          </a:p>
-          <a:p>
-            <a:r>
-              <a:rPr lang="en-US" dirty="0" err="1"/>
-              <a:t>prev_app</a:t>
-            </a:r>
-            <a:r>
-              <a:rPr lang="en-US" dirty="0"/>
-              <a:t>['INTEREST_SHARE'] = </a:t>
-            </a:r>
-            <a:r>
-              <a:rPr lang="en-US" dirty="0" err="1"/>
-              <a:t>prev_app</a:t>
-            </a:r>
-            <a:r>
-              <a:rPr lang="en-US" dirty="0"/>
-              <a:t>['INTEREST']/</a:t>
-            </a:r>
-            <a:r>
-              <a:rPr lang="en-US" dirty="0" err="1"/>
-              <a:t>prev_app</a:t>
-            </a:r>
-            <a:r>
-              <a:rPr lang="en-US" dirty="0"/>
-              <a:t>['AMT_CREDIT']</a:t>
-            </a:r>
-          </a:p>
-          <a:p>
-            <a:r>
-              <a:rPr lang="en-US" dirty="0"/>
-              <a:t>Then by calculating max, min, mean of features above for each customer, I got several top features for Previous Application table.</a:t>
+              <a:t>('SK_ID_CURR')['DEBT_RATIO'].max()</a:t>
             </a:r>
           </a:p>
         </p:txBody>
@@ -6474,7 +6471,7 @@
           <p:cNvPr id="4" name="Espace réservé du numéro de diapositive 3">
             <a:extLst>
               <a:ext uri="{FF2B5EF4-FFF2-40B4-BE49-F238E27FC236}">
-                <a16:creationId xmlns:a16="http://schemas.microsoft.com/office/drawing/2014/main" id="{051BE62B-0EF6-47F5-A08F-DD1A6B456D55}"/>
+                <a16:creationId xmlns:a16="http://schemas.microsoft.com/office/drawing/2014/main" id="{7B47366C-2CAC-44DF-A423-A769819B8E9D}"/>
               </a:ext>
             </a:extLst>
           </p:cNvPr>
@@ -6502,7 +6499,7 @@
     </p:spTree>
     <p:extLst>
       <p:ext uri="{BB962C8B-B14F-4D97-AF65-F5344CB8AC3E}">
-        <p14:creationId xmlns:p14="http://schemas.microsoft.com/office/powerpoint/2010/main" val="2092429938"/>
+        <p14:creationId xmlns:p14="http://schemas.microsoft.com/office/powerpoint/2010/main" val="4239164218"/>
       </p:ext>
     </p:extLst>
   </p:cSld>
@@ -6534,7 +6531,7 @@
           <p:cNvPr id="2" name="Titre 1">
             <a:extLst>
               <a:ext uri="{FF2B5EF4-FFF2-40B4-BE49-F238E27FC236}">
-                <a16:creationId xmlns:a16="http://schemas.microsoft.com/office/drawing/2014/main" id="{055047BF-746B-444D-8BB4-CC17E7758635}"/>
+                <a16:creationId xmlns:a16="http://schemas.microsoft.com/office/drawing/2014/main" id="{A75B00C4-A8DA-4513-88C8-E3E14E3375AD}"/>
               </a:ext>
             </a:extLst>
           </p:cNvPr>
@@ -6552,13 +6549,8 @@
           <a:p>
             <a:r>
               <a:rPr lang="en-US" dirty="0"/>
-              <a:t>Approved or Refused by </a:t>
-            </a:r>
-            <a:r>
-              <a:rPr lang="en-US" dirty="0" err="1"/>
-              <a:t>Client_Type</a:t>
-            </a:r>
-            <a:endParaRPr lang="en-US" dirty="0"/>
+              <a:t>Interest Rate Features / previous</a:t>
+            </a:r>
           </a:p>
         </p:txBody>
       </p:sp>
@@ -6567,7 +6559,7 @@
           <p:cNvPr id="3" name="Espace réservé du contenu 2">
             <a:extLst>
               <a:ext uri="{FF2B5EF4-FFF2-40B4-BE49-F238E27FC236}">
-                <a16:creationId xmlns:a16="http://schemas.microsoft.com/office/drawing/2014/main" id="{7FAB209F-563D-4A3F-9196-0475187A46CE}"/>
+                <a16:creationId xmlns:a16="http://schemas.microsoft.com/office/drawing/2014/main" id="{C03D6D08-2E39-4725-B9CF-E3FC47B14129}"/>
               </a:ext>
             </a:extLst>
           </p:cNvPr>
@@ -6580,147 +6572,126 @@
         </p:nvSpPr>
         <p:spPr/>
         <p:txBody>
-          <a:bodyPr/>
-          <a:lstStyle/>
-          <a:p>
-            <a:endParaRPr lang="en-US" dirty="0"/>
-          </a:p>
-        </p:txBody>
-      </p:sp>
-      <p:pic>
-        <p:nvPicPr>
-          <p:cNvPr id="6" name="Image 5">
-            <a:extLst>
-              <a:ext uri="{FF2B5EF4-FFF2-40B4-BE49-F238E27FC236}">
-                <a16:creationId xmlns:a16="http://schemas.microsoft.com/office/drawing/2014/main" id="{B255E4BF-ABF6-4B45-B984-F953629BD54D}"/>
-              </a:ext>
-            </a:extLst>
-          </p:cNvPr>
-          <p:cNvPicPr>
-            <a:picLocks noChangeAspect="1"/>
-          </p:cNvPicPr>
-          <p:nvPr/>
-        </p:nvPicPr>
-        <p:blipFill>
-          <a:blip r:embed="rId2"/>
-          <a:stretch>
-            <a:fillRect/>
-          </a:stretch>
-        </p:blipFill>
-        <p:spPr>
-          <a:xfrm>
-            <a:off x="571500" y="1847850"/>
-            <a:ext cx="4057650" cy="3009900"/>
-          </a:xfrm>
-          <a:prstGeom prst="rect">
-            <a:avLst/>
-          </a:prstGeom>
-        </p:spPr>
-      </p:pic>
-      <p:sp>
-        <p:nvSpPr>
-          <p:cNvPr id="7" name="ZoneTexte 6">
-            <a:extLst>
-              <a:ext uri="{FF2B5EF4-FFF2-40B4-BE49-F238E27FC236}">
-                <a16:creationId xmlns:a16="http://schemas.microsoft.com/office/drawing/2014/main" id="{27A23A8F-C414-418F-9811-C5F219867C91}"/>
-              </a:ext>
-            </a:extLst>
-          </p:cNvPr>
-          <p:cNvSpPr txBox="1"/>
-          <p:nvPr/>
-        </p:nvSpPr>
-        <p:spPr>
-          <a:xfrm>
-            <a:off x="571500" y="4362450"/>
-            <a:ext cx="1313180" cy="369332"/>
-          </a:xfrm>
-          <a:prstGeom prst="rect">
-            <a:avLst/>
-          </a:prstGeom>
-          <a:noFill/>
-        </p:spPr>
-        <p:txBody>
-          <a:bodyPr wrap="none" rtlCol="0">
-            <a:spAutoFit/>
+          <a:bodyPr>
+            <a:normAutofit fontScale="85000" lnSpcReduction="10000"/>
           </a:bodyPr>
           <a:lstStyle/>
           <a:p>
             <a:r>
-              <a:rPr lang="en-US" b="1" dirty="0">
-                <a:solidFill>
-                  <a:srgbClr val="FF0000"/>
-                </a:solidFill>
-              </a:rPr>
-              <a:t>approved</a:t>
-            </a:r>
-          </a:p>
-        </p:txBody>
-      </p:sp>
-      <p:pic>
-        <p:nvPicPr>
-          <p:cNvPr id="8" name="Image 7">
-            <a:extLst>
-              <a:ext uri="{FF2B5EF4-FFF2-40B4-BE49-F238E27FC236}">
-                <a16:creationId xmlns:a16="http://schemas.microsoft.com/office/drawing/2014/main" id="{2B5A9581-ABB7-45D5-9103-1715D0B28763}"/>
-              </a:ext>
-            </a:extLst>
-          </p:cNvPr>
-          <p:cNvPicPr>
-            <a:picLocks noChangeAspect="1"/>
-          </p:cNvPicPr>
-          <p:nvPr/>
-        </p:nvPicPr>
-        <p:blipFill>
-          <a:blip r:embed="rId3"/>
-          <a:stretch>
-            <a:fillRect/>
-          </a:stretch>
-        </p:blipFill>
-        <p:spPr>
-          <a:xfrm>
-            <a:off x="5233987" y="1847850"/>
-            <a:ext cx="3971925" cy="3038475"/>
-          </a:xfrm>
-          <a:prstGeom prst="rect">
-            <a:avLst/>
-          </a:prstGeom>
-        </p:spPr>
-      </p:pic>
-      <p:sp>
-        <p:nvSpPr>
-          <p:cNvPr id="9" name="ZoneTexte 8">
-            <a:extLst>
-              <a:ext uri="{FF2B5EF4-FFF2-40B4-BE49-F238E27FC236}">
-                <a16:creationId xmlns:a16="http://schemas.microsoft.com/office/drawing/2014/main" id="{79892817-30C8-408D-ACB4-1883741F5F1D}"/>
-              </a:ext>
-            </a:extLst>
-          </p:cNvPr>
-          <p:cNvSpPr txBox="1"/>
-          <p:nvPr/>
-        </p:nvSpPr>
-        <p:spPr>
-          <a:xfrm>
-            <a:off x="5233987" y="4362450"/>
-            <a:ext cx="1008609" cy="369332"/>
-          </a:xfrm>
-          <a:prstGeom prst="rect">
-            <a:avLst/>
-          </a:prstGeom>
-          <a:noFill/>
-        </p:spPr>
-        <p:txBody>
-          <a:bodyPr wrap="none" rtlCol="0">
-            <a:spAutoFit/>
-          </a:bodyPr>
-          <a:lstStyle/>
-          <a:p>
-            <a:r>
-              <a:rPr lang="en-US" b="1" dirty="0">
-                <a:solidFill>
-                  <a:srgbClr val="FF0000"/>
-                </a:solidFill>
-              </a:rPr>
-              <a:t>refused</a:t>
+              <a:rPr lang="en-US" dirty="0"/>
+              <a:t>Interest rate seems to be an important feature in predicting loan default.(You can see this from the lending club dataset) We were not given interest rate directly in either Main Application data or Previous Application data but we could approximate it:</a:t>
+            </a:r>
+          </a:p>
+          <a:p>
+            <a:endParaRPr lang="en-US" dirty="0"/>
+          </a:p>
+          <a:p>
+            <a:r>
+              <a:rPr lang="en-US" dirty="0"/>
+              <a:t>Previous Application - The key thing here is that AMT_ANNUITY includes interest. Based on AMT_CREDIT, AMT_ANNUITY, and CNT_PAYMENT we can derive interest rate.</a:t>
+            </a:r>
+          </a:p>
+          <a:p>
+            <a:endParaRPr lang="en-US" dirty="0"/>
+          </a:p>
+          <a:p>
+            <a:r>
+              <a:rPr lang="en-US" dirty="0" err="1"/>
+              <a:t>prev_app</a:t>
+            </a:r>
+            <a:r>
+              <a:rPr lang="en-US" dirty="0"/>
+              <a:t>['INTEREST'] = </a:t>
+            </a:r>
+            <a:r>
+              <a:rPr lang="en-US" dirty="0" err="1"/>
+              <a:t>prev_app</a:t>
+            </a:r>
+            <a:r>
+              <a:rPr lang="en-US" dirty="0"/>
+              <a:t>['CNT_PAYMENT']*</a:t>
+            </a:r>
+            <a:r>
+              <a:rPr lang="en-US" dirty="0" err="1"/>
+              <a:t>prev_app</a:t>
+            </a:r>
+            <a:r>
+              <a:rPr lang="en-US" dirty="0"/>
+              <a:t>['AMT_ANNUITY'] - </a:t>
+            </a:r>
+            <a:r>
+              <a:rPr lang="en-US" dirty="0" err="1"/>
+              <a:t>prev_app</a:t>
+            </a:r>
+            <a:r>
+              <a:rPr lang="en-US" dirty="0"/>
+              <a:t>['AMT_CREDIT']</a:t>
+            </a:r>
+          </a:p>
+          <a:p>
+            <a:r>
+              <a:rPr lang="en-US" dirty="0" err="1"/>
+              <a:t>prev_app</a:t>
+            </a:r>
+            <a:r>
+              <a:rPr lang="en-US" dirty="0"/>
+              <a:t>['INTEREST_RATE'] = 2*12*</a:t>
+            </a:r>
+            <a:r>
+              <a:rPr lang="en-US" dirty="0" err="1"/>
+              <a:t>prev_app</a:t>
+            </a:r>
+            <a:r>
+              <a:rPr lang="en-US" dirty="0"/>
+              <a:t>['INTEREST']/(</a:t>
+            </a:r>
+            <a:r>
+              <a:rPr lang="en-US" dirty="0" err="1"/>
+              <a:t>prev_app</a:t>
+            </a:r>
+            <a:r>
+              <a:rPr lang="en-US" dirty="0"/>
+              <a:t>['AMT_CREDIT']*(</a:t>
+            </a:r>
+            <a:r>
+              <a:rPr lang="en-US" dirty="0" err="1"/>
+              <a:t>prev_app</a:t>
+            </a:r>
+            <a:r>
+              <a:rPr lang="en-US" dirty="0"/>
+              <a:t>['CNT_PAYMENT']+1))</a:t>
+            </a:r>
+          </a:p>
+          <a:p>
+            <a:r>
+              <a:rPr lang="en-US" dirty="0" err="1"/>
+              <a:t>prev_app</a:t>
+            </a:r>
+            <a:r>
+              <a:rPr lang="en-US" dirty="0"/>
+              <a:t>['INTEREST_SHARE'] = </a:t>
+            </a:r>
+            <a:r>
+              <a:rPr lang="en-US" dirty="0" err="1"/>
+              <a:t>prev_app</a:t>
+            </a:r>
+            <a:r>
+              <a:rPr lang="en-US" dirty="0"/>
+              <a:t>['INTEREST']/</a:t>
+            </a:r>
+            <a:r>
+              <a:rPr lang="en-US" dirty="0" err="1"/>
+              <a:t>prev_app</a:t>
+            </a:r>
+            <a:r>
+              <a:rPr lang="en-US" dirty="0"/>
+              <a:t>['AMT_CREDIT']</a:t>
+            </a:r>
+          </a:p>
+          <a:p>
+            <a:r>
+              <a:rPr lang="en-US" dirty="0"/>
+              <a:t>Then by calculating max, min, mean of features above for each customer, I got several top features for Previous Application table.</a:t>
             </a:r>
           </a:p>
         </p:txBody>
@@ -6730,7 +6701,7 @@
           <p:cNvPr id="4" name="Espace réservé du numéro de diapositive 3">
             <a:extLst>
               <a:ext uri="{FF2B5EF4-FFF2-40B4-BE49-F238E27FC236}">
-                <a16:creationId xmlns:a16="http://schemas.microsoft.com/office/drawing/2014/main" id="{EB340700-419D-4BC2-99E0-DB1EA9FBAD53}"/>
+                <a16:creationId xmlns:a16="http://schemas.microsoft.com/office/drawing/2014/main" id="{051BE62B-0EF6-47F5-A08F-DD1A6B456D55}"/>
               </a:ext>
             </a:extLst>
           </p:cNvPr>
@@ -6758,7 +6729,7 @@
     </p:spTree>
     <p:extLst>
       <p:ext uri="{BB962C8B-B14F-4D97-AF65-F5344CB8AC3E}">
-        <p14:creationId xmlns:p14="http://schemas.microsoft.com/office/powerpoint/2010/main" val="1436579337"/>
+        <p14:creationId xmlns:p14="http://schemas.microsoft.com/office/powerpoint/2010/main" val="2092429938"/>
       </p:ext>
     </p:extLst>
   </p:cSld>
@@ -6790,7 +6761,7 @@
           <p:cNvPr id="2" name="Titre 1">
             <a:extLst>
               <a:ext uri="{FF2B5EF4-FFF2-40B4-BE49-F238E27FC236}">
-                <a16:creationId xmlns:a16="http://schemas.microsoft.com/office/drawing/2014/main" id="{EDE99686-4899-4802-B76D-9BEC6B6000A2}"/>
+                <a16:creationId xmlns:a16="http://schemas.microsoft.com/office/drawing/2014/main" id="{055047BF-746B-444D-8BB4-CC17E7758635}"/>
               </a:ext>
             </a:extLst>
           </p:cNvPr>
@@ -6808,11 +6779,11 @@
           <a:p>
             <a:r>
               <a:rPr lang="en-US" dirty="0"/>
-              <a:t>Bureau &amp; </a:t>
+              <a:t>Approved or Refused by </a:t>
             </a:r>
             <a:r>
               <a:rPr lang="en-US" dirty="0" err="1"/>
-              <a:t>bureau_balance</a:t>
+              <a:t>Client_Type</a:t>
             </a:r>
             <a:endParaRPr lang="en-US" dirty="0"/>
           </a:p>
@@ -6823,7 +6794,7 @@
           <p:cNvPr id="3" name="Espace réservé du contenu 2">
             <a:extLst>
               <a:ext uri="{FF2B5EF4-FFF2-40B4-BE49-F238E27FC236}">
-                <a16:creationId xmlns:a16="http://schemas.microsoft.com/office/drawing/2014/main" id="{E43A1F1F-9061-4A73-9554-A8FF2CBAAC32}"/>
+                <a16:creationId xmlns:a16="http://schemas.microsoft.com/office/drawing/2014/main" id="{7FAB209F-563D-4A3F-9196-0475187A46CE}"/>
               </a:ext>
             </a:extLst>
           </p:cNvPr>
@@ -6836,132 +6807,148 @@
         </p:nvSpPr>
         <p:spPr/>
         <p:txBody>
-          <a:bodyPr>
-            <a:normAutofit fontScale="70000" lnSpcReduction="20000"/>
+          <a:bodyPr/>
+          <a:lstStyle/>
+          <a:p>
+            <a:endParaRPr lang="en-US" dirty="0"/>
+          </a:p>
+        </p:txBody>
+      </p:sp>
+      <p:pic>
+        <p:nvPicPr>
+          <p:cNvPr id="6" name="Image 5">
+            <a:extLst>
+              <a:ext uri="{FF2B5EF4-FFF2-40B4-BE49-F238E27FC236}">
+                <a16:creationId xmlns:a16="http://schemas.microsoft.com/office/drawing/2014/main" id="{B255E4BF-ABF6-4B45-B984-F953629BD54D}"/>
+              </a:ext>
+            </a:extLst>
+          </p:cNvPr>
+          <p:cNvPicPr>
+            <a:picLocks noChangeAspect="1"/>
+          </p:cNvPicPr>
+          <p:nvPr/>
+        </p:nvPicPr>
+        <p:blipFill>
+          <a:blip r:embed="rId2"/>
+          <a:stretch>
+            <a:fillRect/>
+          </a:stretch>
+        </p:blipFill>
+        <p:spPr>
+          <a:xfrm>
+            <a:off x="571500" y="1847850"/>
+            <a:ext cx="4057650" cy="3009900"/>
+          </a:xfrm>
+          <a:prstGeom prst="rect">
+            <a:avLst/>
+          </a:prstGeom>
+        </p:spPr>
+      </p:pic>
+      <p:sp>
+        <p:nvSpPr>
+          <p:cNvPr id="7" name="ZoneTexte 6">
+            <a:extLst>
+              <a:ext uri="{FF2B5EF4-FFF2-40B4-BE49-F238E27FC236}">
+                <a16:creationId xmlns:a16="http://schemas.microsoft.com/office/drawing/2014/main" id="{27A23A8F-C414-418F-9811-C5F219867C91}"/>
+              </a:ext>
+            </a:extLst>
+          </p:cNvPr>
+          <p:cNvSpPr txBox="1"/>
+          <p:nvPr/>
+        </p:nvSpPr>
+        <p:spPr>
+          <a:xfrm>
+            <a:off x="571500" y="4362450"/>
+            <a:ext cx="1313180" cy="369332"/>
+          </a:xfrm>
+          <a:prstGeom prst="rect">
+            <a:avLst/>
+          </a:prstGeom>
+          <a:noFill/>
+        </p:spPr>
+        <p:txBody>
+          <a:bodyPr wrap="none" rtlCol="0">
+            <a:spAutoFit/>
           </a:bodyPr>
           <a:lstStyle/>
           <a:p>
             <a:r>
-              <a:rPr lang="en-US" dirty="0"/>
-              <a:t>After first sight on entire dataset, we keep only valuable info to dig deeper.</a:t>
-            </a:r>
-          </a:p>
-          <a:p>
-            <a:pPr lvl="1"/>
-            <a:r>
-              <a:rPr lang="en-US" dirty="0"/>
-              <a:t>Fail lead to either overdue only, or a debt</a:t>
-            </a:r>
-          </a:p>
-          <a:p>
-            <a:r>
-              <a:rPr lang="en-US" dirty="0"/>
-              <a:t>Bureau : </a:t>
-            </a:r>
-          </a:p>
-          <a:p>
-            <a:pPr lvl="1"/>
-            <a:r>
-              <a:rPr lang="en-US" dirty="0"/>
-              <a:t>Current overdue (age is given by DAYS_CREDIT_UPDATE) is given by :</a:t>
-            </a:r>
-          </a:p>
-          <a:p>
-            <a:pPr lvl="2"/>
-            <a:r>
-              <a:rPr lang="en-US" dirty="0"/>
-              <a:t>CREDIT_DAY_OVERDUE</a:t>
-            </a:r>
-          </a:p>
-          <a:p>
-            <a:pPr lvl="1"/>
-            <a:r>
-              <a:rPr lang="en-US" dirty="0"/>
-              <a:t>N_CREDIT_OBS_WINDOW is approx. : DAYS_CREDIT – DAYS_CREDIT_UPDATE</a:t>
-            </a:r>
-          </a:p>
-          <a:p>
-            <a:pPr lvl="1"/>
-            <a:r>
-              <a:rPr lang="en-US" dirty="0"/>
-              <a:t>AMT_CREDIT_SUM (AMT_CREDIT_SUM = AMT_CREDIT_SUM_LIMIT + AMT_CREDIT_SUM_DEBT)</a:t>
-            </a:r>
-          </a:p>
-          <a:p>
-            <a:pPr lvl="1"/>
-            <a:r>
-              <a:rPr lang="en-US" dirty="0"/>
-              <a:t>Consider the DEBT rate : bureau['AMT_CREDIT_DEBT_RATE'] = bureau['AMT_CREDIT_SUM_DEBT']/(1 + bureau['AMT_CREDIT_SUM'])</a:t>
-            </a:r>
-          </a:p>
-          <a:p>
-            <a:r>
-              <a:rPr lang="en-US" dirty="0" err="1"/>
-              <a:t>Bureau_balance</a:t>
-            </a:r>
-            <a:r>
-              <a:rPr lang="en-US" dirty="0"/>
-              <a:t>:</a:t>
-            </a:r>
-          </a:p>
-          <a:p>
-            <a:pPr lvl="1"/>
-            <a:r>
-              <a:rPr lang="en-US" dirty="0"/>
-              <a:t>Count month balance status</a:t>
-            </a:r>
-          </a:p>
-          <a:p>
-            <a:pPr lvl="2"/>
-            <a:r>
-              <a:rPr lang="en-US" dirty="0"/>
-              <a:t>Typical </a:t>
-            </a:r>
-            <a:r>
-              <a:rPr lang="en-US" dirty="0" err="1"/>
-              <a:t>behaviour</a:t>
-            </a:r>
-            <a:r>
-              <a:rPr lang="en-US" dirty="0"/>
-              <a:t> is C, …, C, I, …, I, X when closed since C count </a:t>
-            </a:r>
-            <a:r>
-              <a:rPr lang="en-US" dirty="0" err="1"/>
-              <a:t>vals</a:t>
-            </a:r>
-            <a:r>
-              <a:rPr lang="en-US" dirty="0"/>
-              <a:t> &amp; without failure if I == 0</a:t>
-            </a:r>
-          </a:p>
-          <a:p>
-            <a:pPr lvl="2"/>
-            <a:r>
-              <a:rPr lang="en-US" dirty="0" err="1"/>
-              <a:t>X_norm</a:t>
-            </a:r>
-            <a:r>
-              <a:rPr lang="en-US" dirty="0"/>
-              <a:t> == 1 : drop SK_ID_BUREAU (because unknown)</a:t>
-            </a:r>
-          </a:p>
-          <a:p>
-            <a:pPr lvl="2"/>
-            <a:r>
-              <a:rPr lang="en-US" dirty="0"/>
-              <a:t> no C should mean Active credit.</a:t>
-            </a:r>
-          </a:p>
-          <a:p>
-            <a:pPr lvl="2"/>
-            <a:r>
-              <a:rPr lang="en-US" dirty="0"/>
-              <a:t>Sum(I + X) count should mean Credit duration.</a:t>
-            </a:r>
-          </a:p>
-          <a:p>
-            <a:pPr lvl="1"/>
-            <a:endParaRPr lang="en-US" dirty="0"/>
+              <a:rPr lang="en-US" b="1" dirty="0">
+                <a:solidFill>
+                  <a:srgbClr val="FF0000"/>
+                </a:solidFill>
+              </a:rPr>
+              <a:t>approved</a:t>
+            </a:r>
+          </a:p>
+        </p:txBody>
+      </p:sp>
+      <p:pic>
+        <p:nvPicPr>
+          <p:cNvPr id="8" name="Image 7">
+            <a:extLst>
+              <a:ext uri="{FF2B5EF4-FFF2-40B4-BE49-F238E27FC236}">
+                <a16:creationId xmlns:a16="http://schemas.microsoft.com/office/drawing/2014/main" id="{2B5A9581-ABB7-45D5-9103-1715D0B28763}"/>
+              </a:ext>
+            </a:extLst>
+          </p:cNvPr>
+          <p:cNvPicPr>
+            <a:picLocks noChangeAspect="1"/>
+          </p:cNvPicPr>
+          <p:nvPr/>
+        </p:nvPicPr>
+        <p:blipFill>
+          <a:blip r:embed="rId3"/>
+          <a:stretch>
+            <a:fillRect/>
+          </a:stretch>
+        </p:blipFill>
+        <p:spPr>
+          <a:xfrm>
+            <a:off x="5233987" y="1847850"/>
+            <a:ext cx="3971925" cy="3038475"/>
+          </a:xfrm>
+          <a:prstGeom prst="rect">
+            <a:avLst/>
+          </a:prstGeom>
+        </p:spPr>
+      </p:pic>
+      <p:sp>
+        <p:nvSpPr>
+          <p:cNvPr id="9" name="ZoneTexte 8">
+            <a:extLst>
+              <a:ext uri="{FF2B5EF4-FFF2-40B4-BE49-F238E27FC236}">
+                <a16:creationId xmlns:a16="http://schemas.microsoft.com/office/drawing/2014/main" id="{79892817-30C8-408D-ACB4-1883741F5F1D}"/>
+              </a:ext>
+            </a:extLst>
+          </p:cNvPr>
+          <p:cNvSpPr txBox="1"/>
+          <p:nvPr/>
+        </p:nvSpPr>
+        <p:spPr>
+          <a:xfrm>
+            <a:off x="5233987" y="4362450"/>
+            <a:ext cx="1008609" cy="369332"/>
+          </a:xfrm>
+          <a:prstGeom prst="rect">
+            <a:avLst/>
+          </a:prstGeom>
+          <a:noFill/>
+        </p:spPr>
+        <p:txBody>
+          <a:bodyPr wrap="none" rtlCol="0">
+            <a:spAutoFit/>
+          </a:bodyPr>
+          <a:lstStyle/>
+          <a:p>
+            <a:r>
+              <a:rPr lang="en-US" b="1" dirty="0">
+                <a:solidFill>
+                  <a:srgbClr val="FF0000"/>
+                </a:solidFill>
+              </a:rPr>
+              <a:t>refused</a:t>
+            </a:r>
           </a:p>
         </p:txBody>
       </p:sp>
@@ -6970,7 +6957,7 @@
           <p:cNvPr id="4" name="Espace réservé du numéro de diapositive 3">
             <a:extLst>
               <a:ext uri="{FF2B5EF4-FFF2-40B4-BE49-F238E27FC236}">
-                <a16:creationId xmlns:a16="http://schemas.microsoft.com/office/drawing/2014/main" id="{6D8461E3-12B0-4954-95E0-7E29F5403E44}"/>
+                <a16:creationId xmlns:a16="http://schemas.microsoft.com/office/drawing/2014/main" id="{EB340700-419D-4BC2-99E0-DB1EA9FBAD53}"/>
               </a:ext>
             </a:extLst>
           </p:cNvPr>
@@ -6990,6 +6977,246 @@
               <a:rPr lang="en-US" smtClean="0"/>
               <a:pPr/>
               <a:t>14</a:t>
+            </a:fld>
+            <a:endParaRPr lang="en-US" dirty="0"/>
+          </a:p>
+        </p:txBody>
+      </p:sp>
+    </p:spTree>
+    <p:extLst>
+      <p:ext uri="{BB962C8B-B14F-4D97-AF65-F5344CB8AC3E}">
+        <p14:creationId xmlns:p14="http://schemas.microsoft.com/office/powerpoint/2010/main" val="1436579337"/>
+      </p:ext>
+    </p:extLst>
+  </p:cSld>
+  <p:clrMapOvr>
+    <a:masterClrMapping/>
+  </p:clrMapOvr>
+</p:sld>
+</file>
+
+<file path=ppt/slides/slide15.xml><?xml version="1.0" encoding="utf-8"?>
+<p:sld xmlns:a="http://schemas.openxmlformats.org/drawingml/2006/main" xmlns:r="http://schemas.openxmlformats.org/officeDocument/2006/relationships" xmlns:p="http://schemas.openxmlformats.org/presentationml/2006/main">
+  <p:cSld>
+    <p:spTree>
+      <p:nvGrpSpPr>
+        <p:cNvPr id="1" name=""/>
+        <p:cNvGrpSpPr/>
+        <p:nvPr/>
+      </p:nvGrpSpPr>
+      <p:grpSpPr>
+        <a:xfrm>
+          <a:off x="0" y="0"/>
+          <a:ext cx="0" cy="0"/>
+          <a:chOff x="0" y="0"/>
+          <a:chExt cx="0" cy="0"/>
+        </a:xfrm>
+      </p:grpSpPr>
+      <p:sp>
+        <p:nvSpPr>
+          <p:cNvPr id="2" name="Titre 1">
+            <a:extLst>
+              <a:ext uri="{FF2B5EF4-FFF2-40B4-BE49-F238E27FC236}">
+                <a16:creationId xmlns:a16="http://schemas.microsoft.com/office/drawing/2014/main" id="{EDE99686-4899-4802-B76D-9BEC6B6000A2}"/>
+              </a:ext>
+            </a:extLst>
+          </p:cNvPr>
+          <p:cNvSpPr>
+            <a:spLocks noGrp="1"/>
+          </p:cNvSpPr>
+          <p:nvPr>
+            <p:ph type="title"/>
+          </p:nvPr>
+        </p:nvSpPr>
+        <p:spPr/>
+        <p:txBody>
+          <a:bodyPr/>
+          <a:lstStyle/>
+          <a:p>
+            <a:r>
+              <a:rPr lang="en-US" dirty="0"/>
+              <a:t>Bureau &amp; </a:t>
+            </a:r>
+            <a:r>
+              <a:rPr lang="en-US" dirty="0" err="1"/>
+              <a:t>bureau_balance</a:t>
+            </a:r>
+            <a:endParaRPr lang="en-US" dirty="0"/>
+          </a:p>
+        </p:txBody>
+      </p:sp>
+      <p:sp>
+        <p:nvSpPr>
+          <p:cNvPr id="3" name="Espace réservé du contenu 2">
+            <a:extLst>
+              <a:ext uri="{FF2B5EF4-FFF2-40B4-BE49-F238E27FC236}">
+                <a16:creationId xmlns:a16="http://schemas.microsoft.com/office/drawing/2014/main" id="{E43A1F1F-9061-4A73-9554-A8FF2CBAAC32}"/>
+              </a:ext>
+            </a:extLst>
+          </p:cNvPr>
+          <p:cNvSpPr>
+            <a:spLocks noGrp="1"/>
+          </p:cNvSpPr>
+          <p:nvPr>
+            <p:ph idx="1"/>
+          </p:nvPr>
+        </p:nvSpPr>
+        <p:spPr/>
+        <p:txBody>
+          <a:bodyPr>
+            <a:normAutofit fontScale="70000" lnSpcReduction="20000"/>
+          </a:bodyPr>
+          <a:lstStyle/>
+          <a:p>
+            <a:r>
+              <a:rPr lang="en-US" dirty="0"/>
+              <a:t>After first sight on entire dataset, we keep only valuable info to dig deeper.</a:t>
+            </a:r>
+          </a:p>
+          <a:p>
+            <a:pPr lvl="1"/>
+            <a:r>
+              <a:rPr lang="en-US" dirty="0"/>
+              <a:t>Fail lead to either overdue only, or a debt</a:t>
+            </a:r>
+          </a:p>
+          <a:p>
+            <a:r>
+              <a:rPr lang="en-US" dirty="0"/>
+              <a:t>Bureau : </a:t>
+            </a:r>
+          </a:p>
+          <a:p>
+            <a:pPr lvl="1"/>
+            <a:r>
+              <a:rPr lang="en-US" dirty="0"/>
+              <a:t>Current overdue (age is given by DAYS_CREDIT_UPDATE) is given by :</a:t>
+            </a:r>
+          </a:p>
+          <a:p>
+            <a:pPr lvl="2"/>
+            <a:r>
+              <a:rPr lang="en-US" dirty="0"/>
+              <a:t>CREDIT_DAY_OVERDUE</a:t>
+            </a:r>
+          </a:p>
+          <a:p>
+            <a:pPr lvl="1"/>
+            <a:r>
+              <a:rPr lang="en-US" dirty="0"/>
+              <a:t>N_CREDIT_OBS_WINDOW is approx. : DAYS_CREDIT – DAYS_CREDIT_UPDATE</a:t>
+            </a:r>
+          </a:p>
+          <a:p>
+            <a:pPr lvl="1"/>
+            <a:r>
+              <a:rPr lang="en-US" dirty="0"/>
+              <a:t>AMT_CREDIT_SUM (AMT_CREDIT_SUM = AMT_CREDIT_SUM_LIMIT + AMT_CREDIT_SUM_DEBT)</a:t>
+            </a:r>
+          </a:p>
+          <a:p>
+            <a:pPr lvl="1"/>
+            <a:r>
+              <a:rPr lang="en-US" dirty="0"/>
+              <a:t>Consider the DEBT rate : bureau['AMT_CREDIT_DEBT_RATE'] = bureau['AMT_CREDIT_SUM_DEBT']/(1 + bureau['AMT_CREDIT_SUM'])</a:t>
+            </a:r>
+          </a:p>
+          <a:p>
+            <a:r>
+              <a:rPr lang="en-US" dirty="0" err="1"/>
+              <a:t>Bureau_balance</a:t>
+            </a:r>
+            <a:r>
+              <a:rPr lang="en-US" dirty="0"/>
+              <a:t>:</a:t>
+            </a:r>
+          </a:p>
+          <a:p>
+            <a:pPr lvl="1"/>
+            <a:r>
+              <a:rPr lang="en-US" dirty="0"/>
+              <a:t>Count month balance status</a:t>
+            </a:r>
+          </a:p>
+          <a:p>
+            <a:pPr lvl="2"/>
+            <a:r>
+              <a:rPr lang="en-US" dirty="0"/>
+              <a:t>Typical </a:t>
+            </a:r>
+            <a:r>
+              <a:rPr lang="en-US" dirty="0" err="1"/>
+              <a:t>behaviour</a:t>
+            </a:r>
+            <a:r>
+              <a:rPr lang="en-US" dirty="0"/>
+              <a:t> is C, …, C, I, …, I, X when closed since C count </a:t>
+            </a:r>
+            <a:r>
+              <a:rPr lang="en-US" dirty="0" err="1"/>
+              <a:t>vals</a:t>
+            </a:r>
+            <a:r>
+              <a:rPr lang="en-US" dirty="0"/>
+              <a:t> &amp; without failure if I == 0</a:t>
+            </a:r>
+          </a:p>
+          <a:p>
+            <a:pPr lvl="2"/>
+            <a:r>
+              <a:rPr lang="en-US" dirty="0" err="1"/>
+              <a:t>X_norm</a:t>
+            </a:r>
+            <a:r>
+              <a:rPr lang="en-US" dirty="0"/>
+              <a:t> == 1 : drop SK_ID_BUREAU (because unknown)</a:t>
+            </a:r>
+          </a:p>
+          <a:p>
+            <a:pPr lvl="2"/>
+            <a:r>
+              <a:rPr lang="en-US" dirty="0"/>
+              <a:t> no C should mean Active credit.</a:t>
+            </a:r>
+          </a:p>
+          <a:p>
+            <a:pPr lvl="2"/>
+            <a:r>
+              <a:rPr lang="en-US" dirty="0"/>
+              <a:t>Sum(I + X) count should mean Credit duration.</a:t>
+            </a:r>
+          </a:p>
+          <a:p>
+            <a:pPr lvl="1"/>
+            <a:endParaRPr lang="en-US" dirty="0"/>
+          </a:p>
+        </p:txBody>
+      </p:sp>
+      <p:sp>
+        <p:nvSpPr>
+          <p:cNvPr id="4" name="Espace réservé du numéro de diapositive 3">
+            <a:extLst>
+              <a:ext uri="{FF2B5EF4-FFF2-40B4-BE49-F238E27FC236}">
+                <a16:creationId xmlns:a16="http://schemas.microsoft.com/office/drawing/2014/main" id="{6D8461E3-12B0-4954-95E0-7E29F5403E44}"/>
+              </a:ext>
+            </a:extLst>
+          </p:cNvPr>
+          <p:cNvSpPr>
+            <a:spLocks noGrp="1"/>
+          </p:cNvSpPr>
+          <p:nvPr>
+            <p:ph type="sldNum" sz="quarter" idx="12"/>
+          </p:nvPr>
+        </p:nvSpPr>
+        <p:spPr/>
+        <p:txBody>
+          <a:bodyPr/>
+          <a:lstStyle/>
+          <a:p>
+            <a:fld id="{D57F1E4F-1CFF-5643-939E-217C01CDF565}" type="slidenum">
+              <a:rPr lang="en-US" smtClean="0"/>
+              <a:pPr/>
+              <a:t>15</a:t>
             </a:fld>
             <a:endParaRPr lang="en-US" dirty="0"/>
           </a:p>
@@ -7008,7 +7235,7 @@
 </p:sld>
 </file>
 
-<file path=ppt/slides/slide15.xml><?xml version="1.0" encoding="utf-8"?>
+<file path=ppt/slides/slide16.xml><?xml version="1.0" encoding="utf-8"?>
 <p:sld xmlns:a="http://schemas.openxmlformats.org/drawingml/2006/main" xmlns:r="http://schemas.openxmlformats.org/officeDocument/2006/relationships" xmlns:p="http://schemas.openxmlformats.org/presentationml/2006/main">
   <p:cSld>
     <p:spTree>
@@ -7539,7 +7766,7 @@
             <a:fld id="{D57F1E4F-1CFF-5643-939E-217C01CDF565}" type="slidenum">
               <a:rPr lang="en-US" smtClean="0"/>
               <a:pPr/>
-              <a:t>15</a:t>
+              <a:t>16</a:t>
             </a:fld>
             <a:endParaRPr lang="en-US" dirty="0"/>
           </a:p>
@@ -7847,135 +8074,12 @@
           <a:chExt cx="0" cy="0"/>
         </a:xfrm>
       </p:grpSpPr>
-      <p:pic>
-        <p:nvPicPr>
-          <p:cNvPr id="12" name="Image 11">
-            <a:extLst>
-              <a:ext uri="{FF2B5EF4-FFF2-40B4-BE49-F238E27FC236}">
-                <a16:creationId xmlns:a16="http://schemas.microsoft.com/office/drawing/2014/main" id="{4E9F4397-4D49-4AE1-9B71-8DE1E04D6F8C}"/>
-              </a:ext>
-            </a:extLst>
-          </p:cNvPr>
-          <p:cNvPicPr>
-            <a:picLocks noChangeAspect="1"/>
-          </p:cNvPicPr>
-          <p:nvPr/>
-        </p:nvPicPr>
-        <p:blipFill>
-          <a:blip r:embed="rId2"/>
-          <a:stretch>
-            <a:fillRect/>
-          </a:stretch>
-        </p:blipFill>
-        <p:spPr>
-          <a:xfrm>
-            <a:off x="8505368" y="3818602"/>
-            <a:ext cx="3220567" cy="2892916"/>
-          </a:xfrm>
-          <a:prstGeom prst="rect">
-            <a:avLst/>
-          </a:prstGeom>
-        </p:spPr>
-      </p:pic>
-      <p:pic>
-        <p:nvPicPr>
-          <p:cNvPr id="5" name="Image 4">
-            <a:extLst>
-              <a:ext uri="{FF2B5EF4-FFF2-40B4-BE49-F238E27FC236}">
-                <a16:creationId xmlns:a16="http://schemas.microsoft.com/office/drawing/2014/main" id="{C9B2347D-7390-4345-96F9-911E052FD8A4}"/>
-              </a:ext>
-            </a:extLst>
-          </p:cNvPr>
-          <p:cNvPicPr>
-            <a:picLocks noChangeAspect="1"/>
-          </p:cNvPicPr>
-          <p:nvPr/>
-        </p:nvPicPr>
-        <p:blipFill>
-          <a:blip r:embed="rId3"/>
-          <a:stretch>
-            <a:fillRect/>
-          </a:stretch>
-        </p:blipFill>
-        <p:spPr>
-          <a:xfrm>
-            <a:off x="370536" y="1700940"/>
-            <a:ext cx="6363249" cy="4084983"/>
-          </a:xfrm>
-          <a:prstGeom prst="rect">
-            <a:avLst/>
-          </a:prstGeom>
-        </p:spPr>
-      </p:pic>
-      <p:sp>
-        <p:nvSpPr>
-          <p:cNvPr id="2" name="Titre 1">
-            <a:extLst>
-              <a:ext uri="{FF2B5EF4-FFF2-40B4-BE49-F238E27FC236}">
-                <a16:creationId xmlns:a16="http://schemas.microsoft.com/office/drawing/2014/main" id="{9863625D-E9E6-45EA-BB94-1B5F036D014B}"/>
-              </a:ext>
-            </a:extLst>
-          </p:cNvPr>
-          <p:cNvSpPr>
-            <a:spLocks noGrp="1"/>
-          </p:cNvSpPr>
-          <p:nvPr>
-            <p:ph type="title"/>
-          </p:nvPr>
-        </p:nvSpPr>
-        <p:spPr>
-          <a:xfrm>
-            <a:off x="666154" y="106077"/>
-            <a:ext cx="10571998" cy="970450"/>
-          </a:xfrm>
-        </p:spPr>
-        <p:txBody>
-          <a:bodyPr/>
-          <a:lstStyle/>
-          <a:p>
-            <a:r>
-              <a:rPr lang="en-US" dirty="0"/>
-              <a:t>EDA</a:t>
-            </a:r>
-          </a:p>
-        </p:txBody>
-      </p:sp>
-      <p:pic>
-        <p:nvPicPr>
-          <p:cNvPr id="4" name="Image 3">
-            <a:extLst>
-              <a:ext uri="{FF2B5EF4-FFF2-40B4-BE49-F238E27FC236}">
-                <a16:creationId xmlns:a16="http://schemas.microsoft.com/office/drawing/2014/main" id="{B8B37C45-DBB0-48BF-90A5-06A667D39238}"/>
-              </a:ext>
-            </a:extLst>
-          </p:cNvPr>
-          <p:cNvPicPr>
-            <a:picLocks noChangeAspect="1"/>
-          </p:cNvPicPr>
-          <p:nvPr/>
-        </p:nvPicPr>
-        <p:blipFill>
-          <a:blip r:embed="rId4"/>
-          <a:stretch>
-            <a:fillRect/>
-          </a:stretch>
-        </p:blipFill>
-        <p:spPr>
-          <a:xfrm>
-            <a:off x="5828910" y="1725455"/>
-            <a:ext cx="904875" cy="371475"/>
-          </a:xfrm>
-          <a:prstGeom prst="rect">
-            <a:avLst/>
-          </a:prstGeom>
-        </p:spPr>
-      </p:pic>
-      <p:sp>
-        <p:nvSpPr>
-          <p:cNvPr id="8" name="Flèche : droite 7">
-            <a:extLst>
-              <a:ext uri="{FF2B5EF4-FFF2-40B4-BE49-F238E27FC236}">
-                <a16:creationId xmlns:a16="http://schemas.microsoft.com/office/drawing/2014/main" id="{0FDE58D6-1F75-4100-B152-4A28CFCB5D27}"/>
+      <p:sp>
+        <p:nvSpPr>
+          <p:cNvPr id="129" name="Rectangle : coins arrondis 128">
+            <a:extLst>
+              <a:ext uri="{FF2B5EF4-FFF2-40B4-BE49-F238E27FC236}">
+                <a16:creationId xmlns:a16="http://schemas.microsoft.com/office/drawing/2014/main" id="{204E8779-C737-42B2-9519-A1C1C124741D}"/>
               </a:ext>
             </a:extLst>
           </p:cNvPr>
@@ -7984,20 +8088,20 @@
         </p:nvSpPr>
         <p:spPr>
           <a:xfrm>
-            <a:off x="2078181" y="2013802"/>
-            <a:ext cx="166255" cy="166255"/>
-          </a:xfrm>
-          <a:prstGeom prst="rightArrow">
-            <a:avLst/>
+            <a:off x="4940152" y="447410"/>
+            <a:ext cx="3655282" cy="945834"/>
+          </a:xfrm>
+          <a:prstGeom prst="roundRect">
+            <a:avLst>
+              <a:gd name="adj" fmla="val 4412"/>
+            </a:avLst>
           </a:prstGeom>
           <a:solidFill>
-            <a:srgbClr val="B2B2B2"/>
+            <a:schemeClr val="accent1">
+              <a:lumMod val="40000"/>
+              <a:lumOff val="60000"/>
+            </a:schemeClr>
           </a:solidFill>
-          <a:ln>
-            <a:solidFill>
-              <a:srgbClr val="6DD4FF"/>
-            </a:solidFill>
-          </a:ln>
         </p:spPr>
         <p:style>
           <a:lnRef idx="2">
@@ -8026,211 +8130,32 @@
       </p:sp>
       <p:sp>
         <p:nvSpPr>
-          <p:cNvPr id="9" name="ZoneTexte 8">
-            <a:extLst>
-              <a:ext uri="{FF2B5EF4-FFF2-40B4-BE49-F238E27FC236}">
-                <a16:creationId xmlns:a16="http://schemas.microsoft.com/office/drawing/2014/main" id="{AE9A29D3-C1F0-4D95-96A0-050582F30BD6}"/>
-              </a:ext>
-            </a:extLst>
-          </p:cNvPr>
-          <p:cNvSpPr txBox="1"/>
+          <p:cNvPr id="123" name="Rectangle : coins arrondis 122">
+            <a:extLst>
+              <a:ext uri="{FF2B5EF4-FFF2-40B4-BE49-F238E27FC236}">
+                <a16:creationId xmlns:a16="http://schemas.microsoft.com/office/drawing/2014/main" id="{5988F580-C078-4ADB-833B-45F36C3C4E29}"/>
+              </a:ext>
+            </a:extLst>
+          </p:cNvPr>
+          <p:cNvSpPr/>
           <p:nvPr/>
         </p:nvSpPr>
         <p:spPr>
           <a:xfrm>
-            <a:off x="666154" y="1796847"/>
-            <a:ext cx="1414233" cy="600164"/>
-          </a:xfrm>
-          <a:prstGeom prst="rect">
-            <a:avLst/>
+            <a:off x="4940152" y="3736815"/>
+            <a:ext cx="3655282" cy="863637"/>
+          </a:xfrm>
+          <a:prstGeom prst="roundRect">
+            <a:avLst>
+              <a:gd name="adj" fmla="val 4412"/>
+            </a:avLst>
           </a:prstGeom>
           <a:solidFill>
-            <a:srgbClr val="B2B2B2"/>
+            <a:schemeClr val="accent1">
+              <a:lumMod val="40000"/>
+              <a:lumOff val="60000"/>
+            </a:schemeClr>
           </a:solidFill>
-          <a:ln>
-            <a:solidFill>
-              <a:srgbClr val="6DD4FF"/>
-            </a:solidFill>
-          </a:ln>
-        </p:spPr>
-        <p:txBody>
-          <a:bodyPr wrap="none" rtlCol="0">
-            <a:spAutoFit/>
-          </a:bodyPr>
-          <a:lstStyle/>
-          <a:p>
-            <a:pPr algn="r"/>
-            <a:r>
-              <a:rPr lang="en-US" sz="1100" b="1" dirty="0">
-                <a:solidFill>
-                  <a:srgbClr val="6DD4FF"/>
-                </a:solidFill>
-              </a:rPr>
-              <a:t>Loan’s description</a:t>
-            </a:r>
-          </a:p>
-          <a:p>
-            <a:pPr algn="r"/>
-            <a:r>
-              <a:rPr lang="en-US" sz="1100" b="1" dirty="0">
-                <a:solidFill>
-                  <a:srgbClr val="6DD4FF"/>
-                </a:solidFill>
-              </a:rPr>
-              <a:t>+ Client’s data</a:t>
-            </a:r>
-          </a:p>
-          <a:p>
-            <a:pPr algn="r"/>
-            <a:r>
-              <a:rPr lang="en-US" sz="1100" b="1" dirty="0">
-                <a:solidFill>
-                  <a:srgbClr val="6DD4FF"/>
-                </a:solidFill>
-              </a:rPr>
-              <a:t>{</a:t>
-            </a:r>
-            <a:r>
-              <a:rPr lang="en-US" sz="1100" b="1" dirty="0" err="1">
-                <a:solidFill>
-                  <a:srgbClr val="6DD4FF"/>
-                </a:solidFill>
-              </a:rPr>
-              <a:t>train|test</a:t>
-            </a:r>
-            <a:r>
-              <a:rPr lang="en-US" sz="1100" b="1" dirty="0">
-                <a:solidFill>
-                  <a:srgbClr val="6DD4FF"/>
-                </a:solidFill>
-              </a:rPr>
-              <a:t>}</a:t>
-            </a:r>
-          </a:p>
-        </p:txBody>
-      </p:sp>
-      <p:sp>
-        <p:nvSpPr>
-          <p:cNvPr id="10" name="ZoneTexte 9">
-            <a:extLst>
-              <a:ext uri="{FF2B5EF4-FFF2-40B4-BE49-F238E27FC236}">
-                <a16:creationId xmlns:a16="http://schemas.microsoft.com/office/drawing/2014/main" id="{0A2E17D0-3B3B-40B6-B7F0-80E8E6A39F44}"/>
-              </a:ext>
-            </a:extLst>
-          </p:cNvPr>
-          <p:cNvSpPr txBox="1"/>
-          <p:nvPr/>
-        </p:nvSpPr>
-        <p:spPr>
-          <a:xfrm>
-            <a:off x="1360425" y="2557537"/>
-            <a:ext cx="1263486" cy="261610"/>
-          </a:xfrm>
-          <a:prstGeom prst="rect">
-            <a:avLst/>
-          </a:prstGeom>
-          <a:solidFill>
-            <a:srgbClr val="B2B2B2"/>
-          </a:solidFill>
-          <a:ln>
-            <a:solidFill>
-              <a:srgbClr val="6DD4FF"/>
-            </a:solidFill>
-          </a:ln>
-        </p:spPr>
-        <p:txBody>
-          <a:bodyPr wrap="none" rtlCol="0">
-            <a:spAutoFit/>
-          </a:bodyPr>
-          <a:lstStyle/>
-          <a:p>
-            <a:pPr algn="r"/>
-            <a:r>
-              <a:rPr lang="en-US" sz="1100" b="1" dirty="0">
-                <a:solidFill>
-                  <a:srgbClr val="6DD4FF"/>
-                </a:solidFill>
-              </a:rPr>
-              <a:t>“External” loans</a:t>
-            </a:r>
-          </a:p>
-        </p:txBody>
-      </p:sp>
-      <p:sp>
-        <p:nvSpPr>
-          <p:cNvPr id="11" name="ZoneTexte 10">
-            <a:extLst>
-              <a:ext uri="{FF2B5EF4-FFF2-40B4-BE49-F238E27FC236}">
-                <a16:creationId xmlns:a16="http://schemas.microsoft.com/office/drawing/2014/main" id="{25D2AD60-13E7-458A-A9DF-F33B39D302B7}"/>
-              </a:ext>
-            </a:extLst>
-          </p:cNvPr>
-          <p:cNvSpPr txBox="1"/>
-          <p:nvPr/>
-        </p:nvSpPr>
-        <p:spPr>
-          <a:xfrm>
-            <a:off x="3305157" y="2688342"/>
-            <a:ext cx="1236237" cy="261610"/>
-          </a:xfrm>
-          <a:prstGeom prst="rect">
-            <a:avLst/>
-          </a:prstGeom>
-          <a:solidFill>
-            <a:srgbClr val="B2B2B2"/>
-          </a:solidFill>
-          <a:ln>
-            <a:solidFill>
-              <a:srgbClr val="6DD4FF"/>
-            </a:solidFill>
-          </a:ln>
-        </p:spPr>
-        <p:txBody>
-          <a:bodyPr wrap="none" rtlCol="0">
-            <a:spAutoFit/>
-          </a:bodyPr>
-          <a:lstStyle/>
-          <a:p>
-            <a:pPr algn="r"/>
-            <a:r>
-              <a:rPr lang="en-US" sz="1100" b="1" dirty="0">
-                <a:solidFill>
-                  <a:srgbClr val="6DD4FF"/>
-                </a:solidFill>
-              </a:rPr>
-              <a:t>“Internal” loans</a:t>
-            </a:r>
-          </a:p>
-        </p:txBody>
-      </p:sp>
-      <p:sp>
-        <p:nvSpPr>
-          <p:cNvPr id="7" name="Flèche : droite 6">
-            <a:extLst>
-              <a:ext uri="{FF2B5EF4-FFF2-40B4-BE49-F238E27FC236}">
-                <a16:creationId xmlns:a16="http://schemas.microsoft.com/office/drawing/2014/main" id="{AE7E025C-0B8D-44B3-B92F-FCD4652668D5}"/>
-              </a:ext>
-            </a:extLst>
-          </p:cNvPr>
-          <p:cNvSpPr/>
-          <p:nvPr/>
-        </p:nvSpPr>
-        <p:spPr>
-          <a:xfrm rot="2124546">
-            <a:off x="3230005" y="2536863"/>
-            <a:ext cx="166255" cy="166255"/>
-          </a:xfrm>
-          <a:prstGeom prst="rightArrow">
-            <a:avLst/>
-          </a:prstGeom>
-          <a:solidFill>
-            <a:srgbClr val="B2B2B2"/>
-          </a:solidFill>
-          <a:ln>
-            <a:solidFill>
-              <a:srgbClr val="6DD4FF"/>
-            </a:solidFill>
-          </a:ln>
         </p:spPr>
         <p:style>
           <a:lnRef idx="2">
@@ -8259,10 +8184,10 @@
       </p:sp>
       <p:sp>
         <p:nvSpPr>
-          <p:cNvPr id="16" name="Flèche : droite 15">
-            <a:extLst>
-              <a:ext uri="{FF2B5EF4-FFF2-40B4-BE49-F238E27FC236}">
-                <a16:creationId xmlns:a16="http://schemas.microsoft.com/office/drawing/2014/main" id="{5CF49F29-202A-4155-B540-9C375594B640}"/>
+          <p:cNvPr id="122" name="Rectangle : coins arrondis 121">
+            <a:extLst>
+              <a:ext uri="{FF2B5EF4-FFF2-40B4-BE49-F238E27FC236}">
+                <a16:creationId xmlns:a16="http://schemas.microsoft.com/office/drawing/2014/main" id="{18040931-DEC9-45A9-8F9E-8B1754AB9EDA}"/>
               </a:ext>
             </a:extLst>
           </p:cNvPr>
@@ -8270,21 +8195,21 @@
           <p:nvPr/>
         </p:nvSpPr>
         <p:spPr>
-          <a:xfrm rot="8491620">
-            <a:off x="2664922" y="2538251"/>
-            <a:ext cx="166255" cy="166255"/>
-          </a:xfrm>
-          <a:prstGeom prst="rightArrow">
-            <a:avLst/>
+          <a:xfrm>
+            <a:off x="4948733" y="4626454"/>
+            <a:ext cx="3655282" cy="863637"/>
+          </a:xfrm>
+          <a:prstGeom prst="roundRect">
+            <a:avLst>
+              <a:gd name="adj" fmla="val 4412"/>
+            </a:avLst>
           </a:prstGeom>
           <a:solidFill>
-            <a:srgbClr val="B2B2B2"/>
+            <a:schemeClr val="accent1">
+              <a:lumMod val="40000"/>
+              <a:lumOff val="60000"/>
+            </a:schemeClr>
           </a:solidFill>
-          <a:ln>
-            <a:solidFill>
-              <a:srgbClr val="6DD4FF"/>
-            </a:solidFill>
-          </a:ln>
         </p:spPr>
         <p:style>
           <a:lnRef idx="2">
@@ -8313,644 +8238,6 @@
       </p:sp>
       <p:sp>
         <p:nvSpPr>
-          <p:cNvPr id="20" name="ZoneTexte 19">
-            <a:extLst>
-              <a:ext uri="{FF2B5EF4-FFF2-40B4-BE49-F238E27FC236}">
-                <a16:creationId xmlns:a16="http://schemas.microsoft.com/office/drawing/2014/main" id="{43103B3A-A548-4C40-9504-658272B73531}"/>
-              </a:ext>
-            </a:extLst>
-          </p:cNvPr>
-          <p:cNvSpPr txBox="1"/>
-          <p:nvPr/>
-        </p:nvSpPr>
-        <p:spPr>
-          <a:xfrm>
-            <a:off x="6846737" y="1129701"/>
-            <a:ext cx="5254068" cy="1015663"/>
-          </a:xfrm>
-          <a:prstGeom prst="rect">
-            <a:avLst/>
-          </a:prstGeom>
-          <a:noFill/>
-        </p:spPr>
-        <p:txBody>
-          <a:bodyPr wrap="square">
-            <a:spAutoFit/>
-          </a:bodyPr>
-          <a:lstStyle/>
-          <a:p>
-            <a:r>
-              <a:rPr lang="en-US" sz="1200" b="1" dirty="0"/>
-              <a:t>Target variable : </a:t>
-            </a:r>
-          </a:p>
-          <a:p>
-            <a:r>
-              <a:rPr lang="en-US" sz="1200" b="1" dirty="0"/>
-              <a:t>1 - </a:t>
-            </a:r>
-            <a:r>
-              <a:rPr lang="en-US" sz="1200" dirty="0"/>
-              <a:t>client with payment difficulties: he/she had late payment more than </a:t>
-            </a:r>
-            <a:r>
-              <a:rPr lang="en-US" sz="1200" b="1" dirty="0"/>
-              <a:t>X</a:t>
-            </a:r>
-            <a:r>
-              <a:rPr lang="en-US" sz="1200" dirty="0"/>
-              <a:t> days on at least one of the first </a:t>
-            </a:r>
-            <a:r>
-              <a:rPr lang="en-US" sz="1200" b="1" dirty="0"/>
-              <a:t>Y</a:t>
-            </a:r>
-            <a:r>
-              <a:rPr lang="en-US" sz="1200" dirty="0"/>
-              <a:t> installments of the loan in our sample,</a:t>
-            </a:r>
-          </a:p>
-          <a:p>
-            <a:r>
-              <a:rPr lang="en-US" sz="1200" b="1" dirty="0"/>
-              <a:t>0 - </a:t>
-            </a:r>
-            <a:r>
-              <a:rPr lang="en-US" sz="1200" dirty="0"/>
-              <a:t>all other cases</a:t>
-            </a:r>
-          </a:p>
-        </p:txBody>
-      </p:sp>
-      <p:sp>
-        <p:nvSpPr>
-          <p:cNvPr id="15" name="ZoneTexte 14">
-            <a:extLst>
-              <a:ext uri="{FF2B5EF4-FFF2-40B4-BE49-F238E27FC236}">
-                <a16:creationId xmlns:a16="http://schemas.microsoft.com/office/drawing/2014/main" id="{09A30C26-3D77-4673-A4D9-180698A12CCF}"/>
-              </a:ext>
-            </a:extLst>
-          </p:cNvPr>
-          <p:cNvSpPr txBox="1"/>
-          <p:nvPr/>
-        </p:nvSpPr>
-        <p:spPr>
-          <a:xfrm>
-            <a:off x="1299509" y="4460990"/>
-            <a:ext cx="1324402" cy="430887"/>
-          </a:xfrm>
-          <a:prstGeom prst="rect">
-            <a:avLst/>
-          </a:prstGeom>
-          <a:solidFill>
-            <a:srgbClr val="B2B2B2"/>
-          </a:solidFill>
-          <a:ln>
-            <a:solidFill>
-              <a:srgbClr val="6DD4FF"/>
-            </a:solidFill>
-          </a:ln>
-        </p:spPr>
-        <p:txBody>
-          <a:bodyPr wrap="none" rtlCol="0">
-            <a:spAutoFit/>
-          </a:bodyPr>
-          <a:lstStyle/>
-          <a:p>
-            <a:pPr algn="r"/>
-            <a:r>
-              <a:rPr lang="en-US" sz="1100" b="1" dirty="0">
-                <a:solidFill>
-                  <a:srgbClr val="6DD4FF"/>
-                </a:solidFill>
-              </a:rPr>
-              <a:t>months balance</a:t>
-            </a:r>
-          </a:p>
-          <a:p>
-            <a:pPr algn="r"/>
-            <a:r>
-              <a:rPr lang="en-US" sz="1100" b="1" dirty="0">
-                <a:solidFill>
-                  <a:srgbClr val="6DD4FF"/>
-                </a:solidFill>
-              </a:rPr>
-              <a:t>(DPD status only)</a:t>
-            </a:r>
-          </a:p>
-        </p:txBody>
-      </p:sp>
-      <p:sp>
-        <p:nvSpPr>
-          <p:cNvPr id="18" name="ZoneTexte 17">
-            <a:extLst>
-              <a:ext uri="{FF2B5EF4-FFF2-40B4-BE49-F238E27FC236}">
-                <a16:creationId xmlns:a16="http://schemas.microsoft.com/office/drawing/2014/main" id="{E472289D-5476-4811-9A0D-E1174C312DB9}"/>
-              </a:ext>
-            </a:extLst>
-          </p:cNvPr>
-          <p:cNvSpPr txBox="1"/>
-          <p:nvPr/>
-        </p:nvSpPr>
-        <p:spPr>
-          <a:xfrm>
-            <a:off x="1299509" y="3837652"/>
-            <a:ext cx="1324402" cy="430887"/>
-          </a:xfrm>
-          <a:prstGeom prst="rect">
-            <a:avLst/>
-          </a:prstGeom>
-          <a:solidFill>
-            <a:srgbClr val="B2B2B2"/>
-          </a:solidFill>
-          <a:ln>
-            <a:solidFill>
-              <a:srgbClr val="6DD4FF"/>
-            </a:solidFill>
-          </a:ln>
-        </p:spPr>
-        <p:txBody>
-          <a:bodyPr wrap="none" rtlCol="0">
-            <a:spAutoFit/>
-          </a:bodyPr>
-          <a:lstStyle/>
-          <a:p>
-            <a:pPr algn="r"/>
-            <a:r>
-              <a:rPr lang="en-US" sz="1100" b="1" dirty="0">
-                <a:solidFill>
-                  <a:srgbClr val="6DD4FF"/>
-                </a:solidFill>
-              </a:rPr>
-              <a:t>months balance</a:t>
-            </a:r>
-          </a:p>
-          <a:p>
-            <a:pPr algn="r"/>
-            <a:r>
-              <a:rPr lang="en-US" sz="1100" b="1" dirty="0">
-                <a:solidFill>
-                  <a:srgbClr val="6DD4FF"/>
-                </a:solidFill>
-              </a:rPr>
-              <a:t>(DPD status only)</a:t>
-            </a:r>
-          </a:p>
-        </p:txBody>
-      </p:sp>
-      <p:sp>
-        <p:nvSpPr>
-          <p:cNvPr id="19" name="ZoneTexte 18">
-            <a:extLst>
-              <a:ext uri="{FF2B5EF4-FFF2-40B4-BE49-F238E27FC236}">
-                <a16:creationId xmlns:a16="http://schemas.microsoft.com/office/drawing/2014/main" id="{1B78A6BA-70EE-464E-BC8B-4B8FD37AACA8}"/>
-              </a:ext>
-            </a:extLst>
-          </p:cNvPr>
-          <p:cNvSpPr txBox="1"/>
-          <p:nvPr/>
-        </p:nvSpPr>
-        <p:spPr>
-          <a:xfrm>
-            <a:off x="3879193" y="5739938"/>
-            <a:ext cx="1324402" cy="430887"/>
-          </a:xfrm>
-          <a:prstGeom prst="rect">
-            <a:avLst/>
-          </a:prstGeom>
-          <a:solidFill>
-            <a:srgbClr val="B2B2B2"/>
-          </a:solidFill>
-          <a:ln>
-            <a:solidFill>
-              <a:srgbClr val="6DD4FF"/>
-            </a:solidFill>
-          </a:ln>
-        </p:spPr>
-        <p:txBody>
-          <a:bodyPr wrap="none" rtlCol="0">
-            <a:spAutoFit/>
-          </a:bodyPr>
-          <a:lstStyle/>
-          <a:p>
-            <a:pPr algn="r"/>
-            <a:r>
-              <a:rPr lang="en-US" sz="1100" b="1" dirty="0">
-                <a:solidFill>
-                  <a:srgbClr val="6DD4FF"/>
-                </a:solidFill>
-              </a:rPr>
-              <a:t>months balance</a:t>
-            </a:r>
-          </a:p>
-          <a:p>
-            <a:pPr algn="r"/>
-            <a:r>
-              <a:rPr lang="en-US" sz="1100" b="1" dirty="0">
-                <a:solidFill>
-                  <a:srgbClr val="6DD4FF"/>
-                </a:solidFill>
-              </a:rPr>
-              <a:t>(DPD status only)</a:t>
-            </a:r>
-          </a:p>
-        </p:txBody>
-      </p:sp>
-      <p:sp>
-        <p:nvSpPr>
-          <p:cNvPr id="3" name="ZoneTexte 2">
-            <a:extLst>
-              <a:ext uri="{FF2B5EF4-FFF2-40B4-BE49-F238E27FC236}">
-                <a16:creationId xmlns:a16="http://schemas.microsoft.com/office/drawing/2014/main" id="{0A36ACDD-D923-4FB4-A1F4-0B130CC72E32}"/>
-              </a:ext>
-            </a:extLst>
-          </p:cNvPr>
-          <p:cNvSpPr txBox="1"/>
-          <p:nvPr/>
-        </p:nvSpPr>
-        <p:spPr>
-          <a:xfrm>
-            <a:off x="6829168" y="2212607"/>
-            <a:ext cx="1563248" cy="1015663"/>
-          </a:xfrm>
-          <a:prstGeom prst="rect">
-            <a:avLst/>
-          </a:prstGeom>
-          <a:noFill/>
-        </p:spPr>
-        <p:txBody>
-          <a:bodyPr wrap="none" rtlCol="0">
-            <a:spAutoFit/>
-          </a:bodyPr>
-          <a:lstStyle/>
-          <a:p>
-            <a:r>
-              <a:rPr lang="en-US" sz="1200" b="1" dirty="0"/>
-              <a:t>Failure rates :</a:t>
-            </a:r>
-          </a:p>
-          <a:p>
-            <a:pPr marL="171450" indent="-171450">
-              <a:buFontTx/>
-              <a:buChar char="-"/>
-            </a:pPr>
-            <a:r>
-              <a:rPr lang="en-US" sz="1200" b="1" i="1" dirty="0"/>
-              <a:t>Global : 8.07%</a:t>
-            </a:r>
-          </a:p>
-          <a:p>
-            <a:pPr marL="171450" indent="-171450">
-              <a:buFontTx/>
-              <a:buChar char="-"/>
-            </a:pPr>
-            <a:r>
-              <a:rPr lang="en-US" sz="1200" b="1" i="1" dirty="0">
-                <a:solidFill>
-                  <a:srgbClr val="B2B2B2"/>
-                </a:solidFill>
-              </a:rPr>
-              <a:t>Revolving </a:t>
-            </a:r>
-            <a:r>
-              <a:rPr lang="en-US" sz="1200" b="1" i="1" dirty="0"/>
-              <a:t>5.48%</a:t>
-            </a:r>
-          </a:p>
-          <a:p>
-            <a:pPr marL="171450" indent="-171450">
-              <a:buFontTx/>
-              <a:buChar char="-"/>
-            </a:pPr>
-            <a:r>
-              <a:rPr lang="en-US" sz="1200" b="1" i="1" dirty="0">
-                <a:solidFill>
-                  <a:srgbClr val="0070C0"/>
-                </a:solidFill>
-              </a:rPr>
-              <a:t>Cash </a:t>
-            </a:r>
-            <a:r>
-              <a:rPr lang="en-US" sz="1200" b="1" i="1" dirty="0"/>
-              <a:t>8.35%</a:t>
-            </a:r>
-          </a:p>
-          <a:p>
-            <a:pPr marL="171450" indent="-171450">
-              <a:buFontTx/>
-              <a:buChar char="-"/>
-            </a:pPr>
-            <a:endParaRPr lang="en-US" sz="1200" b="1" i="1" dirty="0"/>
-          </a:p>
-        </p:txBody>
-      </p:sp>
-      <p:sp>
-        <p:nvSpPr>
-          <p:cNvPr id="22" name="ZoneTexte 21">
-            <a:extLst>
-              <a:ext uri="{FF2B5EF4-FFF2-40B4-BE49-F238E27FC236}">
-                <a16:creationId xmlns:a16="http://schemas.microsoft.com/office/drawing/2014/main" id="{2A0BA1CB-6F7B-4F9E-93B1-D4CA853CFBBB}"/>
-              </a:ext>
-            </a:extLst>
-          </p:cNvPr>
-          <p:cNvSpPr txBox="1"/>
-          <p:nvPr/>
-        </p:nvSpPr>
-        <p:spPr>
-          <a:xfrm>
-            <a:off x="6970533" y="3774464"/>
-            <a:ext cx="1520284" cy="1938992"/>
-          </a:xfrm>
-          <a:prstGeom prst="rect">
-            <a:avLst/>
-          </a:prstGeom>
-          <a:noFill/>
-        </p:spPr>
-        <p:txBody>
-          <a:bodyPr wrap="square">
-            <a:spAutoFit/>
-          </a:bodyPr>
-          <a:lstStyle/>
-          <a:p>
-            <a:r>
-              <a:rPr lang="en-US" sz="1200" b="1" dirty="0"/>
-              <a:t>Credit Amounts</a:t>
-            </a:r>
-          </a:p>
-          <a:p>
-            <a:endParaRPr lang="en-US" sz="1200" b="1" dirty="0"/>
-          </a:p>
-          <a:p>
-            <a:r>
-              <a:rPr lang="en-US" sz="1200" b="1" dirty="0">
-                <a:solidFill>
-                  <a:srgbClr val="B2B2B2"/>
-                </a:solidFill>
-              </a:rPr>
-              <a:t>“revolving” </a:t>
-            </a:r>
-            <a:r>
-              <a:rPr lang="en-US" sz="1200" dirty="0"/>
-              <a:t>loans implies </a:t>
-            </a:r>
-            <a:r>
-              <a:rPr lang="en-US" sz="1200" b="1" dirty="0"/>
-              <a:t>lower amounts</a:t>
-            </a:r>
-            <a:r>
-              <a:rPr lang="en-US" sz="1200" dirty="0"/>
-              <a:t> and </a:t>
-            </a:r>
-            <a:r>
-              <a:rPr lang="en-US" sz="1200" b="1" dirty="0"/>
-              <a:t>ability </a:t>
-            </a:r>
-            <a:r>
-              <a:rPr lang="en-US" sz="1200" dirty="0"/>
-              <a:t>to cut down further non repaid expenses than for </a:t>
-            </a:r>
-            <a:r>
-              <a:rPr lang="en-US" sz="1200" b="1" dirty="0">
-                <a:solidFill>
-                  <a:srgbClr val="0070C0"/>
-                </a:solidFill>
-              </a:rPr>
-              <a:t>“cash” </a:t>
-            </a:r>
-            <a:r>
-              <a:rPr lang="en-US" sz="1200" dirty="0"/>
-              <a:t>loans.</a:t>
-            </a:r>
-          </a:p>
-        </p:txBody>
-      </p:sp>
-      <p:sp>
-        <p:nvSpPr>
-          <p:cNvPr id="24" name="ZoneTexte 23">
-            <a:extLst>
-              <a:ext uri="{FF2B5EF4-FFF2-40B4-BE49-F238E27FC236}">
-                <a16:creationId xmlns:a16="http://schemas.microsoft.com/office/drawing/2014/main" id="{6DF448D7-9C21-47F0-A072-E152308FD633}"/>
-              </a:ext>
-            </a:extLst>
-          </p:cNvPr>
-          <p:cNvSpPr txBox="1"/>
-          <p:nvPr/>
-        </p:nvSpPr>
-        <p:spPr>
-          <a:xfrm>
-            <a:off x="8935203" y="5739938"/>
-            <a:ext cx="1154767" cy="307777"/>
-          </a:xfrm>
-          <a:prstGeom prst="rect">
-            <a:avLst/>
-          </a:prstGeom>
-          <a:noFill/>
-        </p:spPr>
-        <p:txBody>
-          <a:bodyPr wrap="square">
-            <a:spAutoFit/>
-          </a:bodyPr>
-          <a:lstStyle/>
-          <a:p>
-            <a:r>
-              <a:rPr lang="en-US" sz="1400" b="1" dirty="0">
-                <a:solidFill>
-                  <a:srgbClr val="B2B2B2"/>
-                </a:solidFill>
-              </a:rPr>
-              <a:t>“revolving”</a:t>
-            </a:r>
-            <a:endParaRPr lang="en-US" sz="1400" dirty="0">
-              <a:solidFill>
-                <a:srgbClr val="B2B2B2"/>
-              </a:solidFill>
-            </a:endParaRPr>
-          </a:p>
-        </p:txBody>
-      </p:sp>
-      <p:sp>
-        <p:nvSpPr>
-          <p:cNvPr id="30" name="ZoneTexte 29">
-            <a:extLst>
-              <a:ext uri="{FF2B5EF4-FFF2-40B4-BE49-F238E27FC236}">
-                <a16:creationId xmlns:a16="http://schemas.microsoft.com/office/drawing/2014/main" id="{2D2DC31F-743D-41C3-8190-E3AB038D254C}"/>
-              </a:ext>
-            </a:extLst>
-          </p:cNvPr>
-          <p:cNvSpPr txBox="1"/>
-          <p:nvPr/>
-        </p:nvSpPr>
-        <p:spPr>
-          <a:xfrm>
-            <a:off x="9095576" y="4335065"/>
-            <a:ext cx="1520449" cy="307777"/>
-          </a:xfrm>
-          <a:prstGeom prst="rect">
-            <a:avLst/>
-          </a:prstGeom>
-          <a:noFill/>
-        </p:spPr>
-        <p:txBody>
-          <a:bodyPr wrap="square">
-            <a:spAutoFit/>
-          </a:bodyPr>
-          <a:lstStyle/>
-          <a:p>
-            <a:r>
-              <a:rPr lang="en-US" sz="1400" b="1" dirty="0">
-                <a:solidFill>
-                  <a:srgbClr val="0070C0"/>
-                </a:solidFill>
-              </a:rPr>
-              <a:t>“cash”</a:t>
-            </a:r>
-            <a:endParaRPr lang="en-US" sz="1400" dirty="0">
-              <a:solidFill>
-                <a:srgbClr val="0070C0"/>
-              </a:solidFill>
-            </a:endParaRPr>
-          </a:p>
-        </p:txBody>
-      </p:sp>
-      <p:sp>
-        <p:nvSpPr>
-          <p:cNvPr id="31" name="Espace réservé du numéro de diapositive 30">
-            <a:extLst>
-              <a:ext uri="{FF2B5EF4-FFF2-40B4-BE49-F238E27FC236}">
-                <a16:creationId xmlns:a16="http://schemas.microsoft.com/office/drawing/2014/main" id="{D7EC99C8-E68A-4393-AE6B-2C715BE55D49}"/>
-              </a:ext>
-            </a:extLst>
-          </p:cNvPr>
-          <p:cNvSpPr>
-            <a:spLocks noGrp="1"/>
-          </p:cNvSpPr>
-          <p:nvPr>
-            <p:ph type="sldNum" sz="quarter" idx="12"/>
-          </p:nvPr>
-        </p:nvSpPr>
-        <p:spPr/>
-        <p:txBody>
-          <a:bodyPr/>
-          <a:lstStyle/>
-          <a:p>
-            <a:fld id="{D57F1E4F-1CFF-5643-939E-217C01CDF565}" type="slidenum">
-              <a:rPr lang="en-US" smtClean="0"/>
-              <a:pPr/>
-              <a:t>3</a:t>
-            </a:fld>
-            <a:endParaRPr lang="en-US" dirty="0"/>
-          </a:p>
-        </p:txBody>
-      </p:sp>
-      <p:pic>
-        <p:nvPicPr>
-          <p:cNvPr id="13" name="Image 12">
-            <a:extLst>
-              <a:ext uri="{FF2B5EF4-FFF2-40B4-BE49-F238E27FC236}">
-                <a16:creationId xmlns:a16="http://schemas.microsoft.com/office/drawing/2014/main" id="{DEBB9FE2-CB35-4BFB-846C-5BBC0946D035}"/>
-              </a:ext>
-            </a:extLst>
-          </p:cNvPr>
-          <p:cNvPicPr>
-            <a:picLocks noChangeAspect="1"/>
-          </p:cNvPicPr>
-          <p:nvPr/>
-        </p:nvPicPr>
-        <p:blipFill>
-          <a:blip r:embed="rId5"/>
-          <a:stretch>
-            <a:fillRect/>
-          </a:stretch>
-        </p:blipFill>
-        <p:spPr>
-          <a:xfrm>
-            <a:off x="8505368" y="1952731"/>
-            <a:ext cx="3152775" cy="1790700"/>
-          </a:xfrm>
-          <a:prstGeom prst="rect">
-            <a:avLst/>
-          </a:prstGeom>
-        </p:spPr>
-      </p:pic>
-      <p:sp>
-        <p:nvSpPr>
-          <p:cNvPr id="21" name="ZoneTexte 20">
-            <a:extLst>
-              <a:ext uri="{FF2B5EF4-FFF2-40B4-BE49-F238E27FC236}">
-                <a16:creationId xmlns:a16="http://schemas.microsoft.com/office/drawing/2014/main" id="{7C7C8AE0-80DD-4F2E-97D8-6ED8A96658F0}"/>
-              </a:ext>
-            </a:extLst>
-          </p:cNvPr>
-          <p:cNvSpPr txBox="1"/>
-          <p:nvPr/>
-        </p:nvSpPr>
-        <p:spPr>
-          <a:xfrm>
-            <a:off x="8745663" y="1953670"/>
-            <a:ext cx="3865336" cy="230832"/>
-          </a:xfrm>
-          <a:prstGeom prst="rect">
-            <a:avLst/>
-          </a:prstGeom>
-          <a:noFill/>
-        </p:spPr>
-        <p:txBody>
-          <a:bodyPr wrap="square">
-            <a:spAutoFit/>
-          </a:bodyPr>
-          <a:lstStyle/>
-          <a:p>
-            <a:r>
-              <a:rPr lang="en-US" sz="900" b="1" dirty="0">
-                <a:solidFill>
-                  <a:schemeClr val="bg1"/>
-                </a:solidFill>
-              </a:rPr>
-              <a:t>Target Imbalance </a:t>
-            </a:r>
-            <a:r>
-              <a:rPr lang="en-US" sz="900" i="1" dirty="0">
-                <a:solidFill>
-                  <a:schemeClr val="bg1"/>
-                </a:solidFill>
-              </a:rPr>
-              <a:t>– by NAME_CONTRACT_TYPE</a:t>
-            </a:r>
-          </a:p>
-        </p:txBody>
-      </p:sp>
-    </p:spTree>
-    <p:extLst>
-      <p:ext uri="{BB962C8B-B14F-4D97-AF65-F5344CB8AC3E}">
-        <p14:creationId xmlns:p14="http://schemas.microsoft.com/office/powerpoint/2010/main" val="82235734"/>
-      </p:ext>
-    </p:extLst>
-  </p:cSld>
-  <p:clrMapOvr>
-    <a:masterClrMapping/>
-  </p:clrMapOvr>
-</p:sld>
-</file>
-
-<file path=ppt/slides/slide4.xml><?xml version="1.0" encoding="utf-8"?>
-<p:sld xmlns:a="http://schemas.openxmlformats.org/drawingml/2006/main" xmlns:r="http://schemas.openxmlformats.org/officeDocument/2006/relationships" xmlns:p="http://schemas.openxmlformats.org/presentationml/2006/main">
-  <p:cSld>
-    <p:spTree>
-      <p:nvGrpSpPr>
-        <p:cNvPr id="1" name=""/>
-        <p:cNvGrpSpPr/>
-        <p:nvPr/>
-      </p:nvGrpSpPr>
-      <p:grpSpPr>
-        <a:xfrm>
-          <a:off x="0" y="0"/>
-          <a:ext cx="0" cy="0"/>
-          <a:chOff x="0" y="0"/>
-          <a:chExt cx="0" cy="0"/>
-        </a:xfrm>
-      </p:grpSpPr>
-      <p:sp>
-        <p:nvSpPr>
           <p:cNvPr id="68" name="Rectangle : coins arrondis 67">
             <a:extLst>
               <a:ext uri="{FF2B5EF4-FFF2-40B4-BE49-F238E27FC236}">
@@ -8963,8 +8250,8 @@
         </p:nvSpPr>
         <p:spPr>
           <a:xfrm>
-            <a:off x="4968191" y="3669096"/>
-            <a:ext cx="3655282" cy="3184864"/>
+            <a:off x="4948733" y="5510337"/>
+            <a:ext cx="3655282" cy="1326167"/>
           </a:xfrm>
           <a:prstGeom prst="roundRect">
             <a:avLst>
@@ -9017,11 +8304,13 @@
         </p:nvSpPr>
         <p:spPr>
           <a:xfrm>
-            <a:off x="4968191" y="1890041"/>
-            <a:ext cx="3655282" cy="936889"/>
+            <a:off x="4966953" y="1972185"/>
+            <a:ext cx="3655282" cy="1185689"/>
           </a:xfrm>
           <a:prstGeom prst="roundRect">
-            <a:avLst/>
+            <a:avLst>
+              <a:gd name="adj" fmla="val 4687"/>
+            </a:avLst>
           </a:prstGeom>
           <a:solidFill>
             <a:schemeClr val="accent1">
@@ -9029,6 +8318,11 @@
               <a:lumOff val="60000"/>
             </a:schemeClr>
           </a:solidFill>
+          <a:ln w="38100">
+            <a:solidFill>
+              <a:srgbClr val="0070C0"/>
+            </a:solidFill>
+          </a:ln>
         </p:spPr>
         <p:style>
           <a:lnRef idx="2">
@@ -9051,7 +8345,7 @@
           <a:lstStyle/>
           <a:p>
             <a:pPr algn="ctr"/>
-            <a:endParaRPr lang="en-US"/>
+            <a:endParaRPr lang="en-US" dirty="0"/>
           </a:p>
         </p:txBody>
       </p:sp>
@@ -9073,7 +8367,7 @@
         </p:nvSpPr>
         <p:spPr>
           <a:xfrm>
-            <a:off x="529895" y="21496"/>
+            <a:off x="273991" y="31302"/>
             <a:ext cx="10571998" cy="970450"/>
           </a:xfrm>
         </p:spPr>
@@ -9102,8 +8396,8 @@
         </p:nvSpPr>
         <p:spPr>
           <a:xfrm>
-            <a:off x="896499" y="1549436"/>
-            <a:ext cx="886781" cy="369332"/>
+            <a:off x="1176256" y="1238897"/>
+            <a:ext cx="925253" cy="369332"/>
           </a:xfrm>
           <a:prstGeom prst="rect">
             <a:avLst/>
@@ -9118,7 +8412,7 @@
           <a:p>
             <a:r>
               <a:rPr lang="en-US" dirty="0"/>
-              <a:t>clients</a:t>
+              <a:t>Clients</a:t>
             </a:r>
           </a:p>
         </p:txBody>
@@ -9137,8 +8431,8 @@
         </p:nvSpPr>
         <p:spPr>
           <a:xfrm>
-            <a:off x="106242" y="3691868"/>
-            <a:ext cx="5020291" cy="1569660"/>
+            <a:off x="31650" y="3639887"/>
+            <a:ext cx="5020291" cy="2800767"/>
           </a:xfrm>
           <a:prstGeom prst="rect">
             <a:avLst/>
@@ -9153,7 +8447,25 @@
           <a:p>
             <a:r>
               <a:rPr lang="en-US" sz="1600" dirty="0"/>
-              <a:t>Our actual knowledge is a combination of client’s </a:t>
+              <a:t>Our </a:t>
+            </a:r>
+            <a:r>
+              <a:rPr lang="en-US" sz="1600" b="1" dirty="0"/>
+              <a:t>actual</a:t>
+            </a:r>
+            <a:r>
+              <a:rPr lang="en-US" sz="1600" dirty="0"/>
+              <a:t> anteriority* client’s knowledge is a combination of:</a:t>
+            </a:r>
+          </a:p>
+          <a:p>
+            <a:pPr marL="285750" indent="-285750">
+              <a:buFontTx/>
+              <a:buChar char="-"/>
+            </a:pPr>
+            <a:r>
+              <a:rPr lang="en-US" sz="1600" dirty="0"/>
+              <a:t>Client’s </a:t>
             </a:r>
             <a:r>
               <a:rPr lang="en-US" sz="1600" b="1" i="1" dirty="0">
@@ -9165,7 +8477,13 @@
             </a:r>
             <a:r>
               <a:rPr lang="en-US" sz="1600" dirty="0"/>
-              <a:t>(no previous knowledge), and optionally:</a:t>
+              <a:t>(no previous loans, 0.76%, 0.44% in test set and 0.81% in train set),</a:t>
+            </a:r>
+          </a:p>
+          <a:p>
+            <a:r>
+              <a:rPr lang="en-US" sz="1600" dirty="0"/>
+              <a:t>and optionally:</a:t>
             </a:r>
           </a:p>
           <a:p>
@@ -9175,7 +8493,7 @@
             </a:pPr>
             <a:r>
               <a:rPr lang="en-US" sz="1600" dirty="0"/>
-              <a:t>“</a:t>
+              <a:t>Client’s “</a:t>
             </a:r>
             <a:r>
               <a:rPr lang="en-US" sz="1600" b="1" i="1" dirty="0">
@@ -9187,7 +8505,7 @@
             </a:r>
             <a:r>
               <a:rPr lang="en-US" sz="1600" dirty="0"/>
-              <a:t>” previous loans knowledge,</a:t>
+              <a:t>” loans (85.84%)</a:t>
             </a:r>
           </a:p>
           <a:p>
@@ -9197,7 +8515,7 @@
             </a:pPr>
             <a:r>
               <a:rPr lang="en-US" sz="1600" dirty="0"/>
-              <a:t>“</a:t>
+              <a:t>Client’s “</a:t>
             </a:r>
             <a:r>
               <a:rPr lang="en-US" sz="1600" b="1" i="1" dirty="0">
@@ -9209,7 +8527,7 @@
             </a:r>
             <a:r>
               <a:rPr lang="en-US" sz="1600" dirty="0"/>
-              <a:t>” previous loans knowledge,</a:t>
+              <a:t>” loans* (95.03%),</a:t>
             </a:r>
           </a:p>
           <a:p>
@@ -9217,6 +8535,10 @@
               <a:buFontTx/>
               <a:buChar char="-"/>
             </a:pPr>
+            <a:r>
+              <a:rPr lang="en-US" sz="1600" dirty="0"/>
+              <a:t>Client’s </a:t>
+            </a:r>
             <a:r>
               <a:rPr lang="en-US" sz="1600" b="1" i="1" dirty="0">
                 <a:solidFill>
@@ -9226,11 +8548,26 @@
                   </a:schemeClr>
                 </a:solidFill>
               </a:rPr>
-              <a:t>both</a:t>
+              <a:t>both </a:t>
             </a:r>
             <a:r>
               <a:rPr lang="en-US" sz="1600" dirty="0"/>
-              <a:t> loans knowledge</a:t>
+              <a:t>loans' knowledge (81.63%).</a:t>
+            </a:r>
+          </a:p>
+          <a:p>
+            <a:endParaRPr lang="en-US" sz="1600" dirty="0"/>
+          </a:p>
+          <a:p>
+            <a:r>
+              <a:rPr lang="en-US" sz="1600" i="1" dirty="0"/>
+              <a:t>* 8 years sliding from current application</a:t>
+            </a:r>
+          </a:p>
+          <a:p>
+            <a:r>
+              <a:rPr lang="en-US" sz="1600" i="1" dirty="0"/>
+              <a:t>** incl. previous rejected applications</a:t>
             </a:r>
           </a:p>
         </p:txBody>
@@ -9311,8 +8648,8 @@
         </p:blipFill>
         <p:spPr>
           <a:xfrm>
-            <a:off x="4284482" y="5143693"/>
-            <a:ext cx="2880988" cy="1649018"/>
+            <a:off x="5717352" y="5549670"/>
+            <a:ext cx="2197279" cy="1257677"/>
           </a:xfrm>
           <a:prstGeom prst="rect">
             <a:avLst/>
@@ -9333,7 +8670,7 @@
         </p:nvSpPr>
         <p:spPr>
           <a:xfrm>
-            <a:off x="5061527" y="3761608"/>
+            <a:off x="5007925" y="3852676"/>
             <a:ext cx="1795491" cy="646331"/>
           </a:xfrm>
           <a:prstGeom prst="rect">
@@ -9372,7 +8709,7 @@
         </p:nvSpPr>
         <p:spPr>
           <a:xfrm>
-            <a:off x="5039150" y="4511568"/>
+            <a:off x="5019692" y="4725445"/>
             <a:ext cx="1394933" cy="646331"/>
           </a:xfrm>
           <a:prstGeom prst="rect">
@@ -9766,7 +9103,7 @@
         </p:nvSpPr>
         <p:spPr>
           <a:xfrm>
-            <a:off x="6396221" y="4464808"/>
+            <a:off x="6376763" y="4678685"/>
             <a:ext cx="381000" cy="762000"/>
           </a:xfrm>
           <a:custGeom>
@@ -9885,7 +9222,7 @@
         </p:nvSpPr>
         <p:spPr>
           <a:xfrm>
-            <a:off x="6844294" y="4460508"/>
+            <a:off x="6824836" y="4674385"/>
             <a:ext cx="381000" cy="762000"/>
           </a:xfrm>
           <a:custGeom>
@@ -10004,7 +9341,7 @@
         </p:nvGrpSpPr>
         <p:grpSpPr>
           <a:xfrm>
-            <a:off x="6895682" y="3598652"/>
+            <a:off x="7038331" y="3695168"/>
             <a:ext cx="914400" cy="914400"/>
             <a:chOff x="5437225" y="1309664"/>
             <a:chExt cx="914400" cy="914400"/>
@@ -10567,10 +9904,10 @@
       </p:grpSp>
       <p:pic>
         <p:nvPicPr>
-          <p:cNvPr id="48" name="Graphique 47" descr="Profil femelle">
-            <a:extLst>
-              <a:ext uri="{FF2B5EF4-FFF2-40B4-BE49-F238E27FC236}">
-                <a16:creationId xmlns:a16="http://schemas.microsoft.com/office/drawing/2014/main" id="{884A6ACA-F27F-40CA-89DF-07071707D545}"/>
+          <p:cNvPr id="52" name="Graphique 51" descr="Écolier">
+            <a:extLst>
+              <a:ext uri="{FF2B5EF4-FFF2-40B4-BE49-F238E27FC236}">
+                <a16:creationId xmlns:a16="http://schemas.microsoft.com/office/drawing/2014/main" id="{FC472D43-420B-49D5-97EA-2EFD213ED854}"/>
               </a:ext>
             </a:extLst>
           </p:cNvPr>
@@ -10593,8 +9930,8 @@
         </p:blipFill>
         <p:spPr>
           <a:xfrm>
-            <a:off x="2033725" y="2635936"/>
-            <a:ext cx="778872" cy="778872"/>
+            <a:off x="6984888" y="2272541"/>
+            <a:ext cx="664146" cy="664146"/>
           </a:xfrm>
           <a:prstGeom prst="rect">
             <a:avLst/>
@@ -10603,10 +9940,10 @@
       </p:pic>
       <p:pic>
         <p:nvPicPr>
-          <p:cNvPr id="50" name="Graphique 49" descr="Profil mâle">
-            <a:extLst>
-              <a:ext uri="{FF2B5EF4-FFF2-40B4-BE49-F238E27FC236}">
-                <a16:creationId xmlns:a16="http://schemas.microsoft.com/office/drawing/2014/main" id="{EC9EBA0A-7735-437B-AC36-483E213F1ADB}"/>
+          <p:cNvPr id="56" name="Graphique 55" descr="Commentaire, Je n’aime pas">
+            <a:extLst>
+              <a:ext uri="{FF2B5EF4-FFF2-40B4-BE49-F238E27FC236}">
+                <a16:creationId xmlns:a16="http://schemas.microsoft.com/office/drawing/2014/main" id="{82BFC7A0-8270-474F-A368-EF1A08309410}"/>
               </a:ext>
             </a:extLst>
           </p:cNvPr>
@@ -10629,8 +9966,8 @@
         </p:blipFill>
         <p:spPr>
           <a:xfrm>
-            <a:off x="1710008" y="2733145"/>
-            <a:ext cx="778872" cy="778872"/>
+            <a:off x="10904310" y="1363754"/>
+            <a:ext cx="914400" cy="914400"/>
           </a:xfrm>
           <a:prstGeom prst="rect">
             <a:avLst/>
@@ -10639,10 +9976,10 @@
       </p:pic>
       <p:pic>
         <p:nvPicPr>
-          <p:cNvPr id="52" name="Graphique 51" descr="Écolier">
-            <a:extLst>
-              <a:ext uri="{FF2B5EF4-FFF2-40B4-BE49-F238E27FC236}">
-                <a16:creationId xmlns:a16="http://schemas.microsoft.com/office/drawing/2014/main" id="{FC472D43-420B-49D5-97EA-2EFD213ED854}"/>
+          <p:cNvPr id="58" name="Graphique 57" descr="Commentaire, J’aime">
+            <a:extLst>
+              <a:ext uri="{FF2B5EF4-FFF2-40B4-BE49-F238E27FC236}">
+                <a16:creationId xmlns:a16="http://schemas.microsoft.com/office/drawing/2014/main" id="{280180F8-D803-4D66-AA3A-67F63BEDAA98}"/>
               </a:ext>
             </a:extLst>
           </p:cNvPr>
@@ -10656,78 +9993,6 @@
             <a:extLst>
               <a:ext uri="{96DAC541-7B7A-43D3-8B79-37D633B846F1}">
                 <asvg:svgBlip xmlns:asvg="http://schemas.microsoft.com/office/drawing/2016/SVG/main" r:embed="rId10"/>
-              </a:ext>
-            </a:extLst>
-          </a:blip>
-          <a:stretch>
-            <a:fillRect/>
-          </a:stretch>
-        </p:blipFill>
-        <p:spPr>
-          <a:xfrm>
-            <a:off x="4959287" y="2090260"/>
-            <a:ext cx="664146" cy="664146"/>
-          </a:xfrm>
-          <a:prstGeom prst="rect">
-            <a:avLst/>
-          </a:prstGeom>
-        </p:spPr>
-      </p:pic>
-      <p:pic>
-        <p:nvPicPr>
-          <p:cNvPr id="56" name="Graphique 55" descr="Commentaire, Je n’aime pas">
-            <a:extLst>
-              <a:ext uri="{FF2B5EF4-FFF2-40B4-BE49-F238E27FC236}">
-                <a16:creationId xmlns:a16="http://schemas.microsoft.com/office/drawing/2014/main" id="{82BFC7A0-8270-474F-A368-EF1A08309410}"/>
-              </a:ext>
-            </a:extLst>
-          </p:cNvPr>
-          <p:cNvPicPr>
-            <a:picLocks noChangeAspect="1"/>
-          </p:cNvPicPr>
-          <p:nvPr/>
-        </p:nvPicPr>
-        <p:blipFill>
-          <a:blip r:embed="rId11">
-            <a:extLst>
-              <a:ext uri="{96DAC541-7B7A-43D3-8B79-37D633B846F1}">
-                <asvg:svgBlip xmlns:asvg="http://schemas.microsoft.com/office/drawing/2016/SVG/main" r:embed="rId12"/>
-              </a:ext>
-            </a:extLst>
-          </a:blip>
-          <a:stretch>
-            <a:fillRect/>
-          </a:stretch>
-        </p:blipFill>
-        <p:spPr>
-          <a:xfrm>
-            <a:off x="10904310" y="1363754"/>
-            <a:ext cx="914400" cy="914400"/>
-          </a:xfrm>
-          <a:prstGeom prst="rect">
-            <a:avLst/>
-          </a:prstGeom>
-        </p:spPr>
-      </p:pic>
-      <p:pic>
-        <p:nvPicPr>
-          <p:cNvPr id="58" name="Graphique 57" descr="Commentaire, J’aime">
-            <a:extLst>
-              <a:ext uri="{FF2B5EF4-FFF2-40B4-BE49-F238E27FC236}">
-                <a16:creationId xmlns:a16="http://schemas.microsoft.com/office/drawing/2014/main" id="{280180F8-D803-4D66-AA3A-67F63BEDAA98}"/>
-              </a:ext>
-            </a:extLst>
-          </p:cNvPr>
-          <p:cNvPicPr>
-            <a:picLocks noChangeAspect="1"/>
-          </p:cNvPicPr>
-          <p:nvPr/>
-        </p:nvPicPr>
-        <p:blipFill>
-          <a:blip r:embed="rId13">
-            <a:extLst>
-              <a:ext uri="{96DAC541-7B7A-43D3-8B79-37D633B846F1}">
-                <asvg:svgBlip xmlns:asvg="http://schemas.microsoft.com/office/drawing/2016/SVG/main" r:embed="rId14"/>
               </a:ext>
             </a:extLst>
           </a:blip>
@@ -10998,10 +10263,10 @@
           <p:nvPr/>
         </p:nvPicPr>
         <p:blipFill>
-          <a:blip r:embed="rId15">
+          <a:blip r:embed="rId11">
             <a:extLst>
               <a:ext uri="{96DAC541-7B7A-43D3-8B79-37D633B846F1}">
-                <asvg:svgBlip xmlns:asvg="http://schemas.microsoft.com/office/drawing/2016/SVG/main" r:embed="rId16"/>
+                <asvg:svgBlip xmlns:asvg="http://schemas.microsoft.com/office/drawing/2016/SVG/main" r:embed="rId12"/>
               </a:ext>
             </a:extLst>
           </a:blip>
@@ -11011,7 +10276,7 @@
         </p:blipFill>
         <p:spPr>
           <a:xfrm>
-            <a:off x="6008408" y="1883930"/>
+            <a:off x="7500564" y="2041390"/>
             <a:ext cx="914401" cy="914401"/>
           </a:xfrm>
           <a:prstGeom prst="rect">
@@ -11034,10 +10299,10 @@
           <p:nvPr/>
         </p:nvPicPr>
         <p:blipFill>
-          <a:blip r:embed="rId17">
+          <a:blip r:embed="rId13">
             <a:extLst>
               <a:ext uri="{96DAC541-7B7A-43D3-8B79-37D633B846F1}">
-                <asvg:svgBlip xmlns:asvg="http://schemas.microsoft.com/office/drawing/2016/SVG/main" r:embed="rId18"/>
+                <asvg:svgBlip xmlns:asvg="http://schemas.microsoft.com/office/drawing/2016/SVG/main" r:embed="rId14"/>
               </a:ext>
             </a:extLst>
           </a:blip>
@@ -11047,7 +10312,7 @@
         </p:blipFill>
         <p:spPr>
           <a:xfrm>
-            <a:off x="5264281" y="1914656"/>
+            <a:off x="6681816" y="2357552"/>
             <a:ext cx="664146" cy="664146"/>
           </a:xfrm>
           <a:prstGeom prst="rect">
@@ -11177,10 +10442,10 @@
           <p:nvPr/>
         </p:nvPicPr>
         <p:blipFill>
-          <a:blip r:embed="rId19">
+          <a:blip r:embed="rId15">
             <a:extLst>
               <a:ext uri="{96DAC541-7B7A-43D3-8B79-37D633B846F1}">
-                <asvg:svgBlip xmlns:asvg="http://schemas.microsoft.com/office/drawing/2016/SVG/main" r:embed="rId20"/>
+                <asvg:svgBlip xmlns:asvg="http://schemas.microsoft.com/office/drawing/2016/SVG/main" r:embed="rId16"/>
               </a:ext>
             </a:extLst>
           </a:blip>
@@ -11190,8 +10455,8 @@
         </p:blipFill>
         <p:spPr>
           <a:xfrm>
-            <a:off x="807854" y="1892319"/>
-            <a:ext cx="778872" cy="778872"/>
+            <a:off x="1193246" y="1641241"/>
+            <a:ext cx="373808" cy="373808"/>
           </a:xfrm>
           <a:prstGeom prst="rect">
             <a:avLst/>
@@ -11213,10 +10478,10 @@
           <p:nvPr/>
         </p:nvPicPr>
         <p:blipFill>
-          <a:blip r:embed="rId21">
+          <a:blip r:embed="rId17">
             <a:extLst>
               <a:ext uri="{96DAC541-7B7A-43D3-8B79-37D633B846F1}">
-                <asvg:svgBlip xmlns:asvg="http://schemas.microsoft.com/office/drawing/2016/SVG/main" r:embed="rId22"/>
+                <asvg:svgBlip xmlns:asvg="http://schemas.microsoft.com/office/drawing/2016/SVG/main" r:embed="rId18"/>
               </a:ext>
             </a:extLst>
           </a:blip>
@@ -11226,158 +10491,14 @@
         </p:blipFill>
         <p:spPr>
           <a:xfrm>
-            <a:off x="484137" y="1989528"/>
-            <a:ext cx="778872" cy="778872"/>
+            <a:off x="1041159" y="1702279"/>
+            <a:ext cx="373808" cy="373808"/>
           </a:xfrm>
           <a:prstGeom prst="rect">
             <a:avLst/>
           </a:prstGeom>
         </p:spPr>
       </p:pic>
-      <p:pic>
-        <p:nvPicPr>
-          <p:cNvPr id="41" name="Graphique 40" descr="Profil femelle">
-            <a:extLst>
-              <a:ext uri="{FF2B5EF4-FFF2-40B4-BE49-F238E27FC236}">
-                <a16:creationId xmlns:a16="http://schemas.microsoft.com/office/drawing/2014/main" id="{420E1B4F-3B6E-4A9D-B5F7-02C17895FE8E}"/>
-              </a:ext>
-            </a:extLst>
-          </p:cNvPr>
-          <p:cNvPicPr>
-            <a:picLocks noChangeAspect="1"/>
-          </p:cNvPicPr>
-          <p:nvPr/>
-        </p:nvPicPr>
-        <p:blipFill>
-          <a:blip r:embed="rId23">
-            <a:extLst>
-              <a:ext uri="{96DAC541-7B7A-43D3-8B79-37D633B846F1}">
-                <asvg:svgBlip xmlns:asvg="http://schemas.microsoft.com/office/drawing/2016/SVG/main" r:embed="rId24"/>
-              </a:ext>
-            </a:extLst>
-          </a:blip>
-          <a:stretch>
-            <a:fillRect/>
-          </a:stretch>
-        </p:blipFill>
-        <p:spPr>
-          <a:xfrm>
-            <a:off x="1997318" y="1883930"/>
-            <a:ext cx="778872" cy="778872"/>
-          </a:xfrm>
-          <a:prstGeom prst="rect">
-            <a:avLst/>
-          </a:prstGeom>
-        </p:spPr>
-      </p:pic>
-      <p:pic>
-        <p:nvPicPr>
-          <p:cNvPr id="42" name="Graphique 41" descr="Profil mâle">
-            <a:extLst>
-              <a:ext uri="{FF2B5EF4-FFF2-40B4-BE49-F238E27FC236}">
-                <a16:creationId xmlns:a16="http://schemas.microsoft.com/office/drawing/2014/main" id="{786992CC-374D-4FFF-B65C-1A088E0E3A0A}"/>
-              </a:ext>
-            </a:extLst>
-          </p:cNvPr>
-          <p:cNvPicPr>
-            <a:picLocks noChangeAspect="1"/>
-          </p:cNvPicPr>
-          <p:nvPr/>
-        </p:nvPicPr>
-        <p:blipFill>
-          <a:blip r:embed="rId25">
-            <a:extLst>
-              <a:ext uri="{96DAC541-7B7A-43D3-8B79-37D633B846F1}">
-                <asvg:svgBlip xmlns:asvg="http://schemas.microsoft.com/office/drawing/2016/SVG/main" r:embed="rId26"/>
-              </a:ext>
-            </a:extLst>
-          </a:blip>
-          <a:stretch>
-            <a:fillRect/>
-          </a:stretch>
-        </p:blipFill>
-        <p:spPr>
-          <a:xfrm>
-            <a:off x="1673601" y="1981139"/>
-            <a:ext cx="778872" cy="778872"/>
-          </a:xfrm>
-          <a:prstGeom prst="rect">
-            <a:avLst/>
-          </a:prstGeom>
-        </p:spPr>
-      </p:pic>
-      <p:pic>
-        <p:nvPicPr>
-          <p:cNvPr id="47" name="Graphique 46" descr="Profil femelle">
-            <a:extLst>
-              <a:ext uri="{FF2B5EF4-FFF2-40B4-BE49-F238E27FC236}">
-                <a16:creationId xmlns:a16="http://schemas.microsoft.com/office/drawing/2014/main" id="{A55675E4-E41E-4465-A0C9-AD5A62FB5787}"/>
-              </a:ext>
-            </a:extLst>
-          </p:cNvPr>
-          <p:cNvPicPr>
-            <a:picLocks noChangeAspect="1"/>
-          </p:cNvPicPr>
-          <p:nvPr/>
-        </p:nvPicPr>
-        <p:blipFill>
-          <a:blip r:embed="rId27">
-            <a:extLst>
-              <a:ext uri="{96DAC541-7B7A-43D3-8B79-37D633B846F1}">
-                <asvg:svgBlip xmlns:asvg="http://schemas.microsoft.com/office/drawing/2016/SVG/main" r:embed="rId28"/>
-              </a:ext>
-            </a:extLst>
-          </a:blip>
-          <a:stretch>
-            <a:fillRect/>
-          </a:stretch>
-        </p:blipFill>
-        <p:spPr>
-          <a:xfrm>
-            <a:off x="853612" y="2635936"/>
-            <a:ext cx="778872" cy="778872"/>
-          </a:xfrm>
-          <a:prstGeom prst="rect">
-            <a:avLst/>
-          </a:prstGeom>
-        </p:spPr>
-      </p:pic>
-      <p:pic>
-        <p:nvPicPr>
-          <p:cNvPr id="49" name="Graphique 48" descr="Profil mâle">
-            <a:extLst>
-              <a:ext uri="{FF2B5EF4-FFF2-40B4-BE49-F238E27FC236}">
-                <a16:creationId xmlns:a16="http://schemas.microsoft.com/office/drawing/2014/main" id="{C6ABCD92-5CA0-43BA-B14F-58B02E79601D}"/>
-              </a:ext>
-            </a:extLst>
-          </p:cNvPr>
-          <p:cNvPicPr>
-            <a:picLocks noChangeAspect="1"/>
-          </p:cNvPicPr>
-          <p:nvPr/>
-        </p:nvPicPr>
-        <p:blipFill>
-          <a:blip r:embed="rId29">
-            <a:extLst>
-              <a:ext uri="{96DAC541-7B7A-43D3-8B79-37D633B846F1}">
-                <asvg:svgBlip xmlns:asvg="http://schemas.microsoft.com/office/drawing/2016/SVG/main" r:embed="rId30"/>
-              </a:ext>
-            </a:extLst>
-          </a:blip>
-          <a:stretch>
-            <a:fillRect/>
-          </a:stretch>
-        </p:blipFill>
-        <p:spPr>
-          <a:xfrm>
-            <a:off x="529895" y="2733145"/>
-            <a:ext cx="778872" cy="778872"/>
-          </a:xfrm>
-          <a:prstGeom prst="rect">
-            <a:avLst/>
-          </a:prstGeom>
-        </p:spPr>
-      </p:pic>
       <p:sp>
         <p:nvSpPr>
           <p:cNvPr id="65" name="ZoneTexte 64">
@@ -11392,7 +10513,7 @@
         </p:nvSpPr>
         <p:spPr>
           <a:xfrm>
-            <a:off x="7201875" y="4494949"/>
+            <a:off x="7182417" y="4708826"/>
             <a:ext cx="1439818" cy="646331"/>
           </a:xfrm>
           <a:prstGeom prst="rect">
@@ -11443,35 +10564,6 @@
           </a:p>
         </p:txBody>
       </p:sp>
-      <p:pic>
-        <p:nvPicPr>
-          <p:cNvPr id="32" name="Image 31">
-            <a:extLst>
-              <a:ext uri="{FF2B5EF4-FFF2-40B4-BE49-F238E27FC236}">
-                <a16:creationId xmlns:a16="http://schemas.microsoft.com/office/drawing/2014/main" id="{E9470B11-DAD3-4A95-AC88-479914DE0E64}"/>
-              </a:ext>
-            </a:extLst>
-          </p:cNvPr>
-          <p:cNvPicPr>
-            <a:picLocks noChangeAspect="1"/>
-          </p:cNvPicPr>
-          <p:nvPr/>
-        </p:nvPicPr>
-        <p:blipFill rotWithShape="1">
-          <a:blip r:embed="rId31"/>
-          <a:srcRect t="22847" b="26198"/>
-          <a:stretch/>
-        </p:blipFill>
-        <p:spPr>
-          <a:xfrm>
-            <a:off x="7002790" y="1979005"/>
-            <a:ext cx="1464184" cy="743617"/>
-          </a:xfrm>
-          <a:prstGeom prst="rect">
-            <a:avLst/>
-          </a:prstGeom>
-        </p:spPr>
-      </p:pic>
       <p:sp>
         <p:nvSpPr>
           <p:cNvPr id="70" name="Flèche : droite 69">
@@ -11486,8 +10578,8 @@
         </p:nvSpPr>
         <p:spPr>
           <a:xfrm rot="16200000">
-            <a:off x="5558292" y="2981390"/>
-            <a:ext cx="654648" cy="519294"/>
+            <a:off x="5367467" y="3220106"/>
+            <a:ext cx="464644" cy="447924"/>
           </a:xfrm>
           <a:prstGeom prst="rightArrow">
             <a:avLst/>
@@ -11540,7 +10632,7 @@
         </p:nvSpPr>
         <p:spPr>
           <a:xfrm>
-            <a:off x="3067282" y="2638430"/>
+            <a:off x="3129392" y="2318309"/>
             <a:ext cx="1571064" cy="369332"/>
           </a:xfrm>
           <a:prstGeom prst="rect">
@@ -11576,7 +10668,7 @@
         </p:nvSpPr>
         <p:spPr>
           <a:xfrm>
-            <a:off x="8753834" y="2638430"/>
+            <a:off x="8776231" y="2353290"/>
             <a:ext cx="1626855" cy="369332"/>
           </a:xfrm>
           <a:prstGeom prst="rect">
@@ -11612,7 +10704,7 @@
         </p:nvSpPr>
         <p:spPr>
           <a:xfrm>
-            <a:off x="6264118" y="2885825"/>
+            <a:off x="5895121" y="3102687"/>
             <a:ext cx="2365079" cy="646331"/>
           </a:xfrm>
           <a:prstGeom prst="rect">
@@ -11628,13 +10720,13 @@
           <a:p>
             <a:r>
               <a:rPr lang="en-US" i="1" dirty="0"/>
-              <a:t>Scoring model</a:t>
+              <a:t>Scoring Model</a:t>
             </a:r>
           </a:p>
           <a:p>
             <a:r>
               <a:rPr lang="en-US" i="1" dirty="0"/>
-              <a:t>&amp; interpretability</a:t>
+              <a:t>&amp; Interpretability</a:t>
             </a:r>
             <a:endParaRPr lang="en-US" dirty="0"/>
           </a:p>
@@ -11664,16 +10756,3292 @@
             <a:fld id="{D57F1E4F-1CFF-5643-939E-217C01CDF565}" type="slidenum">
               <a:rPr lang="en-US" smtClean="0"/>
               <a:pPr/>
-              <a:t>4</a:t>
+              <a:t>3</a:t>
             </a:fld>
             <a:endParaRPr lang="en-US" dirty="0"/>
           </a:p>
         </p:txBody>
       </p:sp>
+      <p:pic>
+        <p:nvPicPr>
+          <p:cNvPr id="76" name="Graphique 75" descr="Profil femelle">
+            <a:extLst>
+              <a:ext uri="{FF2B5EF4-FFF2-40B4-BE49-F238E27FC236}">
+                <a16:creationId xmlns:a16="http://schemas.microsoft.com/office/drawing/2014/main" id="{1B3FCEC3-9148-4118-91AA-7DC581ED535F}"/>
+              </a:ext>
+            </a:extLst>
+          </p:cNvPr>
+          <p:cNvPicPr>
+            <a:picLocks noChangeAspect="1"/>
+          </p:cNvPicPr>
+          <p:nvPr/>
+        </p:nvPicPr>
+        <p:blipFill>
+          <a:blip r:embed="rId19">
+            <a:extLst>
+              <a:ext uri="{96DAC541-7B7A-43D3-8B79-37D633B846F1}">
+                <asvg:svgBlip xmlns:asvg="http://schemas.microsoft.com/office/drawing/2016/SVG/main" r:embed="rId20"/>
+              </a:ext>
+            </a:extLst>
+          </a:blip>
+          <a:stretch>
+            <a:fillRect/>
+          </a:stretch>
+        </p:blipFill>
+        <p:spPr>
+          <a:xfrm>
+            <a:off x="1539437" y="1917967"/>
+            <a:ext cx="373808" cy="373808"/>
+          </a:xfrm>
+          <a:prstGeom prst="rect">
+            <a:avLst/>
+          </a:prstGeom>
+        </p:spPr>
+      </p:pic>
+      <p:pic>
+        <p:nvPicPr>
+          <p:cNvPr id="77" name="Graphique 76" descr="Profil mâle">
+            <a:extLst>
+              <a:ext uri="{FF2B5EF4-FFF2-40B4-BE49-F238E27FC236}">
+                <a16:creationId xmlns:a16="http://schemas.microsoft.com/office/drawing/2014/main" id="{B90CE182-2387-4A28-B838-E717858C17EC}"/>
+              </a:ext>
+            </a:extLst>
+          </p:cNvPr>
+          <p:cNvPicPr>
+            <a:picLocks noChangeAspect="1"/>
+          </p:cNvPicPr>
+          <p:nvPr/>
+        </p:nvPicPr>
+        <p:blipFill>
+          <a:blip r:embed="rId21">
+            <a:extLst>
+              <a:ext uri="{96DAC541-7B7A-43D3-8B79-37D633B846F1}">
+                <asvg:svgBlip xmlns:asvg="http://schemas.microsoft.com/office/drawing/2016/SVG/main" r:embed="rId22"/>
+              </a:ext>
+            </a:extLst>
+          </a:blip>
+          <a:stretch>
+            <a:fillRect/>
+          </a:stretch>
+        </p:blipFill>
+        <p:spPr>
+          <a:xfrm>
+            <a:off x="1387350" y="1979005"/>
+            <a:ext cx="373808" cy="373808"/>
+          </a:xfrm>
+          <a:prstGeom prst="rect">
+            <a:avLst/>
+          </a:prstGeom>
+        </p:spPr>
+      </p:pic>
+      <p:pic>
+        <p:nvPicPr>
+          <p:cNvPr id="78" name="Graphique 77" descr="Profil femelle">
+            <a:extLst>
+              <a:ext uri="{FF2B5EF4-FFF2-40B4-BE49-F238E27FC236}">
+                <a16:creationId xmlns:a16="http://schemas.microsoft.com/office/drawing/2014/main" id="{54A0A663-5132-46A2-A08C-695B37A8176F}"/>
+              </a:ext>
+            </a:extLst>
+          </p:cNvPr>
+          <p:cNvPicPr>
+            <a:picLocks noChangeAspect="1"/>
+          </p:cNvPicPr>
+          <p:nvPr/>
+        </p:nvPicPr>
+        <p:blipFill>
+          <a:blip r:embed="rId19">
+            <a:extLst>
+              <a:ext uri="{96DAC541-7B7A-43D3-8B79-37D633B846F1}">
+                <asvg:svgBlip xmlns:asvg="http://schemas.microsoft.com/office/drawing/2016/SVG/main" r:embed="rId20"/>
+              </a:ext>
+            </a:extLst>
+          </a:blip>
+          <a:stretch>
+            <a:fillRect/>
+          </a:stretch>
+        </p:blipFill>
+        <p:spPr>
+          <a:xfrm>
+            <a:off x="1691837" y="2070367"/>
+            <a:ext cx="373808" cy="373808"/>
+          </a:xfrm>
+          <a:prstGeom prst="rect">
+            <a:avLst/>
+          </a:prstGeom>
+        </p:spPr>
+      </p:pic>
+      <p:pic>
+        <p:nvPicPr>
+          <p:cNvPr id="79" name="Graphique 78" descr="Profil mâle">
+            <a:extLst>
+              <a:ext uri="{FF2B5EF4-FFF2-40B4-BE49-F238E27FC236}">
+                <a16:creationId xmlns:a16="http://schemas.microsoft.com/office/drawing/2014/main" id="{747A5459-573E-434D-BC94-22AD44E2FA9E}"/>
+              </a:ext>
+            </a:extLst>
+          </p:cNvPr>
+          <p:cNvPicPr>
+            <a:picLocks noChangeAspect="1"/>
+          </p:cNvPicPr>
+          <p:nvPr/>
+        </p:nvPicPr>
+        <p:blipFill>
+          <a:blip r:embed="rId21">
+            <a:extLst>
+              <a:ext uri="{96DAC541-7B7A-43D3-8B79-37D633B846F1}">
+                <asvg:svgBlip xmlns:asvg="http://schemas.microsoft.com/office/drawing/2016/SVG/main" r:embed="rId22"/>
+              </a:ext>
+            </a:extLst>
+          </a:blip>
+          <a:stretch>
+            <a:fillRect/>
+          </a:stretch>
+        </p:blipFill>
+        <p:spPr>
+          <a:xfrm>
+            <a:off x="1539750" y="2131405"/>
+            <a:ext cx="373808" cy="373808"/>
+          </a:xfrm>
+          <a:prstGeom prst="rect">
+            <a:avLst/>
+          </a:prstGeom>
+        </p:spPr>
+      </p:pic>
+      <p:pic>
+        <p:nvPicPr>
+          <p:cNvPr id="84" name="Graphique 83" descr="Profil femelle">
+            <a:extLst>
+              <a:ext uri="{FF2B5EF4-FFF2-40B4-BE49-F238E27FC236}">
+                <a16:creationId xmlns:a16="http://schemas.microsoft.com/office/drawing/2014/main" id="{D1A9C11B-AA5A-4A36-8C75-7DEF6C1D35CD}"/>
+              </a:ext>
+            </a:extLst>
+          </p:cNvPr>
+          <p:cNvPicPr>
+            <a:picLocks noChangeAspect="1"/>
+          </p:cNvPicPr>
+          <p:nvPr/>
+        </p:nvPicPr>
+        <p:blipFill>
+          <a:blip r:embed="rId19">
+            <a:extLst>
+              <a:ext uri="{96DAC541-7B7A-43D3-8B79-37D633B846F1}">
+                <asvg:svgBlip xmlns:asvg="http://schemas.microsoft.com/office/drawing/2016/SVG/main" r:embed="rId20"/>
+              </a:ext>
+            </a:extLst>
+          </a:blip>
+          <a:stretch>
+            <a:fillRect/>
+          </a:stretch>
+        </p:blipFill>
+        <p:spPr>
+          <a:xfrm>
+            <a:off x="1922656" y="1715261"/>
+            <a:ext cx="373808" cy="373808"/>
+          </a:xfrm>
+          <a:prstGeom prst="rect">
+            <a:avLst/>
+          </a:prstGeom>
+        </p:spPr>
+      </p:pic>
+      <p:pic>
+        <p:nvPicPr>
+          <p:cNvPr id="85" name="Graphique 84" descr="Profil mâle">
+            <a:extLst>
+              <a:ext uri="{FF2B5EF4-FFF2-40B4-BE49-F238E27FC236}">
+                <a16:creationId xmlns:a16="http://schemas.microsoft.com/office/drawing/2014/main" id="{1CA186F1-2584-4484-8DB8-0B829350D6F8}"/>
+              </a:ext>
+            </a:extLst>
+          </p:cNvPr>
+          <p:cNvPicPr>
+            <a:picLocks noChangeAspect="1"/>
+          </p:cNvPicPr>
+          <p:nvPr/>
+        </p:nvPicPr>
+        <p:blipFill>
+          <a:blip r:embed="rId21">
+            <a:extLst>
+              <a:ext uri="{96DAC541-7B7A-43D3-8B79-37D633B846F1}">
+                <asvg:svgBlip xmlns:asvg="http://schemas.microsoft.com/office/drawing/2016/SVG/main" r:embed="rId22"/>
+              </a:ext>
+            </a:extLst>
+          </a:blip>
+          <a:stretch>
+            <a:fillRect/>
+          </a:stretch>
+        </p:blipFill>
+        <p:spPr>
+          <a:xfrm>
+            <a:off x="1770569" y="1776299"/>
+            <a:ext cx="373808" cy="373808"/>
+          </a:xfrm>
+          <a:prstGeom prst="rect">
+            <a:avLst/>
+          </a:prstGeom>
+        </p:spPr>
+      </p:pic>
+      <p:pic>
+        <p:nvPicPr>
+          <p:cNvPr id="86" name="Graphique 85" descr="Profil femelle">
+            <a:extLst>
+              <a:ext uri="{FF2B5EF4-FFF2-40B4-BE49-F238E27FC236}">
+                <a16:creationId xmlns:a16="http://schemas.microsoft.com/office/drawing/2014/main" id="{6DD4B5EA-510F-4AF0-9EDB-6D6D66A653EE}"/>
+              </a:ext>
+            </a:extLst>
+          </p:cNvPr>
+          <p:cNvPicPr>
+            <a:picLocks noChangeAspect="1"/>
+          </p:cNvPicPr>
+          <p:nvPr/>
+        </p:nvPicPr>
+        <p:blipFill>
+          <a:blip r:embed="rId19">
+            <a:extLst>
+              <a:ext uri="{96DAC541-7B7A-43D3-8B79-37D633B846F1}">
+                <asvg:svgBlip xmlns:asvg="http://schemas.microsoft.com/office/drawing/2016/SVG/main" r:embed="rId20"/>
+              </a:ext>
+            </a:extLst>
+          </a:blip>
+          <a:stretch>
+            <a:fillRect/>
+          </a:stretch>
+        </p:blipFill>
+        <p:spPr>
+          <a:xfrm>
+            <a:off x="2075056" y="1867661"/>
+            <a:ext cx="373808" cy="373808"/>
+          </a:xfrm>
+          <a:prstGeom prst="rect">
+            <a:avLst/>
+          </a:prstGeom>
+        </p:spPr>
+      </p:pic>
+      <p:pic>
+        <p:nvPicPr>
+          <p:cNvPr id="87" name="Graphique 86" descr="Profil mâle">
+            <a:extLst>
+              <a:ext uri="{FF2B5EF4-FFF2-40B4-BE49-F238E27FC236}">
+                <a16:creationId xmlns:a16="http://schemas.microsoft.com/office/drawing/2014/main" id="{EDABC85B-C322-4001-8044-CC78BC1B7FCE}"/>
+              </a:ext>
+            </a:extLst>
+          </p:cNvPr>
+          <p:cNvPicPr>
+            <a:picLocks noChangeAspect="1"/>
+          </p:cNvPicPr>
+          <p:nvPr/>
+        </p:nvPicPr>
+        <p:blipFill>
+          <a:blip r:embed="rId21">
+            <a:extLst>
+              <a:ext uri="{96DAC541-7B7A-43D3-8B79-37D633B846F1}">
+                <asvg:svgBlip xmlns:asvg="http://schemas.microsoft.com/office/drawing/2016/SVG/main" r:embed="rId22"/>
+              </a:ext>
+            </a:extLst>
+          </a:blip>
+          <a:stretch>
+            <a:fillRect/>
+          </a:stretch>
+        </p:blipFill>
+        <p:spPr>
+          <a:xfrm>
+            <a:off x="1922969" y="1928699"/>
+            <a:ext cx="373808" cy="373808"/>
+          </a:xfrm>
+          <a:prstGeom prst="rect">
+            <a:avLst/>
+          </a:prstGeom>
+        </p:spPr>
+      </p:pic>
+      <p:pic>
+        <p:nvPicPr>
+          <p:cNvPr id="88" name="Graphique 87" descr="Profil femelle">
+            <a:extLst>
+              <a:ext uri="{FF2B5EF4-FFF2-40B4-BE49-F238E27FC236}">
+                <a16:creationId xmlns:a16="http://schemas.microsoft.com/office/drawing/2014/main" id="{6A307CB7-BEDD-4397-8DF5-4FF8B91BA5D5}"/>
+              </a:ext>
+            </a:extLst>
+          </p:cNvPr>
+          <p:cNvPicPr>
+            <a:picLocks noChangeAspect="1"/>
+          </p:cNvPicPr>
+          <p:nvPr/>
+        </p:nvPicPr>
+        <p:blipFill>
+          <a:blip r:embed="rId19">
+            <a:extLst>
+              <a:ext uri="{96DAC541-7B7A-43D3-8B79-37D633B846F1}">
+                <asvg:svgBlip xmlns:asvg="http://schemas.microsoft.com/office/drawing/2016/SVG/main" r:embed="rId20"/>
+              </a:ext>
+            </a:extLst>
+          </a:blip>
+          <a:stretch>
+            <a:fillRect/>
+          </a:stretch>
+        </p:blipFill>
+        <p:spPr>
+          <a:xfrm>
+            <a:off x="1922653" y="2283428"/>
+            <a:ext cx="373808" cy="373808"/>
+          </a:xfrm>
+          <a:prstGeom prst="rect">
+            <a:avLst/>
+          </a:prstGeom>
+        </p:spPr>
+      </p:pic>
+      <p:pic>
+        <p:nvPicPr>
+          <p:cNvPr id="89" name="Graphique 88" descr="Profil mâle">
+            <a:extLst>
+              <a:ext uri="{FF2B5EF4-FFF2-40B4-BE49-F238E27FC236}">
+                <a16:creationId xmlns:a16="http://schemas.microsoft.com/office/drawing/2014/main" id="{95E5D1EE-A4F1-4906-AA59-249A7B853448}"/>
+              </a:ext>
+            </a:extLst>
+          </p:cNvPr>
+          <p:cNvPicPr>
+            <a:picLocks noChangeAspect="1"/>
+          </p:cNvPicPr>
+          <p:nvPr/>
+        </p:nvPicPr>
+        <p:blipFill>
+          <a:blip r:embed="rId21">
+            <a:extLst>
+              <a:ext uri="{96DAC541-7B7A-43D3-8B79-37D633B846F1}">
+                <asvg:svgBlip xmlns:asvg="http://schemas.microsoft.com/office/drawing/2016/SVG/main" r:embed="rId22"/>
+              </a:ext>
+            </a:extLst>
+          </a:blip>
+          <a:stretch>
+            <a:fillRect/>
+          </a:stretch>
+        </p:blipFill>
+        <p:spPr>
+          <a:xfrm>
+            <a:off x="1770566" y="2344466"/>
+            <a:ext cx="373808" cy="373808"/>
+          </a:xfrm>
+          <a:prstGeom prst="rect">
+            <a:avLst/>
+          </a:prstGeom>
+        </p:spPr>
+      </p:pic>
+      <p:pic>
+        <p:nvPicPr>
+          <p:cNvPr id="90" name="Graphique 89" descr="Profil femelle">
+            <a:extLst>
+              <a:ext uri="{FF2B5EF4-FFF2-40B4-BE49-F238E27FC236}">
+                <a16:creationId xmlns:a16="http://schemas.microsoft.com/office/drawing/2014/main" id="{19320CA7-64E8-420C-B90A-CAF9E863865C}"/>
+              </a:ext>
+            </a:extLst>
+          </p:cNvPr>
+          <p:cNvPicPr>
+            <a:picLocks noChangeAspect="1"/>
+          </p:cNvPicPr>
+          <p:nvPr/>
+        </p:nvPicPr>
+        <p:blipFill>
+          <a:blip r:embed="rId19">
+            <a:extLst>
+              <a:ext uri="{96DAC541-7B7A-43D3-8B79-37D633B846F1}">
+                <asvg:svgBlip xmlns:asvg="http://schemas.microsoft.com/office/drawing/2016/SVG/main" r:embed="rId20"/>
+              </a:ext>
+            </a:extLst>
+          </a:blip>
+          <a:stretch>
+            <a:fillRect/>
+          </a:stretch>
+        </p:blipFill>
+        <p:spPr>
+          <a:xfrm>
+            <a:off x="2075053" y="2435828"/>
+            <a:ext cx="373808" cy="373808"/>
+          </a:xfrm>
+          <a:prstGeom prst="rect">
+            <a:avLst/>
+          </a:prstGeom>
+        </p:spPr>
+      </p:pic>
+      <p:pic>
+        <p:nvPicPr>
+          <p:cNvPr id="91" name="Graphique 90" descr="Profil mâle">
+            <a:extLst>
+              <a:ext uri="{FF2B5EF4-FFF2-40B4-BE49-F238E27FC236}">
+                <a16:creationId xmlns:a16="http://schemas.microsoft.com/office/drawing/2014/main" id="{4BBA4D0F-D527-4799-A95E-8265F055D15F}"/>
+              </a:ext>
+            </a:extLst>
+          </p:cNvPr>
+          <p:cNvPicPr>
+            <a:picLocks noChangeAspect="1"/>
+          </p:cNvPicPr>
+          <p:nvPr/>
+        </p:nvPicPr>
+        <p:blipFill>
+          <a:blip r:embed="rId21">
+            <a:extLst>
+              <a:ext uri="{96DAC541-7B7A-43D3-8B79-37D633B846F1}">
+                <asvg:svgBlip xmlns:asvg="http://schemas.microsoft.com/office/drawing/2016/SVG/main" r:embed="rId22"/>
+              </a:ext>
+            </a:extLst>
+          </a:blip>
+          <a:stretch>
+            <a:fillRect/>
+          </a:stretch>
+        </p:blipFill>
+        <p:spPr>
+          <a:xfrm>
+            <a:off x="1922966" y="2496866"/>
+            <a:ext cx="373808" cy="373808"/>
+          </a:xfrm>
+          <a:prstGeom prst="rect">
+            <a:avLst/>
+          </a:prstGeom>
+        </p:spPr>
+      </p:pic>
+      <p:pic>
+        <p:nvPicPr>
+          <p:cNvPr id="92" name="Graphique 91" descr="Profil femelle">
+            <a:extLst>
+              <a:ext uri="{FF2B5EF4-FFF2-40B4-BE49-F238E27FC236}">
+                <a16:creationId xmlns:a16="http://schemas.microsoft.com/office/drawing/2014/main" id="{BB8C31EA-DC2F-4863-934F-742A2D5EF8E1}"/>
+              </a:ext>
+            </a:extLst>
+          </p:cNvPr>
+          <p:cNvPicPr>
+            <a:picLocks noChangeAspect="1"/>
+          </p:cNvPicPr>
+          <p:nvPr/>
+        </p:nvPicPr>
+        <p:blipFill>
+          <a:blip r:embed="rId19">
+            <a:extLst>
+              <a:ext uri="{96DAC541-7B7A-43D3-8B79-37D633B846F1}">
+                <asvg:svgBlip xmlns:asvg="http://schemas.microsoft.com/office/drawing/2016/SVG/main" r:embed="rId20"/>
+              </a:ext>
+            </a:extLst>
+          </a:blip>
+          <a:stretch>
+            <a:fillRect/>
+          </a:stretch>
+        </p:blipFill>
+        <p:spPr>
+          <a:xfrm>
+            <a:off x="2314750" y="2071845"/>
+            <a:ext cx="373808" cy="373808"/>
+          </a:xfrm>
+          <a:prstGeom prst="rect">
+            <a:avLst/>
+          </a:prstGeom>
+        </p:spPr>
+      </p:pic>
+      <p:pic>
+        <p:nvPicPr>
+          <p:cNvPr id="93" name="Graphique 92" descr="Profil mâle">
+            <a:extLst>
+              <a:ext uri="{FF2B5EF4-FFF2-40B4-BE49-F238E27FC236}">
+                <a16:creationId xmlns:a16="http://schemas.microsoft.com/office/drawing/2014/main" id="{814058D9-C265-466C-BA50-9701106DB694}"/>
+              </a:ext>
+            </a:extLst>
+          </p:cNvPr>
+          <p:cNvPicPr>
+            <a:picLocks noChangeAspect="1"/>
+          </p:cNvPicPr>
+          <p:nvPr/>
+        </p:nvPicPr>
+        <p:blipFill>
+          <a:blip r:embed="rId21">
+            <a:extLst>
+              <a:ext uri="{96DAC541-7B7A-43D3-8B79-37D633B846F1}">
+                <asvg:svgBlip xmlns:asvg="http://schemas.microsoft.com/office/drawing/2016/SVG/main" r:embed="rId22"/>
+              </a:ext>
+            </a:extLst>
+          </a:blip>
+          <a:stretch>
+            <a:fillRect/>
+          </a:stretch>
+        </p:blipFill>
+        <p:spPr>
+          <a:xfrm>
+            <a:off x="2180419" y="2132883"/>
+            <a:ext cx="373808" cy="373808"/>
+          </a:xfrm>
+          <a:prstGeom prst="rect">
+            <a:avLst/>
+          </a:prstGeom>
+        </p:spPr>
+      </p:pic>
+      <p:pic>
+        <p:nvPicPr>
+          <p:cNvPr id="94" name="Graphique 93" descr="Profil femelle">
+            <a:extLst>
+              <a:ext uri="{FF2B5EF4-FFF2-40B4-BE49-F238E27FC236}">
+                <a16:creationId xmlns:a16="http://schemas.microsoft.com/office/drawing/2014/main" id="{2E0D834E-A82C-44E2-9E1B-EFA1D9AD2EC3}"/>
+              </a:ext>
+            </a:extLst>
+          </p:cNvPr>
+          <p:cNvPicPr>
+            <a:picLocks noChangeAspect="1"/>
+          </p:cNvPicPr>
+          <p:nvPr/>
+        </p:nvPicPr>
+        <p:blipFill>
+          <a:blip r:embed="rId19">
+            <a:extLst>
+              <a:ext uri="{96DAC541-7B7A-43D3-8B79-37D633B846F1}">
+                <asvg:svgBlip xmlns:asvg="http://schemas.microsoft.com/office/drawing/2016/SVG/main" r:embed="rId20"/>
+              </a:ext>
+            </a:extLst>
+          </a:blip>
+          <a:stretch>
+            <a:fillRect/>
+          </a:stretch>
+        </p:blipFill>
+        <p:spPr>
+          <a:xfrm>
+            <a:off x="2467150" y="2224245"/>
+            <a:ext cx="373808" cy="373808"/>
+          </a:xfrm>
+          <a:prstGeom prst="rect">
+            <a:avLst/>
+          </a:prstGeom>
+        </p:spPr>
+      </p:pic>
+      <p:pic>
+        <p:nvPicPr>
+          <p:cNvPr id="95" name="Graphique 94" descr="Profil mâle">
+            <a:extLst>
+              <a:ext uri="{FF2B5EF4-FFF2-40B4-BE49-F238E27FC236}">
+                <a16:creationId xmlns:a16="http://schemas.microsoft.com/office/drawing/2014/main" id="{3363ED67-CF0D-4D68-BD6B-5264623A54DD}"/>
+              </a:ext>
+            </a:extLst>
+          </p:cNvPr>
+          <p:cNvPicPr>
+            <a:picLocks noChangeAspect="1"/>
+          </p:cNvPicPr>
+          <p:nvPr/>
+        </p:nvPicPr>
+        <p:blipFill>
+          <a:blip r:embed="rId21">
+            <a:extLst>
+              <a:ext uri="{96DAC541-7B7A-43D3-8B79-37D633B846F1}">
+                <asvg:svgBlip xmlns:asvg="http://schemas.microsoft.com/office/drawing/2016/SVG/main" r:embed="rId22"/>
+              </a:ext>
+            </a:extLst>
+          </a:blip>
+          <a:stretch>
+            <a:fillRect/>
+          </a:stretch>
+        </p:blipFill>
+        <p:spPr>
+          <a:xfrm>
+            <a:off x="2315063" y="2285283"/>
+            <a:ext cx="373808" cy="373808"/>
+          </a:xfrm>
+          <a:prstGeom prst="rect">
+            <a:avLst/>
+          </a:prstGeom>
+        </p:spPr>
+      </p:pic>
+      <p:pic>
+        <p:nvPicPr>
+          <p:cNvPr id="96" name="Graphique 95" descr="Profil femelle">
+            <a:extLst>
+              <a:ext uri="{FF2B5EF4-FFF2-40B4-BE49-F238E27FC236}">
+                <a16:creationId xmlns:a16="http://schemas.microsoft.com/office/drawing/2014/main" id="{9411468A-209D-4D13-9403-840718C3911B}"/>
+              </a:ext>
+            </a:extLst>
+          </p:cNvPr>
+          <p:cNvPicPr>
+            <a:picLocks noChangeAspect="1"/>
+          </p:cNvPicPr>
+          <p:nvPr/>
+        </p:nvPicPr>
+        <p:blipFill>
+          <a:blip r:embed="rId19">
+            <a:extLst>
+              <a:ext uri="{96DAC541-7B7A-43D3-8B79-37D633B846F1}">
+                <asvg:svgBlip xmlns:asvg="http://schemas.microsoft.com/office/drawing/2016/SVG/main" r:embed="rId20"/>
+              </a:ext>
+            </a:extLst>
+          </a:blip>
+          <a:stretch>
+            <a:fillRect/>
+          </a:stretch>
+        </p:blipFill>
+        <p:spPr>
+          <a:xfrm>
+            <a:off x="1452134" y="2327825"/>
+            <a:ext cx="373808" cy="373808"/>
+          </a:xfrm>
+          <a:prstGeom prst="rect">
+            <a:avLst/>
+          </a:prstGeom>
+        </p:spPr>
+      </p:pic>
+      <p:pic>
+        <p:nvPicPr>
+          <p:cNvPr id="97" name="Graphique 96" descr="Profil mâle">
+            <a:extLst>
+              <a:ext uri="{FF2B5EF4-FFF2-40B4-BE49-F238E27FC236}">
+                <a16:creationId xmlns:a16="http://schemas.microsoft.com/office/drawing/2014/main" id="{0372D764-5F54-429B-82B8-B9952A9B339F}"/>
+              </a:ext>
+            </a:extLst>
+          </p:cNvPr>
+          <p:cNvPicPr>
+            <a:picLocks noChangeAspect="1"/>
+          </p:cNvPicPr>
+          <p:nvPr/>
+        </p:nvPicPr>
+        <p:blipFill>
+          <a:blip r:embed="rId21">
+            <a:extLst>
+              <a:ext uri="{96DAC541-7B7A-43D3-8B79-37D633B846F1}">
+                <asvg:svgBlip xmlns:asvg="http://schemas.microsoft.com/office/drawing/2016/SVG/main" r:embed="rId22"/>
+              </a:ext>
+            </a:extLst>
+          </a:blip>
+          <a:stretch>
+            <a:fillRect/>
+          </a:stretch>
+        </p:blipFill>
+        <p:spPr>
+          <a:xfrm>
+            <a:off x="1300047" y="2388863"/>
+            <a:ext cx="373808" cy="373808"/>
+          </a:xfrm>
+          <a:prstGeom prst="rect">
+            <a:avLst/>
+          </a:prstGeom>
+        </p:spPr>
+      </p:pic>
+      <p:pic>
+        <p:nvPicPr>
+          <p:cNvPr id="98" name="Graphique 97" descr="Profil femelle">
+            <a:extLst>
+              <a:ext uri="{FF2B5EF4-FFF2-40B4-BE49-F238E27FC236}">
+                <a16:creationId xmlns:a16="http://schemas.microsoft.com/office/drawing/2014/main" id="{6BD01DC2-208D-4A46-B30E-1FF5234DE764}"/>
+              </a:ext>
+            </a:extLst>
+          </p:cNvPr>
+          <p:cNvPicPr>
+            <a:picLocks noChangeAspect="1"/>
+          </p:cNvPicPr>
+          <p:nvPr/>
+        </p:nvPicPr>
+        <p:blipFill>
+          <a:blip r:embed="rId19">
+            <a:extLst>
+              <a:ext uri="{96DAC541-7B7A-43D3-8B79-37D633B846F1}">
+                <asvg:svgBlip xmlns:asvg="http://schemas.microsoft.com/office/drawing/2016/SVG/main" r:embed="rId20"/>
+              </a:ext>
+            </a:extLst>
+          </a:blip>
+          <a:stretch>
+            <a:fillRect/>
+          </a:stretch>
+        </p:blipFill>
+        <p:spPr>
+          <a:xfrm>
+            <a:off x="1604534" y="2480225"/>
+            <a:ext cx="373808" cy="373808"/>
+          </a:xfrm>
+          <a:prstGeom prst="rect">
+            <a:avLst/>
+          </a:prstGeom>
+        </p:spPr>
+      </p:pic>
+      <p:pic>
+        <p:nvPicPr>
+          <p:cNvPr id="99" name="Graphique 98" descr="Profil mâle">
+            <a:extLst>
+              <a:ext uri="{FF2B5EF4-FFF2-40B4-BE49-F238E27FC236}">
+                <a16:creationId xmlns:a16="http://schemas.microsoft.com/office/drawing/2014/main" id="{63724423-0709-4F14-93EA-70ABD1C9ECD9}"/>
+              </a:ext>
+            </a:extLst>
+          </p:cNvPr>
+          <p:cNvPicPr>
+            <a:picLocks noChangeAspect="1"/>
+          </p:cNvPicPr>
+          <p:nvPr/>
+        </p:nvPicPr>
+        <p:blipFill>
+          <a:blip r:embed="rId21">
+            <a:extLst>
+              <a:ext uri="{96DAC541-7B7A-43D3-8B79-37D633B846F1}">
+                <asvg:svgBlip xmlns:asvg="http://schemas.microsoft.com/office/drawing/2016/SVG/main" r:embed="rId22"/>
+              </a:ext>
+            </a:extLst>
+          </a:blip>
+          <a:stretch>
+            <a:fillRect/>
+          </a:stretch>
+        </p:blipFill>
+        <p:spPr>
+          <a:xfrm>
+            <a:off x="1452447" y="2541263"/>
+            <a:ext cx="373808" cy="373808"/>
+          </a:xfrm>
+          <a:prstGeom prst="rect">
+            <a:avLst/>
+          </a:prstGeom>
+        </p:spPr>
+      </p:pic>
+      <p:pic>
+        <p:nvPicPr>
+          <p:cNvPr id="100" name="Graphique 99" descr="Profil femelle">
+            <a:extLst>
+              <a:ext uri="{FF2B5EF4-FFF2-40B4-BE49-F238E27FC236}">
+                <a16:creationId xmlns:a16="http://schemas.microsoft.com/office/drawing/2014/main" id="{EE95A5F0-F1CA-4A61-B60F-A596BEA9AB92}"/>
+              </a:ext>
+            </a:extLst>
+          </p:cNvPr>
+          <p:cNvPicPr>
+            <a:picLocks noChangeAspect="1"/>
+          </p:cNvPicPr>
+          <p:nvPr/>
+        </p:nvPicPr>
+        <p:blipFill>
+          <a:blip r:embed="rId19">
+            <a:extLst>
+              <a:ext uri="{96DAC541-7B7A-43D3-8B79-37D633B846F1}">
+                <asvg:svgBlip xmlns:asvg="http://schemas.microsoft.com/office/drawing/2016/SVG/main" r:embed="rId20"/>
+              </a:ext>
+            </a:extLst>
+          </a:blip>
+          <a:stretch>
+            <a:fillRect/>
+          </a:stretch>
+        </p:blipFill>
+        <p:spPr>
+          <a:xfrm>
+            <a:off x="1835353" y="2125119"/>
+            <a:ext cx="373808" cy="373808"/>
+          </a:xfrm>
+          <a:prstGeom prst="rect">
+            <a:avLst/>
+          </a:prstGeom>
+        </p:spPr>
+      </p:pic>
+      <p:pic>
+        <p:nvPicPr>
+          <p:cNvPr id="101" name="Graphique 100" descr="Profil mâle">
+            <a:extLst>
+              <a:ext uri="{FF2B5EF4-FFF2-40B4-BE49-F238E27FC236}">
+                <a16:creationId xmlns:a16="http://schemas.microsoft.com/office/drawing/2014/main" id="{B6E17CEB-F0F1-43A3-9546-82375E2FF3F9}"/>
+              </a:ext>
+            </a:extLst>
+          </p:cNvPr>
+          <p:cNvPicPr>
+            <a:picLocks noChangeAspect="1"/>
+          </p:cNvPicPr>
+          <p:nvPr/>
+        </p:nvPicPr>
+        <p:blipFill>
+          <a:blip r:embed="rId21">
+            <a:extLst>
+              <a:ext uri="{96DAC541-7B7A-43D3-8B79-37D633B846F1}">
+                <asvg:svgBlip xmlns:asvg="http://schemas.microsoft.com/office/drawing/2016/SVG/main" r:embed="rId22"/>
+              </a:ext>
+            </a:extLst>
+          </a:blip>
+          <a:stretch>
+            <a:fillRect/>
+          </a:stretch>
+        </p:blipFill>
+        <p:spPr>
+          <a:xfrm>
+            <a:off x="1683266" y="2186157"/>
+            <a:ext cx="373808" cy="373808"/>
+          </a:xfrm>
+          <a:prstGeom prst="rect">
+            <a:avLst/>
+          </a:prstGeom>
+        </p:spPr>
+      </p:pic>
+      <p:pic>
+        <p:nvPicPr>
+          <p:cNvPr id="102" name="Graphique 101" descr="Profil femelle">
+            <a:extLst>
+              <a:ext uri="{FF2B5EF4-FFF2-40B4-BE49-F238E27FC236}">
+                <a16:creationId xmlns:a16="http://schemas.microsoft.com/office/drawing/2014/main" id="{007198E4-8530-488F-BE8A-B825437BE7A8}"/>
+              </a:ext>
+            </a:extLst>
+          </p:cNvPr>
+          <p:cNvPicPr>
+            <a:picLocks noChangeAspect="1"/>
+          </p:cNvPicPr>
+          <p:nvPr/>
+        </p:nvPicPr>
+        <p:blipFill>
+          <a:blip r:embed="rId19">
+            <a:extLst>
+              <a:ext uri="{96DAC541-7B7A-43D3-8B79-37D633B846F1}">
+                <asvg:svgBlip xmlns:asvg="http://schemas.microsoft.com/office/drawing/2016/SVG/main" r:embed="rId20"/>
+              </a:ext>
+            </a:extLst>
+          </a:blip>
+          <a:stretch>
+            <a:fillRect/>
+          </a:stretch>
+        </p:blipFill>
+        <p:spPr>
+          <a:xfrm>
+            <a:off x="1987753" y="2277519"/>
+            <a:ext cx="373808" cy="373808"/>
+          </a:xfrm>
+          <a:prstGeom prst="rect">
+            <a:avLst/>
+          </a:prstGeom>
+        </p:spPr>
+      </p:pic>
+      <p:pic>
+        <p:nvPicPr>
+          <p:cNvPr id="103" name="Graphique 102" descr="Profil mâle">
+            <a:extLst>
+              <a:ext uri="{FF2B5EF4-FFF2-40B4-BE49-F238E27FC236}">
+                <a16:creationId xmlns:a16="http://schemas.microsoft.com/office/drawing/2014/main" id="{E7112298-51AC-4F1D-91F8-4AC1F74064A7}"/>
+              </a:ext>
+            </a:extLst>
+          </p:cNvPr>
+          <p:cNvPicPr>
+            <a:picLocks noChangeAspect="1"/>
+          </p:cNvPicPr>
+          <p:nvPr/>
+        </p:nvPicPr>
+        <p:blipFill>
+          <a:blip r:embed="rId21">
+            <a:extLst>
+              <a:ext uri="{96DAC541-7B7A-43D3-8B79-37D633B846F1}">
+                <asvg:svgBlip xmlns:asvg="http://schemas.microsoft.com/office/drawing/2016/SVG/main" r:embed="rId22"/>
+              </a:ext>
+            </a:extLst>
+          </a:blip>
+          <a:stretch>
+            <a:fillRect/>
+          </a:stretch>
+        </p:blipFill>
+        <p:spPr>
+          <a:xfrm>
+            <a:off x="1835666" y="2338557"/>
+            <a:ext cx="373808" cy="373808"/>
+          </a:xfrm>
+          <a:prstGeom prst="rect">
+            <a:avLst/>
+          </a:prstGeom>
+        </p:spPr>
+      </p:pic>
+      <p:pic>
+        <p:nvPicPr>
+          <p:cNvPr id="104" name="Graphique 103" descr="Profil femelle">
+            <a:extLst>
+              <a:ext uri="{FF2B5EF4-FFF2-40B4-BE49-F238E27FC236}">
+                <a16:creationId xmlns:a16="http://schemas.microsoft.com/office/drawing/2014/main" id="{5706C672-21EE-4D32-AFF5-6AB7E53F9EFF}"/>
+              </a:ext>
+            </a:extLst>
+          </p:cNvPr>
+          <p:cNvPicPr>
+            <a:picLocks noChangeAspect="1"/>
+          </p:cNvPicPr>
+          <p:nvPr/>
+        </p:nvPicPr>
+        <p:blipFill>
+          <a:blip r:embed="rId19">
+            <a:extLst>
+              <a:ext uri="{96DAC541-7B7A-43D3-8B79-37D633B846F1}">
+                <asvg:svgBlip xmlns:asvg="http://schemas.microsoft.com/office/drawing/2016/SVG/main" r:embed="rId20"/>
+              </a:ext>
+            </a:extLst>
+          </a:blip>
+          <a:stretch>
+            <a:fillRect/>
+          </a:stretch>
+        </p:blipFill>
+        <p:spPr>
+          <a:xfrm>
+            <a:off x="1835350" y="2693286"/>
+            <a:ext cx="373808" cy="373808"/>
+          </a:xfrm>
+          <a:prstGeom prst="rect">
+            <a:avLst/>
+          </a:prstGeom>
+        </p:spPr>
+      </p:pic>
+      <p:pic>
+        <p:nvPicPr>
+          <p:cNvPr id="105" name="Graphique 104" descr="Profil mâle">
+            <a:extLst>
+              <a:ext uri="{FF2B5EF4-FFF2-40B4-BE49-F238E27FC236}">
+                <a16:creationId xmlns:a16="http://schemas.microsoft.com/office/drawing/2014/main" id="{C4E2C985-BABB-4315-8F78-B6808A9AA288}"/>
+              </a:ext>
+            </a:extLst>
+          </p:cNvPr>
+          <p:cNvPicPr>
+            <a:picLocks noChangeAspect="1"/>
+          </p:cNvPicPr>
+          <p:nvPr/>
+        </p:nvPicPr>
+        <p:blipFill>
+          <a:blip r:embed="rId21">
+            <a:extLst>
+              <a:ext uri="{96DAC541-7B7A-43D3-8B79-37D633B846F1}">
+                <asvg:svgBlip xmlns:asvg="http://schemas.microsoft.com/office/drawing/2016/SVG/main" r:embed="rId22"/>
+              </a:ext>
+            </a:extLst>
+          </a:blip>
+          <a:stretch>
+            <a:fillRect/>
+          </a:stretch>
+        </p:blipFill>
+        <p:spPr>
+          <a:xfrm>
+            <a:off x="1683263" y="2754324"/>
+            <a:ext cx="373808" cy="373808"/>
+          </a:xfrm>
+          <a:prstGeom prst="rect">
+            <a:avLst/>
+          </a:prstGeom>
+        </p:spPr>
+      </p:pic>
+      <p:pic>
+        <p:nvPicPr>
+          <p:cNvPr id="106" name="Graphique 105" descr="Profil femelle">
+            <a:extLst>
+              <a:ext uri="{FF2B5EF4-FFF2-40B4-BE49-F238E27FC236}">
+                <a16:creationId xmlns:a16="http://schemas.microsoft.com/office/drawing/2014/main" id="{D11900E0-23EA-481D-BCF3-9C75F34E7956}"/>
+              </a:ext>
+            </a:extLst>
+          </p:cNvPr>
+          <p:cNvPicPr>
+            <a:picLocks noChangeAspect="1"/>
+          </p:cNvPicPr>
+          <p:nvPr/>
+        </p:nvPicPr>
+        <p:blipFill>
+          <a:blip r:embed="rId19">
+            <a:extLst>
+              <a:ext uri="{96DAC541-7B7A-43D3-8B79-37D633B846F1}">
+                <asvg:svgBlip xmlns:asvg="http://schemas.microsoft.com/office/drawing/2016/SVG/main" r:embed="rId20"/>
+              </a:ext>
+            </a:extLst>
+          </a:blip>
+          <a:stretch>
+            <a:fillRect/>
+          </a:stretch>
+        </p:blipFill>
+        <p:spPr>
+          <a:xfrm>
+            <a:off x="1987750" y="2845686"/>
+            <a:ext cx="373808" cy="373808"/>
+          </a:xfrm>
+          <a:prstGeom prst="rect">
+            <a:avLst/>
+          </a:prstGeom>
+        </p:spPr>
+      </p:pic>
+      <p:pic>
+        <p:nvPicPr>
+          <p:cNvPr id="107" name="Graphique 106" descr="Profil mâle">
+            <a:extLst>
+              <a:ext uri="{FF2B5EF4-FFF2-40B4-BE49-F238E27FC236}">
+                <a16:creationId xmlns:a16="http://schemas.microsoft.com/office/drawing/2014/main" id="{5D26F99B-4DFC-4E6F-AADF-93D5BDA47461}"/>
+              </a:ext>
+            </a:extLst>
+          </p:cNvPr>
+          <p:cNvPicPr>
+            <a:picLocks noChangeAspect="1"/>
+          </p:cNvPicPr>
+          <p:nvPr/>
+        </p:nvPicPr>
+        <p:blipFill>
+          <a:blip r:embed="rId21">
+            <a:extLst>
+              <a:ext uri="{96DAC541-7B7A-43D3-8B79-37D633B846F1}">
+                <asvg:svgBlip xmlns:asvg="http://schemas.microsoft.com/office/drawing/2016/SVG/main" r:embed="rId22"/>
+              </a:ext>
+            </a:extLst>
+          </a:blip>
+          <a:stretch>
+            <a:fillRect/>
+          </a:stretch>
+        </p:blipFill>
+        <p:spPr>
+          <a:xfrm>
+            <a:off x="1835663" y="2906724"/>
+            <a:ext cx="373808" cy="373808"/>
+          </a:xfrm>
+          <a:prstGeom prst="rect">
+            <a:avLst/>
+          </a:prstGeom>
+        </p:spPr>
+      </p:pic>
+      <p:pic>
+        <p:nvPicPr>
+          <p:cNvPr id="108" name="Graphique 107" descr="Profil femelle">
+            <a:extLst>
+              <a:ext uri="{FF2B5EF4-FFF2-40B4-BE49-F238E27FC236}">
+                <a16:creationId xmlns:a16="http://schemas.microsoft.com/office/drawing/2014/main" id="{A243C9E9-197B-4C59-A8A0-D1A58A486453}"/>
+              </a:ext>
+            </a:extLst>
+          </p:cNvPr>
+          <p:cNvPicPr>
+            <a:picLocks noChangeAspect="1"/>
+          </p:cNvPicPr>
+          <p:nvPr/>
+        </p:nvPicPr>
+        <p:blipFill>
+          <a:blip r:embed="rId19">
+            <a:extLst>
+              <a:ext uri="{96DAC541-7B7A-43D3-8B79-37D633B846F1}">
+                <asvg:svgBlip xmlns:asvg="http://schemas.microsoft.com/office/drawing/2016/SVG/main" r:embed="rId20"/>
+              </a:ext>
+            </a:extLst>
+          </a:blip>
+          <a:stretch>
+            <a:fillRect/>
+          </a:stretch>
+        </p:blipFill>
+        <p:spPr>
+          <a:xfrm>
+            <a:off x="2227447" y="2481703"/>
+            <a:ext cx="373808" cy="373808"/>
+          </a:xfrm>
+          <a:prstGeom prst="rect">
+            <a:avLst/>
+          </a:prstGeom>
+        </p:spPr>
+      </p:pic>
+      <p:pic>
+        <p:nvPicPr>
+          <p:cNvPr id="109" name="Graphique 108" descr="Profil mâle">
+            <a:extLst>
+              <a:ext uri="{FF2B5EF4-FFF2-40B4-BE49-F238E27FC236}">
+                <a16:creationId xmlns:a16="http://schemas.microsoft.com/office/drawing/2014/main" id="{2986060B-4897-486E-A4F3-B371DB8F401D}"/>
+              </a:ext>
+            </a:extLst>
+          </p:cNvPr>
+          <p:cNvPicPr>
+            <a:picLocks noChangeAspect="1"/>
+          </p:cNvPicPr>
+          <p:nvPr/>
+        </p:nvPicPr>
+        <p:blipFill>
+          <a:blip r:embed="rId21">
+            <a:extLst>
+              <a:ext uri="{96DAC541-7B7A-43D3-8B79-37D633B846F1}">
+                <asvg:svgBlip xmlns:asvg="http://schemas.microsoft.com/office/drawing/2016/SVG/main" r:embed="rId22"/>
+              </a:ext>
+            </a:extLst>
+          </a:blip>
+          <a:stretch>
+            <a:fillRect/>
+          </a:stretch>
+        </p:blipFill>
+        <p:spPr>
+          <a:xfrm>
+            <a:off x="2093116" y="2542741"/>
+            <a:ext cx="373808" cy="373808"/>
+          </a:xfrm>
+          <a:prstGeom prst="rect">
+            <a:avLst/>
+          </a:prstGeom>
+        </p:spPr>
+      </p:pic>
+      <p:pic>
+        <p:nvPicPr>
+          <p:cNvPr id="110" name="Graphique 109" descr="Profil femelle">
+            <a:extLst>
+              <a:ext uri="{FF2B5EF4-FFF2-40B4-BE49-F238E27FC236}">
+                <a16:creationId xmlns:a16="http://schemas.microsoft.com/office/drawing/2014/main" id="{5AB91A78-9432-4CA3-BCC2-D0A49E6AEA81}"/>
+              </a:ext>
+            </a:extLst>
+          </p:cNvPr>
+          <p:cNvPicPr>
+            <a:picLocks noChangeAspect="1"/>
+          </p:cNvPicPr>
+          <p:nvPr/>
+        </p:nvPicPr>
+        <p:blipFill>
+          <a:blip r:embed="rId19">
+            <a:extLst>
+              <a:ext uri="{96DAC541-7B7A-43D3-8B79-37D633B846F1}">
+                <asvg:svgBlip xmlns:asvg="http://schemas.microsoft.com/office/drawing/2016/SVG/main" r:embed="rId20"/>
+              </a:ext>
+            </a:extLst>
+          </a:blip>
+          <a:stretch>
+            <a:fillRect/>
+          </a:stretch>
+        </p:blipFill>
+        <p:spPr>
+          <a:xfrm>
+            <a:off x="2379847" y="2634103"/>
+            <a:ext cx="373808" cy="373808"/>
+          </a:xfrm>
+          <a:prstGeom prst="rect">
+            <a:avLst/>
+          </a:prstGeom>
+        </p:spPr>
+      </p:pic>
+      <p:pic>
+        <p:nvPicPr>
+          <p:cNvPr id="111" name="Graphique 110" descr="Profil mâle">
+            <a:extLst>
+              <a:ext uri="{FF2B5EF4-FFF2-40B4-BE49-F238E27FC236}">
+                <a16:creationId xmlns:a16="http://schemas.microsoft.com/office/drawing/2014/main" id="{A55F3311-5A27-4C33-A0DC-A9DDE28E5147}"/>
+              </a:ext>
+            </a:extLst>
+          </p:cNvPr>
+          <p:cNvPicPr>
+            <a:picLocks noChangeAspect="1"/>
+          </p:cNvPicPr>
+          <p:nvPr/>
+        </p:nvPicPr>
+        <p:blipFill>
+          <a:blip r:embed="rId21">
+            <a:extLst>
+              <a:ext uri="{96DAC541-7B7A-43D3-8B79-37D633B846F1}">
+                <asvg:svgBlip xmlns:asvg="http://schemas.microsoft.com/office/drawing/2016/SVG/main" r:embed="rId22"/>
+              </a:ext>
+            </a:extLst>
+          </a:blip>
+          <a:stretch>
+            <a:fillRect/>
+          </a:stretch>
+        </p:blipFill>
+        <p:spPr>
+          <a:xfrm>
+            <a:off x="2227760" y="2695141"/>
+            <a:ext cx="373808" cy="373808"/>
+          </a:xfrm>
+          <a:prstGeom prst="rect">
+            <a:avLst/>
+          </a:prstGeom>
+        </p:spPr>
+      </p:pic>
+      <p:pic>
+        <p:nvPicPr>
+          <p:cNvPr id="112" name="Graphique 111" descr="Profil femelle">
+            <a:extLst>
+              <a:ext uri="{FF2B5EF4-FFF2-40B4-BE49-F238E27FC236}">
+                <a16:creationId xmlns:a16="http://schemas.microsoft.com/office/drawing/2014/main" id="{907EC4D3-99EF-4699-9C7D-F17C8130CA0C}"/>
+              </a:ext>
+            </a:extLst>
+          </p:cNvPr>
+          <p:cNvPicPr>
+            <a:picLocks noChangeAspect="1"/>
+          </p:cNvPicPr>
+          <p:nvPr/>
+        </p:nvPicPr>
+        <p:blipFill>
+          <a:blip r:embed="rId23">
+            <a:extLst>
+              <a:ext uri="{96DAC541-7B7A-43D3-8B79-37D633B846F1}">
+                <asvg:svgBlip xmlns:asvg="http://schemas.microsoft.com/office/drawing/2016/SVG/main" r:embed="rId24"/>
+              </a:ext>
+            </a:extLst>
+          </a:blip>
+          <a:stretch>
+            <a:fillRect/>
+          </a:stretch>
+        </p:blipFill>
+        <p:spPr>
+          <a:xfrm>
+            <a:off x="882742" y="2074554"/>
+            <a:ext cx="373808" cy="373808"/>
+          </a:xfrm>
+          <a:prstGeom prst="rect">
+            <a:avLst/>
+          </a:prstGeom>
+        </p:spPr>
+      </p:pic>
+      <p:pic>
+        <p:nvPicPr>
+          <p:cNvPr id="113" name="Graphique 112" descr="Profil mâle">
+            <a:extLst>
+              <a:ext uri="{FF2B5EF4-FFF2-40B4-BE49-F238E27FC236}">
+                <a16:creationId xmlns:a16="http://schemas.microsoft.com/office/drawing/2014/main" id="{507FB4B7-114E-4C89-AE35-466F82762E75}"/>
+              </a:ext>
+            </a:extLst>
+          </p:cNvPr>
+          <p:cNvPicPr>
+            <a:picLocks noChangeAspect="1"/>
+          </p:cNvPicPr>
+          <p:nvPr/>
+        </p:nvPicPr>
+        <p:blipFill>
+          <a:blip r:embed="rId25">
+            <a:extLst>
+              <a:ext uri="{96DAC541-7B7A-43D3-8B79-37D633B846F1}">
+                <asvg:svgBlip xmlns:asvg="http://schemas.microsoft.com/office/drawing/2016/SVG/main" r:embed="rId26"/>
+              </a:ext>
+            </a:extLst>
+          </a:blip>
+          <a:stretch>
+            <a:fillRect/>
+          </a:stretch>
+        </p:blipFill>
+        <p:spPr>
+          <a:xfrm>
+            <a:off x="730655" y="2135592"/>
+            <a:ext cx="373808" cy="373808"/>
+          </a:xfrm>
+          <a:prstGeom prst="rect">
+            <a:avLst/>
+          </a:prstGeom>
+        </p:spPr>
+      </p:pic>
+      <p:pic>
+        <p:nvPicPr>
+          <p:cNvPr id="114" name="Graphique 113" descr="Profil femelle">
+            <a:extLst>
+              <a:ext uri="{FF2B5EF4-FFF2-40B4-BE49-F238E27FC236}">
+                <a16:creationId xmlns:a16="http://schemas.microsoft.com/office/drawing/2014/main" id="{5C1BB197-353C-4F47-877D-21AC3EF748A2}"/>
+              </a:ext>
+            </a:extLst>
+          </p:cNvPr>
+          <p:cNvPicPr>
+            <a:picLocks noChangeAspect="1"/>
+          </p:cNvPicPr>
+          <p:nvPr/>
+        </p:nvPicPr>
+        <p:blipFill>
+          <a:blip r:embed="rId23">
+            <a:extLst>
+              <a:ext uri="{96DAC541-7B7A-43D3-8B79-37D633B846F1}">
+                <asvg:svgBlip xmlns:asvg="http://schemas.microsoft.com/office/drawing/2016/SVG/main" r:embed="rId24"/>
+              </a:ext>
+            </a:extLst>
+          </a:blip>
+          <a:stretch>
+            <a:fillRect/>
+          </a:stretch>
+        </p:blipFill>
+        <p:spPr>
+          <a:xfrm>
+            <a:off x="1033186" y="2212538"/>
+            <a:ext cx="373808" cy="373808"/>
+          </a:xfrm>
+          <a:prstGeom prst="rect">
+            <a:avLst/>
+          </a:prstGeom>
+        </p:spPr>
+      </p:pic>
+      <p:pic>
+        <p:nvPicPr>
+          <p:cNvPr id="115" name="Graphique 114" descr="Profil mâle">
+            <a:extLst>
+              <a:ext uri="{FF2B5EF4-FFF2-40B4-BE49-F238E27FC236}">
+                <a16:creationId xmlns:a16="http://schemas.microsoft.com/office/drawing/2014/main" id="{8266138F-3C74-4826-8B0E-2C42CCBF0A57}"/>
+              </a:ext>
+            </a:extLst>
+          </p:cNvPr>
+          <p:cNvPicPr>
+            <a:picLocks noChangeAspect="1"/>
+          </p:cNvPicPr>
+          <p:nvPr/>
+        </p:nvPicPr>
+        <p:blipFill>
+          <a:blip r:embed="rId25">
+            <a:extLst>
+              <a:ext uri="{96DAC541-7B7A-43D3-8B79-37D633B846F1}">
+                <asvg:svgBlip xmlns:asvg="http://schemas.microsoft.com/office/drawing/2016/SVG/main" r:embed="rId26"/>
+              </a:ext>
+            </a:extLst>
+          </a:blip>
+          <a:stretch>
+            <a:fillRect/>
+          </a:stretch>
+        </p:blipFill>
+        <p:spPr>
+          <a:xfrm>
+            <a:off x="881099" y="2273576"/>
+            <a:ext cx="373808" cy="373808"/>
+          </a:xfrm>
+          <a:prstGeom prst="rect">
+            <a:avLst/>
+          </a:prstGeom>
+        </p:spPr>
+      </p:pic>
+      <p:pic>
+        <p:nvPicPr>
+          <p:cNvPr id="116" name="Graphique 115" descr="Profil femelle">
+            <a:extLst>
+              <a:ext uri="{FF2B5EF4-FFF2-40B4-BE49-F238E27FC236}">
+                <a16:creationId xmlns:a16="http://schemas.microsoft.com/office/drawing/2014/main" id="{F26495A6-1805-4FF8-92EE-ABB1FC7839BB}"/>
+              </a:ext>
+            </a:extLst>
+          </p:cNvPr>
+          <p:cNvPicPr>
+            <a:picLocks noChangeAspect="1"/>
+          </p:cNvPicPr>
+          <p:nvPr/>
+        </p:nvPicPr>
+        <p:blipFill>
+          <a:blip r:embed="rId27">
+            <a:extLst>
+              <a:ext uri="{96DAC541-7B7A-43D3-8B79-37D633B846F1}">
+                <asvg:svgBlip xmlns:asvg="http://schemas.microsoft.com/office/drawing/2016/SVG/main" r:embed="rId28"/>
+              </a:ext>
+            </a:extLst>
+          </a:blip>
+          <a:stretch>
+            <a:fillRect/>
+          </a:stretch>
+        </p:blipFill>
+        <p:spPr>
+          <a:xfrm>
+            <a:off x="959471" y="2644319"/>
+            <a:ext cx="373808" cy="373808"/>
+          </a:xfrm>
+          <a:prstGeom prst="rect">
+            <a:avLst/>
+          </a:prstGeom>
+        </p:spPr>
+      </p:pic>
+      <p:pic>
+        <p:nvPicPr>
+          <p:cNvPr id="117" name="Graphique 116" descr="Profil mâle">
+            <a:extLst>
+              <a:ext uri="{FF2B5EF4-FFF2-40B4-BE49-F238E27FC236}">
+                <a16:creationId xmlns:a16="http://schemas.microsoft.com/office/drawing/2014/main" id="{2367A467-760A-4D29-AD45-02911084F2D9}"/>
+              </a:ext>
+            </a:extLst>
+          </p:cNvPr>
+          <p:cNvPicPr>
+            <a:picLocks noChangeAspect="1"/>
+          </p:cNvPicPr>
+          <p:nvPr/>
+        </p:nvPicPr>
+        <p:blipFill>
+          <a:blip r:embed="rId29">
+            <a:extLst>
+              <a:ext uri="{96DAC541-7B7A-43D3-8B79-37D633B846F1}">
+                <asvg:svgBlip xmlns:asvg="http://schemas.microsoft.com/office/drawing/2016/SVG/main" r:embed="rId30"/>
+              </a:ext>
+            </a:extLst>
+          </a:blip>
+          <a:stretch>
+            <a:fillRect/>
+          </a:stretch>
+        </p:blipFill>
+        <p:spPr>
+          <a:xfrm>
+            <a:off x="807384" y="2705357"/>
+            <a:ext cx="373808" cy="373808"/>
+          </a:xfrm>
+          <a:prstGeom prst="rect">
+            <a:avLst/>
+          </a:prstGeom>
+        </p:spPr>
+      </p:pic>
+      <p:pic>
+        <p:nvPicPr>
+          <p:cNvPr id="118" name="Graphique 117" descr="Profil femelle">
+            <a:extLst>
+              <a:ext uri="{FF2B5EF4-FFF2-40B4-BE49-F238E27FC236}">
+                <a16:creationId xmlns:a16="http://schemas.microsoft.com/office/drawing/2014/main" id="{30679EB2-8F5F-4B31-B631-DE8B3559F28B}"/>
+              </a:ext>
+            </a:extLst>
+          </p:cNvPr>
+          <p:cNvPicPr>
+            <a:picLocks noChangeAspect="1"/>
+          </p:cNvPicPr>
+          <p:nvPr/>
+        </p:nvPicPr>
+        <p:blipFill>
+          <a:blip r:embed="rId27">
+            <a:extLst>
+              <a:ext uri="{96DAC541-7B7A-43D3-8B79-37D633B846F1}">
+                <asvg:svgBlip xmlns:asvg="http://schemas.microsoft.com/office/drawing/2016/SVG/main" r:embed="rId28"/>
+              </a:ext>
+            </a:extLst>
+          </a:blip>
+          <a:stretch>
+            <a:fillRect/>
+          </a:stretch>
+        </p:blipFill>
+        <p:spPr>
+          <a:xfrm>
+            <a:off x="1171702" y="2776900"/>
+            <a:ext cx="373808" cy="373808"/>
+          </a:xfrm>
+          <a:prstGeom prst="rect">
+            <a:avLst/>
+          </a:prstGeom>
+        </p:spPr>
+      </p:pic>
+      <p:pic>
+        <p:nvPicPr>
+          <p:cNvPr id="119" name="Graphique 118" descr="Profil mâle">
+            <a:extLst>
+              <a:ext uri="{FF2B5EF4-FFF2-40B4-BE49-F238E27FC236}">
+                <a16:creationId xmlns:a16="http://schemas.microsoft.com/office/drawing/2014/main" id="{9D23DC9F-F10F-4457-AFB3-9F227C439977}"/>
+              </a:ext>
+            </a:extLst>
+          </p:cNvPr>
+          <p:cNvPicPr>
+            <a:picLocks noChangeAspect="1"/>
+          </p:cNvPicPr>
+          <p:nvPr/>
+        </p:nvPicPr>
+        <p:blipFill>
+          <a:blip r:embed="rId29">
+            <a:extLst>
+              <a:ext uri="{96DAC541-7B7A-43D3-8B79-37D633B846F1}">
+                <asvg:svgBlip xmlns:asvg="http://schemas.microsoft.com/office/drawing/2016/SVG/main" r:embed="rId30"/>
+              </a:ext>
+            </a:extLst>
+          </a:blip>
+          <a:stretch>
+            <a:fillRect/>
+          </a:stretch>
+        </p:blipFill>
+        <p:spPr>
+          <a:xfrm>
+            <a:off x="1019615" y="2837938"/>
+            <a:ext cx="373808" cy="373808"/>
+          </a:xfrm>
+          <a:prstGeom prst="rect">
+            <a:avLst/>
+          </a:prstGeom>
+        </p:spPr>
+      </p:pic>
+      <p:pic>
+        <p:nvPicPr>
+          <p:cNvPr id="120" name="Graphique 119" descr="Profil femelle">
+            <a:extLst>
+              <a:ext uri="{FF2B5EF4-FFF2-40B4-BE49-F238E27FC236}">
+                <a16:creationId xmlns:a16="http://schemas.microsoft.com/office/drawing/2014/main" id="{F77968DF-8EF3-45C4-A81F-82FBA063FD9B}"/>
+              </a:ext>
+            </a:extLst>
+          </p:cNvPr>
+          <p:cNvPicPr>
+            <a:picLocks noChangeAspect="1"/>
+          </p:cNvPicPr>
+          <p:nvPr/>
+        </p:nvPicPr>
+        <p:blipFill>
+          <a:blip r:embed="rId27">
+            <a:extLst>
+              <a:ext uri="{96DAC541-7B7A-43D3-8B79-37D633B846F1}">
+                <asvg:svgBlip xmlns:asvg="http://schemas.microsoft.com/office/drawing/2016/SVG/main" r:embed="rId28"/>
+              </a:ext>
+            </a:extLst>
+          </a:blip>
+          <a:stretch>
+            <a:fillRect/>
+          </a:stretch>
+        </p:blipFill>
+        <p:spPr>
+          <a:xfrm>
+            <a:off x="1332884" y="2892261"/>
+            <a:ext cx="373808" cy="373808"/>
+          </a:xfrm>
+          <a:prstGeom prst="rect">
+            <a:avLst/>
+          </a:prstGeom>
+        </p:spPr>
+      </p:pic>
+      <p:pic>
+        <p:nvPicPr>
+          <p:cNvPr id="121" name="Graphique 120" descr="Profil mâle">
+            <a:extLst>
+              <a:ext uri="{FF2B5EF4-FFF2-40B4-BE49-F238E27FC236}">
+                <a16:creationId xmlns:a16="http://schemas.microsoft.com/office/drawing/2014/main" id="{5E11F94D-CF56-406B-BB2C-1C6CE0955DBD}"/>
+              </a:ext>
+            </a:extLst>
+          </p:cNvPr>
+          <p:cNvPicPr>
+            <a:picLocks noChangeAspect="1"/>
+          </p:cNvPicPr>
+          <p:nvPr/>
+        </p:nvPicPr>
+        <p:blipFill>
+          <a:blip r:embed="rId29">
+            <a:extLst>
+              <a:ext uri="{96DAC541-7B7A-43D3-8B79-37D633B846F1}">
+                <asvg:svgBlip xmlns:asvg="http://schemas.microsoft.com/office/drawing/2016/SVG/main" r:embed="rId30"/>
+              </a:ext>
+            </a:extLst>
+          </a:blip>
+          <a:stretch>
+            <a:fillRect/>
+          </a:stretch>
+        </p:blipFill>
+        <p:spPr>
+          <a:xfrm>
+            <a:off x="1180797" y="2953299"/>
+            <a:ext cx="373808" cy="373808"/>
+          </a:xfrm>
+          <a:prstGeom prst="rect">
+            <a:avLst/>
+          </a:prstGeom>
+        </p:spPr>
+      </p:pic>
+      <p:sp>
+        <p:nvSpPr>
+          <p:cNvPr id="124" name="ZoneTexte 123">
+            <a:extLst>
+              <a:ext uri="{FF2B5EF4-FFF2-40B4-BE49-F238E27FC236}">
+                <a16:creationId xmlns:a16="http://schemas.microsoft.com/office/drawing/2014/main" id="{B967443D-5698-4C1F-A751-2E61F31DEF06}"/>
+              </a:ext>
+            </a:extLst>
+          </p:cNvPr>
+          <p:cNvSpPr txBox="1"/>
+          <p:nvPr/>
+        </p:nvSpPr>
+        <p:spPr>
+          <a:xfrm>
+            <a:off x="4965665" y="1939970"/>
+            <a:ext cx="1729237" cy="646331"/>
+          </a:xfrm>
+          <a:prstGeom prst="rect">
+            <a:avLst/>
+          </a:prstGeom>
+          <a:noFill/>
+        </p:spPr>
+        <p:txBody>
+          <a:bodyPr wrap="square" rtlCol="0">
+            <a:spAutoFit/>
+          </a:bodyPr>
+          <a:lstStyle/>
+          <a:p>
+            <a:r>
+              <a:rPr lang="en-US" b="1" dirty="0">
+                <a:solidFill>
+                  <a:schemeClr val="bg1"/>
+                </a:solidFill>
+              </a:rPr>
+              <a:t>Application Analysis</a:t>
+            </a:r>
+          </a:p>
+        </p:txBody>
+      </p:sp>
+      <p:sp>
+        <p:nvSpPr>
+          <p:cNvPr id="126" name="Flèche : droite 125">
+            <a:extLst>
+              <a:ext uri="{FF2B5EF4-FFF2-40B4-BE49-F238E27FC236}">
+                <a16:creationId xmlns:a16="http://schemas.microsoft.com/office/drawing/2014/main" id="{BEB2848F-A53D-4541-92E8-84DF92638C23}"/>
+              </a:ext>
+            </a:extLst>
+          </p:cNvPr>
+          <p:cNvSpPr/>
+          <p:nvPr/>
+        </p:nvSpPr>
+        <p:spPr>
+          <a:xfrm rot="5400000">
+            <a:off x="5355569" y="1445829"/>
+            <a:ext cx="464644" cy="447924"/>
+          </a:xfrm>
+          <a:prstGeom prst="rightArrow">
+            <a:avLst/>
+          </a:prstGeom>
+          <a:solidFill>
+            <a:srgbClr val="0070C0"/>
+          </a:solidFill>
+          <a:ln>
+            <a:solidFill>
+              <a:srgbClr val="0070C0"/>
+            </a:solidFill>
+          </a:ln>
+        </p:spPr>
+        <p:style>
+          <a:lnRef idx="2">
+            <a:schemeClr val="accent1">
+              <a:shade val="50000"/>
+            </a:schemeClr>
+          </a:lnRef>
+          <a:fillRef idx="1">
+            <a:schemeClr val="accent1"/>
+          </a:fillRef>
+          <a:effectRef idx="0">
+            <a:schemeClr val="accent1"/>
+          </a:effectRef>
+          <a:fontRef idx="minor">
+            <a:schemeClr val="lt1"/>
+          </a:fontRef>
+        </p:style>
+        <p:txBody>
+          <a:bodyPr rtlCol="0" anchor="ctr"/>
+          <a:lstStyle/>
+          <a:p>
+            <a:pPr algn="ctr"/>
+            <a:endParaRPr lang="en-US" i="1" dirty="0"/>
+          </a:p>
+        </p:txBody>
+      </p:sp>
+      <p:sp>
+        <p:nvSpPr>
+          <p:cNvPr id="127" name="ZoneTexte 126">
+            <a:extLst>
+              <a:ext uri="{FF2B5EF4-FFF2-40B4-BE49-F238E27FC236}">
+                <a16:creationId xmlns:a16="http://schemas.microsoft.com/office/drawing/2014/main" id="{8E7F0088-C267-4B86-B43F-6E1C5D32D4D3}"/>
+              </a:ext>
+            </a:extLst>
+          </p:cNvPr>
+          <p:cNvSpPr txBox="1"/>
+          <p:nvPr/>
+        </p:nvSpPr>
+        <p:spPr>
+          <a:xfrm>
+            <a:off x="5780270" y="1353838"/>
+            <a:ext cx="2479930" cy="646331"/>
+          </a:xfrm>
+          <a:prstGeom prst="rect">
+            <a:avLst/>
+          </a:prstGeom>
+          <a:noFill/>
+        </p:spPr>
+        <p:txBody>
+          <a:bodyPr wrap="square">
+            <a:spAutoFit/>
+          </a:bodyPr>
+          <a:lstStyle/>
+          <a:p>
+            <a:r>
+              <a:rPr lang="en-US" i="1" dirty="0"/>
+              <a:t>Global Business Context</a:t>
+            </a:r>
+          </a:p>
+        </p:txBody>
+      </p:sp>
+      <p:sp>
+        <p:nvSpPr>
+          <p:cNvPr id="128" name="ZoneTexte 127">
+            <a:extLst>
+              <a:ext uri="{FF2B5EF4-FFF2-40B4-BE49-F238E27FC236}">
+                <a16:creationId xmlns:a16="http://schemas.microsoft.com/office/drawing/2014/main" id="{EFCB9F37-37C9-4F4D-8B55-CE527D14AA27}"/>
+              </a:ext>
+            </a:extLst>
+          </p:cNvPr>
+          <p:cNvSpPr txBox="1"/>
+          <p:nvPr/>
+        </p:nvSpPr>
+        <p:spPr>
+          <a:xfrm>
+            <a:off x="5007331" y="5651759"/>
+            <a:ext cx="1414043" cy="646331"/>
+          </a:xfrm>
+          <a:prstGeom prst="rect">
+            <a:avLst/>
+          </a:prstGeom>
+          <a:noFill/>
+        </p:spPr>
+        <p:txBody>
+          <a:bodyPr wrap="square" rtlCol="0">
+            <a:spAutoFit/>
+          </a:bodyPr>
+          <a:lstStyle/>
+          <a:p>
+            <a:r>
+              <a:rPr lang="en-US" dirty="0">
+                <a:solidFill>
+                  <a:schemeClr val="bg1"/>
+                </a:solidFill>
+              </a:rPr>
+              <a:t>Machine Learning</a:t>
+            </a:r>
+          </a:p>
+        </p:txBody>
+      </p:sp>
+      <p:pic>
+        <p:nvPicPr>
+          <p:cNvPr id="10" name="Graphique 9" descr="Coffre-fort">
+            <a:extLst>
+              <a:ext uri="{FF2B5EF4-FFF2-40B4-BE49-F238E27FC236}">
+                <a16:creationId xmlns:a16="http://schemas.microsoft.com/office/drawing/2014/main" id="{449A6F75-67BE-4ECC-B4DD-4E0CF305BF52}"/>
+              </a:ext>
+            </a:extLst>
+          </p:cNvPr>
+          <p:cNvPicPr>
+            <a:picLocks noChangeAspect="1"/>
+          </p:cNvPicPr>
+          <p:nvPr/>
+        </p:nvPicPr>
+        <p:blipFill>
+          <a:blip r:embed="rId31">
+            <a:extLst>
+              <a:ext uri="{96DAC541-7B7A-43D3-8B79-37D633B846F1}">
+                <asvg:svgBlip xmlns:asvg="http://schemas.microsoft.com/office/drawing/2016/SVG/main" r:embed="rId32"/>
+              </a:ext>
+            </a:extLst>
+          </a:blip>
+          <a:stretch>
+            <a:fillRect/>
+          </a:stretch>
+        </p:blipFill>
+        <p:spPr>
+          <a:xfrm>
+            <a:off x="7786408" y="871825"/>
+            <a:ext cx="476502" cy="476502"/>
+          </a:xfrm>
+          <a:prstGeom prst="rect">
+            <a:avLst/>
+          </a:prstGeom>
+        </p:spPr>
+      </p:pic>
+      <p:pic>
+        <p:nvPicPr>
+          <p:cNvPr id="16" name="Graphique 15" descr="Croissance de l'activité">
+            <a:extLst>
+              <a:ext uri="{FF2B5EF4-FFF2-40B4-BE49-F238E27FC236}">
+                <a16:creationId xmlns:a16="http://schemas.microsoft.com/office/drawing/2014/main" id="{D70A41FE-DAB1-4076-AE2E-061F7ADAD659}"/>
+              </a:ext>
+            </a:extLst>
+          </p:cNvPr>
+          <p:cNvPicPr>
+            <a:picLocks noChangeAspect="1"/>
+          </p:cNvPicPr>
+          <p:nvPr/>
+        </p:nvPicPr>
+        <p:blipFill>
+          <a:blip r:embed="rId33">
+            <a:extLst>
+              <a:ext uri="{96DAC541-7B7A-43D3-8B79-37D633B846F1}">
+                <asvg:svgBlip xmlns:asvg="http://schemas.microsoft.com/office/drawing/2016/SVG/main" r:embed="rId34"/>
+              </a:ext>
+            </a:extLst>
+          </a:blip>
+          <a:stretch>
+            <a:fillRect/>
+          </a:stretch>
+        </p:blipFill>
+        <p:spPr>
+          <a:xfrm>
+            <a:off x="7613647" y="502404"/>
+            <a:ext cx="432849" cy="432849"/>
+          </a:xfrm>
+          <a:prstGeom prst="rect">
+            <a:avLst/>
+          </a:prstGeom>
+        </p:spPr>
+      </p:pic>
+      <p:sp>
+        <p:nvSpPr>
+          <p:cNvPr id="21" name="ZoneTexte 20">
+            <a:extLst>
+              <a:ext uri="{FF2B5EF4-FFF2-40B4-BE49-F238E27FC236}">
+                <a16:creationId xmlns:a16="http://schemas.microsoft.com/office/drawing/2014/main" id="{ADB1EE12-AB7C-40C5-9BB2-25293B7C72F7}"/>
+              </a:ext>
+            </a:extLst>
+          </p:cNvPr>
+          <p:cNvSpPr txBox="1"/>
+          <p:nvPr/>
+        </p:nvSpPr>
+        <p:spPr>
+          <a:xfrm>
+            <a:off x="4983689" y="440424"/>
+            <a:ext cx="2449710" cy="1200329"/>
+          </a:xfrm>
+          <a:prstGeom prst="rect">
+            <a:avLst/>
+          </a:prstGeom>
+          <a:noFill/>
+        </p:spPr>
+        <p:txBody>
+          <a:bodyPr wrap="none" rtlCol="0">
+            <a:spAutoFit/>
+          </a:bodyPr>
+          <a:lstStyle/>
+          <a:p>
+            <a:r>
+              <a:rPr lang="en-US" dirty="0">
+                <a:solidFill>
+                  <a:schemeClr val="bg1"/>
+                </a:solidFill>
+              </a:rPr>
+              <a:t>Growth intentions,</a:t>
+            </a:r>
+          </a:p>
+          <a:p>
+            <a:r>
+              <a:rPr lang="en-US" dirty="0">
+                <a:solidFill>
+                  <a:schemeClr val="bg1"/>
+                </a:solidFill>
+              </a:rPr>
+              <a:t>Key rates,</a:t>
+            </a:r>
+          </a:p>
+          <a:p>
+            <a:r>
+              <a:rPr lang="en-US" dirty="0">
+                <a:solidFill>
+                  <a:schemeClr val="bg1"/>
+                </a:solidFill>
+              </a:rPr>
+              <a:t>Economic health, …</a:t>
+            </a:r>
+          </a:p>
+          <a:p>
+            <a:endParaRPr lang="en-US" dirty="0">
+              <a:solidFill>
+                <a:schemeClr val="bg1"/>
+              </a:solidFill>
+            </a:endParaRPr>
+          </a:p>
+        </p:txBody>
+      </p:sp>
+      <p:pic>
+        <p:nvPicPr>
+          <p:cNvPr id="25" name="Graphique 24" descr="Public cible">
+            <a:extLst>
+              <a:ext uri="{FF2B5EF4-FFF2-40B4-BE49-F238E27FC236}">
+                <a16:creationId xmlns:a16="http://schemas.microsoft.com/office/drawing/2014/main" id="{13FEBACD-65FC-45F3-94E5-FB470CA72FB5}"/>
+              </a:ext>
+            </a:extLst>
+          </p:cNvPr>
+          <p:cNvPicPr>
+            <a:picLocks noChangeAspect="1"/>
+          </p:cNvPicPr>
+          <p:nvPr/>
+        </p:nvPicPr>
+        <p:blipFill>
+          <a:blip r:embed="rId35">
+            <a:extLst>
+              <a:ext uri="{96DAC541-7B7A-43D3-8B79-37D633B846F1}">
+                <asvg:svgBlip xmlns:asvg="http://schemas.microsoft.com/office/drawing/2016/SVG/main" r:embed="rId36"/>
+              </a:ext>
+            </a:extLst>
+          </a:blip>
+          <a:stretch>
+            <a:fillRect/>
+          </a:stretch>
+        </p:blipFill>
+        <p:spPr>
+          <a:xfrm>
+            <a:off x="5258768" y="2546607"/>
+            <a:ext cx="602445" cy="602445"/>
+          </a:xfrm>
+          <a:prstGeom prst="rect">
+            <a:avLst/>
+          </a:prstGeom>
+        </p:spPr>
+      </p:pic>
+      <p:pic>
+        <p:nvPicPr>
+          <p:cNvPr id="29" name="Graphique 28" descr="Mille">
+            <a:extLst>
+              <a:ext uri="{FF2B5EF4-FFF2-40B4-BE49-F238E27FC236}">
+                <a16:creationId xmlns:a16="http://schemas.microsoft.com/office/drawing/2014/main" id="{E0564981-AC6C-413A-B54B-010AB4A0F047}"/>
+              </a:ext>
+            </a:extLst>
+          </p:cNvPr>
+          <p:cNvPicPr>
+            <a:picLocks noChangeAspect="1"/>
+          </p:cNvPicPr>
+          <p:nvPr/>
+        </p:nvPicPr>
+        <p:blipFill>
+          <a:blip r:embed="rId37">
+            <a:extLst>
+              <a:ext uri="{96DAC541-7B7A-43D3-8B79-37D633B846F1}">
+                <asvg:svgBlip xmlns:asvg="http://schemas.microsoft.com/office/drawing/2016/SVG/main" r:embed="rId38"/>
+              </a:ext>
+            </a:extLst>
+          </a:blip>
+          <a:stretch>
+            <a:fillRect/>
+          </a:stretch>
+        </p:blipFill>
+        <p:spPr>
+          <a:xfrm>
+            <a:off x="8049975" y="502404"/>
+            <a:ext cx="425250" cy="425250"/>
+          </a:xfrm>
+          <a:prstGeom prst="rect">
+            <a:avLst/>
+          </a:prstGeom>
+        </p:spPr>
+      </p:pic>
     </p:spTree>
     <p:extLst>
       <p:ext uri="{BB962C8B-B14F-4D97-AF65-F5344CB8AC3E}">
         <p14:creationId xmlns:p14="http://schemas.microsoft.com/office/powerpoint/2010/main" val="221115117"/>
+      </p:ext>
+    </p:extLst>
+  </p:cSld>
+  <p:clrMapOvr>
+    <a:masterClrMapping/>
+  </p:clrMapOvr>
+</p:sld>
+</file>
+
+<file path=ppt/slides/slide4.xml><?xml version="1.0" encoding="utf-8"?>
+<p:sld xmlns:a="http://schemas.openxmlformats.org/drawingml/2006/main" xmlns:r="http://schemas.openxmlformats.org/officeDocument/2006/relationships" xmlns:p="http://schemas.openxmlformats.org/presentationml/2006/main">
+  <p:cSld>
+    <p:spTree>
+      <p:nvGrpSpPr>
+        <p:cNvPr id="1" name=""/>
+        <p:cNvGrpSpPr/>
+        <p:nvPr/>
+      </p:nvGrpSpPr>
+      <p:grpSpPr>
+        <a:xfrm>
+          <a:off x="0" y="0"/>
+          <a:ext cx="0" cy="0"/>
+          <a:chOff x="0" y="0"/>
+          <a:chExt cx="0" cy="0"/>
+        </a:xfrm>
+      </p:grpSpPr>
+      <p:pic>
+        <p:nvPicPr>
+          <p:cNvPr id="12" name="Image 11">
+            <a:extLst>
+              <a:ext uri="{FF2B5EF4-FFF2-40B4-BE49-F238E27FC236}">
+                <a16:creationId xmlns:a16="http://schemas.microsoft.com/office/drawing/2014/main" id="{4E9F4397-4D49-4AE1-9B71-8DE1E04D6F8C}"/>
+              </a:ext>
+            </a:extLst>
+          </p:cNvPr>
+          <p:cNvPicPr>
+            <a:picLocks noChangeAspect="1"/>
+          </p:cNvPicPr>
+          <p:nvPr/>
+        </p:nvPicPr>
+        <p:blipFill>
+          <a:blip r:embed="rId2"/>
+          <a:stretch>
+            <a:fillRect/>
+          </a:stretch>
+        </p:blipFill>
+        <p:spPr>
+          <a:xfrm>
+            <a:off x="8505368" y="3818602"/>
+            <a:ext cx="3220567" cy="2892916"/>
+          </a:xfrm>
+          <a:prstGeom prst="rect">
+            <a:avLst/>
+          </a:prstGeom>
+        </p:spPr>
+      </p:pic>
+      <p:pic>
+        <p:nvPicPr>
+          <p:cNvPr id="5" name="Image 4">
+            <a:extLst>
+              <a:ext uri="{FF2B5EF4-FFF2-40B4-BE49-F238E27FC236}">
+                <a16:creationId xmlns:a16="http://schemas.microsoft.com/office/drawing/2014/main" id="{C9B2347D-7390-4345-96F9-911E052FD8A4}"/>
+              </a:ext>
+            </a:extLst>
+          </p:cNvPr>
+          <p:cNvPicPr>
+            <a:picLocks noChangeAspect="1"/>
+          </p:cNvPicPr>
+          <p:nvPr/>
+        </p:nvPicPr>
+        <p:blipFill>
+          <a:blip r:embed="rId3"/>
+          <a:stretch>
+            <a:fillRect/>
+          </a:stretch>
+        </p:blipFill>
+        <p:spPr>
+          <a:xfrm>
+            <a:off x="370536" y="1700940"/>
+            <a:ext cx="6363249" cy="4084983"/>
+          </a:xfrm>
+          <a:prstGeom prst="rect">
+            <a:avLst/>
+          </a:prstGeom>
+        </p:spPr>
+      </p:pic>
+      <p:sp>
+        <p:nvSpPr>
+          <p:cNvPr id="2" name="Titre 1">
+            <a:extLst>
+              <a:ext uri="{FF2B5EF4-FFF2-40B4-BE49-F238E27FC236}">
+                <a16:creationId xmlns:a16="http://schemas.microsoft.com/office/drawing/2014/main" id="{9863625D-E9E6-45EA-BB94-1B5F036D014B}"/>
+              </a:ext>
+            </a:extLst>
+          </p:cNvPr>
+          <p:cNvSpPr>
+            <a:spLocks noGrp="1"/>
+          </p:cNvSpPr>
+          <p:nvPr>
+            <p:ph type="title"/>
+          </p:nvPr>
+        </p:nvSpPr>
+        <p:spPr>
+          <a:xfrm>
+            <a:off x="666154" y="106077"/>
+            <a:ext cx="10571998" cy="970450"/>
+          </a:xfrm>
+        </p:spPr>
+        <p:txBody>
+          <a:bodyPr/>
+          <a:lstStyle/>
+          <a:p>
+            <a:r>
+              <a:rPr lang="en-US" dirty="0"/>
+              <a:t>EDA</a:t>
+            </a:r>
+          </a:p>
+        </p:txBody>
+      </p:sp>
+      <p:pic>
+        <p:nvPicPr>
+          <p:cNvPr id="4" name="Image 3">
+            <a:extLst>
+              <a:ext uri="{FF2B5EF4-FFF2-40B4-BE49-F238E27FC236}">
+                <a16:creationId xmlns:a16="http://schemas.microsoft.com/office/drawing/2014/main" id="{B8B37C45-DBB0-48BF-90A5-06A667D39238}"/>
+              </a:ext>
+            </a:extLst>
+          </p:cNvPr>
+          <p:cNvPicPr>
+            <a:picLocks noChangeAspect="1"/>
+          </p:cNvPicPr>
+          <p:nvPr/>
+        </p:nvPicPr>
+        <p:blipFill>
+          <a:blip r:embed="rId4"/>
+          <a:stretch>
+            <a:fillRect/>
+          </a:stretch>
+        </p:blipFill>
+        <p:spPr>
+          <a:xfrm>
+            <a:off x="5828910" y="1725455"/>
+            <a:ext cx="904875" cy="371475"/>
+          </a:xfrm>
+          <a:prstGeom prst="rect">
+            <a:avLst/>
+          </a:prstGeom>
+        </p:spPr>
+      </p:pic>
+      <p:sp>
+        <p:nvSpPr>
+          <p:cNvPr id="8" name="Flèche : droite 7">
+            <a:extLst>
+              <a:ext uri="{FF2B5EF4-FFF2-40B4-BE49-F238E27FC236}">
+                <a16:creationId xmlns:a16="http://schemas.microsoft.com/office/drawing/2014/main" id="{0FDE58D6-1F75-4100-B152-4A28CFCB5D27}"/>
+              </a:ext>
+            </a:extLst>
+          </p:cNvPr>
+          <p:cNvSpPr/>
+          <p:nvPr/>
+        </p:nvSpPr>
+        <p:spPr>
+          <a:xfrm>
+            <a:off x="2078181" y="2013802"/>
+            <a:ext cx="166255" cy="166255"/>
+          </a:xfrm>
+          <a:prstGeom prst="rightArrow">
+            <a:avLst/>
+          </a:prstGeom>
+          <a:solidFill>
+            <a:srgbClr val="B2B2B2"/>
+          </a:solidFill>
+          <a:ln>
+            <a:solidFill>
+              <a:srgbClr val="6DD4FF"/>
+            </a:solidFill>
+          </a:ln>
+        </p:spPr>
+        <p:style>
+          <a:lnRef idx="2">
+            <a:schemeClr val="accent1">
+              <a:shade val="50000"/>
+            </a:schemeClr>
+          </a:lnRef>
+          <a:fillRef idx="1">
+            <a:schemeClr val="accent1"/>
+          </a:fillRef>
+          <a:effectRef idx="0">
+            <a:schemeClr val="accent1"/>
+          </a:effectRef>
+          <a:fontRef idx="minor">
+            <a:schemeClr val="lt1"/>
+          </a:fontRef>
+        </p:style>
+        <p:txBody>
+          <a:bodyPr rtlCol="0" anchor="ctr"/>
+          <a:lstStyle/>
+          <a:p>
+            <a:pPr algn="ctr"/>
+            <a:endParaRPr lang="en-US"/>
+          </a:p>
+        </p:txBody>
+      </p:sp>
+      <p:sp>
+        <p:nvSpPr>
+          <p:cNvPr id="9" name="ZoneTexte 8">
+            <a:extLst>
+              <a:ext uri="{FF2B5EF4-FFF2-40B4-BE49-F238E27FC236}">
+                <a16:creationId xmlns:a16="http://schemas.microsoft.com/office/drawing/2014/main" id="{AE9A29D3-C1F0-4D95-96A0-050582F30BD6}"/>
+              </a:ext>
+            </a:extLst>
+          </p:cNvPr>
+          <p:cNvSpPr txBox="1"/>
+          <p:nvPr/>
+        </p:nvSpPr>
+        <p:spPr>
+          <a:xfrm>
+            <a:off x="666154" y="1796847"/>
+            <a:ext cx="1414233" cy="600164"/>
+          </a:xfrm>
+          <a:prstGeom prst="rect">
+            <a:avLst/>
+          </a:prstGeom>
+          <a:solidFill>
+            <a:srgbClr val="B2B2B2"/>
+          </a:solidFill>
+          <a:ln>
+            <a:solidFill>
+              <a:srgbClr val="6DD4FF"/>
+            </a:solidFill>
+          </a:ln>
+        </p:spPr>
+        <p:txBody>
+          <a:bodyPr wrap="none" rtlCol="0">
+            <a:spAutoFit/>
+          </a:bodyPr>
+          <a:lstStyle/>
+          <a:p>
+            <a:pPr algn="r"/>
+            <a:r>
+              <a:rPr lang="en-US" sz="1100" b="1" dirty="0">
+                <a:solidFill>
+                  <a:srgbClr val="6DD4FF"/>
+                </a:solidFill>
+              </a:rPr>
+              <a:t>Loan’s description</a:t>
+            </a:r>
+          </a:p>
+          <a:p>
+            <a:pPr algn="r"/>
+            <a:r>
+              <a:rPr lang="en-US" sz="1100" b="1" dirty="0">
+                <a:solidFill>
+                  <a:srgbClr val="6DD4FF"/>
+                </a:solidFill>
+              </a:rPr>
+              <a:t>+ Client’s data</a:t>
+            </a:r>
+          </a:p>
+          <a:p>
+            <a:pPr algn="r"/>
+            <a:r>
+              <a:rPr lang="en-US" sz="1100" b="1" dirty="0">
+                <a:solidFill>
+                  <a:srgbClr val="6DD4FF"/>
+                </a:solidFill>
+              </a:rPr>
+              <a:t>{</a:t>
+            </a:r>
+            <a:r>
+              <a:rPr lang="en-US" sz="1100" b="1" dirty="0" err="1">
+                <a:solidFill>
+                  <a:srgbClr val="6DD4FF"/>
+                </a:solidFill>
+              </a:rPr>
+              <a:t>train|test</a:t>
+            </a:r>
+            <a:r>
+              <a:rPr lang="en-US" sz="1100" b="1" dirty="0">
+                <a:solidFill>
+                  <a:srgbClr val="6DD4FF"/>
+                </a:solidFill>
+              </a:rPr>
+              <a:t>}</a:t>
+            </a:r>
+          </a:p>
+        </p:txBody>
+      </p:sp>
+      <p:sp>
+        <p:nvSpPr>
+          <p:cNvPr id="10" name="ZoneTexte 9">
+            <a:extLst>
+              <a:ext uri="{FF2B5EF4-FFF2-40B4-BE49-F238E27FC236}">
+                <a16:creationId xmlns:a16="http://schemas.microsoft.com/office/drawing/2014/main" id="{0A2E17D0-3B3B-40B6-B7F0-80E8E6A39F44}"/>
+              </a:ext>
+            </a:extLst>
+          </p:cNvPr>
+          <p:cNvSpPr txBox="1"/>
+          <p:nvPr/>
+        </p:nvSpPr>
+        <p:spPr>
+          <a:xfrm>
+            <a:off x="1360425" y="2557537"/>
+            <a:ext cx="1263486" cy="261610"/>
+          </a:xfrm>
+          <a:prstGeom prst="rect">
+            <a:avLst/>
+          </a:prstGeom>
+          <a:solidFill>
+            <a:srgbClr val="B2B2B2"/>
+          </a:solidFill>
+          <a:ln>
+            <a:solidFill>
+              <a:srgbClr val="6DD4FF"/>
+            </a:solidFill>
+          </a:ln>
+        </p:spPr>
+        <p:txBody>
+          <a:bodyPr wrap="none" rtlCol="0">
+            <a:spAutoFit/>
+          </a:bodyPr>
+          <a:lstStyle/>
+          <a:p>
+            <a:pPr algn="r"/>
+            <a:r>
+              <a:rPr lang="en-US" sz="1100" b="1" dirty="0">
+                <a:solidFill>
+                  <a:srgbClr val="6DD4FF"/>
+                </a:solidFill>
+              </a:rPr>
+              <a:t>“External” loans</a:t>
+            </a:r>
+          </a:p>
+        </p:txBody>
+      </p:sp>
+      <p:sp>
+        <p:nvSpPr>
+          <p:cNvPr id="11" name="ZoneTexte 10">
+            <a:extLst>
+              <a:ext uri="{FF2B5EF4-FFF2-40B4-BE49-F238E27FC236}">
+                <a16:creationId xmlns:a16="http://schemas.microsoft.com/office/drawing/2014/main" id="{25D2AD60-13E7-458A-A9DF-F33B39D302B7}"/>
+              </a:ext>
+            </a:extLst>
+          </p:cNvPr>
+          <p:cNvSpPr txBox="1"/>
+          <p:nvPr/>
+        </p:nvSpPr>
+        <p:spPr>
+          <a:xfrm>
+            <a:off x="3305157" y="2688342"/>
+            <a:ext cx="1236237" cy="261610"/>
+          </a:xfrm>
+          <a:prstGeom prst="rect">
+            <a:avLst/>
+          </a:prstGeom>
+          <a:solidFill>
+            <a:srgbClr val="B2B2B2"/>
+          </a:solidFill>
+          <a:ln>
+            <a:solidFill>
+              <a:srgbClr val="6DD4FF"/>
+            </a:solidFill>
+          </a:ln>
+        </p:spPr>
+        <p:txBody>
+          <a:bodyPr wrap="none" rtlCol="0">
+            <a:spAutoFit/>
+          </a:bodyPr>
+          <a:lstStyle/>
+          <a:p>
+            <a:pPr algn="r"/>
+            <a:r>
+              <a:rPr lang="en-US" sz="1100" b="1" dirty="0">
+                <a:solidFill>
+                  <a:srgbClr val="6DD4FF"/>
+                </a:solidFill>
+              </a:rPr>
+              <a:t>“Internal” loans</a:t>
+            </a:r>
+          </a:p>
+        </p:txBody>
+      </p:sp>
+      <p:sp>
+        <p:nvSpPr>
+          <p:cNvPr id="7" name="Flèche : droite 6">
+            <a:extLst>
+              <a:ext uri="{FF2B5EF4-FFF2-40B4-BE49-F238E27FC236}">
+                <a16:creationId xmlns:a16="http://schemas.microsoft.com/office/drawing/2014/main" id="{AE7E025C-0B8D-44B3-B92F-FCD4652668D5}"/>
+              </a:ext>
+            </a:extLst>
+          </p:cNvPr>
+          <p:cNvSpPr/>
+          <p:nvPr/>
+        </p:nvSpPr>
+        <p:spPr>
+          <a:xfrm rot="2124546">
+            <a:off x="3230005" y="2536863"/>
+            <a:ext cx="166255" cy="166255"/>
+          </a:xfrm>
+          <a:prstGeom prst="rightArrow">
+            <a:avLst/>
+          </a:prstGeom>
+          <a:solidFill>
+            <a:srgbClr val="B2B2B2"/>
+          </a:solidFill>
+          <a:ln>
+            <a:solidFill>
+              <a:srgbClr val="6DD4FF"/>
+            </a:solidFill>
+          </a:ln>
+        </p:spPr>
+        <p:style>
+          <a:lnRef idx="2">
+            <a:schemeClr val="accent1">
+              <a:shade val="50000"/>
+            </a:schemeClr>
+          </a:lnRef>
+          <a:fillRef idx="1">
+            <a:schemeClr val="accent1"/>
+          </a:fillRef>
+          <a:effectRef idx="0">
+            <a:schemeClr val="accent1"/>
+          </a:effectRef>
+          <a:fontRef idx="minor">
+            <a:schemeClr val="lt1"/>
+          </a:fontRef>
+        </p:style>
+        <p:txBody>
+          <a:bodyPr rtlCol="0" anchor="ctr"/>
+          <a:lstStyle/>
+          <a:p>
+            <a:pPr algn="ctr"/>
+            <a:endParaRPr lang="en-US"/>
+          </a:p>
+        </p:txBody>
+      </p:sp>
+      <p:sp>
+        <p:nvSpPr>
+          <p:cNvPr id="16" name="Flèche : droite 15">
+            <a:extLst>
+              <a:ext uri="{FF2B5EF4-FFF2-40B4-BE49-F238E27FC236}">
+                <a16:creationId xmlns:a16="http://schemas.microsoft.com/office/drawing/2014/main" id="{5CF49F29-202A-4155-B540-9C375594B640}"/>
+              </a:ext>
+            </a:extLst>
+          </p:cNvPr>
+          <p:cNvSpPr/>
+          <p:nvPr/>
+        </p:nvSpPr>
+        <p:spPr>
+          <a:xfrm rot="8491620">
+            <a:off x="2664922" y="2538251"/>
+            <a:ext cx="166255" cy="166255"/>
+          </a:xfrm>
+          <a:prstGeom prst="rightArrow">
+            <a:avLst/>
+          </a:prstGeom>
+          <a:solidFill>
+            <a:srgbClr val="B2B2B2"/>
+          </a:solidFill>
+          <a:ln>
+            <a:solidFill>
+              <a:srgbClr val="6DD4FF"/>
+            </a:solidFill>
+          </a:ln>
+        </p:spPr>
+        <p:style>
+          <a:lnRef idx="2">
+            <a:schemeClr val="accent1">
+              <a:shade val="50000"/>
+            </a:schemeClr>
+          </a:lnRef>
+          <a:fillRef idx="1">
+            <a:schemeClr val="accent1"/>
+          </a:fillRef>
+          <a:effectRef idx="0">
+            <a:schemeClr val="accent1"/>
+          </a:effectRef>
+          <a:fontRef idx="minor">
+            <a:schemeClr val="lt1"/>
+          </a:fontRef>
+        </p:style>
+        <p:txBody>
+          <a:bodyPr rtlCol="0" anchor="ctr"/>
+          <a:lstStyle/>
+          <a:p>
+            <a:pPr algn="ctr"/>
+            <a:endParaRPr lang="en-US"/>
+          </a:p>
+        </p:txBody>
+      </p:sp>
+      <p:sp>
+        <p:nvSpPr>
+          <p:cNvPr id="20" name="ZoneTexte 19">
+            <a:extLst>
+              <a:ext uri="{FF2B5EF4-FFF2-40B4-BE49-F238E27FC236}">
+                <a16:creationId xmlns:a16="http://schemas.microsoft.com/office/drawing/2014/main" id="{43103B3A-A548-4C40-9504-658272B73531}"/>
+              </a:ext>
+            </a:extLst>
+          </p:cNvPr>
+          <p:cNvSpPr txBox="1"/>
+          <p:nvPr/>
+        </p:nvSpPr>
+        <p:spPr>
+          <a:xfrm>
+            <a:off x="6846737" y="1129701"/>
+            <a:ext cx="5254068" cy="1015663"/>
+          </a:xfrm>
+          <a:prstGeom prst="rect">
+            <a:avLst/>
+          </a:prstGeom>
+          <a:noFill/>
+        </p:spPr>
+        <p:txBody>
+          <a:bodyPr wrap="square">
+            <a:spAutoFit/>
+          </a:bodyPr>
+          <a:lstStyle/>
+          <a:p>
+            <a:r>
+              <a:rPr lang="en-US" sz="1200" b="1" dirty="0"/>
+              <a:t>Target variable : </a:t>
+            </a:r>
+          </a:p>
+          <a:p>
+            <a:r>
+              <a:rPr lang="en-US" sz="1200" b="1" dirty="0"/>
+              <a:t>1 - </a:t>
+            </a:r>
+            <a:r>
+              <a:rPr lang="en-US" sz="1200" dirty="0"/>
+              <a:t>client with payment difficulties: he/she had late payment more than </a:t>
+            </a:r>
+            <a:r>
+              <a:rPr lang="en-US" sz="1200" b="1" dirty="0"/>
+              <a:t>X</a:t>
+            </a:r>
+            <a:r>
+              <a:rPr lang="en-US" sz="1200" dirty="0"/>
+              <a:t> days on at least one of the first </a:t>
+            </a:r>
+            <a:r>
+              <a:rPr lang="en-US" sz="1200" b="1" dirty="0"/>
+              <a:t>Y</a:t>
+            </a:r>
+            <a:r>
+              <a:rPr lang="en-US" sz="1200" dirty="0"/>
+              <a:t> installments of the loan in our sample,</a:t>
+            </a:r>
+          </a:p>
+          <a:p>
+            <a:r>
+              <a:rPr lang="en-US" sz="1200" b="1" dirty="0"/>
+              <a:t>0 - </a:t>
+            </a:r>
+            <a:r>
+              <a:rPr lang="en-US" sz="1200" dirty="0"/>
+              <a:t>all other cases</a:t>
+            </a:r>
+          </a:p>
+        </p:txBody>
+      </p:sp>
+      <p:sp>
+        <p:nvSpPr>
+          <p:cNvPr id="15" name="ZoneTexte 14">
+            <a:extLst>
+              <a:ext uri="{FF2B5EF4-FFF2-40B4-BE49-F238E27FC236}">
+                <a16:creationId xmlns:a16="http://schemas.microsoft.com/office/drawing/2014/main" id="{09A30C26-3D77-4673-A4D9-180698A12CCF}"/>
+              </a:ext>
+            </a:extLst>
+          </p:cNvPr>
+          <p:cNvSpPr txBox="1"/>
+          <p:nvPr/>
+        </p:nvSpPr>
+        <p:spPr>
+          <a:xfrm>
+            <a:off x="2631251" y="6406487"/>
+            <a:ext cx="1324402" cy="430887"/>
+          </a:xfrm>
+          <a:prstGeom prst="rect">
+            <a:avLst/>
+          </a:prstGeom>
+          <a:solidFill>
+            <a:srgbClr val="B2B2B2"/>
+          </a:solidFill>
+          <a:ln>
+            <a:solidFill>
+              <a:srgbClr val="6DD4FF"/>
+            </a:solidFill>
+          </a:ln>
+        </p:spPr>
+        <p:txBody>
+          <a:bodyPr wrap="none" rtlCol="0">
+            <a:spAutoFit/>
+          </a:bodyPr>
+          <a:lstStyle/>
+          <a:p>
+            <a:pPr algn="r"/>
+            <a:r>
+              <a:rPr lang="en-US" sz="1100" b="1" dirty="0">
+                <a:solidFill>
+                  <a:srgbClr val="6DD4FF"/>
+                </a:solidFill>
+              </a:rPr>
+              <a:t>months balance</a:t>
+            </a:r>
+          </a:p>
+          <a:p>
+            <a:pPr algn="r"/>
+            <a:r>
+              <a:rPr lang="en-US" sz="1100" b="1" dirty="0">
+                <a:solidFill>
+                  <a:srgbClr val="6DD4FF"/>
+                </a:solidFill>
+              </a:rPr>
+              <a:t>(DPD status only)</a:t>
+            </a:r>
+          </a:p>
+        </p:txBody>
+      </p:sp>
+      <p:sp>
+        <p:nvSpPr>
+          <p:cNvPr id="18" name="ZoneTexte 17">
+            <a:extLst>
+              <a:ext uri="{FF2B5EF4-FFF2-40B4-BE49-F238E27FC236}">
+                <a16:creationId xmlns:a16="http://schemas.microsoft.com/office/drawing/2014/main" id="{E472289D-5476-4811-9A0D-E1174C312DB9}"/>
+              </a:ext>
+            </a:extLst>
+          </p:cNvPr>
+          <p:cNvSpPr txBox="1"/>
+          <p:nvPr/>
+        </p:nvSpPr>
+        <p:spPr>
+          <a:xfrm>
+            <a:off x="1166344" y="6211633"/>
+            <a:ext cx="1324402" cy="430887"/>
+          </a:xfrm>
+          <a:prstGeom prst="rect">
+            <a:avLst/>
+          </a:prstGeom>
+          <a:solidFill>
+            <a:srgbClr val="B2B2B2"/>
+          </a:solidFill>
+          <a:ln>
+            <a:solidFill>
+              <a:srgbClr val="6DD4FF"/>
+            </a:solidFill>
+          </a:ln>
+        </p:spPr>
+        <p:txBody>
+          <a:bodyPr wrap="none" rtlCol="0">
+            <a:spAutoFit/>
+          </a:bodyPr>
+          <a:lstStyle/>
+          <a:p>
+            <a:pPr algn="r"/>
+            <a:r>
+              <a:rPr lang="en-US" sz="1100" b="1" dirty="0">
+                <a:solidFill>
+                  <a:srgbClr val="6DD4FF"/>
+                </a:solidFill>
+              </a:rPr>
+              <a:t>months balance</a:t>
+            </a:r>
+          </a:p>
+          <a:p>
+            <a:pPr algn="r"/>
+            <a:r>
+              <a:rPr lang="en-US" sz="1100" b="1" dirty="0">
+                <a:solidFill>
+                  <a:srgbClr val="6DD4FF"/>
+                </a:solidFill>
+              </a:rPr>
+              <a:t>(DPD status only)</a:t>
+            </a:r>
+          </a:p>
+        </p:txBody>
+      </p:sp>
+      <p:sp>
+        <p:nvSpPr>
+          <p:cNvPr id="19" name="ZoneTexte 18">
+            <a:extLst>
+              <a:ext uri="{FF2B5EF4-FFF2-40B4-BE49-F238E27FC236}">
+                <a16:creationId xmlns:a16="http://schemas.microsoft.com/office/drawing/2014/main" id="{1B78A6BA-70EE-464E-BC8B-4B8FD37AACA8}"/>
+              </a:ext>
+            </a:extLst>
+          </p:cNvPr>
+          <p:cNvSpPr txBox="1"/>
+          <p:nvPr/>
+        </p:nvSpPr>
+        <p:spPr>
+          <a:xfrm>
+            <a:off x="4103402" y="6406486"/>
+            <a:ext cx="1324402" cy="430887"/>
+          </a:xfrm>
+          <a:prstGeom prst="rect">
+            <a:avLst/>
+          </a:prstGeom>
+          <a:solidFill>
+            <a:srgbClr val="B2B2B2"/>
+          </a:solidFill>
+          <a:ln>
+            <a:solidFill>
+              <a:srgbClr val="6DD4FF"/>
+            </a:solidFill>
+          </a:ln>
+        </p:spPr>
+        <p:txBody>
+          <a:bodyPr wrap="none" rtlCol="0">
+            <a:spAutoFit/>
+          </a:bodyPr>
+          <a:lstStyle/>
+          <a:p>
+            <a:pPr algn="r"/>
+            <a:r>
+              <a:rPr lang="en-US" sz="1100" b="1" dirty="0">
+                <a:solidFill>
+                  <a:srgbClr val="6DD4FF"/>
+                </a:solidFill>
+              </a:rPr>
+              <a:t>months balance</a:t>
+            </a:r>
+          </a:p>
+          <a:p>
+            <a:pPr algn="r"/>
+            <a:r>
+              <a:rPr lang="en-US" sz="1100" b="1" dirty="0">
+                <a:solidFill>
+                  <a:srgbClr val="6DD4FF"/>
+                </a:solidFill>
+              </a:rPr>
+              <a:t>(DPD status only)</a:t>
+            </a:r>
+          </a:p>
+        </p:txBody>
+      </p:sp>
+      <p:sp>
+        <p:nvSpPr>
+          <p:cNvPr id="3" name="ZoneTexte 2">
+            <a:extLst>
+              <a:ext uri="{FF2B5EF4-FFF2-40B4-BE49-F238E27FC236}">
+                <a16:creationId xmlns:a16="http://schemas.microsoft.com/office/drawing/2014/main" id="{0A36ACDD-D923-4FB4-A1F4-0B130CC72E32}"/>
+              </a:ext>
+            </a:extLst>
+          </p:cNvPr>
+          <p:cNvSpPr txBox="1"/>
+          <p:nvPr/>
+        </p:nvSpPr>
+        <p:spPr>
+          <a:xfrm>
+            <a:off x="6829168" y="2212607"/>
+            <a:ext cx="1563248" cy="1015663"/>
+          </a:xfrm>
+          <a:prstGeom prst="rect">
+            <a:avLst/>
+          </a:prstGeom>
+          <a:noFill/>
+        </p:spPr>
+        <p:txBody>
+          <a:bodyPr wrap="none" rtlCol="0">
+            <a:spAutoFit/>
+          </a:bodyPr>
+          <a:lstStyle/>
+          <a:p>
+            <a:r>
+              <a:rPr lang="en-US" sz="1200" b="1" dirty="0"/>
+              <a:t>Failure rates :</a:t>
+            </a:r>
+          </a:p>
+          <a:p>
+            <a:pPr marL="171450" indent="-171450">
+              <a:buFontTx/>
+              <a:buChar char="-"/>
+            </a:pPr>
+            <a:r>
+              <a:rPr lang="en-US" sz="1200" b="1" i="1" dirty="0"/>
+              <a:t>Global : 8.07%</a:t>
+            </a:r>
+          </a:p>
+          <a:p>
+            <a:pPr marL="171450" indent="-171450">
+              <a:buFontTx/>
+              <a:buChar char="-"/>
+            </a:pPr>
+            <a:r>
+              <a:rPr lang="en-US" sz="1200" b="1" i="1" dirty="0">
+                <a:solidFill>
+                  <a:srgbClr val="B2B2B2"/>
+                </a:solidFill>
+              </a:rPr>
+              <a:t>Revolving </a:t>
+            </a:r>
+            <a:r>
+              <a:rPr lang="en-US" sz="1200" b="1" i="1" dirty="0"/>
+              <a:t>5.48%</a:t>
+            </a:r>
+          </a:p>
+          <a:p>
+            <a:pPr marL="171450" indent="-171450">
+              <a:buFontTx/>
+              <a:buChar char="-"/>
+            </a:pPr>
+            <a:r>
+              <a:rPr lang="en-US" sz="1200" b="1" i="1" dirty="0">
+                <a:solidFill>
+                  <a:srgbClr val="0070C0"/>
+                </a:solidFill>
+              </a:rPr>
+              <a:t>Cash </a:t>
+            </a:r>
+            <a:r>
+              <a:rPr lang="en-US" sz="1200" b="1" i="1" dirty="0"/>
+              <a:t>8.35%</a:t>
+            </a:r>
+          </a:p>
+          <a:p>
+            <a:pPr marL="171450" indent="-171450">
+              <a:buFontTx/>
+              <a:buChar char="-"/>
+            </a:pPr>
+            <a:endParaRPr lang="en-US" sz="1200" b="1" i="1" dirty="0"/>
+          </a:p>
+        </p:txBody>
+      </p:sp>
+      <p:sp>
+        <p:nvSpPr>
+          <p:cNvPr id="22" name="ZoneTexte 21">
+            <a:extLst>
+              <a:ext uri="{FF2B5EF4-FFF2-40B4-BE49-F238E27FC236}">
+                <a16:creationId xmlns:a16="http://schemas.microsoft.com/office/drawing/2014/main" id="{2A0BA1CB-6F7B-4F9E-93B1-D4CA853CFBBB}"/>
+              </a:ext>
+            </a:extLst>
+          </p:cNvPr>
+          <p:cNvSpPr txBox="1"/>
+          <p:nvPr/>
+        </p:nvSpPr>
+        <p:spPr>
+          <a:xfrm>
+            <a:off x="6970533" y="3774464"/>
+            <a:ext cx="1520284" cy="1938992"/>
+          </a:xfrm>
+          <a:prstGeom prst="rect">
+            <a:avLst/>
+          </a:prstGeom>
+          <a:noFill/>
+        </p:spPr>
+        <p:txBody>
+          <a:bodyPr wrap="square">
+            <a:spAutoFit/>
+          </a:bodyPr>
+          <a:lstStyle/>
+          <a:p>
+            <a:r>
+              <a:rPr lang="en-US" sz="1200" b="1" dirty="0"/>
+              <a:t>Credit Amounts</a:t>
+            </a:r>
+          </a:p>
+          <a:p>
+            <a:endParaRPr lang="en-US" sz="1200" b="1" dirty="0"/>
+          </a:p>
+          <a:p>
+            <a:r>
+              <a:rPr lang="en-US" sz="1200" b="1" dirty="0">
+                <a:solidFill>
+                  <a:srgbClr val="B2B2B2"/>
+                </a:solidFill>
+              </a:rPr>
+              <a:t>“revolving” </a:t>
+            </a:r>
+            <a:r>
+              <a:rPr lang="en-US" sz="1200" dirty="0"/>
+              <a:t>loans implies </a:t>
+            </a:r>
+            <a:r>
+              <a:rPr lang="en-US" sz="1200" b="1" dirty="0"/>
+              <a:t>lower amounts</a:t>
+            </a:r>
+            <a:r>
+              <a:rPr lang="en-US" sz="1200" dirty="0"/>
+              <a:t> and </a:t>
+            </a:r>
+            <a:r>
+              <a:rPr lang="en-US" sz="1200" b="1" dirty="0"/>
+              <a:t>ability </a:t>
+            </a:r>
+            <a:r>
+              <a:rPr lang="en-US" sz="1200" dirty="0"/>
+              <a:t>to cut down further non repaid expenses than for </a:t>
+            </a:r>
+            <a:r>
+              <a:rPr lang="en-US" sz="1200" b="1" dirty="0">
+                <a:solidFill>
+                  <a:srgbClr val="0070C0"/>
+                </a:solidFill>
+              </a:rPr>
+              <a:t>“cash” </a:t>
+            </a:r>
+            <a:r>
+              <a:rPr lang="en-US" sz="1200" dirty="0"/>
+              <a:t>loans.</a:t>
+            </a:r>
+          </a:p>
+        </p:txBody>
+      </p:sp>
+      <p:sp>
+        <p:nvSpPr>
+          <p:cNvPr id="24" name="ZoneTexte 23">
+            <a:extLst>
+              <a:ext uri="{FF2B5EF4-FFF2-40B4-BE49-F238E27FC236}">
+                <a16:creationId xmlns:a16="http://schemas.microsoft.com/office/drawing/2014/main" id="{6DF448D7-9C21-47F0-A072-E152308FD633}"/>
+              </a:ext>
+            </a:extLst>
+          </p:cNvPr>
+          <p:cNvSpPr txBox="1"/>
+          <p:nvPr/>
+        </p:nvSpPr>
+        <p:spPr>
+          <a:xfrm>
+            <a:off x="8935203" y="5739938"/>
+            <a:ext cx="1154767" cy="307777"/>
+          </a:xfrm>
+          <a:prstGeom prst="rect">
+            <a:avLst/>
+          </a:prstGeom>
+          <a:noFill/>
+        </p:spPr>
+        <p:txBody>
+          <a:bodyPr wrap="square">
+            <a:spAutoFit/>
+          </a:bodyPr>
+          <a:lstStyle/>
+          <a:p>
+            <a:r>
+              <a:rPr lang="en-US" sz="1400" b="1" dirty="0">
+                <a:solidFill>
+                  <a:srgbClr val="B2B2B2"/>
+                </a:solidFill>
+              </a:rPr>
+              <a:t>“revolving”</a:t>
+            </a:r>
+            <a:endParaRPr lang="en-US" sz="1400" dirty="0">
+              <a:solidFill>
+                <a:srgbClr val="B2B2B2"/>
+              </a:solidFill>
+            </a:endParaRPr>
+          </a:p>
+        </p:txBody>
+      </p:sp>
+      <p:sp>
+        <p:nvSpPr>
+          <p:cNvPr id="30" name="ZoneTexte 29">
+            <a:extLst>
+              <a:ext uri="{FF2B5EF4-FFF2-40B4-BE49-F238E27FC236}">
+                <a16:creationId xmlns:a16="http://schemas.microsoft.com/office/drawing/2014/main" id="{2D2DC31F-743D-41C3-8190-E3AB038D254C}"/>
+              </a:ext>
+            </a:extLst>
+          </p:cNvPr>
+          <p:cNvSpPr txBox="1"/>
+          <p:nvPr/>
+        </p:nvSpPr>
+        <p:spPr>
+          <a:xfrm>
+            <a:off x="9095576" y="4335065"/>
+            <a:ext cx="1520449" cy="307777"/>
+          </a:xfrm>
+          <a:prstGeom prst="rect">
+            <a:avLst/>
+          </a:prstGeom>
+          <a:noFill/>
+        </p:spPr>
+        <p:txBody>
+          <a:bodyPr wrap="square">
+            <a:spAutoFit/>
+          </a:bodyPr>
+          <a:lstStyle/>
+          <a:p>
+            <a:r>
+              <a:rPr lang="en-US" sz="1400" b="1" dirty="0">
+                <a:solidFill>
+                  <a:srgbClr val="0070C0"/>
+                </a:solidFill>
+              </a:rPr>
+              <a:t>“cash”</a:t>
+            </a:r>
+            <a:endParaRPr lang="en-US" sz="1400" dirty="0">
+              <a:solidFill>
+                <a:srgbClr val="0070C0"/>
+              </a:solidFill>
+            </a:endParaRPr>
+          </a:p>
+        </p:txBody>
+      </p:sp>
+      <p:sp>
+        <p:nvSpPr>
+          <p:cNvPr id="31" name="Espace réservé du numéro de diapositive 30">
+            <a:extLst>
+              <a:ext uri="{FF2B5EF4-FFF2-40B4-BE49-F238E27FC236}">
+                <a16:creationId xmlns:a16="http://schemas.microsoft.com/office/drawing/2014/main" id="{D7EC99C8-E68A-4393-AE6B-2C715BE55D49}"/>
+              </a:ext>
+            </a:extLst>
+          </p:cNvPr>
+          <p:cNvSpPr>
+            <a:spLocks noGrp="1"/>
+          </p:cNvSpPr>
+          <p:nvPr>
+            <p:ph type="sldNum" sz="quarter" idx="12"/>
+          </p:nvPr>
+        </p:nvSpPr>
+        <p:spPr/>
+        <p:txBody>
+          <a:bodyPr/>
+          <a:lstStyle/>
+          <a:p>
+            <a:fld id="{D57F1E4F-1CFF-5643-939E-217C01CDF565}" type="slidenum">
+              <a:rPr lang="en-US" smtClean="0"/>
+              <a:pPr/>
+              <a:t>4</a:t>
+            </a:fld>
+            <a:endParaRPr lang="en-US" dirty="0"/>
+          </a:p>
+        </p:txBody>
+      </p:sp>
+      <p:pic>
+        <p:nvPicPr>
+          <p:cNvPr id="13" name="Image 12">
+            <a:extLst>
+              <a:ext uri="{FF2B5EF4-FFF2-40B4-BE49-F238E27FC236}">
+                <a16:creationId xmlns:a16="http://schemas.microsoft.com/office/drawing/2014/main" id="{DEBB9FE2-CB35-4BFB-846C-5BBC0946D035}"/>
+              </a:ext>
+            </a:extLst>
+          </p:cNvPr>
+          <p:cNvPicPr>
+            <a:picLocks noChangeAspect="1"/>
+          </p:cNvPicPr>
+          <p:nvPr/>
+        </p:nvPicPr>
+        <p:blipFill>
+          <a:blip r:embed="rId5"/>
+          <a:stretch>
+            <a:fillRect/>
+          </a:stretch>
+        </p:blipFill>
+        <p:spPr>
+          <a:xfrm>
+            <a:off x="8505368" y="1952731"/>
+            <a:ext cx="3152775" cy="1790700"/>
+          </a:xfrm>
+          <a:prstGeom prst="rect">
+            <a:avLst/>
+          </a:prstGeom>
+        </p:spPr>
+      </p:pic>
+      <p:sp>
+        <p:nvSpPr>
+          <p:cNvPr id="21" name="ZoneTexte 20">
+            <a:extLst>
+              <a:ext uri="{FF2B5EF4-FFF2-40B4-BE49-F238E27FC236}">
+                <a16:creationId xmlns:a16="http://schemas.microsoft.com/office/drawing/2014/main" id="{7C7C8AE0-80DD-4F2E-97D8-6ED8A96658F0}"/>
+              </a:ext>
+            </a:extLst>
+          </p:cNvPr>
+          <p:cNvSpPr txBox="1"/>
+          <p:nvPr/>
+        </p:nvSpPr>
+        <p:spPr>
+          <a:xfrm>
+            <a:off x="8745663" y="1953670"/>
+            <a:ext cx="3865336" cy="230832"/>
+          </a:xfrm>
+          <a:prstGeom prst="rect">
+            <a:avLst/>
+          </a:prstGeom>
+          <a:noFill/>
+        </p:spPr>
+        <p:txBody>
+          <a:bodyPr wrap="square">
+            <a:spAutoFit/>
+          </a:bodyPr>
+          <a:lstStyle/>
+          <a:p>
+            <a:r>
+              <a:rPr lang="en-US" sz="900" b="1" dirty="0">
+                <a:solidFill>
+                  <a:schemeClr val="bg1"/>
+                </a:solidFill>
+              </a:rPr>
+              <a:t>Target Imbalance </a:t>
+            </a:r>
+            <a:r>
+              <a:rPr lang="en-US" sz="900" i="1" dirty="0">
+                <a:solidFill>
+                  <a:schemeClr val="bg1"/>
+                </a:solidFill>
+              </a:rPr>
+              <a:t>– by NAME_CONTRACT_TYPE</a:t>
+            </a:r>
+          </a:p>
+        </p:txBody>
+      </p:sp>
+      <p:sp>
+        <p:nvSpPr>
+          <p:cNvPr id="14" name="Parenthèse ouvrante 13">
+            <a:extLst>
+              <a:ext uri="{FF2B5EF4-FFF2-40B4-BE49-F238E27FC236}">
+                <a16:creationId xmlns:a16="http://schemas.microsoft.com/office/drawing/2014/main" id="{01105420-40B1-468B-AC0A-26BFBC0149B2}"/>
+              </a:ext>
+            </a:extLst>
+          </p:cNvPr>
+          <p:cNvSpPr/>
+          <p:nvPr/>
+        </p:nvSpPr>
+        <p:spPr>
+          <a:xfrm>
+            <a:off x="291201" y="1727522"/>
+            <a:ext cx="45719" cy="760690"/>
+          </a:xfrm>
+          <a:prstGeom prst="leftBracket">
+            <a:avLst/>
+          </a:prstGeom>
+          <a:ln>
+            <a:solidFill>
+              <a:schemeClr val="tx1"/>
+            </a:solidFill>
+            <a:prstDash val="dash"/>
+          </a:ln>
+        </p:spPr>
+        <p:style>
+          <a:lnRef idx="1">
+            <a:schemeClr val="accent1"/>
+          </a:lnRef>
+          <a:fillRef idx="0">
+            <a:schemeClr val="accent1"/>
+          </a:fillRef>
+          <a:effectRef idx="0">
+            <a:schemeClr val="accent1"/>
+          </a:effectRef>
+          <a:fontRef idx="minor">
+            <a:schemeClr val="tx1"/>
+          </a:fontRef>
+        </p:style>
+        <p:txBody>
+          <a:bodyPr rtlCol="0" anchor="ctr"/>
+          <a:lstStyle/>
+          <a:p>
+            <a:pPr algn="ctr"/>
+            <a:endParaRPr lang="en-US"/>
+          </a:p>
+        </p:txBody>
+      </p:sp>
+      <p:sp>
+        <p:nvSpPr>
+          <p:cNvPr id="25" name="Parenthèse ouvrante 24">
+            <a:extLst>
+              <a:ext uri="{FF2B5EF4-FFF2-40B4-BE49-F238E27FC236}">
+                <a16:creationId xmlns:a16="http://schemas.microsoft.com/office/drawing/2014/main" id="{609CE21B-9ED7-4BCA-BAA4-2E57E845BFE6}"/>
+              </a:ext>
+            </a:extLst>
+          </p:cNvPr>
+          <p:cNvSpPr/>
+          <p:nvPr/>
+        </p:nvSpPr>
+        <p:spPr>
+          <a:xfrm>
+            <a:off x="285095" y="2735907"/>
+            <a:ext cx="122474" cy="1532631"/>
+          </a:xfrm>
+          <a:prstGeom prst="leftBracket">
+            <a:avLst/>
+          </a:prstGeom>
+          <a:ln w="9525" cap="flat" cmpd="sng" algn="ctr">
+            <a:solidFill>
+              <a:schemeClr val="tx1"/>
+            </a:solidFill>
+            <a:prstDash val="dash"/>
+            <a:round/>
+            <a:headEnd type="none" w="med" len="med"/>
+            <a:tailEnd type="none" w="med" len="med"/>
+          </a:ln>
+        </p:spPr>
+        <p:style>
+          <a:lnRef idx="0">
+            <a:scrgbClr r="0" g="0" b="0"/>
+          </a:lnRef>
+          <a:fillRef idx="0">
+            <a:scrgbClr r="0" g="0" b="0"/>
+          </a:fillRef>
+          <a:effectRef idx="0">
+            <a:scrgbClr r="0" g="0" b="0"/>
+          </a:effectRef>
+          <a:fontRef idx="minor">
+            <a:schemeClr val="tx1"/>
+          </a:fontRef>
+        </p:style>
+        <p:txBody>
+          <a:bodyPr rtlCol="0" anchor="ctr"/>
+          <a:lstStyle/>
+          <a:p>
+            <a:pPr algn="ctr"/>
+            <a:endParaRPr lang="en-US"/>
+          </a:p>
+        </p:txBody>
+      </p:sp>
+      <p:sp>
+        <p:nvSpPr>
+          <p:cNvPr id="26" name="Parenthèse ouvrante 25">
+            <a:extLst>
+              <a:ext uri="{FF2B5EF4-FFF2-40B4-BE49-F238E27FC236}">
+                <a16:creationId xmlns:a16="http://schemas.microsoft.com/office/drawing/2014/main" id="{CE5D8D75-E34E-4FD7-A48E-602BF722D98A}"/>
+              </a:ext>
+            </a:extLst>
+          </p:cNvPr>
+          <p:cNvSpPr/>
+          <p:nvPr/>
+        </p:nvSpPr>
+        <p:spPr>
+          <a:xfrm>
+            <a:off x="257584" y="4837700"/>
+            <a:ext cx="79753" cy="902238"/>
+          </a:xfrm>
+          <a:prstGeom prst="leftBracket">
+            <a:avLst/>
+          </a:prstGeom>
+          <a:ln w="9525" cap="flat" cmpd="sng" algn="ctr">
+            <a:solidFill>
+              <a:schemeClr val="tx1"/>
+            </a:solidFill>
+            <a:prstDash val="dash"/>
+            <a:round/>
+            <a:headEnd type="none" w="med" len="med"/>
+            <a:tailEnd type="none" w="med" len="med"/>
+          </a:ln>
+        </p:spPr>
+        <p:style>
+          <a:lnRef idx="0">
+            <a:scrgbClr r="0" g="0" b="0"/>
+          </a:lnRef>
+          <a:fillRef idx="0">
+            <a:scrgbClr r="0" g="0" b="0"/>
+          </a:fillRef>
+          <a:effectRef idx="0">
+            <a:scrgbClr r="0" g="0" b="0"/>
+          </a:effectRef>
+          <a:fontRef idx="minor">
+            <a:schemeClr val="tx1"/>
+          </a:fontRef>
+        </p:style>
+        <p:txBody>
+          <a:bodyPr rtlCol="0" anchor="ctr"/>
+          <a:lstStyle/>
+          <a:p>
+            <a:pPr algn="ctr"/>
+            <a:endParaRPr lang="en-US"/>
+          </a:p>
+        </p:txBody>
+      </p:sp>
+      <p:sp>
+        <p:nvSpPr>
+          <p:cNvPr id="17" name="ZoneTexte 16">
+            <a:extLst>
+              <a:ext uri="{FF2B5EF4-FFF2-40B4-BE49-F238E27FC236}">
+                <a16:creationId xmlns:a16="http://schemas.microsoft.com/office/drawing/2014/main" id="{F4AB92D5-0542-47F1-B743-BD3F73B806CE}"/>
+              </a:ext>
+            </a:extLst>
+          </p:cNvPr>
+          <p:cNvSpPr txBox="1"/>
+          <p:nvPr/>
+        </p:nvSpPr>
+        <p:spPr>
+          <a:xfrm rot="16200000">
+            <a:off x="-218916" y="1999127"/>
+            <a:ext cx="732893" cy="276999"/>
+          </a:xfrm>
+          <a:prstGeom prst="rect">
+            <a:avLst/>
+          </a:prstGeom>
+          <a:noFill/>
+        </p:spPr>
+        <p:txBody>
+          <a:bodyPr wrap="none" rtlCol="0">
+            <a:spAutoFit/>
+          </a:bodyPr>
+          <a:lstStyle/>
+          <a:p>
+            <a:r>
+              <a:rPr lang="en-US" sz="1200" dirty="0"/>
+              <a:t>1</a:t>
+            </a:r>
+            <a:r>
+              <a:rPr lang="en-US" sz="1200" baseline="30000" dirty="0"/>
+              <a:t>st</a:t>
+            </a:r>
+            <a:r>
+              <a:rPr lang="en-US" sz="1200" dirty="0"/>
+              <a:t> level</a:t>
+            </a:r>
+          </a:p>
+        </p:txBody>
+      </p:sp>
+      <p:sp>
+        <p:nvSpPr>
+          <p:cNvPr id="28" name="ZoneTexte 27">
+            <a:extLst>
+              <a:ext uri="{FF2B5EF4-FFF2-40B4-BE49-F238E27FC236}">
+                <a16:creationId xmlns:a16="http://schemas.microsoft.com/office/drawing/2014/main" id="{105D1647-6227-497E-9F1D-797377572985}"/>
+              </a:ext>
+            </a:extLst>
+          </p:cNvPr>
+          <p:cNvSpPr txBox="1"/>
+          <p:nvPr/>
+        </p:nvSpPr>
+        <p:spPr>
+          <a:xfrm rot="16200000">
+            <a:off x="-258548" y="3363722"/>
+            <a:ext cx="790601" cy="276999"/>
+          </a:xfrm>
+          <a:prstGeom prst="rect">
+            <a:avLst/>
+          </a:prstGeom>
+          <a:noFill/>
+        </p:spPr>
+        <p:txBody>
+          <a:bodyPr wrap="none" rtlCol="0">
+            <a:spAutoFit/>
+          </a:bodyPr>
+          <a:lstStyle/>
+          <a:p>
+            <a:r>
+              <a:rPr lang="en-US" sz="1200" dirty="0"/>
+              <a:t>2</a:t>
+            </a:r>
+            <a:r>
+              <a:rPr lang="en-US" sz="1200" baseline="30000" dirty="0"/>
+              <a:t>nd</a:t>
+            </a:r>
+            <a:r>
+              <a:rPr lang="en-US" sz="1200" dirty="0"/>
+              <a:t> level</a:t>
+            </a:r>
+          </a:p>
+        </p:txBody>
+      </p:sp>
+      <p:sp>
+        <p:nvSpPr>
+          <p:cNvPr id="32" name="ZoneTexte 31">
+            <a:extLst>
+              <a:ext uri="{FF2B5EF4-FFF2-40B4-BE49-F238E27FC236}">
+                <a16:creationId xmlns:a16="http://schemas.microsoft.com/office/drawing/2014/main" id="{64D710CC-E468-43F8-A3CC-8EDE5AE08CE5}"/>
+              </a:ext>
+            </a:extLst>
+          </p:cNvPr>
+          <p:cNvSpPr txBox="1"/>
+          <p:nvPr/>
+        </p:nvSpPr>
+        <p:spPr>
+          <a:xfrm rot="16200000">
+            <a:off x="-258989" y="5179656"/>
+            <a:ext cx="758541" cy="276999"/>
+          </a:xfrm>
+          <a:prstGeom prst="rect">
+            <a:avLst/>
+          </a:prstGeom>
+          <a:noFill/>
+        </p:spPr>
+        <p:txBody>
+          <a:bodyPr wrap="none" rtlCol="0">
+            <a:spAutoFit/>
+          </a:bodyPr>
+          <a:lstStyle/>
+          <a:p>
+            <a:r>
+              <a:rPr lang="en-US" sz="1200" dirty="0"/>
+              <a:t>3</a:t>
+            </a:r>
+            <a:r>
+              <a:rPr lang="en-US" sz="1200" baseline="30000" dirty="0"/>
+              <a:t>rd</a:t>
+            </a:r>
+            <a:r>
+              <a:rPr lang="en-US" sz="1200" dirty="0"/>
+              <a:t> level</a:t>
+            </a:r>
+          </a:p>
+        </p:txBody>
+      </p:sp>
+    </p:spTree>
+    <p:extLst>
+      <p:ext uri="{BB962C8B-B14F-4D97-AF65-F5344CB8AC3E}">
+        <p14:creationId xmlns:p14="http://schemas.microsoft.com/office/powerpoint/2010/main" val="82235734"/>
       </p:ext>
     </p:extLst>
   </p:cSld>
@@ -11705,7 +14073,7 @@
           <p:cNvPr id="2" name="Titre 1">
             <a:extLst>
               <a:ext uri="{FF2B5EF4-FFF2-40B4-BE49-F238E27FC236}">
-                <a16:creationId xmlns:a16="http://schemas.microsoft.com/office/drawing/2014/main" id="{C668EA99-1FDF-42AF-8E30-8C8C2D7EC203}"/>
+                <a16:creationId xmlns:a16="http://schemas.microsoft.com/office/drawing/2014/main" id="{98B0D4B5-60EE-40EC-BACD-4F0105E32DA7}"/>
               </a:ext>
             </a:extLst>
           </p:cNvPr>
@@ -11721,60 +14089,264 @@
           <a:bodyPr/>
           <a:lstStyle/>
           <a:p>
+            <a:endParaRPr lang="en-US"/>
+          </a:p>
+        </p:txBody>
+      </p:sp>
+      <p:sp>
+        <p:nvSpPr>
+          <p:cNvPr id="3" name="Espace réservé du contenu 2">
+            <a:extLst>
+              <a:ext uri="{FF2B5EF4-FFF2-40B4-BE49-F238E27FC236}">
+                <a16:creationId xmlns:a16="http://schemas.microsoft.com/office/drawing/2014/main" id="{28E7D1E5-3760-457F-8D6A-5C255E0589A4}"/>
+              </a:ext>
+            </a:extLst>
+          </p:cNvPr>
+          <p:cNvSpPr>
+            <a:spLocks noGrp="1"/>
+          </p:cNvSpPr>
+          <p:nvPr>
+            <p:ph idx="1"/>
+          </p:nvPr>
+        </p:nvSpPr>
+        <p:spPr/>
+        <p:txBody>
+          <a:bodyPr/>
+          <a:lstStyle/>
+          <a:p>
             <a:r>
               <a:rPr lang="en-US" dirty="0"/>
-              <a:t>Features Engineering &amp; Aggregation</a:t>
-            </a:r>
-          </a:p>
-        </p:txBody>
-      </p:sp>
-      <p:sp>
-        <p:nvSpPr>
-          <p:cNvPr id="6" name="ZoneTexte 5">
-            <a:extLst>
-              <a:ext uri="{FF2B5EF4-FFF2-40B4-BE49-F238E27FC236}">
-                <a16:creationId xmlns:a16="http://schemas.microsoft.com/office/drawing/2014/main" id="{01550D0F-25B6-420A-A69C-1446992B30F2}"/>
-              </a:ext>
-            </a:extLst>
-          </p:cNvPr>
-          <p:cNvSpPr txBox="1"/>
-          <p:nvPr/>
-        </p:nvSpPr>
-        <p:spPr>
-          <a:xfrm>
-            <a:off x="488272" y="1775534"/>
-            <a:ext cx="1601721" cy="646331"/>
-          </a:xfrm>
-          <a:prstGeom prst="rect">
-            <a:avLst/>
-          </a:prstGeom>
-          <a:noFill/>
-        </p:spPr>
-        <p:txBody>
-          <a:bodyPr wrap="none" rtlCol="0">
-            <a:spAutoFit/>
-          </a:bodyPr>
-          <a:lstStyle/>
-          <a:p>
+              <a:t>From 3</a:t>
+            </a:r>
+            <a:r>
+              <a:rPr lang="en-US" baseline="30000" dirty="0"/>
+              <a:t>rd</a:t>
+            </a:r>
             <a:r>
               <a:rPr lang="en-US" dirty="0"/>
-              <a:t>Installments :</a:t>
-            </a:r>
-          </a:p>
-          <a:p>
+              <a:t> level to 1</a:t>
+            </a:r>
+            <a:r>
+              <a:rPr lang="en-US" baseline="30000" dirty="0"/>
+              <a:t>st</a:t>
+            </a:r>
+            <a:r>
+              <a:rPr lang="en-US" dirty="0"/>
+              <a:t> level:</a:t>
+            </a:r>
+          </a:p>
+          <a:p>
+            <a:pPr lvl="1"/>
+            <a:r>
+              <a:rPr lang="en-US" dirty="0" err="1"/>
+              <a:t>sk_id_installments</a:t>
+            </a:r>
+            <a:r>
+              <a:rPr lang="en-US" dirty="0"/>
+              <a:t>, </a:t>
+            </a:r>
+            <a:r>
+              <a:rPr lang="en-US" dirty="0" err="1"/>
+              <a:t>sk_id_focus_credit_balance</a:t>
+            </a:r>
+            <a:r>
+              <a:rPr lang="en-US" dirty="0"/>
+              <a:t>, </a:t>
+            </a:r>
+            <a:r>
+              <a:rPr lang="en-US" dirty="0" err="1"/>
+              <a:t>sk_id_card_balance</a:t>
+            </a:r>
             <a:r>
               <a:rPr lang="en-US" dirty="0"/>
               <a:t> </a:t>
             </a:r>
           </a:p>
-        </p:txBody>
-      </p:sp>
-      <p:sp>
-        <p:nvSpPr>
-          <p:cNvPr id="3" name="Espace réservé du numéro de diapositive 2">
-            <a:extLst>
-              <a:ext uri="{FF2B5EF4-FFF2-40B4-BE49-F238E27FC236}">
-                <a16:creationId xmlns:a16="http://schemas.microsoft.com/office/drawing/2014/main" id="{CD2B0032-F86E-408F-AF9C-15CED05C022F}"/>
+          <a:p>
+            <a:pPr lvl="1"/>
+            <a:r>
+              <a:rPr lang="en-US" dirty="0"/>
+              <a:t>special </a:t>
+            </a:r>
+            <a:r>
+              <a:rPr lang="en-US" dirty="0" err="1"/>
+              <a:t>sk_id_installments_agg</a:t>
+            </a:r>
+            <a:r>
+              <a:rPr lang="en-US" dirty="0"/>
+              <a:t> build from </a:t>
+            </a:r>
+            <a:r>
+              <a:rPr lang="en-US" dirty="0" err="1"/>
+              <a:t>installments_agg</a:t>
+            </a:r>
+            <a:r>
+              <a:rPr lang="en-US" dirty="0"/>
+              <a:t> (by previous loan – level 2), </a:t>
+            </a:r>
+          </a:p>
+          <a:p>
+            <a:r>
+              <a:rPr lang="en-US" dirty="0"/>
+              <a:t>From 3</a:t>
+            </a:r>
+            <a:r>
+              <a:rPr lang="en-US" baseline="30000" dirty="0"/>
+              <a:t>rd</a:t>
+            </a:r>
+            <a:r>
+              <a:rPr lang="en-US" dirty="0"/>
+              <a:t> level up to 2</a:t>
+            </a:r>
+            <a:r>
+              <a:rPr lang="en-US" baseline="30000" dirty="0"/>
+              <a:t>nd</a:t>
+            </a:r>
+            <a:r>
+              <a:rPr lang="en-US" dirty="0"/>
+              <a:t> level:</a:t>
+            </a:r>
+          </a:p>
+          <a:p>
+            <a:pPr lvl="1"/>
+            <a:r>
+              <a:rPr lang="en-US" dirty="0" err="1"/>
+              <a:t>Concat</a:t>
+            </a:r>
+            <a:r>
+              <a:rPr lang="en-US" dirty="0"/>
+              <a:t> of </a:t>
+            </a:r>
+            <a:r>
+              <a:rPr lang="en-US" dirty="0" err="1"/>
+              <a:t>credit_balance_agg</a:t>
+            </a:r>
+            <a:r>
+              <a:rPr lang="en-US" dirty="0"/>
+              <a:t> &amp; </a:t>
+            </a:r>
+            <a:r>
+              <a:rPr lang="en-US" dirty="0" err="1"/>
+              <a:t>card_balance_agg</a:t>
+            </a:r>
+            <a:r>
+              <a:rPr lang="en-US" dirty="0"/>
+              <a:t>, merged with previous loan</a:t>
+            </a:r>
+          </a:p>
+          <a:p>
+            <a:r>
+              <a:rPr lang="en-US" dirty="0"/>
+              <a:t>From 2</a:t>
+            </a:r>
+            <a:r>
+              <a:rPr lang="en-US" baseline="30000" dirty="0"/>
+              <a:t>nd</a:t>
+            </a:r>
+            <a:r>
+              <a:rPr lang="en-US" dirty="0"/>
+              <a:t> to 1</a:t>
+            </a:r>
+            <a:r>
+              <a:rPr lang="en-US" baseline="30000" dirty="0"/>
+              <a:t>st</a:t>
+            </a:r>
+            <a:r>
+              <a:rPr lang="en-US" dirty="0"/>
+              <a:t> level :</a:t>
+            </a:r>
+          </a:p>
+          <a:p>
+            <a:pPr lvl="1"/>
+            <a:r>
+              <a:rPr lang="en-US" dirty="0" err="1"/>
+              <a:t>sk_id_previous_clean</a:t>
+            </a:r>
+            <a:r>
+              <a:rPr lang="en-US" dirty="0"/>
+              <a:t> (missing </a:t>
+            </a:r>
+            <a:r>
+              <a:rPr lang="en-US" dirty="0" err="1"/>
+              <a:t>agg</a:t>
+            </a:r>
+            <a:r>
+              <a:rPr lang="en-US" dirty="0"/>
+              <a:t> removed)</a:t>
+            </a:r>
+          </a:p>
+          <a:p>
+            <a:r>
+              <a:rPr lang="en-US" dirty="0"/>
+              <a:t>From 3</a:t>
+            </a:r>
+            <a:r>
+              <a:rPr lang="en-US" baseline="30000" dirty="0"/>
+              <a:t>rd</a:t>
+            </a:r>
+            <a:r>
+              <a:rPr lang="en-US" dirty="0"/>
+              <a:t> to 2</a:t>
+            </a:r>
+            <a:r>
+              <a:rPr lang="en-US" baseline="30000" dirty="0"/>
+              <a:t>nd</a:t>
+            </a:r>
+            <a:r>
+              <a:rPr lang="en-US" dirty="0"/>
+              <a:t> to 1</a:t>
+            </a:r>
+            <a:r>
+              <a:rPr lang="en-US" baseline="30000" dirty="0"/>
+              <a:t>st</a:t>
+            </a:r>
+            <a:r>
+              <a:rPr lang="en-US" dirty="0"/>
+              <a:t> level:</a:t>
+            </a:r>
+          </a:p>
+          <a:p>
+            <a:pPr lvl="1"/>
+            <a:r>
+              <a:rPr lang="en-US" dirty="0" err="1"/>
+              <a:t>bureau_balance</a:t>
+            </a:r>
+            <a:r>
+              <a:rPr lang="en-US" dirty="0"/>
+              <a:t> </a:t>
+            </a:r>
+            <a:r>
+              <a:rPr lang="en-US" dirty="0" err="1"/>
+              <a:t>agg</a:t>
+            </a:r>
+            <a:r>
+              <a:rPr lang="en-US" dirty="0"/>
+              <a:t> to bureau then </a:t>
+            </a:r>
+            <a:r>
+              <a:rPr lang="en-US" dirty="0" err="1"/>
+              <a:t>sk_id_burea</a:t>
+            </a:r>
+            <a:r>
+              <a:rPr lang="en-US" dirty="0"/>
+              <a:t>.</a:t>
+            </a:r>
+          </a:p>
+          <a:p>
+            <a:endParaRPr lang="en-US" dirty="0"/>
+          </a:p>
+          <a:p>
+            <a:pPr lvl="1"/>
+            <a:endParaRPr lang="en-US" dirty="0"/>
+          </a:p>
+        </p:txBody>
+      </p:sp>
+      <p:sp>
+        <p:nvSpPr>
+          <p:cNvPr id="4" name="Espace réservé du numéro de diapositive 3">
+            <a:extLst>
+              <a:ext uri="{FF2B5EF4-FFF2-40B4-BE49-F238E27FC236}">
+                <a16:creationId xmlns:a16="http://schemas.microsoft.com/office/drawing/2014/main" id="{4C2EE993-F953-49DE-ADF6-E3A08ACDCE72}"/>
               </a:ext>
             </a:extLst>
           </p:cNvPr>
@@ -11799,10 +14371,40 @@
           </a:p>
         </p:txBody>
       </p:sp>
+      <p:pic>
+        <p:nvPicPr>
+          <p:cNvPr id="5" name="Image 4">
+            <a:extLst>
+              <a:ext uri="{FF2B5EF4-FFF2-40B4-BE49-F238E27FC236}">
+                <a16:creationId xmlns:a16="http://schemas.microsoft.com/office/drawing/2014/main" id="{BD94ED39-B15A-4D2B-8CBB-C8C7FED423E6}"/>
+              </a:ext>
+            </a:extLst>
+          </p:cNvPr>
+          <p:cNvPicPr>
+            <a:picLocks noChangeAspect="1"/>
+          </p:cNvPicPr>
+          <p:nvPr/>
+        </p:nvPicPr>
+        <p:blipFill>
+          <a:blip r:embed="rId2"/>
+          <a:stretch>
+            <a:fillRect/>
+          </a:stretch>
+        </p:blipFill>
+        <p:spPr>
+          <a:xfrm>
+            <a:off x="8278891" y="1322447"/>
+            <a:ext cx="2760170" cy="1957846"/>
+          </a:xfrm>
+          <a:prstGeom prst="rect">
+            <a:avLst/>
+          </a:prstGeom>
+        </p:spPr>
+      </p:pic>
     </p:spTree>
     <p:extLst>
       <p:ext uri="{BB962C8B-B14F-4D97-AF65-F5344CB8AC3E}">
-        <p14:creationId xmlns:p14="http://schemas.microsoft.com/office/powerpoint/2010/main" val="3193508236"/>
+        <p14:creationId xmlns:p14="http://schemas.microsoft.com/office/powerpoint/2010/main" val="183871243"/>
       </p:ext>
     </p:extLst>
   </p:cSld>
@@ -11834,6 +14436,147 @@
           <p:cNvPr id="2" name="Titre 1">
             <a:extLst>
               <a:ext uri="{FF2B5EF4-FFF2-40B4-BE49-F238E27FC236}">
+                <a16:creationId xmlns:a16="http://schemas.microsoft.com/office/drawing/2014/main" id="{C668EA99-1FDF-42AF-8E30-8C8C2D7EC203}"/>
+              </a:ext>
+            </a:extLst>
+          </p:cNvPr>
+          <p:cNvSpPr>
+            <a:spLocks noGrp="1"/>
+          </p:cNvSpPr>
+          <p:nvPr>
+            <p:ph type="title"/>
+          </p:nvPr>
+        </p:nvSpPr>
+        <p:spPr/>
+        <p:txBody>
+          <a:bodyPr/>
+          <a:lstStyle/>
+          <a:p>
+            <a:r>
+              <a:rPr lang="en-US" dirty="0"/>
+              <a:t>Features Engineering insights</a:t>
+            </a:r>
+          </a:p>
+        </p:txBody>
+      </p:sp>
+      <p:sp>
+        <p:nvSpPr>
+          <p:cNvPr id="6" name="ZoneTexte 5">
+            <a:extLst>
+              <a:ext uri="{FF2B5EF4-FFF2-40B4-BE49-F238E27FC236}">
+                <a16:creationId xmlns:a16="http://schemas.microsoft.com/office/drawing/2014/main" id="{01550D0F-25B6-420A-A69C-1446992B30F2}"/>
+              </a:ext>
+            </a:extLst>
+          </p:cNvPr>
+          <p:cNvSpPr txBox="1"/>
+          <p:nvPr/>
+        </p:nvSpPr>
+        <p:spPr>
+          <a:xfrm>
+            <a:off x="488273" y="1775534"/>
+            <a:ext cx="10324730" cy="1754326"/>
+          </a:xfrm>
+          <a:prstGeom prst="rect">
+            <a:avLst/>
+          </a:prstGeom>
+          <a:noFill/>
+        </p:spPr>
+        <p:txBody>
+          <a:bodyPr wrap="square" rtlCol="0">
+            <a:spAutoFit/>
+          </a:bodyPr>
+          <a:lstStyle/>
+          <a:p>
+            <a:r>
+              <a:rPr lang="en-US" dirty="0"/>
+              <a:t>N_BUR_EARLINESS_OVERDUE_RATIO : External loans early failure, calculated on the earliest failed month balance status, normalized with loan duration (0 : no failure, 1: early failure)</a:t>
+            </a:r>
+          </a:p>
+          <a:p>
+            <a:endParaRPr lang="en-US" dirty="0"/>
+          </a:p>
+          <a:p>
+            <a:r>
+              <a:rPr lang="en-US" dirty="0"/>
+              <a:t>Calculated across any loan type.</a:t>
+            </a:r>
+          </a:p>
+          <a:p>
+            <a:endParaRPr lang="en-US" dirty="0"/>
+          </a:p>
+          <a:p>
+            <a:r>
+              <a:rPr lang="en-US" dirty="0"/>
+              <a:t>N_BUR_AMT_CREDIT_DEBT_RATE : </a:t>
+            </a:r>
+          </a:p>
+        </p:txBody>
+      </p:sp>
+      <p:sp>
+        <p:nvSpPr>
+          <p:cNvPr id="3" name="Espace réservé du numéro de diapositive 2">
+            <a:extLst>
+              <a:ext uri="{FF2B5EF4-FFF2-40B4-BE49-F238E27FC236}">
+                <a16:creationId xmlns:a16="http://schemas.microsoft.com/office/drawing/2014/main" id="{CD2B0032-F86E-408F-AF9C-15CED05C022F}"/>
+              </a:ext>
+            </a:extLst>
+          </p:cNvPr>
+          <p:cNvSpPr>
+            <a:spLocks noGrp="1"/>
+          </p:cNvSpPr>
+          <p:nvPr>
+            <p:ph type="sldNum" sz="quarter" idx="12"/>
+          </p:nvPr>
+        </p:nvSpPr>
+        <p:spPr/>
+        <p:txBody>
+          <a:bodyPr/>
+          <a:lstStyle/>
+          <a:p>
+            <a:fld id="{D57F1E4F-1CFF-5643-939E-217C01CDF565}" type="slidenum">
+              <a:rPr lang="en-US" smtClean="0"/>
+              <a:pPr/>
+              <a:t>6</a:t>
+            </a:fld>
+            <a:endParaRPr lang="en-US" dirty="0"/>
+          </a:p>
+        </p:txBody>
+      </p:sp>
+    </p:spTree>
+    <p:extLst>
+      <p:ext uri="{BB962C8B-B14F-4D97-AF65-F5344CB8AC3E}">
+        <p14:creationId xmlns:p14="http://schemas.microsoft.com/office/powerpoint/2010/main" val="3193508236"/>
+      </p:ext>
+    </p:extLst>
+  </p:cSld>
+  <p:clrMapOvr>
+    <a:masterClrMapping/>
+  </p:clrMapOvr>
+</p:sld>
+</file>
+
+<file path=ppt/slides/slide7.xml><?xml version="1.0" encoding="utf-8"?>
+<p:sld xmlns:a="http://schemas.openxmlformats.org/drawingml/2006/main" xmlns:r="http://schemas.openxmlformats.org/officeDocument/2006/relationships" xmlns:p="http://schemas.openxmlformats.org/presentationml/2006/main">
+  <p:cSld>
+    <p:spTree>
+      <p:nvGrpSpPr>
+        <p:cNvPr id="1" name=""/>
+        <p:cNvGrpSpPr/>
+        <p:nvPr/>
+      </p:nvGrpSpPr>
+      <p:grpSpPr>
+        <a:xfrm>
+          <a:off x="0" y="0"/>
+          <a:ext cx="0" cy="0"/>
+          <a:chOff x="0" y="0"/>
+          <a:chExt cx="0" cy="0"/>
+        </a:xfrm>
+      </p:grpSpPr>
+      <p:sp>
+        <p:nvSpPr>
+          <p:cNvPr id="2" name="Titre 1">
+            <a:extLst>
+              <a:ext uri="{FF2B5EF4-FFF2-40B4-BE49-F238E27FC236}">
                 <a16:creationId xmlns:a16="http://schemas.microsoft.com/office/drawing/2014/main" id="{F54E0405-53DF-4F99-B6A5-5436AADB1DDD}"/>
               </a:ext>
             </a:extLst>
@@ -12370,7 +15113,7 @@
             <a:fld id="{D57F1E4F-1CFF-5643-939E-217C01CDF565}" type="slidenum">
               <a:rPr lang="en-US" smtClean="0"/>
               <a:pPr/>
-              <a:t>6</a:t>
+              <a:t>7</a:t>
             </a:fld>
             <a:endParaRPr lang="en-US" dirty="0"/>
           </a:p>
@@ -12389,7 +15132,7 @@
 </p:sld>
 </file>
 
-<file path=ppt/slides/slide7.xml><?xml version="1.0" encoding="utf-8"?>
+<file path=ppt/slides/slide8.xml><?xml version="1.0" encoding="utf-8"?>
 <p:sld xmlns:a="http://schemas.openxmlformats.org/drawingml/2006/main" xmlns:r="http://schemas.openxmlformats.org/officeDocument/2006/relationships" xmlns:p="http://schemas.openxmlformats.org/presentationml/2006/main">
   <p:cSld>
     <p:spTree>
@@ -13988,7 +16731,7 @@
             <a:fld id="{D57F1E4F-1CFF-5643-939E-217C01CDF565}" type="slidenum">
               <a:rPr lang="en-US" smtClean="0"/>
               <a:pPr/>
-              <a:t>7</a:t>
+              <a:t>8</a:t>
             </a:fld>
             <a:endParaRPr lang="en-US" dirty="0"/>
           </a:p>
@@ -14007,7 +16750,7 @@
 </p:sld>
 </file>
 
-<file path=ppt/slides/slide8.xml><?xml version="1.0" encoding="utf-8"?>
+<file path=ppt/slides/slide9.xml><?xml version="1.0" encoding="utf-8"?>
 <p:sld xmlns:a="http://schemas.openxmlformats.org/drawingml/2006/main" xmlns:r="http://schemas.openxmlformats.org/officeDocument/2006/relationships" xmlns:p="http://schemas.openxmlformats.org/presentationml/2006/main">
   <p:cSld>
     <p:spTree>
@@ -15521,7 +18264,7 @@
             <a:fld id="{D57F1E4F-1CFF-5643-939E-217C01CDF565}" type="slidenum">
               <a:rPr lang="en-US" smtClean="0"/>
               <a:pPr/>
-              <a:t>8</a:t>
+              <a:t>9</a:t>
             </a:fld>
             <a:endParaRPr lang="en-US" dirty="0"/>
           </a:p>
@@ -15754,149 +18497,6 @@
     <p:extLst>
       <p:ext uri="{BB962C8B-B14F-4D97-AF65-F5344CB8AC3E}">
         <p14:creationId xmlns:p14="http://schemas.microsoft.com/office/powerpoint/2010/main" val="1672975237"/>
-      </p:ext>
-    </p:extLst>
-  </p:cSld>
-  <p:clrMapOvr>
-    <a:masterClrMapping/>
-  </p:clrMapOvr>
-</p:sld>
-</file>
-
-<file path=ppt/slides/slide9.xml><?xml version="1.0" encoding="utf-8"?>
-<p:sld xmlns:a="http://schemas.openxmlformats.org/drawingml/2006/main" xmlns:r="http://schemas.openxmlformats.org/officeDocument/2006/relationships" xmlns:p="http://schemas.openxmlformats.org/presentationml/2006/main">
-  <p:cSld>
-    <p:spTree>
-      <p:nvGrpSpPr>
-        <p:cNvPr id="1" name=""/>
-        <p:cNvGrpSpPr/>
-        <p:nvPr/>
-      </p:nvGrpSpPr>
-      <p:grpSpPr>
-        <a:xfrm>
-          <a:off x="0" y="0"/>
-          <a:ext cx="0" cy="0"/>
-          <a:chOff x="0" y="0"/>
-          <a:chExt cx="0" cy="0"/>
-        </a:xfrm>
-      </p:grpSpPr>
-      <p:sp>
-        <p:nvSpPr>
-          <p:cNvPr id="2" name="Titre 1">
-            <a:extLst>
-              <a:ext uri="{FF2B5EF4-FFF2-40B4-BE49-F238E27FC236}">
-                <a16:creationId xmlns:a16="http://schemas.microsoft.com/office/drawing/2014/main" id="{FADEDAFA-DE07-44F7-A631-F515172E6A54}"/>
-              </a:ext>
-            </a:extLst>
-          </p:cNvPr>
-          <p:cNvSpPr>
-            <a:spLocks noGrp="1"/>
-          </p:cNvSpPr>
-          <p:nvPr>
-            <p:ph type="title"/>
-          </p:nvPr>
-        </p:nvSpPr>
-        <p:spPr/>
-        <p:txBody>
-          <a:bodyPr/>
-          <a:lstStyle/>
-          <a:p>
-            <a:r>
-              <a:rPr lang="en-US" dirty="0"/>
-              <a:t>Model</a:t>
-            </a:r>
-          </a:p>
-        </p:txBody>
-      </p:sp>
-      <p:sp>
-        <p:nvSpPr>
-          <p:cNvPr id="3" name="Espace réservé du contenu 2">
-            <a:extLst>
-              <a:ext uri="{FF2B5EF4-FFF2-40B4-BE49-F238E27FC236}">
-                <a16:creationId xmlns:a16="http://schemas.microsoft.com/office/drawing/2014/main" id="{C118B2EB-8CCF-4D4E-982E-B9EA5CBAE320}"/>
-              </a:ext>
-            </a:extLst>
-          </p:cNvPr>
-          <p:cNvSpPr>
-            <a:spLocks noGrp="1"/>
-          </p:cNvSpPr>
-          <p:nvPr>
-            <p:ph idx="1"/>
-          </p:nvPr>
-        </p:nvSpPr>
-        <p:spPr/>
-        <p:txBody>
-          <a:bodyPr/>
-          <a:lstStyle/>
-          <a:p>
-            <a:endParaRPr lang="en-US" dirty="0"/>
-          </a:p>
-        </p:txBody>
-      </p:sp>
-      <p:sp>
-        <p:nvSpPr>
-          <p:cNvPr id="4" name="Espace réservé du numéro de diapositive 3">
-            <a:extLst>
-              <a:ext uri="{FF2B5EF4-FFF2-40B4-BE49-F238E27FC236}">
-                <a16:creationId xmlns:a16="http://schemas.microsoft.com/office/drawing/2014/main" id="{68D9BEF3-5895-43F0-925A-E45CC5D8A056}"/>
-              </a:ext>
-            </a:extLst>
-          </p:cNvPr>
-          <p:cNvSpPr>
-            <a:spLocks noGrp="1"/>
-          </p:cNvSpPr>
-          <p:nvPr>
-            <p:ph type="sldNum" sz="quarter" idx="12"/>
-          </p:nvPr>
-        </p:nvSpPr>
-        <p:spPr/>
-        <p:txBody>
-          <a:bodyPr/>
-          <a:lstStyle/>
-          <a:p>
-            <a:fld id="{D57F1E4F-1CFF-5643-939E-217C01CDF565}" type="slidenum">
-              <a:rPr lang="en-US" smtClean="0"/>
-              <a:pPr/>
-              <a:t>9</a:t>
-            </a:fld>
-            <a:endParaRPr lang="en-US" dirty="0"/>
-          </a:p>
-        </p:txBody>
-      </p:sp>
-      <p:pic>
-        <p:nvPicPr>
-          <p:cNvPr id="5" name="Image 4">
-            <a:extLst>
-              <a:ext uri="{FF2B5EF4-FFF2-40B4-BE49-F238E27FC236}">
-                <a16:creationId xmlns:a16="http://schemas.microsoft.com/office/drawing/2014/main" id="{0A05D58A-64FA-45AB-A152-3D198207B792}"/>
-              </a:ext>
-            </a:extLst>
-          </p:cNvPr>
-          <p:cNvPicPr>
-            <a:picLocks noChangeAspect="1"/>
-          </p:cNvPicPr>
-          <p:nvPr/>
-        </p:nvPicPr>
-        <p:blipFill>
-          <a:blip r:embed="rId2"/>
-          <a:stretch>
-            <a:fillRect/>
-          </a:stretch>
-        </p:blipFill>
-        <p:spPr>
-          <a:xfrm>
-            <a:off x="9522403" y="158120"/>
-            <a:ext cx="2880988" cy="1649018"/>
-          </a:xfrm>
-          <a:prstGeom prst="rect">
-            <a:avLst/>
-          </a:prstGeom>
-        </p:spPr>
-      </p:pic>
-    </p:spTree>
-    <p:extLst>
-      <p:ext uri="{BB962C8B-B14F-4D97-AF65-F5344CB8AC3E}">
-        <p14:creationId xmlns:p14="http://schemas.microsoft.com/office/powerpoint/2010/main" val="3292613881"/>
       </p:ext>
     </p:extLst>
   </p:cSld>
